--- a/Intro.pptx
+++ b/Intro.pptx
@@ -25,35 +25,39 @@
     <p:sldId id="371" r:id="rId19"/>
     <p:sldId id="420" r:id="rId20"/>
     <p:sldId id="415" r:id="rId21"/>
-    <p:sldId id="301" r:id="rId22"/>
-    <p:sldId id="294" r:id="rId23"/>
-    <p:sldId id="289" r:id="rId24"/>
-    <p:sldId id="290" r:id="rId25"/>
-    <p:sldId id="295" r:id="rId26"/>
-    <p:sldId id="296" r:id="rId27"/>
-    <p:sldId id="372" r:id="rId28"/>
-    <p:sldId id="373" r:id="rId29"/>
-    <p:sldId id="298" r:id="rId30"/>
-    <p:sldId id="323" r:id="rId31"/>
-    <p:sldId id="324" r:id="rId32"/>
-    <p:sldId id="325" r:id="rId33"/>
-    <p:sldId id="326" r:id="rId34"/>
-    <p:sldId id="318" r:id="rId35"/>
-    <p:sldId id="319" r:id="rId36"/>
-    <p:sldId id="315" r:id="rId37"/>
-    <p:sldId id="316" r:id="rId38"/>
-    <p:sldId id="421" r:id="rId39"/>
-    <p:sldId id="302" r:id="rId40"/>
-    <p:sldId id="312" r:id="rId41"/>
-    <p:sldId id="321" r:id="rId42"/>
-    <p:sldId id="422" r:id="rId43"/>
-    <p:sldId id="257" r:id="rId44"/>
-    <p:sldId id="258" r:id="rId45"/>
-    <p:sldId id="263" r:id="rId46"/>
-    <p:sldId id="265" r:id="rId47"/>
-    <p:sldId id="269" r:id="rId48"/>
-    <p:sldId id="270" r:id="rId49"/>
-    <p:sldId id="313" r:id="rId50"/>
+    <p:sldId id="423" r:id="rId22"/>
+    <p:sldId id="424" r:id="rId23"/>
+    <p:sldId id="425" r:id="rId24"/>
+    <p:sldId id="301" r:id="rId25"/>
+    <p:sldId id="294" r:id="rId26"/>
+    <p:sldId id="289" r:id="rId27"/>
+    <p:sldId id="290" r:id="rId28"/>
+    <p:sldId id="295" r:id="rId29"/>
+    <p:sldId id="296" r:id="rId30"/>
+    <p:sldId id="372" r:id="rId31"/>
+    <p:sldId id="373" r:id="rId32"/>
+    <p:sldId id="426" r:id="rId33"/>
+    <p:sldId id="323" r:id="rId34"/>
+    <p:sldId id="324" r:id="rId35"/>
+    <p:sldId id="325" r:id="rId36"/>
+    <p:sldId id="326" r:id="rId37"/>
+    <p:sldId id="298" r:id="rId38"/>
+    <p:sldId id="318" r:id="rId39"/>
+    <p:sldId id="319" r:id="rId40"/>
+    <p:sldId id="315" r:id="rId41"/>
+    <p:sldId id="316" r:id="rId42"/>
+    <p:sldId id="421" r:id="rId43"/>
+    <p:sldId id="302" r:id="rId44"/>
+    <p:sldId id="312" r:id="rId45"/>
+    <p:sldId id="321" r:id="rId46"/>
+    <p:sldId id="422" r:id="rId47"/>
+    <p:sldId id="257" r:id="rId48"/>
+    <p:sldId id="258" r:id="rId49"/>
+    <p:sldId id="263" r:id="rId50"/>
+    <p:sldId id="265" r:id="rId51"/>
+    <p:sldId id="269" r:id="rId52"/>
+    <p:sldId id="270" r:id="rId53"/>
+    <p:sldId id="313" r:id="rId54"/>
   </p:sldIdLst>
   <p:sldSz cx="12192000" cy="6858000"/>
   <p:notesSz cx="6858000" cy="9144000"/>
@@ -158,6 +162,14 @@
     </p:ext>
   </p:extLst>
 </p:presentation>
+</file>
+
+<file path=ppt/revisionInfo.xml><?xml version="1.0" encoding="utf-8"?>
+<p1510:revInfo xmlns:a="http://schemas.openxmlformats.org/drawingml/2006/main" xmlns:r="http://schemas.openxmlformats.org/officeDocument/2006/relationships" xmlns:p1510="http://schemas.microsoft.com/office/powerpoint/2015/10/main">
+  <p1510:revLst>
+    <p1510:client id="{283757E5-C4D9-4FBA-8AE3-B4E2FCA9AB31}" v="465" dt="2023-03-29T08:14:00.632"/>
+  </p1510:revLst>
+</p1510:revInfo>
 </file>
 
 <file path=ppt/slideLayouts/slideLayout1.xml><?xml version="1.0" encoding="utf-8"?>
@@ -738,7 +750,7 @@
           </a:lstStyle>
           <a:p>
             <a:r>
-              <a:rPr lang="nl-NL" smtClean="0"/>
+              <a:rPr lang="nl-NL"/>
               <a:t>Klik om de stijl te bewerken</a:t>
             </a:r>
             <a:endParaRPr lang="en-US" dirty="0"/>
@@ -858,7 +870,7 @@
           </a:lstStyle>
           <a:p>
             <a:r>
-              <a:rPr lang="nl-NL" smtClean="0"/>
+              <a:rPr lang="nl-NL"/>
               <a:t>Klik om de ondertitelstijl van het model te bewerken</a:t>
             </a:r>
             <a:endParaRPr lang="en-US" dirty="0"/>
@@ -882,7 +894,7 @@
           <a:p>
             <a:fld id="{6ACDB02D-298E-4694-859A-BF6474DEFEA3}" type="datetimeFigureOut">
               <a:rPr lang="nl-NL" smtClean="0"/>
-              <a:t>28-3-2023</a:t>
+              <a:t>29-3-2023</a:t>
             </a:fld>
             <a:endParaRPr lang="nl-NL"/>
           </a:p>
@@ -982,7 +994,7 @@
           </a:lstStyle>
           <a:p>
             <a:r>
-              <a:rPr lang="nl-NL" smtClean="0"/>
+              <a:rPr lang="nl-NL"/>
               <a:t>Klik om de stijl te bewerken</a:t>
             </a:r>
             <a:endParaRPr lang="en-US" dirty="0"/>
@@ -1105,7 +1117,7 @@
           <a:p>
             <a:pPr lvl="0"/>
             <a:r>
-              <a:rPr lang="nl-NL" smtClean="0"/>
+              <a:rPr lang="nl-NL"/>
               <a:t>Tekststijl van het model bewerken</a:t>
             </a:r>
           </a:p>
@@ -1128,7 +1140,7 @@
           <a:p>
             <a:fld id="{6ACDB02D-298E-4694-859A-BF6474DEFEA3}" type="datetimeFigureOut">
               <a:rPr lang="nl-NL" smtClean="0"/>
-              <a:t>28-3-2023</a:t>
+              <a:t>29-3-2023</a:t>
             </a:fld>
             <a:endParaRPr lang="nl-NL"/>
           </a:p>
@@ -1228,7 +1240,7 @@
           </a:lstStyle>
           <a:p>
             <a:r>
-              <a:rPr lang="nl-NL" smtClean="0"/>
+              <a:rPr lang="nl-NL"/>
               <a:t>Klik om de stijl te bewerken</a:t>
             </a:r>
             <a:endParaRPr lang="en-US" dirty="0"/>
@@ -1292,7 +1304,7 @@
           <a:p>
             <a:pPr lvl="0"/>
             <a:r>
-              <a:rPr lang="nl-NL" smtClean="0"/>
+              <a:rPr lang="nl-NL"/>
               <a:t>Tekststijl van het model bewerken</a:t>
             </a:r>
           </a:p>
@@ -1414,7 +1426,7 @@
           <a:p>
             <a:pPr lvl="0"/>
             <a:r>
-              <a:rPr lang="nl-NL" smtClean="0"/>
+              <a:rPr lang="nl-NL"/>
               <a:t>Tekststijl van het model bewerken</a:t>
             </a:r>
           </a:p>
@@ -1437,7 +1449,7 @@
           <a:p>
             <a:fld id="{6ACDB02D-298E-4694-859A-BF6474DEFEA3}" type="datetimeFigureOut">
               <a:rPr lang="nl-NL" smtClean="0"/>
-              <a:t>28-3-2023</a:t>
+              <a:t>29-3-2023</a:t>
             </a:fld>
             <a:endParaRPr lang="nl-NL"/>
           </a:p>
@@ -1627,7 +1639,7 @@
           </a:lstStyle>
           <a:p>
             <a:r>
-              <a:rPr lang="nl-NL" smtClean="0"/>
+              <a:rPr lang="nl-NL"/>
               <a:t>Klik om de stijl te bewerken</a:t>
             </a:r>
             <a:endParaRPr lang="en-US" dirty="0"/>
@@ -1750,7 +1762,7 @@
           <a:p>
             <a:pPr lvl="0"/>
             <a:r>
-              <a:rPr lang="nl-NL" smtClean="0"/>
+              <a:rPr lang="nl-NL"/>
               <a:t>Tekststijl van het model bewerken</a:t>
             </a:r>
           </a:p>
@@ -1773,7 +1785,7 @@
           <a:p>
             <a:fld id="{6ACDB02D-298E-4694-859A-BF6474DEFEA3}" type="datetimeFigureOut">
               <a:rPr lang="nl-NL" smtClean="0"/>
-              <a:t>28-3-2023</a:t>
+              <a:t>29-3-2023</a:t>
             </a:fld>
             <a:endParaRPr lang="nl-NL"/>
           </a:p>
@@ -1873,7 +1885,7 @@
           </a:lstStyle>
           <a:p>
             <a:r>
-              <a:rPr lang="nl-NL" smtClean="0"/>
+              <a:rPr lang="nl-NL"/>
               <a:t>Klik om de stijl te bewerken</a:t>
             </a:r>
             <a:endParaRPr lang="en-US" dirty="0"/>
@@ -1937,7 +1949,7 @@
           <a:p>
             <a:pPr lvl="0"/>
             <a:r>
-              <a:rPr lang="nl-NL" smtClean="0"/>
+              <a:rPr lang="nl-NL"/>
               <a:t>Tekststijl van het model bewerken</a:t>
             </a:r>
           </a:p>
@@ -2059,7 +2071,7 @@
           <a:p>
             <a:pPr lvl="0"/>
             <a:r>
-              <a:rPr lang="nl-NL" smtClean="0"/>
+              <a:rPr lang="nl-NL"/>
               <a:t>Tekststijl van het model bewerken</a:t>
             </a:r>
           </a:p>
@@ -2082,7 +2094,7 @@
           <a:p>
             <a:fld id="{6ACDB02D-298E-4694-859A-BF6474DEFEA3}" type="datetimeFigureOut">
               <a:rPr lang="nl-NL" smtClean="0"/>
-              <a:t>28-3-2023</a:t>
+              <a:t>29-3-2023</a:t>
             </a:fld>
             <a:endParaRPr lang="nl-NL"/>
           </a:p>
@@ -2264,7 +2276,7 @@
           </a:lstStyle>
           <a:p>
             <a:r>
-              <a:rPr lang="nl-NL" smtClean="0"/>
+              <a:rPr lang="nl-NL"/>
               <a:t>Klik om de stijl te bewerken</a:t>
             </a:r>
             <a:endParaRPr lang="en-US" dirty="0"/>
@@ -2325,7 +2337,7 @@
           <a:p>
             <a:pPr lvl="0"/>
             <a:r>
-              <a:rPr lang="nl-NL" smtClean="0"/>
+              <a:rPr lang="nl-NL"/>
               <a:t>Tekststijl van het model bewerken</a:t>
             </a:r>
           </a:p>
@@ -2447,7 +2459,7 @@
           <a:p>
             <a:pPr lvl="0"/>
             <a:r>
-              <a:rPr lang="nl-NL" smtClean="0"/>
+              <a:rPr lang="nl-NL"/>
               <a:t>Tekststijl van het model bewerken</a:t>
             </a:r>
           </a:p>
@@ -2470,7 +2482,7 @@
           <a:p>
             <a:fld id="{6ACDB02D-298E-4694-859A-BF6474DEFEA3}" type="datetimeFigureOut">
               <a:rPr lang="nl-NL" smtClean="0"/>
-              <a:t>28-3-2023</a:t>
+              <a:t>29-3-2023</a:t>
             </a:fld>
             <a:endParaRPr lang="nl-NL"/>
           </a:p>
@@ -2559,7 +2571,7 @@
           <a:lstStyle/>
           <a:p>
             <a:r>
-              <a:rPr lang="nl-NL" smtClean="0"/>
+              <a:rPr lang="nl-NL"/>
               <a:t>Klik om de stijl te bewerken</a:t>
             </a:r>
             <a:endParaRPr lang="en-US" dirty="0"/>
@@ -2583,35 +2595,35 @@
           <a:p>
             <a:pPr lvl="0"/>
             <a:r>
-              <a:rPr lang="nl-NL" smtClean="0"/>
+              <a:rPr lang="nl-NL"/>
               <a:t>Tekststijl van het model bewerken</a:t>
             </a:r>
           </a:p>
           <a:p>
             <a:pPr lvl="1"/>
             <a:r>
-              <a:rPr lang="nl-NL" smtClean="0"/>
+              <a:rPr lang="nl-NL"/>
               <a:t>Tweede niveau</a:t>
             </a:r>
           </a:p>
           <a:p>
             <a:pPr lvl="2"/>
             <a:r>
-              <a:rPr lang="nl-NL" smtClean="0"/>
+              <a:rPr lang="nl-NL"/>
               <a:t>Derde niveau</a:t>
             </a:r>
           </a:p>
           <a:p>
             <a:pPr lvl="3"/>
             <a:r>
-              <a:rPr lang="nl-NL" smtClean="0"/>
+              <a:rPr lang="nl-NL"/>
               <a:t>Vierde niveau</a:t>
             </a:r>
           </a:p>
           <a:p>
             <a:pPr lvl="4"/>
             <a:r>
-              <a:rPr lang="nl-NL" smtClean="0"/>
+              <a:rPr lang="nl-NL"/>
               <a:t>Vijfde niveau</a:t>
             </a:r>
             <a:endParaRPr lang="en-US" dirty="0"/>
@@ -2635,7 +2647,7 @@
           <a:p>
             <a:fld id="{6ACDB02D-298E-4694-859A-BF6474DEFEA3}" type="datetimeFigureOut">
               <a:rPr lang="nl-NL" smtClean="0"/>
-              <a:t>28-3-2023</a:t>
+              <a:t>29-3-2023</a:t>
             </a:fld>
             <a:endParaRPr lang="nl-NL"/>
           </a:p>
@@ -2729,7 +2741,7 @@
           <a:lstStyle/>
           <a:p>
             <a:r>
-              <a:rPr lang="nl-NL" smtClean="0"/>
+              <a:rPr lang="nl-NL"/>
               <a:t>Klik om de stijl te bewerken</a:t>
             </a:r>
             <a:endParaRPr lang="en-US" dirty="0"/>
@@ -2758,35 +2770,35 @@
           <a:p>
             <a:pPr lvl="0"/>
             <a:r>
-              <a:rPr lang="nl-NL" smtClean="0"/>
+              <a:rPr lang="nl-NL"/>
               <a:t>Tekststijl van het model bewerken</a:t>
             </a:r>
           </a:p>
           <a:p>
             <a:pPr lvl="1"/>
             <a:r>
-              <a:rPr lang="nl-NL" smtClean="0"/>
+              <a:rPr lang="nl-NL"/>
               <a:t>Tweede niveau</a:t>
             </a:r>
           </a:p>
           <a:p>
             <a:pPr lvl="2"/>
             <a:r>
-              <a:rPr lang="nl-NL" smtClean="0"/>
+              <a:rPr lang="nl-NL"/>
               <a:t>Derde niveau</a:t>
             </a:r>
           </a:p>
           <a:p>
             <a:pPr lvl="3"/>
             <a:r>
-              <a:rPr lang="nl-NL" smtClean="0"/>
+              <a:rPr lang="nl-NL"/>
               <a:t>Vierde niveau</a:t>
             </a:r>
           </a:p>
           <a:p>
             <a:pPr lvl="4"/>
             <a:r>
-              <a:rPr lang="nl-NL" smtClean="0"/>
+              <a:rPr lang="nl-NL"/>
               <a:t>Vijfde niveau</a:t>
             </a:r>
             <a:endParaRPr lang="en-US" dirty="0"/>
@@ -2810,7 +2822,7 @@
           <a:p>
             <a:fld id="{6ACDB02D-298E-4694-859A-BF6474DEFEA3}" type="datetimeFigureOut">
               <a:rPr lang="nl-NL" smtClean="0"/>
-              <a:t>28-3-2023</a:t>
+              <a:t>29-3-2023</a:t>
             </a:fld>
             <a:endParaRPr lang="nl-NL"/>
           </a:p>
@@ -2905,7 +2917,7 @@
           </a:lstStyle>
           <a:p>
             <a:r>
-              <a:rPr lang="nl-NL" smtClean="0"/>
+              <a:rPr lang="nl-NL"/>
               <a:t>Klik om de stijl te bewerken</a:t>
             </a:r>
             <a:endParaRPr lang="en-US" dirty="0"/>
@@ -2929,35 +2941,35 @@
           <a:p>
             <a:pPr lvl="0"/>
             <a:r>
-              <a:rPr lang="nl-NL" smtClean="0"/>
+              <a:rPr lang="nl-NL"/>
               <a:t>Tekststijl van het model bewerken</a:t>
             </a:r>
           </a:p>
           <a:p>
             <a:pPr lvl="1"/>
             <a:r>
-              <a:rPr lang="nl-NL" smtClean="0"/>
+              <a:rPr lang="nl-NL"/>
               <a:t>Tweede niveau</a:t>
             </a:r>
           </a:p>
           <a:p>
             <a:pPr lvl="2"/>
             <a:r>
-              <a:rPr lang="nl-NL" smtClean="0"/>
+              <a:rPr lang="nl-NL"/>
               <a:t>Derde niveau</a:t>
             </a:r>
           </a:p>
           <a:p>
             <a:pPr lvl="3"/>
             <a:r>
-              <a:rPr lang="nl-NL" smtClean="0"/>
+              <a:rPr lang="nl-NL"/>
               <a:t>Vierde niveau</a:t>
             </a:r>
           </a:p>
           <a:p>
             <a:pPr lvl="4"/>
             <a:r>
-              <a:rPr lang="nl-NL" smtClean="0"/>
+              <a:rPr lang="nl-NL"/>
               <a:t>Vijfde niveau</a:t>
             </a:r>
             <a:endParaRPr lang="en-US" dirty="0"/>
@@ -2981,7 +2993,7 @@
           <a:p>
             <a:fld id="{6ACDB02D-298E-4694-859A-BF6474DEFEA3}" type="datetimeFigureOut">
               <a:rPr lang="nl-NL" smtClean="0"/>
-              <a:t>28-3-2023</a:t>
+              <a:t>29-3-2023</a:t>
             </a:fld>
             <a:endParaRPr lang="nl-NL"/>
           </a:p>
@@ -3079,7 +3091,7 @@
           </a:lstStyle>
           <a:p>
             <a:r>
-              <a:rPr lang="nl-NL" smtClean="0"/>
+              <a:rPr lang="nl-NL"/>
               <a:t>Klik om de stijl te bewerken</a:t>
             </a:r>
             <a:endParaRPr lang="en-US" dirty="0"/>
@@ -3200,7 +3212,7 @@
           <a:p>
             <a:pPr lvl="0"/>
             <a:r>
-              <a:rPr lang="nl-NL" smtClean="0"/>
+              <a:rPr lang="nl-NL"/>
               <a:t>Tekststijl van het model bewerken</a:t>
             </a:r>
           </a:p>
@@ -3223,7 +3235,7 @@
           <a:p>
             <a:fld id="{6ACDB02D-298E-4694-859A-BF6474DEFEA3}" type="datetimeFigureOut">
               <a:rPr lang="nl-NL" smtClean="0"/>
-              <a:t>28-3-2023</a:t>
+              <a:t>29-3-2023</a:t>
             </a:fld>
             <a:endParaRPr lang="nl-NL"/>
           </a:p>
@@ -3312,7 +3324,7 @@
           <a:lstStyle/>
           <a:p>
             <a:r>
-              <a:rPr lang="nl-NL" smtClean="0"/>
+              <a:rPr lang="nl-NL"/>
               <a:t>Klik om de stijl te bewerken</a:t>
             </a:r>
             <a:endParaRPr lang="en-US" dirty="0"/>
@@ -3341,35 +3353,35 @@
           <a:p>
             <a:pPr lvl="0"/>
             <a:r>
-              <a:rPr lang="nl-NL" smtClean="0"/>
+              <a:rPr lang="nl-NL"/>
               <a:t>Tekststijl van het model bewerken</a:t>
             </a:r>
           </a:p>
           <a:p>
             <a:pPr lvl="1"/>
             <a:r>
-              <a:rPr lang="nl-NL" smtClean="0"/>
+              <a:rPr lang="nl-NL"/>
               <a:t>Tweede niveau</a:t>
             </a:r>
           </a:p>
           <a:p>
             <a:pPr lvl="2"/>
             <a:r>
-              <a:rPr lang="nl-NL" smtClean="0"/>
+              <a:rPr lang="nl-NL"/>
               <a:t>Derde niveau</a:t>
             </a:r>
           </a:p>
           <a:p>
             <a:pPr lvl="3"/>
             <a:r>
-              <a:rPr lang="nl-NL" smtClean="0"/>
+              <a:rPr lang="nl-NL"/>
               <a:t>Vierde niveau</a:t>
             </a:r>
           </a:p>
           <a:p>
             <a:pPr lvl="4"/>
             <a:r>
-              <a:rPr lang="nl-NL" smtClean="0"/>
+              <a:rPr lang="nl-NL"/>
               <a:t>Vijfde niveau</a:t>
             </a:r>
             <a:endParaRPr lang="en-US" dirty="0"/>
@@ -3398,35 +3410,35 @@
           <a:p>
             <a:pPr lvl="0"/>
             <a:r>
-              <a:rPr lang="nl-NL" smtClean="0"/>
+              <a:rPr lang="nl-NL"/>
               <a:t>Tekststijl van het model bewerken</a:t>
             </a:r>
           </a:p>
           <a:p>
             <a:pPr lvl="1"/>
             <a:r>
-              <a:rPr lang="nl-NL" smtClean="0"/>
+              <a:rPr lang="nl-NL"/>
               <a:t>Tweede niveau</a:t>
             </a:r>
           </a:p>
           <a:p>
             <a:pPr lvl="2"/>
             <a:r>
-              <a:rPr lang="nl-NL" smtClean="0"/>
+              <a:rPr lang="nl-NL"/>
               <a:t>Derde niveau</a:t>
             </a:r>
           </a:p>
           <a:p>
             <a:pPr lvl="3"/>
             <a:r>
-              <a:rPr lang="nl-NL" smtClean="0"/>
+              <a:rPr lang="nl-NL"/>
               <a:t>Vierde niveau</a:t>
             </a:r>
           </a:p>
           <a:p>
             <a:pPr lvl="4"/>
             <a:r>
-              <a:rPr lang="nl-NL" smtClean="0"/>
+              <a:rPr lang="nl-NL"/>
               <a:t>Vijfde niveau</a:t>
             </a:r>
             <a:endParaRPr lang="en-US" dirty="0"/>
@@ -3450,7 +3462,7 @@
           <a:p>
             <a:fld id="{6ACDB02D-298E-4694-859A-BF6474DEFEA3}" type="datetimeFigureOut">
               <a:rPr lang="nl-NL" smtClean="0"/>
-              <a:t>28-3-2023</a:t>
+              <a:t>29-3-2023</a:t>
             </a:fld>
             <a:endParaRPr lang="nl-NL"/>
           </a:p>
@@ -3543,7 +3555,7 @@
           </a:lstStyle>
           <a:p>
             <a:r>
-              <a:rPr lang="nl-NL" smtClean="0"/>
+              <a:rPr lang="nl-NL"/>
               <a:t>Klik om de stijl te bewerken</a:t>
             </a:r>
             <a:endParaRPr lang="en-US" dirty="0"/>
@@ -3611,7 +3623,7 @@
           <a:p>
             <a:pPr lvl="0"/>
             <a:r>
-              <a:rPr lang="nl-NL" smtClean="0"/>
+              <a:rPr lang="nl-NL"/>
               <a:t>Tekststijl van het model bewerken</a:t>
             </a:r>
           </a:p>
@@ -3641,35 +3653,35 @@
           <a:p>
             <a:pPr lvl="0"/>
             <a:r>
-              <a:rPr lang="nl-NL" smtClean="0"/>
+              <a:rPr lang="nl-NL"/>
               <a:t>Tekststijl van het model bewerken</a:t>
             </a:r>
           </a:p>
           <a:p>
             <a:pPr lvl="1"/>
             <a:r>
-              <a:rPr lang="nl-NL" smtClean="0"/>
+              <a:rPr lang="nl-NL"/>
               <a:t>Tweede niveau</a:t>
             </a:r>
           </a:p>
           <a:p>
             <a:pPr lvl="2"/>
             <a:r>
-              <a:rPr lang="nl-NL" smtClean="0"/>
+              <a:rPr lang="nl-NL"/>
               <a:t>Derde niveau</a:t>
             </a:r>
           </a:p>
           <a:p>
             <a:pPr lvl="3"/>
             <a:r>
-              <a:rPr lang="nl-NL" smtClean="0"/>
+              <a:rPr lang="nl-NL"/>
               <a:t>Vierde niveau</a:t>
             </a:r>
           </a:p>
           <a:p>
             <a:pPr lvl="4"/>
             <a:r>
-              <a:rPr lang="nl-NL" smtClean="0"/>
+              <a:rPr lang="nl-NL"/>
               <a:t>Vijfde niveau</a:t>
             </a:r>
             <a:endParaRPr lang="en-US" dirty="0"/>
@@ -3737,7 +3749,7 @@
           <a:p>
             <a:pPr lvl="0"/>
             <a:r>
-              <a:rPr lang="nl-NL" smtClean="0"/>
+              <a:rPr lang="nl-NL"/>
               <a:t>Tekststijl van het model bewerken</a:t>
             </a:r>
           </a:p>
@@ -3767,35 +3779,35 @@
           <a:p>
             <a:pPr lvl="0"/>
             <a:r>
-              <a:rPr lang="nl-NL" smtClean="0"/>
+              <a:rPr lang="nl-NL"/>
               <a:t>Tekststijl van het model bewerken</a:t>
             </a:r>
           </a:p>
           <a:p>
             <a:pPr lvl="1"/>
             <a:r>
-              <a:rPr lang="nl-NL" smtClean="0"/>
+              <a:rPr lang="nl-NL"/>
               <a:t>Tweede niveau</a:t>
             </a:r>
           </a:p>
           <a:p>
             <a:pPr lvl="2"/>
             <a:r>
-              <a:rPr lang="nl-NL" smtClean="0"/>
+              <a:rPr lang="nl-NL"/>
               <a:t>Derde niveau</a:t>
             </a:r>
           </a:p>
           <a:p>
             <a:pPr lvl="3"/>
             <a:r>
-              <a:rPr lang="nl-NL" smtClean="0"/>
+              <a:rPr lang="nl-NL"/>
               <a:t>Vierde niveau</a:t>
             </a:r>
           </a:p>
           <a:p>
             <a:pPr lvl="4"/>
             <a:r>
-              <a:rPr lang="nl-NL" smtClean="0"/>
+              <a:rPr lang="nl-NL"/>
               <a:t>Vijfde niveau</a:t>
             </a:r>
             <a:endParaRPr lang="en-US" dirty="0"/>
@@ -3819,7 +3831,7 @@
           <a:p>
             <a:fld id="{6ACDB02D-298E-4694-859A-BF6474DEFEA3}" type="datetimeFigureOut">
               <a:rPr lang="nl-NL" smtClean="0"/>
-              <a:t>28-3-2023</a:t>
+              <a:t>29-3-2023</a:t>
             </a:fld>
             <a:endParaRPr lang="nl-NL"/>
           </a:p>
@@ -3913,7 +3925,7 @@
           <a:lstStyle/>
           <a:p>
             <a:r>
-              <a:rPr lang="nl-NL" smtClean="0"/>
+              <a:rPr lang="nl-NL"/>
               <a:t>Klik om de stijl te bewerken</a:t>
             </a:r>
             <a:endParaRPr lang="en-US" dirty="0"/>
@@ -3937,7 +3949,7 @@
           <a:p>
             <a:fld id="{6ACDB02D-298E-4694-859A-BF6474DEFEA3}" type="datetimeFigureOut">
               <a:rPr lang="nl-NL" smtClean="0"/>
-              <a:t>28-3-2023</a:t>
+              <a:t>29-3-2023</a:t>
             </a:fld>
             <a:endParaRPr lang="nl-NL"/>
           </a:p>
@@ -4027,7 +4039,7 @@
           <a:p>
             <a:fld id="{6ACDB02D-298E-4694-859A-BF6474DEFEA3}" type="datetimeFigureOut">
               <a:rPr lang="nl-NL" smtClean="0"/>
-              <a:t>28-3-2023</a:t>
+              <a:t>29-3-2023</a:t>
             </a:fld>
             <a:endParaRPr lang="nl-NL"/>
           </a:p>
@@ -4127,7 +4139,7 @@
           </a:lstStyle>
           <a:p>
             <a:r>
-              <a:rPr lang="nl-NL" smtClean="0"/>
+              <a:rPr lang="nl-NL"/>
               <a:t>Klik om de stijl te bewerken</a:t>
             </a:r>
             <a:endParaRPr lang="en-US" dirty="0"/>
@@ -4158,35 +4170,35 @@
           <a:p>
             <a:pPr lvl="0"/>
             <a:r>
-              <a:rPr lang="nl-NL" smtClean="0"/>
+              <a:rPr lang="nl-NL"/>
               <a:t>Tekststijl van het model bewerken</a:t>
             </a:r>
           </a:p>
           <a:p>
             <a:pPr lvl="1"/>
             <a:r>
-              <a:rPr lang="nl-NL" smtClean="0"/>
+              <a:rPr lang="nl-NL"/>
               <a:t>Tweede niveau</a:t>
             </a:r>
           </a:p>
           <a:p>
             <a:pPr lvl="2"/>
             <a:r>
-              <a:rPr lang="nl-NL" smtClean="0"/>
+              <a:rPr lang="nl-NL"/>
               <a:t>Derde niveau</a:t>
             </a:r>
           </a:p>
           <a:p>
             <a:pPr lvl="3"/>
             <a:r>
-              <a:rPr lang="nl-NL" smtClean="0"/>
+              <a:rPr lang="nl-NL"/>
               <a:t>Vierde niveau</a:t>
             </a:r>
           </a:p>
           <a:p>
             <a:pPr lvl="4"/>
             <a:r>
-              <a:rPr lang="nl-NL" smtClean="0"/>
+              <a:rPr lang="nl-NL"/>
               <a:t>Vijfde niveau</a:t>
             </a:r>
             <a:endParaRPr lang="en-US" dirty="0"/>
@@ -4254,7 +4266,7 @@
           <a:p>
             <a:pPr lvl="0"/>
             <a:r>
-              <a:rPr lang="nl-NL" smtClean="0"/>
+              <a:rPr lang="nl-NL"/>
               <a:t>Tekststijl van het model bewerken</a:t>
             </a:r>
           </a:p>
@@ -4277,7 +4289,7 @@
           <a:p>
             <a:fld id="{6ACDB02D-298E-4694-859A-BF6474DEFEA3}" type="datetimeFigureOut">
               <a:rPr lang="nl-NL" smtClean="0"/>
-              <a:t>28-3-2023</a:t>
+              <a:t>29-3-2023</a:t>
             </a:fld>
             <a:endParaRPr lang="nl-NL"/>
           </a:p>
@@ -4377,7 +4389,7 @@
           </a:lstStyle>
           <a:p>
             <a:r>
-              <a:rPr lang="nl-NL" smtClean="0"/>
+              <a:rPr lang="nl-NL"/>
               <a:t>Klik om de stijl te bewerken</a:t>
             </a:r>
             <a:endParaRPr lang="en-US" dirty="0"/>
@@ -4444,7 +4456,7 @@
           </a:lstStyle>
           <a:p>
             <a:r>
-              <a:rPr lang="nl-NL" smtClean="0"/>
+              <a:rPr lang="nl-NL"/>
               <a:t>Klik op het pictogram als u een afbeelding wilt toevoegen</a:t>
             </a:r>
             <a:endParaRPr lang="en-US" dirty="0"/>
@@ -4512,7 +4524,7 @@
           <a:p>
             <a:pPr lvl="0"/>
             <a:r>
-              <a:rPr lang="nl-NL" smtClean="0"/>
+              <a:rPr lang="nl-NL"/>
               <a:t>Tekststijl van het model bewerken</a:t>
             </a:r>
           </a:p>
@@ -4535,7 +4547,7 @@
           <a:p>
             <a:fld id="{6ACDB02D-298E-4694-859A-BF6474DEFEA3}" type="datetimeFigureOut">
               <a:rPr lang="nl-NL" smtClean="0"/>
-              <a:t>28-3-2023</a:t>
+              <a:t>29-3-2023</a:t>
             </a:fld>
             <a:endParaRPr lang="nl-NL"/>
           </a:p>
@@ -5169,7 +5181,7 @@
           <a:lstStyle/>
           <a:p>
             <a:r>
-              <a:rPr lang="nl-NL" smtClean="0"/>
+              <a:rPr lang="nl-NL"/>
               <a:t>Klik om de stijl te bewerken</a:t>
             </a:r>
             <a:endParaRPr lang="en-US" dirty="0"/>
@@ -5203,35 +5215,35 @@
           <a:p>
             <a:pPr lvl="0"/>
             <a:r>
-              <a:rPr lang="nl-NL" smtClean="0"/>
+              <a:rPr lang="nl-NL"/>
               <a:t>Tekststijl van het model bewerken</a:t>
             </a:r>
           </a:p>
           <a:p>
             <a:pPr lvl="1"/>
             <a:r>
-              <a:rPr lang="nl-NL" smtClean="0"/>
+              <a:rPr lang="nl-NL"/>
               <a:t>Tweede niveau</a:t>
             </a:r>
           </a:p>
           <a:p>
             <a:pPr lvl="2"/>
             <a:r>
-              <a:rPr lang="nl-NL" smtClean="0"/>
+              <a:rPr lang="nl-NL"/>
               <a:t>Derde niveau</a:t>
             </a:r>
           </a:p>
           <a:p>
             <a:pPr lvl="3"/>
             <a:r>
-              <a:rPr lang="nl-NL" smtClean="0"/>
+              <a:rPr lang="nl-NL"/>
               <a:t>Vierde niveau</a:t>
             </a:r>
           </a:p>
           <a:p>
             <a:pPr lvl="4"/>
             <a:r>
-              <a:rPr lang="nl-NL" smtClean="0"/>
+              <a:rPr lang="nl-NL"/>
               <a:t>Vijfde niveau</a:t>
             </a:r>
             <a:endParaRPr lang="en-US" dirty="0"/>
@@ -5273,7 +5285,7 @@
           <a:p>
             <a:fld id="{6ACDB02D-298E-4694-859A-BF6474DEFEA3}" type="datetimeFigureOut">
               <a:rPr lang="nl-NL" smtClean="0"/>
-              <a:t>28-3-2023</a:t>
+              <a:t>29-3-2023</a:t>
             </a:fld>
             <a:endParaRPr lang="nl-NL"/>
           </a:p>
@@ -5857,7 +5869,7 @@
           <a:p>
             <a:pPr algn="ctr"/>
             <a:r>
-              <a:rPr lang="nl-NL" sz="5400" b="1" cap="none" spc="0" dirty="0" smtClean="0">
+              <a:rPr lang="nl-NL" sz="5400" b="1" cap="none" spc="0" dirty="0">
                 <a:ln w="6600">
                   <a:solidFill>
                     <a:schemeClr val="accent2"/>
@@ -5876,7 +5888,7 @@
               <a:t>Welkom, </a:t>
             </a:r>
             <a:r>
-              <a:rPr lang="nl-NL" sz="5400" b="1" cap="none" spc="0" dirty="0" err="1" smtClean="0">
+              <a:rPr lang="nl-NL" sz="5400" b="1" cap="none" spc="0" dirty="0" err="1">
                 <a:ln w="6600">
                   <a:solidFill>
                     <a:schemeClr val="accent2"/>
@@ -5895,7 +5907,7 @@
               <a:t>wannebee</a:t>
             </a:r>
             <a:r>
-              <a:rPr lang="nl-NL" sz="5400" b="1" cap="none" spc="0" dirty="0" smtClean="0">
+              <a:rPr lang="nl-NL" sz="5400" b="1" cap="none" spc="0" dirty="0">
                 <a:ln w="6600">
                   <a:solidFill>
                     <a:schemeClr val="accent2"/>
@@ -5914,7 +5926,7 @@
               <a:t> </a:t>
             </a:r>
             <a:r>
-              <a:rPr lang="nl-NL" sz="5400" b="1" cap="none" spc="0" dirty="0" err="1" smtClean="0">
+              <a:rPr lang="nl-NL" sz="5400" b="1" cap="none" spc="0" dirty="0" err="1">
                 <a:ln w="6600">
                   <a:solidFill>
                     <a:schemeClr val="accent2"/>
@@ -5933,7 +5945,7 @@
               <a:t>Pythonista</a:t>
             </a:r>
             <a:r>
-              <a:rPr lang="nl-NL" sz="5400" b="1" cap="none" spc="0" dirty="0" smtClean="0">
+              <a:rPr lang="nl-NL" sz="5400" b="1" cap="none" spc="0" dirty="0">
                 <a:ln w="6600">
                   <a:solidFill>
                     <a:schemeClr val="accent2"/>
@@ -5951,22 +5963,6 @@
               </a:rPr>
               <a:t>!</a:t>
             </a:r>
-            <a:endParaRPr lang="nl-NL" sz="5400" b="1" cap="none" spc="0" dirty="0">
-              <a:ln w="6600">
-                <a:solidFill>
-                  <a:schemeClr val="accent2"/>
-                </a:solidFill>
-                <a:prstDash val="solid"/>
-              </a:ln>
-              <a:solidFill>
-                <a:srgbClr val="FFFFFF"/>
-              </a:solidFill>
-              <a:effectLst>
-                <a:outerShdw dist="38100" dir="2700000" algn="tl" rotWithShape="0">
-                  <a:schemeClr val="accent2"/>
-                </a:outerShdw>
-              </a:effectLst>
-            </a:endParaRPr>
           </a:p>
         </p:txBody>
       </p:sp>
@@ -5975,13 +5971,6 @@
   <p:clrMapOvr>
     <a:masterClrMapping/>
   </p:clrMapOvr>
-  <p:timing>
-    <p:tnLst>
-      <p:par>
-        <p:cTn id="1" dur="indefinite" restart="never" nodeType="tmRoot"/>
-      </p:par>
-    </p:tnLst>
-  </p:timing>
 </p:sld>
 </file>
 
@@ -6066,17 +6055,17 @@
           <a:lstStyle/>
           <a:p>
             <a:r>
-              <a:rPr lang="nl-NL" smtClean="0"/>
+              <a:rPr lang="nl-NL"/>
               <a:t>Bron: </a:t>
             </a:r>
             <a:r>
-              <a:rPr lang="nl-NL" smtClean="0">
+              <a:rPr lang="nl-NL">
                 <a:hlinkClick r:id="rId3"/>
               </a:rPr>
               <a:t>Wat kun je met Python maken en programmeren? </a:t>
             </a:r>
             <a:r>
-              <a:rPr lang="nl-NL" dirty="0" smtClean="0">
+              <a:rPr lang="nl-NL" dirty="0">
                 <a:hlinkClick r:id="rId3"/>
               </a:rPr>
               <a:t>(voorbeelden) (buvesa.com)</a:t>
@@ -6090,13 +6079,6 @@
   <p:clrMapOvr>
     <a:masterClrMapping/>
   </p:clrMapOvr>
-  <p:timing>
-    <p:tnLst>
-      <p:par>
-        <p:cTn id="1" dur="indefinite" restart="never" nodeType="tmRoot"/>
-      </p:par>
-    </p:tnLst>
-  </p:timing>
 </p:sld>
 </file>
 
@@ -6134,10 +6116,9 @@
           <a:p>
             <a:pPr algn="ctr"/>
             <a:r>
-              <a:rPr lang="nl-NL" dirty="0" smtClean="0"/>
+              <a:rPr lang="nl-NL" dirty="0"/>
               <a:t>Wat is programmeren en waarom zou je?</a:t>
             </a:r>
-            <a:endParaRPr lang="nl-NL" dirty="0"/>
           </a:p>
         </p:txBody>
       </p:sp>
@@ -6165,26 +6146,22 @@
           <a:p>
             <a:r>
               <a:rPr lang="nl-NL" dirty="0"/>
-              <a:t>Programmeren is het schrijven van een computerprogramma, een concrete reeks instructies die een computer kan </a:t>
-            </a:r>
-            <a:r>
-              <a:rPr lang="nl-NL" dirty="0" smtClean="0"/>
-              <a:t>uitvoeren.</a:t>
+              <a:t>Programmeren is het schrijven van een computerprogramma, een concrete reeks instructies die een computer kan uitvoeren.</a:t>
             </a:r>
             <a:br>
-              <a:rPr lang="nl-NL" dirty="0" smtClean="0"/>
+              <a:rPr lang="nl-NL" dirty="0"/>
             </a:br>
-            <a:endParaRPr lang="nl-NL" dirty="0" smtClean="0"/>
-          </a:p>
-          <a:p>
-            <a:r>
-              <a:rPr lang="nl-NL" dirty="0" smtClean="0"/>
+            <a:endParaRPr lang="nl-NL" dirty="0"/>
+          </a:p>
+          <a:p>
+            <a:r>
+              <a:rPr lang="nl-NL" dirty="0"/>
               <a:t>Software, AI etc. steeds belangrijker in ons werk en leven. </a:t>
             </a:r>
             <a:br>
-              <a:rPr lang="nl-NL" dirty="0" smtClean="0"/>
+              <a:rPr lang="nl-NL" dirty="0"/>
             </a:br>
-            <a:endParaRPr lang="nl-NL" dirty="0" smtClean="0"/>
+            <a:endParaRPr lang="nl-NL" dirty="0"/>
           </a:p>
           <a:p>
             <a:r>
@@ -6203,40 +6180,32 @@
           <a:p>
             <a:r>
               <a:rPr lang="nl-NL" dirty="0"/>
-              <a:t>'Die stapsgewijze manier van denken vormt de basis van programmeren, oftewel: apparaten en machines te laten doen wat je wil</a:t>
-            </a:r>
-            <a:r>
-              <a:rPr lang="nl-NL" dirty="0" smtClean="0"/>
-              <a:t>.</a:t>
+              <a:t>'Die stapsgewijze manier van denken vormt de basis van programmeren, oftewel: apparaten en machines te laten doen wat je wil.</a:t>
             </a:r>
             <a:br>
-              <a:rPr lang="nl-NL" dirty="0" smtClean="0"/>
-            </a:br>
-            <a:endParaRPr lang="nl-NL" dirty="0" smtClean="0"/>
-          </a:p>
-          <a:p>
-            <a:r>
-              <a:rPr lang="nl-NL" dirty="0" smtClean="0"/>
-              <a:t>Compute en data houd je gescheiden. Inzicht wat gebeurd, reproduceerbaar.</a:t>
-            </a:r>
-            <a:br>
-              <a:rPr lang="nl-NL" dirty="0" smtClean="0"/>
+              <a:rPr lang="nl-NL" dirty="0"/>
             </a:br>
             <a:endParaRPr lang="nl-NL" dirty="0"/>
           </a:p>
           <a:p>
             <a:r>
-              <a:rPr lang="nl-NL" dirty="0" smtClean="0"/>
+              <a:rPr lang="nl-NL" dirty="0"/>
+              <a:t>Compute en data houd je gescheiden. Inzicht wat gebeurd, reproduceerbaar.</a:t>
+            </a:r>
+            <a:br>
+              <a:rPr lang="nl-NL" dirty="0"/>
+            </a:br>
+            <a:endParaRPr lang="nl-NL" dirty="0"/>
+          </a:p>
+          <a:p>
+            <a:r>
+              <a:rPr lang="nl-NL" dirty="0"/>
               <a:t>Automatiseren, inzichten, voorspellen.</a:t>
             </a:r>
-            <a:r>
-              <a:rPr lang="nl-NL" dirty="0" smtClean="0"/>
-              <a:t/>
-            </a:r>
             <a:br>
-              <a:rPr lang="nl-NL" dirty="0" smtClean="0"/>
+              <a:rPr lang="nl-NL" dirty="0"/>
             </a:br>
-            <a:endParaRPr lang="nl-NL" dirty="0" smtClean="0"/>
+            <a:endParaRPr lang="nl-NL" dirty="0"/>
           </a:p>
           <a:p>
             <a:endParaRPr lang="nl-NL" dirty="0"/>
@@ -6253,13 +6222,6 @@
   <p:clrMapOvr>
     <a:masterClrMapping/>
   </p:clrMapOvr>
-  <p:timing>
-    <p:tnLst>
-      <p:par>
-        <p:cTn id="1" dur="indefinite" restart="never" nodeType="tmRoot"/>
-      </p:par>
-    </p:tnLst>
-  </p:timing>
 </p:sld>
 </file>
 
@@ -6376,7 +6338,7 @@
           <a:p>
             <a:pPr algn="ctr"/>
             <a:r>
-              <a:rPr lang="en-US" altLang="nl-NL" dirty="0" smtClean="0">
+              <a:rPr lang="en-US" altLang="nl-NL" dirty="0">
                 <a:solidFill>
                   <a:schemeClr val="tx1"/>
                 </a:solidFill>
@@ -6391,13 +6353,6 @@
   <p:clrMapOvr>
     <a:masterClrMapping/>
   </p:clrMapOvr>
-  <p:timing>
-    <p:tnLst>
-      <p:par>
-        <p:cTn id="1" dur="indefinite" restart="never" nodeType="tmRoot"/>
-      </p:par>
-    </p:tnLst>
-  </p:timing>
 </p:sld>
 </file>
 
@@ -6514,7 +6469,7 @@
           <a:p>
             <a:pPr algn="ctr"/>
             <a:r>
-              <a:rPr lang="en-US" altLang="nl-NL" dirty="0" smtClean="0">
+              <a:rPr lang="en-US" altLang="nl-NL" dirty="0">
                 <a:solidFill>
                   <a:schemeClr val="tx1"/>
                 </a:solidFill>
@@ -6522,7 +6477,7 @@
               <a:t>Python: </a:t>
             </a:r>
             <a:r>
-              <a:rPr lang="en-US" altLang="nl-NL" dirty="0" smtClean="0">
+              <a:rPr lang="en-US" altLang="nl-NL" dirty="0">
                 <a:solidFill>
                   <a:schemeClr val="accent1"/>
                 </a:solidFill>
@@ -6537,7 +6492,7 @@
               <a:t>Data </a:t>
             </a:r>
             <a:r>
-              <a:rPr lang="en-US" altLang="nl-NL" dirty="0" smtClean="0">
+              <a:rPr lang="en-US" altLang="nl-NL" dirty="0">
                 <a:solidFill>
                   <a:schemeClr val="tx1"/>
                 </a:solidFill>
@@ -7029,7 +6984,7 @@
           <a:p>
             <a:pPr algn="ctr"/>
             <a:r>
-              <a:rPr lang="en-US" altLang="nl-NL" dirty="0" smtClean="0">
+              <a:rPr lang="en-US" altLang="nl-NL" dirty="0">
                 <a:solidFill>
                   <a:schemeClr val="tx1"/>
                 </a:solidFill>
@@ -7037,7 +6992,7 @@
               <a:t>Python: </a:t>
             </a:r>
             <a:r>
-              <a:rPr lang="en-US" altLang="nl-NL" dirty="0" smtClean="0">
+              <a:rPr lang="en-US" altLang="nl-NL" dirty="0">
                 <a:solidFill>
                   <a:schemeClr val="accent1"/>
                 </a:solidFill>
@@ -7052,7 +7007,7 @@
               <a:t>Data </a:t>
             </a:r>
             <a:r>
-              <a:rPr lang="en-US" altLang="nl-NL" dirty="0" smtClean="0">
+              <a:rPr lang="en-US" altLang="nl-NL" dirty="0">
                 <a:solidFill>
                   <a:schemeClr val="tx1"/>
                 </a:solidFill>
@@ -7163,8 +7118,8 @@
         </p:nvSpPr>
         <p:spPr>
           <a:xfrm>
-            <a:off x="5035550" y="3188970"/>
-            <a:ext cx="2853055" cy="1014730"/>
+            <a:off x="5045075" y="3188970"/>
+            <a:ext cx="3443605" cy="1025188"/>
           </a:xfrm>
           <a:prstGeom prst="rect">
             <a:avLst/>
@@ -7172,21 +7127,21 @@
           <a:noFill/>
         </p:spPr>
         <p:txBody>
-          <a:bodyPr wrap="square" rtlCol="0">
+          <a:bodyPr wrap="square" lIns="91440" tIns="45720" rIns="91440" bIns="45720" rtlCol="0" anchor="t">
             <a:spAutoFit/>
           </a:bodyPr>
           <a:lstStyle/>
           <a:p>
             <a:pPr algn="ctr"/>
             <a:r>
-              <a:rPr lang="en-US" sz="6000">
+              <a:rPr lang="en-US" sz="6000" dirty="0">
                 <a:solidFill>
                   <a:schemeClr val="accent4"/>
                 </a:solidFill>
-                <a:latin typeface="Courier" charset="0"/>
+                <a:latin typeface="Courier"/>
                 <a:cs typeface="Courier" charset="0"/>
               </a:rPr>
-              <a:t>“ hal l o”</a:t>
+              <a:t>“hallo”</a:t>
             </a:r>
           </a:p>
         </p:txBody>
@@ -7728,7 +7683,7 @@
           <a:p>
             <a:pPr algn="ctr"/>
             <a:r>
-              <a:rPr lang="en-US" altLang="nl-NL" dirty="0" smtClean="0">
+              <a:rPr lang="en-US" altLang="nl-NL" dirty="0">
                 <a:solidFill>
                   <a:schemeClr val="tx1"/>
                 </a:solidFill>
@@ -7736,7 +7691,7 @@
               <a:t>Python: </a:t>
             </a:r>
             <a:r>
-              <a:rPr lang="en-US" altLang="nl-NL" dirty="0" smtClean="0">
+              <a:rPr lang="en-US" altLang="nl-NL" dirty="0">
                 <a:solidFill>
                   <a:schemeClr val="accent1"/>
                 </a:solidFill>
@@ -7751,7 +7706,7 @@
               <a:t>Data </a:t>
             </a:r>
             <a:r>
-              <a:rPr lang="en-US" altLang="nl-NL" dirty="0" smtClean="0">
+              <a:rPr lang="en-US" altLang="nl-NL" dirty="0">
                 <a:solidFill>
                   <a:schemeClr val="tx1"/>
                 </a:solidFill>
@@ -8376,7 +8331,7 @@
           <a:p>
             <a:pPr algn="ctr"/>
             <a:r>
-              <a:rPr lang="en-US" altLang="nl-NL" dirty="0" smtClean="0">
+              <a:rPr lang="en-US" altLang="nl-NL" dirty="0">
                 <a:solidFill>
                   <a:schemeClr val="tx1"/>
                 </a:solidFill>
@@ -8384,7 +8339,7 @@
               <a:t>Python: </a:t>
             </a:r>
             <a:r>
-              <a:rPr lang="en-US" altLang="nl-NL" dirty="0" smtClean="0">
+              <a:rPr lang="en-US" altLang="nl-NL" dirty="0">
                 <a:solidFill>
                   <a:schemeClr val="tx1"/>
                 </a:solidFill>
@@ -8399,7 +8354,7 @@
               <a:t>Data </a:t>
             </a:r>
             <a:r>
-              <a:rPr lang="en-US" altLang="nl-NL" dirty="0" smtClean="0">
+              <a:rPr lang="en-US" altLang="nl-NL" dirty="0">
                 <a:solidFill>
                   <a:schemeClr val="tx1"/>
                 </a:solidFill>
@@ -8407,7 +8362,7 @@
               <a:t>&amp; </a:t>
             </a:r>
             <a:r>
-              <a:rPr lang="en-US" altLang="nl-NL" dirty="0" smtClean="0">
+              <a:rPr lang="en-US" altLang="nl-NL" dirty="0">
                 <a:solidFill>
                   <a:schemeClr val="accent1"/>
                 </a:solidFill>
@@ -8796,7 +8751,7 @@
           <a:p>
             <a:pPr algn="ctr"/>
             <a:r>
-              <a:rPr lang="en-US" altLang="nl-NL" dirty="0" smtClean="0">
+              <a:rPr lang="en-US" altLang="nl-NL" dirty="0">
                 <a:solidFill>
                   <a:schemeClr val="tx1"/>
                 </a:solidFill>
@@ -8804,7 +8759,7 @@
               <a:t>Python: </a:t>
             </a:r>
             <a:r>
-              <a:rPr lang="en-US" altLang="nl-NL" dirty="0" smtClean="0">
+              <a:rPr lang="en-US" altLang="nl-NL" dirty="0">
                 <a:solidFill>
                   <a:schemeClr val="tx1"/>
                 </a:solidFill>
@@ -8819,7 +8774,7 @@
               <a:t>Data </a:t>
             </a:r>
             <a:r>
-              <a:rPr lang="en-US" altLang="nl-NL" dirty="0" smtClean="0">
+              <a:rPr lang="en-US" altLang="nl-NL" dirty="0">
                 <a:solidFill>
                   <a:schemeClr val="tx1"/>
                 </a:solidFill>
@@ -8827,7 +8782,7 @@
               <a:t>&amp; </a:t>
             </a:r>
             <a:r>
-              <a:rPr lang="en-US" altLang="nl-NL" dirty="0" smtClean="0">
+              <a:rPr lang="en-US" altLang="nl-NL" dirty="0">
                 <a:solidFill>
                   <a:schemeClr val="accent1"/>
                 </a:solidFill>
@@ -8933,7 +8888,7 @@
           <a:noFill/>
         </p:spPr>
         <p:txBody>
-          <a:bodyPr wrap="square" rtlCol="0">
+          <a:bodyPr wrap="square" lIns="91440" tIns="45720" rIns="91440" bIns="45720" rtlCol="0" anchor="t">
             <a:spAutoFit/>
           </a:bodyPr>
           <a:lstStyle/>
@@ -8944,7 +8899,7 @@
                 <a:solidFill>
                   <a:schemeClr val="accent4"/>
                 </a:solidFill>
-                <a:latin typeface="Courier" charset="0"/>
+                <a:latin typeface="Courier"/>
                 <a:cs typeface="Courier" charset="0"/>
               </a:rPr>
               <a:t>som</a:t>
@@ -8954,7 +8909,7 @@
                 <a:solidFill>
                   <a:schemeClr val="accent4"/>
                 </a:solidFill>
-                <a:latin typeface="Courier" charset="0"/>
+                <a:latin typeface="Courier"/>
                 <a:cs typeface="Courier" charset="0"/>
               </a:rPr>
               <a:t> =</a:t>
@@ -8964,67 +8919,47 @@
                 <a:solidFill>
                   <a:srgbClr val="00B050"/>
                 </a:solidFill>
-                <a:latin typeface="Courier" charset="0"/>
+                <a:latin typeface="Courier"/>
                 <a:cs typeface="Courier" charset="0"/>
               </a:rPr>
               <a:t> </a:t>
             </a:r>
             <a:r>
-              <a:rPr lang="en-US" sz="3200" dirty="0" err="1" smtClean="0">
+              <a:rPr lang="en-US" sz="3200" dirty="0" err="1">
                 <a:solidFill>
                   <a:srgbClr val="00B050"/>
                 </a:solidFill>
-                <a:latin typeface="Courier" charset="0"/>
+                <a:latin typeface="Courier"/>
                 <a:cs typeface="Courier" charset="0"/>
               </a:rPr>
               <a:t>optellen</a:t>
             </a:r>
             <a:r>
-              <a:rPr lang="en-US" sz="3200" dirty="0" smtClean="0">
+              <a:rPr lang="en-US" sz="3200" dirty="0">
                 <a:solidFill>
                   <a:srgbClr val="00B050"/>
                 </a:solidFill>
-                <a:latin typeface="Courier" charset="0"/>
+                <a:latin typeface="Courier"/>
                 <a:cs typeface="Courier" charset="0"/>
               </a:rPr>
               <a:t>(</a:t>
             </a:r>
             <a:r>
-              <a:rPr lang="en-US" sz="3200" dirty="0" smtClean="0">
+              <a:rPr lang="en-US" sz="3200" dirty="0">
                 <a:solidFill>
                   <a:srgbClr val="0070C0"/>
                 </a:solidFill>
-                <a:latin typeface="Courier" charset="0"/>
+                <a:latin typeface="Courier"/>
                 <a:cs typeface="Courier" charset="0"/>
               </a:rPr>
-              <a:t>get </a:t>
+              <a:t>getal1, getal2</a:t>
             </a:r>
             <a:r>
               <a:rPr lang="en-US" sz="3200" dirty="0">
                 <a:solidFill>
-                  <a:srgbClr val="0070C0"/>
-                </a:solidFill>
-                <a:latin typeface="Courier" charset="0"/>
-                <a:cs typeface="Courier" charset="0"/>
-              </a:rPr>
-              <a:t>al 1, </a:t>
-            </a:r>
-            <a:r>
-              <a:rPr lang="en-US" sz="3200" dirty="0" smtClean="0">
-                <a:solidFill>
-                  <a:srgbClr val="0070C0"/>
-                </a:solidFill>
-                <a:latin typeface="Courier" charset="0"/>
-                <a:cs typeface="Courier" charset="0"/>
-              </a:rPr>
-              <a:t>getal2</a:t>
-            </a:r>
-            <a:r>
-              <a:rPr lang="en-US" sz="3200" dirty="0">
-                <a:solidFill>
                   <a:srgbClr val="00B050"/>
                 </a:solidFill>
-                <a:latin typeface="Courier" charset="0"/>
+                <a:latin typeface="Courier"/>
                 <a:cs typeface="Courier" charset="0"/>
               </a:rPr>
               <a:t>)</a:t>
@@ -9064,13 +8999,16 @@
         </p:nvCxnSpPr>
         <p:spPr>
           <a:xfrm flipH="1">
-            <a:off x="7068820" y="3353435"/>
-            <a:ext cx="468000" cy="344805"/>
+            <a:off x="7106920" y="3429635"/>
+            <a:ext cx="639450" cy="687705"/>
           </a:xfrm>
           <a:prstGeom prst="straightConnector1">
             <a:avLst/>
           </a:prstGeom>
           <a:ln w="57150">
+            <a:solidFill>
+              <a:srgbClr val="4472C4"/>
+            </a:solidFill>
             <a:tailEnd type="arrow"/>
           </a:ln>
         </p:spPr>
@@ -9097,8 +9035,8 @@
         </p:nvCxnSpPr>
         <p:spPr>
           <a:xfrm flipH="1" flipV="1">
-            <a:off x="2562860" y="3267075"/>
-            <a:ext cx="280035" cy="808355"/>
+            <a:off x="2915285" y="3581400"/>
+            <a:ext cx="337185" cy="941705"/>
           </a:xfrm>
           <a:prstGeom prst="straightConnector1">
             <a:avLst/>
@@ -9325,7 +9263,7 @@
           <a:p>
             <a:pPr algn="ctr"/>
             <a:r>
-              <a:rPr lang="en-US" altLang="nl-NL" dirty="0" smtClean="0">
+              <a:rPr lang="en-US" altLang="nl-NL" dirty="0">
                 <a:solidFill>
                   <a:schemeClr val="tx1"/>
                 </a:solidFill>
@@ -9333,7 +9271,7 @@
               <a:t>Python: </a:t>
             </a:r>
             <a:r>
-              <a:rPr lang="en-US" altLang="nl-NL" dirty="0" smtClean="0">
+              <a:rPr lang="en-US" altLang="nl-NL" dirty="0">
                 <a:solidFill>
                   <a:schemeClr val="tx1"/>
                 </a:solidFill>
@@ -9348,7 +9286,7 @@
               <a:t>Data </a:t>
             </a:r>
             <a:r>
-              <a:rPr lang="en-US" altLang="nl-NL" dirty="0" smtClean="0">
+              <a:rPr lang="en-US" altLang="nl-NL" dirty="0">
                 <a:solidFill>
                   <a:schemeClr val="tx1"/>
                 </a:solidFill>
@@ -9356,7 +9294,7 @@
               <a:t>&amp; </a:t>
             </a:r>
             <a:r>
-              <a:rPr lang="en-US" altLang="nl-NL" dirty="0" smtClean="0">
+              <a:rPr lang="en-US" altLang="nl-NL" dirty="0">
                 <a:solidFill>
                   <a:schemeClr val="accent1"/>
                 </a:solidFill>
@@ -9681,7 +9619,7 @@
         </p:nvSpPr>
         <p:spPr>
           <a:xfrm>
-            <a:off x="677333" y="3004935"/>
+            <a:off x="277283" y="3004935"/>
             <a:ext cx="9987895" cy="1938992"/>
           </a:xfrm>
           <a:prstGeom prst="rect">
@@ -9690,108 +9628,58 @@
           <a:noFill/>
         </p:spPr>
         <p:txBody>
-          <a:bodyPr wrap="square" rtlCol="0">
+          <a:bodyPr wrap="square" lIns="91440" tIns="45720" rIns="91440" bIns="45720" rtlCol="0" anchor="t">
             <a:spAutoFit/>
           </a:bodyPr>
           <a:lstStyle/>
           <a:p>
             <a:pPr algn="ctr"/>
             <a:r>
+              <a:rPr lang="en-US" sz="4000" dirty="0">
+                <a:solidFill>
+                  <a:srgbClr val="00B050"/>
+                </a:solidFill>
+                <a:latin typeface="Courier"/>
+                <a:cs typeface="Courier" charset="0"/>
+              </a:rPr>
+              <a:t>def </a:t>
+            </a:r>
+            <a:r>
               <a:rPr lang="en-US" sz="4000" dirty="0" err="1">
                 <a:solidFill>
                   <a:srgbClr val="00B050"/>
                 </a:solidFill>
-                <a:latin typeface="Courier" charset="0"/>
+                <a:latin typeface="Courier"/>
                 <a:cs typeface="Courier" charset="0"/>
               </a:rPr>
-              <a:t>def</a:t>
+              <a:t>optellen</a:t>
             </a:r>
             <a:r>
               <a:rPr lang="en-US" sz="4000" dirty="0">
                 <a:solidFill>
                   <a:srgbClr val="00B050"/>
                 </a:solidFill>
-                <a:latin typeface="Courier" charset="0"/>
+                <a:latin typeface="Courier"/>
                 <a:cs typeface="Courier" charset="0"/>
               </a:rPr>
-              <a:t>  </a:t>
-            </a:r>
-            <a:r>
-              <a:rPr lang="en-US" sz="4000" dirty="0" err="1" smtClean="0">
+              <a:t>(</a:t>
+            </a:r>
+            <a:r>
+              <a:rPr lang="en-US" sz="4000" dirty="0">
+                <a:solidFill>
+                  <a:srgbClr val="0070C0"/>
+                </a:solidFill>
+                <a:latin typeface="Courier"/>
+                <a:cs typeface="Courier" charset="0"/>
+              </a:rPr>
+              <a:t>getal1, getal2</a:t>
+            </a:r>
+            <a:r>
+              <a:rPr lang="en-US" sz="4000" dirty="0">
                 <a:solidFill>
                   <a:srgbClr val="00B050"/>
                 </a:solidFill>
-                <a:latin typeface="Courier" charset="0"/>
-                <a:cs typeface="Courier" charset="0"/>
-              </a:rPr>
-              <a:t>optellen</a:t>
-            </a:r>
-            <a:r>
-              <a:rPr lang="en-US" sz="4000" dirty="0" smtClean="0">
-                <a:solidFill>
-                  <a:srgbClr val="00B050"/>
-                </a:solidFill>
-                <a:latin typeface="Courier" charset="0"/>
-                <a:cs typeface="Courier" charset="0"/>
-              </a:rPr>
-              <a:t>(</a:t>
-            </a:r>
-            <a:r>
-              <a:rPr lang="en-US" sz="4000" dirty="0" smtClean="0">
-                <a:solidFill>
-                  <a:srgbClr val="0070C0"/>
-                </a:solidFill>
-                <a:latin typeface="Courier" charset="0"/>
-                <a:cs typeface="Courier" charset="0"/>
-              </a:rPr>
-              <a:t>getal1</a:t>
-            </a:r>
-            <a:r>
-              <a:rPr lang="en-US" sz="4000" dirty="0">
-                <a:solidFill>
-                  <a:srgbClr val="0070C0"/>
-                </a:solidFill>
-                <a:latin typeface="Courier" charset="0"/>
-                <a:cs typeface="Courier" charset="0"/>
-              </a:rPr>
-              <a:t>, </a:t>
-            </a:r>
-            <a:r>
-              <a:rPr lang="en-US" sz="4000" dirty="0" err="1" smtClean="0">
-                <a:solidFill>
-                  <a:srgbClr val="0070C0"/>
-                </a:solidFill>
-                <a:latin typeface="Courier" charset="0"/>
-                <a:cs typeface="Courier" charset="0"/>
-              </a:rPr>
-              <a:t>getal</a:t>
-            </a:r>
-            <a:r>
-              <a:rPr lang="en-US" sz="4000" dirty="0" smtClean="0">
-                <a:solidFill>
-                  <a:srgbClr val="0070C0"/>
-                </a:solidFill>
-                <a:latin typeface="Courier" charset="0"/>
-                <a:cs typeface="Courier" charset="0"/>
-              </a:rPr>
-              <a:t> </a:t>
-            </a:r>
-            <a:r>
-              <a:rPr lang="en-US" sz="4000" dirty="0">
-                <a:solidFill>
-                  <a:srgbClr val="0070C0"/>
-                </a:solidFill>
-                <a:latin typeface="Courier" charset="0"/>
-                <a:cs typeface="Courier" charset="0"/>
-              </a:rPr>
-              <a:t>2</a:t>
-            </a:r>
-            <a:r>
-              <a:rPr lang="en-US" sz="4000" dirty="0">
-                <a:solidFill>
-                  <a:srgbClr val="00B050"/>
-                </a:solidFill>
-                <a:latin typeface="Courier" charset="0"/>
+                <a:latin typeface="Courier"/>
                 <a:cs typeface="Courier" charset="0"/>
               </a:rPr>
               <a:t>):</a:t>
@@ -9800,28 +9688,34 @@
               <a:solidFill>
                 <a:schemeClr val="tx1"/>
               </a:solidFill>
-              <a:latin typeface="Courier" charset="0"/>
+              <a:latin typeface="Courier"/>
               <a:cs typeface="Courier" charset="0"/>
             </a:endParaRPr>
           </a:p>
           <a:p>
-            <a:pPr algn="l"/>
             <a:r>
               <a:rPr lang="en-US" sz="4000" dirty="0">
-                <a:solidFill>
-                  <a:schemeClr val="tx1"/>
-                </a:solidFill>
-                <a:latin typeface="Courier" charset="0"/>
+                <a:latin typeface="Courier"/>
                 <a:cs typeface="Courier" charset="0"/>
               </a:rPr>
-              <a:t>       </a:t>
+              <a:t> </a:t>
+            </a:r>
+            <a:r>
+              <a:rPr lang="en-US" sz="4000" dirty="0">
+                <a:solidFill>
+                  <a:srgbClr val="000000"/>
+                </a:solidFill>
+                <a:latin typeface="Courier"/>
+                <a:cs typeface="Courier" charset="0"/>
+              </a:rPr>
+              <a:t>     </a:t>
             </a:r>
             <a:r>
               <a:rPr lang="en-US" sz="4000" dirty="0" err="1">
                 <a:solidFill>
                   <a:srgbClr val="00B050"/>
                 </a:solidFill>
-                <a:latin typeface="Courier" charset="0"/>
+                <a:latin typeface="Courier"/>
                 <a:cs typeface="Courier" charset="0"/>
               </a:rPr>
               <a:t>som</a:t>
@@ -9831,37 +9725,33 @@
                 <a:solidFill>
                   <a:srgbClr val="00B050"/>
                 </a:solidFill>
-                <a:latin typeface="Courier" charset="0"/>
+                <a:latin typeface="Courier"/>
                 <a:cs typeface="Courier" charset="0"/>
               </a:rPr>
-              <a:t> = get al 1 + get al 2</a:t>
+              <a:t> = getal1 + getal2</a:t>
             </a:r>
             <a:endParaRPr lang="en-US" sz="4000" dirty="0">
               <a:solidFill>
                 <a:schemeClr val="tx1"/>
               </a:solidFill>
-              <a:latin typeface="Courier" charset="0"/>
+              <a:latin typeface="Courier"/>
               <a:cs typeface="Courier" charset="0"/>
             </a:endParaRPr>
           </a:p>
           <a:p>
-            <a:pPr algn="l"/>
             <a:r>
               <a:rPr lang="en-US" sz="4000" dirty="0">
-                <a:solidFill>
-                  <a:schemeClr val="tx1"/>
-                </a:solidFill>
-                <a:latin typeface="Courier" charset="0"/>
+                <a:latin typeface="Courier"/>
                 <a:cs typeface="Courier" charset="0"/>
               </a:rPr>
-              <a:t>	</a:t>
-            </a:r>
-            <a:r>
-              <a:rPr lang="en-US" sz="4000" dirty="0" smtClean="0">
+              <a:t>      </a:t>
+            </a:r>
+            <a:r>
+              <a:rPr lang="en-US" sz="4000" dirty="0">
                 <a:solidFill>
                   <a:schemeClr val="accent4"/>
                 </a:solidFill>
-                <a:latin typeface="Courier" charset="0"/>
+                <a:latin typeface="Courier"/>
                 <a:cs typeface="Courier" charset="0"/>
               </a:rPr>
               <a:t>return </a:t>
@@ -9871,7 +9761,7 @@
                 <a:solidFill>
                   <a:schemeClr val="accent4"/>
                 </a:solidFill>
-                <a:latin typeface="Courier" charset="0"/>
+                <a:latin typeface="Courier"/>
                 <a:cs typeface="Courier" charset="0"/>
               </a:rPr>
               <a:t>som</a:t>
@@ -9880,7 +9770,7 @@
               <a:solidFill>
                 <a:schemeClr val="accent4"/>
               </a:solidFill>
-              <a:latin typeface="Courier" charset="0"/>
+              <a:latin typeface="Courier"/>
               <a:cs typeface="Courier" charset="0"/>
             </a:endParaRPr>
           </a:p>
@@ -10171,13 +10061,6 @@
   <p:clrMapOvr>
     <a:masterClrMapping/>
   </p:clrMapOvr>
-  <p:timing>
-    <p:tnLst>
-      <p:par>
-        <p:cTn id="1" dur="indefinite" restart="never" nodeType="tmRoot"/>
-      </p:par>
-    </p:tnLst>
-  </p:timing>
 </p:sld>
 </file>
 
@@ -10220,10 +10103,9 @@
           <a:p>
             <a:pPr algn="ctr"/>
             <a:r>
-              <a:rPr lang="nl-NL" dirty="0" smtClean="0"/>
+              <a:rPr lang="nl-NL" dirty="0"/>
               <a:t>Even voorstellen.</a:t>
             </a:r>
-            <a:endParaRPr lang="nl-NL" dirty="0"/>
           </a:p>
         </p:txBody>
       </p:sp>
@@ -10237,13 +10119,6 @@
   <p:clrMapOvr>
     <a:masterClrMapping/>
   </p:clrMapOvr>
-  <p:timing>
-    <p:tnLst>
-      <p:par>
-        <p:cTn id="1" dur="indefinite" restart="never" nodeType="tmRoot"/>
-      </p:par>
-    </p:tnLst>
-  </p:timing>
 </p:sld>
 </file>
 
@@ -10360,14 +10235,14 @@
           <a:p>
             <a:pPr algn="ctr"/>
             <a:r>
-              <a:rPr lang="en-US" altLang="nl-NL" dirty="0" smtClean="0">
+              <a:rPr lang="en-US" altLang="nl-NL" dirty="0">
                 <a:solidFill>
                   <a:schemeClr val="tx1"/>
                 </a:solidFill>
               </a:rPr>
               <a:t>Waar Python code uitvoeren?</a:t>
             </a:r>
-            <a:endParaRPr lang="en-US" altLang="nl-NL" dirty="0" smtClean="0">
+            <a:endParaRPr lang="en-US" altLang="nl-NL" dirty="0">
               <a:solidFill>
                 <a:schemeClr val="accent1"/>
               </a:solidFill>
@@ -10391,7 +10266,7 @@
         <p:spPr>
           <a:xfrm>
             <a:off x="273050" y="1771650"/>
-            <a:ext cx="9830435" cy="2676525"/>
+            <a:ext cx="9830435" cy="3046988"/>
           </a:xfrm>
           <a:prstGeom prst="rect">
             <a:avLst/>
@@ -10399,7 +10274,7 @@
           <a:noFill/>
         </p:spPr>
         <p:txBody>
-          <a:bodyPr wrap="square" rtlCol="0">
+          <a:bodyPr wrap="square" lIns="91440" tIns="45720" rIns="91440" bIns="45720" rtlCol="0" anchor="t">
             <a:spAutoFit/>
           </a:bodyPr>
           <a:lstStyle/>
@@ -10409,18 +10284,66 @@
               <a:buChar char="•"/>
             </a:pPr>
             <a:r>
-              <a:rPr lang="en-US" sz="2400" b="1">
+              <a:rPr lang="en-US" sz="2400" b="1" dirty="0">
                 <a:sym typeface="+mn-ea"/>
               </a:rPr>
-              <a:t>Google Colab:</a:t>
-            </a:r>
-            <a:r>
-              <a:rPr lang="en-US" sz="2400">
+              <a:t>Google </a:t>
+            </a:r>
+            <a:r>
+              <a:rPr lang="en-US" sz="2400" b="1" dirty="0" err="1">
                 <a:sym typeface="+mn-ea"/>
               </a:rPr>
-              <a:t> Platform om Jupyter Notebook te runnen.</a:t>
-            </a:r>
-            <a:endParaRPr lang="en-US" sz="2400"/>
+              <a:t>Colab</a:t>
+            </a:r>
+            <a:r>
+              <a:rPr lang="en-US" sz="2400" b="1" dirty="0">
+                <a:sym typeface="+mn-ea"/>
+              </a:rPr>
+              <a:t>:</a:t>
+            </a:r>
+            <a:r>
+              <a:rPr lang="en-US" sz="2400" dirty="0">
+                <a:sym typeface="+mn-ea"/>
+              </a:rPr>
+              <a:t> Platform om </a:t>
+            </a:r>
+            <a:r>
+              <a:rPr lang="en-US" sz="2400" dirty="0" err="1">
+                <a:sym typeface="+mn-ea"/>
+              </a:rPr>
+              <a:t>Jupyter</a:t>
+            </a:r>
+            <a:r>
+              <a:rPr lang="en-US" sz="2400" dirty="0">
+                <a:sym typeface="+mn-ea"/>
+              </a:rPr>
+              <a:t> Notebook </a:t>
+            </a:r>
+            <a:r>
+              <a:rPr lang="en-US" sz="2400" dirty="0" err="1">
+                <a:sym typeface="+mn-ea"/>
+              </a:rPr>
+              <a:t>te</a:t>
+            </a:r>
+            <a:r>
+              <a:rPr lang="en-US" sz="2400" dirty="0">
+                <a:sym typeface="+mn-ea"/>
+              </a:rPr>
+              <a:t> </a:t>
+            </a:r>
+            <a:r>
+              <a:rPr lang="en-US" sz="2400" dirty="0" err="1">
+                <a:sym typeface="+mn-ea"/>
+              </a:rPr>
+              <a:t>runnen</a:t>
+            </a:r>
+            <a:r>
+              <a:rPr lang="en-US" sz="2400" dirty="0">
+                <a:sym typeface="+mn-ea"/>
+              </a:rPr>
+              <a:t>.</a:t>
+            </a:r>
+            <a:endParaRPr lang="en-US" sz="2400" dirty="0"/>
           </a:p>
           <a:p>
             <a:pPr marL="342900" indent="-342900">
@@ -10428,18 +10351,42 @@
               <a:buChar char="•"/>
             </a:pPr>
             <a:r>
-              <a:rPr lang="en-US" sz="2400" b="1">
+              <a:rPr lang="en-US" sz="2400" b="1" dirty="0" err="1">
                 <a:sym typeface="+mn-ea"/>
               </a:rPr>
-              <a:t>Jupyter Notebook:</a:t>
-            </a:r>
-            <a:r>
-              <a:rPr lang="en-US" sz="2400">
+              <a:t>Jupyter</a:t>
+            </a:r>
+            <a:r>
+              <a:rPr lang="en-US" sz="2400" b="1" dirty="0">
                 <a:sym typeface="+mn-ea"/>
               </a:rPr>
-              <a:t> Programma om Python code te runnen</a:t>
-            </a:r>
-            <a:endParaRPr lang="en-US" sz="2400"/>
+              <a:t> Notebook:</a:t>
+            </a:r>
+            <a:r>
+              <a:rPr lang="en-US" sz="2400" dirty="0">
+                <a:sym typeface="+mn-ea"/>
+              </a:rPr>
+              <a:t> Programma om Python code </a:t>
+            </a:r>
+            <a:r>
+              <a:rPr lang="en-US" sz="2400" dirty="0" err="1">
+                <a:sym typeface="+mn-ea"/>
+              </a:rPr>
+              <a:t>te</a:t>
+            </a:r>
+            <a:r>
+              <a:rPr lang="en-US" sz="2400" dirty="0">
+                <a:sym typeface="+mn-ea"/>
+              </a:rPr>
+              <a:t> </a:t>
+            </a:r>
+            <a:r>
+              <a:rPr lang="en-US" sz="2400" dirty="0" err="1">
+                <a:sym typeface="+mn-ea"/>
+              </a:rPr>
+              <a:t>runnen</a:t>
+            </a:r>
+            <a:endParaRPr lang="en-US" sz="2400" dirty="0" err="1"/>
           </a:p>
           <a:p>
             <a:pPr marL="342900" indent="-342900">
@@ -10454,46 +10401,187 @@
               <a:buChar char="•"/>
             </a:pPr>
             <a:r>
-              <a:rPr lang="en-US" sz="2400" b="1">
+              <a:rPr lang="en-US" sz="2400" b="1" dirty="0" err="1">
                 <a:sym typeface="+mn-ea"/>
               </a:rPr>
-              <a:t>Demo:</a:t>
-            </a:r>
-            <a:r>
-              <a:rPr lang="en-US" sz="2400">
+              <a:t>Opdrachten</a:t>
+            </a:r>
+            <a:r>
+              <a:rPr lang="en-US" sz="2400" b="1" dirty="0">
                 <a:sym typeface="+mn-ea"/>
               </a:rPr>
-              <a:t> hoe run je in een Notebook een stukje Python code</a:t>
-            </a:r>
-            <a:endParaRPr lang="en-US" sz="2400"/>
+              <a:t>: </a:t>
+            </a:r>
+            <a:r>
+              <a:rPr lang="en-US" sz="2400" dirty="0" err="1">
+                <a:sym typeface="+mn-ea"/>
+              </a:rPr>
+              <a:t>Stukje</a:t>
+            </a:r>
+            <a:r>
+              <a:rPr lang="en-US" sz="2400" dirty="0">
+                <a:sym typeface="+mn-ea"/>
+              </a:rPr>
+              <a:t> code is al </a:t>
+            </a:r>
+            <a:r>
+              <a:rPr lang="en-US" sz="2400" dirty="0" err="1">
+                <a:sym typeface="+mn-ea"/>
+              </a:rPr>
+              <a:t>geschreven</a:t>
+            </a:r>
+            <a:r>
+              <a:rPr lang="en-US" sz="2400" dirty="0">
+                <a:sym typeface="+mn-ea"/>
+              </a:rPr>
+              <a:t>. </a:t>
+            </a:r>
+            <a:r>
+              <a:rPr lang="en-US" sz="2400" dirty="0" err="1">
+                <a:sym typeface="+mn-ea"/>
+              </a:rPr>
+              <a:t>Overal</a:t>
+            </a:r>
+            <a:r>
+              <a:rPr lang="en-US" sz="2400" dirty="0">
+                <a:sym typeface="+mn-ea"/>
+              </a:rPr>
+              <a:t> </a:t>
+            </a:r>
+            <a:r>
+              <a:rPr lang="en-US" sz="2400" dirty="0" err="1">
+                <a:sym typeface="+mn-ea"/>
+              </a:rPr>
+              <a:t>waar</a:t>
+            </a:r>
+            <a:r>
+              <a:rPr lang="en-US" sz="2400" dirty="0">
+                <a:sym typeface="+mn-ea"/>
+              </a:rPr>
+              <a:t> &lt;INVULLEN&gt; </a:t>
+            </a:r>
+            <a:r>
+              <a:rPr lang="en-US" sz="2400" dirty="0" err="1">
+                <a:sym typeface="+mn-ea"/>
+              </a:rPr>
+              <a:t>staat</a:t>
+            </a:r>
+            <a:r>
+              <a:rPr lang="en-US" sz="2400" dirty="0">
+                <a:sym typeface="+mn-ea"/>
+              </a:rPr>
+              <a:t>, </a:t>
+            </a:r>
+            <a:r>
+              <a:rPr lang="en-US" sz="2400" dirty="0" err="1">
+                <a:sym typeface="+mn-ea"/>
+              </a:rPr>
+              <a:t>moet</a:t>
+            </a:r>
+            <a:r>
+              <a:rPr lang="en-US" sz="2400" dirty="0">
+                <a:sym typeface="+mn-ea"/>
+              </a:rPr>
+              <a:t> </a:t>
+            </a:r>
+            <a:r>
+              <a:rPr lang="en-US" sz="2400" dirty="0" err="1">
+                <a:sym typeface="+mn-ea"/>
+              </a:rPr>
+              <a:t>deze</a:t>
+            </a:r>
+            <a:r>
+              <a:rPr lang="en-US" sz="2400" dirty="0">
+                <a:sym typeface="+mn-ea"/>
+              </a:rPr>
+              <a:t> code </a:t>
+            </a:r>
+            <a:r>
+              <a:rPr lang="en-US" sz="2400" dirty="0" err="1">
+                <a:sym typeface="+mn-ea"/>
+              </a:rPr>
+              <a:t>aangevuld</a:t>
+            </a:r>
+            <a:r>
+              <a:rPr lang="en-US" sz="2400" dirty="0">
+                <a:sym typeface="+mn-ea"/>
+              </a:rPr>
+              <a:t> </a:t>
+            </a:r>
+            <a:r>
+              <a:rPr lang="en-US" sz="2400" dirty="0" err="1">
+                <a:sym typeface="+mn-ea"/>
+              </a:rPr>
+              <a:t>worden</a:t>
+            </a:r>
+            <a:r>
+              <a:rPr lang="en-US" sz="2400" dirty="0">
+                <a:sym typeface="+mn-ea"/>
+              </a:rPr>
+              <a:t>.</a:t>
+            </a:r>
           </a:p>
           <a:p>
             <a:pPr marL="342900" indent="-342900">
               <a:buFont typeface="Arial" panose="020B0604020202020204" pitchFamily="34" charset="0"/>
               <a:buChar char="•"/>
             </a:pPr>
-            <a:endParaRPr lang="en-US" sz="2400"/>
+            <a:endParaRPr lang="en-US" sz="2400" dirty="0">
+              <a:solidFill>
+                <a:srgbClr val="000000"/>
+              </a:solidFill>
+            </a:endParaRPr>
+          </a:p>
+          <a:p>
+            <a:pPr marL="342900" indent="-342900">
+              <a:buFont typeface="Arial,Sans-Serif" panose="020B0604020202020204" pitchFamily="34" charset="0"/>
+              <a:buChar char="•"/>
+            </a:pPr>
+            <a:r>
+              <a:rPr lang="en-US" sz="2400" b="1" dirty="0"/>
+              <a:t>Demo:</a:t>
+            </a:r>
+            <a:r>
+              <a:rPr lang="en-US" sz="2400" dirty="0"/>
+              <a:t> hoe run je in </a:t>
+            </a:r>
+            <a:r>
+              <a:rPr lang="en-US" sz="2400" dirty="0" err="1"/>
+              <a:t>een</a:t>
+            </a:r>
+            <a:r>
+              <a:rPr lang="en-US" sz="2400" dirty="0"/>
+              <a:t> Notebook </a:t>
+            </a:r>
+            <a:r>
+              <a:rPr lang="en-US" sz="2400" dirty="0" err="1"/>
+              <a:t>een</a:t>
+            </a:r>
+            <a:r>
+              <a:rPr lang="en-US" sz="2400" dirty="0"/>
+              <a:t> </a:t>
+            </a:r>
+            <a:r>
+              <a:rPr lang="en-US" sz="2400" dirty="0" err="1"/>
+              <a:t>stukje</a:t>
+            </a:r>
+            <a:r>
+              <a:rPr lang="en-US" sz="2400" dirty="0"/>
+              <a:t> Python code</a:t>
+            </a:r>
+            <a:endParaRPr lang="en-US" sz="2400" dirty="0">
+              <a:ea typeface="+mn-lt"/>
+              <a:cs typeface="+mn-lt"/>
+            </a:endParaRPr>
           </a:p>
           <a:p>
             <a:pPr marL="342900" indent="-342900">
               <a:buFont typeface="Arial" panose="020B0604020202020204" pitchFamily="34" charset="0"/>
               <a:buChar char="•"/>
             </a:pPr>
-            <a:r>
-              <a:rPr lang="en-US" sz="2400" b="1">
-                <a:sym typeface="+mn-ea"/>
-              </a:rPr>
-              <a:t>Opdrachten: </a:t>
-            </a:r>
-            <a:r>
-              <a:rPr lang="en-US" sz="2400">
-                <a:sym typeface="+mn-ea"/>
-              </a:rPr>
-              <a:t>Stukje code is al geschreven. Overal waar &lt;INVULLEN&gt; staat, moet deze code aangevuld worden.</a:t>
-            </a:r>
-            <a:endParaRPr lang="en-US" sz="2400" b="1">
+            <a:endParaRPr lang="en-US" sz="2400" dirty="0">
               <a:solidFill>
-                <a:schemeClr val="accent4"/>
+                <a:srgbClr val="000000"/>
               </a:solidFill>
             </a:endParaRPr>
           </a:p>
@@ -10752,6 +10840,567 @@
       </p:grpSpPr>
       <p:sp>
         <p:nvSpPr>
+          <p:cNvPr id="3" name="Titel 1"/>
+          <p:cNvSpPr>
+            <a:spLocks noGrp="1"/>
+          </p:cNvSpPr>
+          <p:nvPr/>
+        </p:nvSpPr>
+        <p:spPr>
+          <a:xfrm>
+            <a:off x="677334" y="609600"/>
+            <a:ext cx="10160773" cy="768350"/>
+          </a:xfrm>
+          <a:prstGeom prst="rect">
+            <a:avLst/>
+          </a:prstGeom>
+        </p:spPr>
+        <p:txBody>
+          <a:bodyPr vert="horz" lIns="91440" tIns="45720" rIns="91440" bIns="45720" rtlCol="0" anchor="t">
+            <a:normAutofit fontScale="85000" lnSpcReduction="10000"/>
+          </a:bodyPr>
+          <a:lstStyle>
+            <a:lvl1pPr algn="l" defTabSz="457200" rtl="0" eaLnBrk="1" latinLnBrk="0" hangingPunct="1">
+              <a:spcBef>
+                <a:spcPct val="0"/>
+              </a:spcBef>
+              <a:buNone/>
+              <a:defRPr sz="3600" kern="1200">
+                <a:solidFill>
+                  <a:schemeClr val="accent1"/>
+                </a:solidFill>
+                <a:latin typeface="+mj-lt"/>
+                <a:ea typeface="+mj-ea"/>
+                <a:cs typeface="+mj-cs"/>
+              </a:defRPr>
+            </a:lvl1pPr>
+            <a:lvl2pPr eaLnBrk="1" hangingPunct="1">
+              <a:defRPr>
+                <a:solidFill>
+                  <a:schemeClr val="tx2"/>
+                </a:solidFill>
+              </a:defRPr>
+            </a:lvl2pPr>
+            <a:lvl3pPr eaLnBrk="1" hangingPunct="1">
+              <a:defRPr>
+                <a:solidFill>
+                  <a:schemeClr val="tx2"/>
+                </a:solidFill>
+              </a:defRPr>
+            </a:lvl3pPr>
+            <a:lvl4pPr eaLnBrk="1" hangingPunct="1">
+              <a:defRPr>
+                <a:solidFill>
+                  <a:schemeClr val="tx2"/>
+                </a:solidFill>
+              </a:defRPr>
+            </a:lvl4pPr>
+            <a:lvl5pPr eaLnBrk="1" hangingPunct="1">
+              <a:defRPr>
+                <a:solidFill>
+                  <a:schemeClr val="tx2"/>
+                </a:solidFill>
+              </a:defRPr>
+            </a:lvl5pPr>
+            <a:lvl6pPr eaLnBrk="1" hangingPunct="1">
+              <a:defRPr>
+                <a:solidFill>
+                  <a:schemeClr val="tx2"/>
+                </a:solidFill>
+              </a:defRPr>
+            </a:lvl6pPr>
+            <a:lvl7pPr eaLnBrk="1" hangingPunct="1">
+              <a:defRPr>
+                <a:solidFill>
+                  <a:schemeClr val="tx2"/>
+                </a:solidFill>
+              </a:defRPr>
+            </a:lvl7pPr>
+            <a:lvl8pPr eaLnBrk="1" hangingPunct="1">
+              <a:defRPr>
+                <a:solidFill>
+                  <a:schemeClr val="tx2"/>
+                </a:solidFill>
+              </a:defRPr>
+            </a:lvl8pPr>
+            <a:lvl9pPr eaLnBrk="1" hangingPunct="1">
+              <a:defRPr>
+                <a:solidFill>
+                  <a:schemeClr val="tx2"/>
+                </a:solidFill>
+              </a:defRPr>
+            </a:lvl9pPr>
+          </a:lstStyle>
+          <a:p>
+            <a:pPr algn="ctr"/>
+            <a:r>
+              <a:rPr lang="en-US" dirty="0">
+                <a:solidFill>
+                  <a:schemeClr val="tx1"/>
+                </a:solidFill>
+                <a:ea typeface="+mj-lt"/>
+                <a:cs typeface="+mj-lt"/>
+              </a:rPr>
+              <a:t>https://github.com/HagaZiekenhuis/python-workshops</a:t>
+            </a:r>
+            <a:endParaRPr lang="nl-NL">
+              <a:solidFill>
+                <a:schemeClr val="tx1"/>
+              </a:solidFill>
+            </a:endParaRPr>
+          </a:p>
+        </p:txBody>
+      </p:sp>
+      <p:pic>
+        <p:nvPicPr>
+          <p:cNvPr id="4" name="Afbeelding 5" descr="Afbeelding met tafel&#10;&#10;Automatisch gegenereerde beschrijving">
+            <a:extLst>
+              <a:ext uri="{FF2B5EF4-FFF2-40B4-BE49-F238E27FC236}">
+                <a16:creationId xmlns:a16="http://schemas.microsoft.com/office/drawing/2014/main" id="{68F67C17-1015-46EA-ACAE-5518E4089EA4}"/>
+              </a:ext>
+            </a:extLst>
+          </p:cNvPr>
+          <p:cNvPicPr>
+            <a:picLocks noChangeAspect="1"/>
+          </p:cNvPicPr>
+          <p:nvPr/>
+        </p:nvPicPr>
+        <p:blipFill>
+          <a:blip r:embed="rId2"/>
+          <a:stretch>
+            <a:fillRect/>
+          </a:stretch>
+        </p:blipFill>
+        <p:spPr>
+          <a:xfrm>
+            <a:off x="342901" y="1534663"/>
+            <a:ext cx="10994856" cy="4971778"/>
+          </a:xfrm>
+          <a:prstGeom prst="rect">
+            <a:avLst/>
+          </a:prstGeom>
+        </p:spPr>
+      </p:pic>
+    </p:spTree>
+    <p:extLst>
+      <p:ext uri="{BB962C8B-B14F-4D97-AF65-F5344CB8AC3E}">
+        <p14:creationId xmlns:p14="http://schemas.microsoft.com/office/powerpoint/2010/main" val="3936581334"/>
+      </p:ext>
+    </p:extLst>
+  </p:cSld>
+  <p:clrMapOvr>
+    <a:masterClrMapping/>
+  </p:clrMapOvr>
+</p:sld>
+</file>
+
+<file path=ppt/slides/slide22.xml><?xml version="1.0" encoding="utf-8"?>
+<p:sld xmlns:a="http://schemas.openxmlformats.org/drawingml/2006/main" xmlns:r="http://schemas.openxmlformats.org/officeDocument/2006/relationships" xmlns:p="http://schemas.openxmlformats.org/presentationml/2006/main">
+  <p:cSld>
+    <p:spTree>
+      <p:nvGrpSpPr>
+        <p:cNvPr id="1" name=""/>
+        <p:cNvGrpSpPr/>
+        <p:nvPr/>
+      </p:nvGrpSpPr>
+      <p:grpSpPr>
+        <a:xfrm>
+          <a:off x="0" y="0"/>
+          <a:ext cx="0" cy="0"/>
+          <a:chOff x="0" y="0"/>
+          <a:chExt cx="0" cy="0"/>
+        </a:xfrm>
+      </p:grpSpPr>
+      <p:sp>
+        <p:nvSpPr>
+          <p:cNvPr id="3" name="Titel 1"/>
+          <p:cNvSpPr>
+            <a:spLocks noGrp="1"/>
+          </p:cNvSpPr>
+          <p:nvPr/>
+        </p:nvSpPr>
+        <p:spPr>
+          <a:xfrm>
+            <a:off x="436702" y="419100"/>
+            <a:ext cx="10160773" cy="768350"/>
+          </a:xfrm>
+          <a:prstGeom prst="rect">
+            <a:avLst/>
+          </a:prstGeom>
+        </p:spPr>
+        <p:txBody>
+          <a:bodyPr vert="horz" lIns="91440" tIns="45720" rIns="91440" bIns="45720" rtlCol="0" anchor="t">
+            <a:normAutofit/>
+          </a:bodyPr>
+          <a:lstStyle>
+            <a:lvl1pPr algn="l" defTabSz="457200" rtl="0" eaLnBrk="1" latinLnBrk="0" hangingPunct="1">
+              <a:spcBef>
+                <a:spcPct val="0"/>
+              </a:spcBef>
+              <a:buNone/>
+              <a:defRPr sz="3600" kern="1200">
+                <a:solidFill>
+                  <a:schemeClr val="accent1"/>
+                </a:solidFill>
+                <a:latin typeface="+mj-lt"/>
+                <a:ea typeface="+mj-ea"/>
+                <a:cs typeface="+mj-cs"/>
+              </a:defRPr>
+            </a:lvl1pPr>
+            <a:lvl2pPr eaLnBrk="1" hangingPunct="1">
+              <a:defRPr>
+                <a:solidFill>
+                  <a:schemeClr val="tx2"/>
+                </a:solidFill>
+              </a:defRPr>
+            </a:lvl2pPr>
+            <a:lvl3pPr eaLnBrk="1" hangingPunct="1">
+              <a:defRPr>
+                <a:solidFill>
+                  <a:schemeClr val="tx2"/>
+                </a:solidFill>
+              </a:defRPr>
+            </a:lvl3pPr>
+            <a:lvl4pPr eaLnBrk="1" hangingPunct="1">
+              <a:defRPr>
+                <a:solidFill>
+                  <a:schemeClr val="tx2"/>
+                </a:solidFill>
+              </a:defRPr>
+            </a:lvl4pPr>
+            <a:lvl5pPr eaLnBrk="1" hangingPunct="1">
+              <a:defRPr>
+                <a:solidFill>
+                  <a:schemeClr val="tx2"/>
+                </a:solidFill>
+              </a:defRPr>
+            </a:lvl5pPr>
+            <a:lvl6pPr eaLnBrk="1" hangingPunct="1">
+              <a:defRPr>
+                <a:solidFill>
+                  <a:schemeClr val="tx2"/>
+                </a:solidFill>
+              </a:defRPr>
+            </a:lvl6pPr>
+            <a:lvl7pPr eaLnBrk="1" hangingPunct="1">
+              <a:defRPr>
+                <a:solidFill>
+                  <a:schemeClr val="tx2"/>
+                </a:solidFill>
+              </a:defRPr>
+            </a:lvl7pPr>
+            <a:lvl8pPr eaLnBrk="1" hangingPunct="1">
+              <a:defRPr>
+                <a:solidFill>
+                  <a:schemeClr val="tx2"/>
+                </a:solidFill>
+              </a:defRPr>
+            </a:lvl8pPr>
+            <a:lvl9pPr eaLnBrk="1" hangingPunct="1">
+              <a:defRPr>
+                <a:solidFill>
+                  <a:schemeClr val="tx2"/>
+                </a:solidFill>
+              </a:defRPr>
+            </a:lvl9pPr>
+          </a:lstStyle>
+          <a:p>
+            <a:pPr algn="ctr"/>
+            <a:r>
+              <a:rPr lang="en-US" dirty="0">
+                <a:solidFill>
+                  <a:schemeClr val="tx1"/>
+                </a:solidFill>
+                <a:ea typeface="+mj-lt"/>
+                <a:cs typeface="+mj-lt"/>
+              </a:rPr>
+              <a:t>https://colab.research.google.com/</a:t>
+            </a:r>
+            <a:endParaRPr lang="nl-NL" dirty="0">
+              <a:solidFill>
+                <a:schemeClr val="tx1"/>
+              </a:solidFill>
+              <a:ea typeface="+mj-lt"/>
+              <a:cs typeface="+mj-lt"/>
+            </a:endParaRPr>
+          </a:p>
+        </p:txBody>
+      </p:sp>
+      <p:pic>
+        <p:nvPicPr>
+          <p:cNvPr id="2" name="Afbeelding 4" descr="Afbeelding met tekst&#10;&#10;Automatisch gegenereerde beschrijving">
+            <a:extLst>
+              <a:ext uri="{FF2B5EF4-FFF2-40B4-BE49-F238E27FC236}">
+                <a16:creationId xmlns:a16="http://schemas.microsoft.com/office/drawing/2014/main" id="{042755FD-50FC-1066-4E7B-5269BF214312}"/>
+              </a:ext>
+            </a:extLst>
+          </p:cNvPr>
+          <p:cNvPicPr>
+            <a:picLocks noChangeAspect="1"/>
+          </p:cNvPicPr>
+          <p:nvPr/>
+        </p:nvPicPr>
+        <p:blipFill>
+          <a:blip r:embed="rId2"/>
+          <a:stretch>
+            <a:fillRect/>
+          </a:stretch>
+        </p:blipFill>
+        <p:spPr>
+          <a:xfrm>
+            <a:off x="1716506" y="1178895"/>
+            <a:ext cx="7415461" cy="5522895"/>
+          </a:xfrm>
+          <a:prstGeom prst="rect">
+            <a:avLst/>
+          </a:prstGeom>
+        </p:spPr>
+      </p:pic>
+    </p:spTree>
+    <p:extLst>
+      <p:ext uri="{BB962C8B-B14F-4D97-AF65-F5344CB8AC3E}">
+        <p14:creationId xmlns:p14="http://schemas.microsoft.com/office/powerpoint/2010/main" val="869350493"/>
+      </p:ext>
+    </p:extLst>
+  </p:cSld>
+  <p:clrMapOvr>
+    <a:masterClrMapping/>
+  </p:clrMapOvr>
+</p:sld>
+</file>
+
+<file path=ppt/slides/slide23.xml><?xml version="1.0" encoding="utf-8"?>
+<p:sld xmlns:a="http://schemas.openxmlformats.org/drawingml/2006/main" xmlns:r="http://schemas.openxmlformats.org/officeDocument/2006/relationships" xmlns:p="http://schemas.openxmlformats.org/presentationml/2006/main">
+  <p:cSld>
+    <p:spTree>
+      <p:nvGrpSpPr>
+        <p:cNvPr id="1" name=""/>
+        <p:cNvGrpSpPr/>
+        <p:nvPr/>
+      </p:nvGrpSpPr>
+      <p:grpSpPr>
+        <a:xfrm>
+          <a:off x="0" y="0"/>
+          <a:ext cx="0" cy="0"/>
+          <a:chOff x="0" y="0"/>
+          <a:chExt cx="0" cy="0"/>
+        </a:xfrm>
+      </p:grpSpPr>
+      <p:sp>
+        <p:nvSpPr>
+          <p:cNvPr id="3" name="Titel 1"/>
+          <p:cNvSpPr>
+            <a:spLocks noGrp="1"/>
+          </p:cNvSpPr>
+          <p:nvPr/>
+        </p:nvSpPr>
+        <p:spPr>
+          <a:xfrm>
+            <a:off x="436702" y="419100"/>
+            <a:ext cx="10160773" cy="768350"/>
+          </a:xfrm>
+          <a:prstGeom prst="rect">
+            <a:avLst/>
+          </a:prstGeom>
+        </p:spPr>
+        <p:txBody>
+          <a:bodyPr vert="horz" lIns="91440" tIns="45720" rIns="91440" bIns="45720" rtlCol="0" anchor="t">
+            <a:normAutofit/>
+          </a:bodyPr>
+          <a:lstStyle>
+            <a:lvl1pPr algn="l" defTabSz="457200" rtl="0" eaLnBrk="1" latinLnBrk="0" hangingPunct="1">
+              <a:spcBef>
+                <a:spcPct val="0"/>
+              </a:spcBef>
+              <a:buNone/>
+              <a:defRPr sz="3600" kern="1200">
+                <a:solidFill>
+                  <a:schemeClr val="accent1"/>
+                </a:solidFill>
+                <a:latin typeface="+mj-lt"/>
+                <a:ea typeface="+mj-ea"/>
+                <a:cs typeface="+mj-cs"/>
+              </a:defRPr>
+            </a:lvl1pPr>
+            <a:lvl2pPr eaLnBrk="1" hangingPunct="1">
+              <a:defRPr>
+                <a:solidFill>
+                  <a:schemeClr val="tx2"/>
+                </a:solidFill>
+              </a:defRPr>
+            </a:lvl2pPr>
+            <a:lvl3pPr eaLnBrk="1" hangingPunct="1">
+              <a:defRPr>
+                <a:solidFill>
+                  <a:schemeClr val="tx2"/>
+                </a:solidFill>
+              </a:defRPr>
+            </a:lvl3pPr>
+            <a:lvl4pPr eaLnBrk="1" hangingPunct="1">
+              <a:defRPr>
+                <a:solidFill>
+                  <a:schemeClr val="tx2"/>
+                </a:solidFill>
+              </a:defRPr>
+            </a:lvl4pPr>
+            <a:lvl5pPr eaLnBrk="1" hangingPunct="1">
+              <a:defRPr>
+                <a:solidFill>
+                  <a:schemeClr val="tx2"/>
+                </a:solidFill>
+              </a:defRPr>
+            </a:lvl5pPr>
+            <a:lvl6pPr eaLnBrk="1" hangingPunct="1">
+              <a:defRPr>
+                <a:solidFill>
+                  <a:schemeClr val="tx2"/>
+                </a:solidFill>
+              </a:defRPr>
+            </a:lvl6pPr>
+            <a:lvl7pPr eaLnBrk="1" hangingPunct="1">
+              <a:defRPr>
+                <a:solidFill>
+                  <a:schemeClr val="tx2"/>
+                </a:solidFill>
+              </a:defRPr>
+            </a:lvl7pPr>
+            <a:lvl8pPr eaLnBrk="1" hangingPunct="1">
+              <a:defRPr>
+                <a:solidFill>
+                  <a:schemeClr val="tx2"/>
+                </a:solidFill>
+              </a:defRPr>
+            </a:lvl8pPr>
+            <a:lvl9pPr eaLnBrk="1" hangingPunct="1">
+              <a:defRPr>
+                <a:solidFill>
+                  <a:schemeClr val="tx2"/>
+                </a:solidFill>
+              </a:defRPr>
+            </a:lvl9pPr>
+          </a:lstStyle>
+          <a:p>
+            <a:pPr algn="ctr"/>
+            <a:r>
+              <a:rPr lang="en-US" dirty="0">
+                <a:solidFill>
+                  <a:schemeClr val="tx1"/>
+                </a:solidFill>
+                <a:ea typeface="+mj-lt"/>
+                <a:cs typeface="+mj-lt"/>
+              </a:rPr>
+              <a:t>Code </a:t>
+            </a:r>
+            <a:r>
+              <a:rPr lang="en-US" dirty="0" err="1">
+                <a:solidFill>
+                  <a:schemeClr val="tx1"/>
+                </a:solidFill>
+                <a:ea typeface="+mj-lt"/>
+                <a:cs typeface="+mj-lt"/>
+              </a:rPr>
+              <a:t>uitvoeren</a:t>
+            </a:r>
+            <a:r>
+              <a:rPr lang="en-US" dirty="0">
+                <a:solidFill>
+                  <a:schemeClr val="tx1"/>
+                </a:solidFill>
+                <a:ea typeface="+mj-lt"/>
+                <a:cs typeface="+mj-lt"/>
+              </a:rPr>
+              <a:t> in </a:t>
+            </a:r>
+            <a:r>
+              <a:rPr lang="en-US" dirty="0" err="1">
+                <a:solidFill>
+                  <a:schemeClr val="tx1"/>
+                </a:solidFill>
+                <a:ea typeface="+mj-lt"/>
+                <a:cs typeface="+mj-lt"/>
+              </a:rPr>
+              <a:t>Jupyter</a:t>
+            </a:r>
+            <a:r>
+              <a:rPr lang="en-US" dirty="0">
+                <a:solidFill>
+                  <a:schemeClr val="tx1"/>
+                </a:solidFill>
+                <a:ea typeface="+mj-lt"/>
+                <a:cs typeface="+mj-lt"/>
+              </a:rPr>
+              <a:t> Notebook</a:t>
+            </a:r>
+            <a:endParaRPr lang="nl-NL" dirty="0">
+              <a:solidFill>
+                <a:schemeClr val="tx1"/>
+              </a:solidFill>
+            </a:endParaRPr>
+          </a:p>
+        </p:txBody>
+      </p:sp>
+      <p:pic>
+        <p:nvPicPr>
+          <p:cNvPr id="4" name="Afbeelding 4">
+            <a:extLst>
+              <a:ext uri="{FF2B5EF4-FFF2-40B4-BE49-F238E27FC236}">
+                <a16:creationId xmlns:a16="http://schemas.microsoft.com/office/drawing/2014/main" id="{F84BF32B-0C79-358B-D681-35F94BCDF29F}"/>
+              </a:ext>
+            </a:extLst>
+          </p:cNvPr>
+          <p:cNvPicPr>
+            <a:picLocks noChangeAspect="1"/>
+          </p:cNvPicPr>
+          <p:nvPr/>
+        </p:nvPicPr>
+        <p:blipFill>
+          <a:blip r:embed="rId2"/>
+          <a:stretch>
+            <a:fillRect/>
+          </a:stretch>
+        </p:blipFill>
+        <p:spPr>
+          <a:xfrm>
+            <a:off x="282742" y="1407977"/>
+            <a:ext cx="9250279" cy="3440469"/>
+          </a:xfrm>
+          <a:prstGeom prst="rect">
+            <a:avLst/>
+          </a:prstGeom>
+        </p:spPr>
+      </p:pic>
+    </p:spTree>
+    <p:extLst>
+      <p:ext uri="{BB962C8B-B14F-4D97-AF65-F5344CB8AC3E}">
+        <p14:creationId xmlns:p14="http://schemas.microsoft.com/office/powerpoint/2010/main" val="3446961950"/>
+      </p:ext>
+    </p:extLst>
+  </p:cSld>
+  <p:clrMapOvr>
+    <a:masterClrMapping/>
+  </p:clrMapOvr>
+</p:sld>
+</file>
+
+<file path=ppt/slides/slide24.xml><?xml version="1.0" encoding="utf-8"?>
+<p:sld xmlns:a="http://schemas.openxmlformats.org/drawingml/2006/main" xmlns:r="http://schemas.openxmlformats.org/officeDocument/2006/relationships" xmlns:p="http://schemas.openxmlformats.org/presentationml/2006/main">
+  <p:cSld>
+    <p:spTree>
+      <p:nvGrpSpPr>
+        <p:cNvPr id="1" name=""/>
+        <p:cNvGrpSpPr/>
+        <p:nvPr/>
+      </p:nvGrpSpPr>
+      <p:grpSpPr>
+        <a:xfrm>
+          <a:off x="0" y="0"/>
+          <a:ext cx="0" cy="0"/>
+          <a:chOff x="0" y="0"/>
+          <a:chExt cx="0" cy="0"/>
+        </a:xfrm>
+      </p:grpSpPr>
+      <p:sp>
+        <p:nvSpPr>
           <p:cNvPr id="2" name="Titel 1"/>
           <p:cNvSpPr>
             <a:spLocks noGrp="1"/>
@@ -10774,23 +11423,15 @@
           <a:p>
             <a:pPr algn="ctr"/>
             <a:r>
-              <a:rPr lang="nl-NL" sz="6000" dirty="0" smtClean="0"/>
+              <a:rPr lang="nl-NL" sz="6000" dirty="0"/>
               <a:t>En nu jullie!</a:t>
             </a:r>
             <a:br>
-              <a:rPr lang="nl-NL" sz="6000" dirty="0" smtClean="0"/>
+              <a:rPr lang="nl-NL" sz="6000" dirty="0"/>
             </a:br>
-            <a:r>
-              <a:rPr lang="nl-NL" sz="6000" dirty="0" smtClean="0"/>
-              <a:t/>
-            </a:r>
             <a:br>
-              <a:rPr lang="nl-NL" sz="6000" dirty="0" smtClean="0"/>
+              <a:rPr lang="nl-NL" sz="6000" dirty="0"/>
             </a:br>
-            <a:r>
-              <a:rPr lang="nl-NL" sz="6000" dirty="0"/>
-              <a:t/>
-            </a:r>
             <a:br>
               <a:rPr lang="nl-NL" sz="6000" dirty="0"/>
             </a:br>
@@ -10803,17 +11444,10 @@
   <p:clrMapOvr>
     <a:masterClrMapping/>
   </p:clrMapOvr>
-  <p:timing>
-    <p:tnLst>
-      <p:par>
-        <p:cTn id="1" dur="indefinite" restart="never" nodeType="tmRoot"/>
-      </p:par>
-    </p:tnLst>
-  </p:timing>
 </p:sld>
 </file>
 
-<file path=ppt/slides/slide22.xml><?xml version="1.0" encoding="utf-8"?>
+<file path=ppt/slides/slide25.xml><?xml version="1.0" encoding="utf-8"?>
 <p:sld xmlns:a="http://schemas.openxmlformats.org/drawingml/2006/main" xmlns:r="http://schemas.openxmlformats.org/officeDocument/2006/relationships" xmlns:p="http://schemas.openxmlformats.org/presentationml/2006/main">
   <p:cSld>
     <p:spTree>
@@ -10876,17 +11510,10 @@
   <p:clrMapOvr>
     <a:masterClrMapping/>
   </p:clrMapOvr>
-  <p:timing>
-    <p:tnLst>
-      <p:par>
-        <p:cTn id="1" dur="indefinite" restart="never" nodeType="tmRoot"/>
-      </p:par>
-    </p:tnLst>
-  </p:timing>
 </p:sld>
 </file>
 
-<file path=ppt/slides/slide23.xml><?xml version="1.0" encoding="utf-8"?>
+<file path=ppt/slides/slide26.xml><?xml version="1.0" encoding="utf-8"?>
 <p:sld xmlns:a="http://schemas.openxmlformats.org/drawingml/2006/main" xmlns:r="http://schemas.openxmlformats.org/officeDocument/2006/relationships" xmlns:p="http://schemas.openxmlformats.org/presentationml/2006/main">
   <p:cSld>
     <p:spTree>
@@ -10939,15 +11566,16 @@
                   <a:schemeClr val="tx1"/>
                 </a:solidFill>
               </a:rPr>
-              <a:t> is a fast, powerful, flexible and easy to use open source data analysis and manipulation tool</a:t>
-            </a:r>
-            <a:r>
-              <a:rPr lang="en-US" sz="2000" dirty="0" smtClean="0">
+              <a:t> is a fast, powerful, flexible and easy to use open source data analysis and manipulation tool, built on top of the </a:t>
+            </a:r>
+            <a:r>
+              <a:rPr lang="en-US" sz="2000" dirty="0">
                 <a:solidFill>
                   <a:schemeClr val="tx1"/>
                 </a:solidFill>
-              </a:rPr>
-              <a:t>, built </a:t>
+                <a:hlinkClick r:id="rId2"/>
+              </a:rPr>
+              <a:t>Python</a:t>
             </a:r>
             <a:r>
               <a:rPr lang="en-US" sz="2000" dirty="0">
@@ -10955,93 +11583,7 @@
                   <a:schemeClr val="tx1"/>
                 </a:solidFill>
               </a:rPr>
-              <a:t>on top of the </a:t>
-            </a:r>
-            <a:r>
-              <a:rPr lang="en-US" sz="2000" dirty="0">
-                <a:solidFill>
-                  <a:schemeClr val="tx1"/>
-                </a:solidFill>
-                <a:hlinkClick r:id="rId2"/>
-              </a:rPr>
-              <a:t>Python</a:t>
-            </a:r>
-            <a:r>
-              <a:rPr lang="en-US" sz="2000" dirty="0">
-                <a:solidFill>
-                  <a:schemeClr val="tx1"/>
-                </a:solidFill>
-              </a:rPr>
-              <a:t> programming language</a:t>
-            </a:r>
-            <a:r>
-              <a:rPr lang="en-US" sz="2000" dirty="0" smtClean="0">
-                <a:solidFill>
-                  <a:schemeClr val="tx1"/>
-                </a:solidFill>
-              </a:rPr>
-              <a:t>.</a:t>
-            </a:r>
-            <a:br>
-              <a:rPr lang="en-US" sz="2000" dirty="0" smtClean="0">
-                <a:solidFill>
-                  <a:schemeClr val="tx1"/>
-                </a:solidFill>
-              </a:rPr>
-            </a:br>
-            <a:r>
-              <a:rPr lang="en-US" sz="2000" dirty="0" smtClean="0">
-                <a:solidFill>
-                  <a:schemeClr val="tx1"/>
-                </a:solidFill>
-              </a:rPr>
-              <a:t/>
-            </a:r>
-            <a:br>
-              <a:rPr lang="en-US" sz="2000" dirty="0" smtClean="0">
-                <a:solidFill>
-                  <a:schemeClr val="tx1"/>
-                </a:solidFill>
-              </a:rPr>
-            </a:br>
-            <a:r>
-              <a:rPr lang="en-US" sz="2000" dirty="0" smtClean="0">
-                <a:solidFill>
-                  <a:schemeClr val="tx1"/>
-                </a:solidFill>
-              </a:rPr>
-              <a:t>Pandas </a:t>
-            </a:r>
-            <a:r>
-              <a:rPr lang="en-US" sz="2000" dirty="0">
-                <a:solidFill>
-                  <a:schemeClr val="tx1"/>
-                </a:solidFill>
-              </a:rPr>
-              <a:t>is one of the most used open-source Python libraries to work with Structured tabular data for analysis. Pandas library is heavily used for Data Analytics, Machine learning, data science projects, and many more</a:t>
-            </a:r>
-            <a:r>
-              <a:rPr lang="en-US" sz="2000" dirty="0" smtClean="0">
-                <a:solidFill>
-                  <a:schemeClr val="tx1"/>
-                </a:solidFill>
-              </a:rPr>
-              <a:t>.</a:t>
-            </a:r>
-            <a:br>
-              <a:rPr lang="en-US" sz="2000" dirty="0" smtClean="0">
-                <a:solidFill>
-                  <a:schemeClr val="tx1"/>
-                </a:solidFill>
-              </a:rPr>
-            </a:br>
-            <a:r>
-              <a:rPr lang="en-US" sz="2000" dirty="0">
-                <a:solidFill>
-                  <a:schemeClr val="tx1"/>
-                </a:solidFill>
-              </a:rPr>
-              <a:t/>
+              <a:t> programming language.</a:t>
             </a:r>
             <a:br>
               <a:rPr lang="en-US" sz="2000" dirty="0">
@@ -11050,12 +11592,41 @@
                 </a:solidFill>
               </a:rPr>
             </a:br>
-            <a:r>
+            <a:br>
               <a:rPr lang="en-US" sz="2000" dirty="0">
                 <a:solidFill>
                   <a:schemeClr val="tx1"/>
                 </a:solidFill>
               </a:rPr>
+            </a:br>
+            <a:r>
+              <a:rPr lang="en-US" sz="2000" dirty="0">
+                <a:solidFill>
+                  <a:schemeClr val="tx1"/>
+                </a:solidFill>
+              </a:rPr>
+              <a:t>Pandas is one of the most used open-source Python libraries to work with Structured tabular data for analysis. Pandas library is heavily used for Data Analytics, Machine learning, data science projects, and many more.</a:t>
+            </a:r>
+            <a:br>
+              <a:rPr lang="en-US" sz="2000" dirty="0">
+                <a:solidFill>
+                  <a:schemeClr val="tx1"/>
+                </a:solidFill>
+              </a:rPr>
+            </a:br>
+            <a:br>
+              <a:rPr lang="en-US" sz="2000" dirty="0">
+                <a:solidFill>
+                  <a:schemeClr val="tx1"/>
+                </a:solidFill>
+              </a:rPr>
+            </a:br>
+            <a:r>
+              <a:rPr lang="en-US" sz="2000" dirty="0">
+                <a:solidFill>
+                  <a:schemeClr val="tx1"/>
+                </a:solidFill>
+              </a:rPr>
               <a:t>Pandas can load the data by reading CSV, JSON, SQL, many other formats and creates a </a:t>
             </a:r>
             <a:r>
@@ -11072,33 +11643,17 @@
                   <a:schemeClr val="tx1"/>
                 </a:solidFill>
               </a:rPr>
-              <a:t> which is a structured object containing rows and columns (similar to SQL table</a:t>
-            </a:r>
-            <a:r>
-              <a:rPr lang="en-US" sz="2000" dirty="0" smtClean="0">
+              <a:t> which is a structured object containing rows and columns (similar to SQL table).</a:t>
+            </a:r>
+            <a:br>
+              <a:rPr lang="en-US" sz="2000" dirty="0">
                 <a:solidFill>
                   <a:schemeClr val="tx1"/>
                 </a:solidFill>
               </a:rPr>
-              <a:t>).</a:t>
-            </a:r>
+            </a:br>
             <a:br>
-              <a:rPr lang="en-US" sz="2000" dirty="0" smtClean="0">
-                <a:solidFill>
-                  <a:schemeClr val="tx1"/>
-                </a:solidFill>
-              </a:rPr>
-            </a:br>
-            <a:r>
-              <a:rPr lang="en-US" sz="2000" dirty="0" smtClean="0">
-                <a:solidFill>
-                  <a:schemeClr val="tx1"/>
-                </a:solidFill>
-              </a:rPr>
-              <a:t/>
-            </a:r>
-            <a:br>
-              <a:rPr lang="en-US" sz="2000" dirty="0" smtClean="0">
+              <a:rPr lang="en-US" sz="2000" dirty="0">
                 <a:solidFill>
                   <a:schemeClr val="tx1"/>
                 </a:solidFill>
@@ -11123,17 +11678,10 @@
   <p:clrMapOvr>
     <a:masterClrMapping/>
   </p:clrMapOvr>
-  <p:timing>
-    <p:tnLst>
-      <p:par>
-        <p:cTn id="1" dur="indefinite" restart="never" nodeType="tmRoot"/>
-      </p:par>
-    </p:tnLst>
-  </p:timing>
 </p:sld>
 </file>
 
-<file path=ppt/slides/slide24.xml><?xml version="1.0" encoding="utf-8"?>
+<file path=ppt/slides/slide27.xml><?xml version="1.0" encoding="utf-8"?>
 <p:sld xmlns:a="http://schemas.openxmlformats.org/drawingml/2006/main" xmlns:r="http://schemas.openxmlformats.org/officeDocument/2006/relationships" xmlns:p="http://schemas.openxmlformats.org/presentationml/2006/main">
   <p:cSld>
     <p:spTree>
@@ -11180,10 +11728,6 @@
               </a:rPr>
               <a:t>What Are the Advantages of Pandas Over Excel?</a:t>
             </a:r>
-            <a:r>
-              <a:rPr lang="en-US" b="1" dirty="0"/>
-              <a:t/>
-            </a:r>
             <a:br>
               <a:rPr lang="en-US" b="1" dirty="0"/>
             </a:br>
@@ -11214,12 +11758,8 @@
           <a:lstStyle/>
           <a:p>
             <a:r>
-              <a:rPr lang="en-US" dirty="0" smtClean="0"/>
-              <a:t>Because </a:t>
-            </a:r>
-            <a:r>
               <a:rPr lang="en-US" dirty="0"/>
-              <a:t>it is built on </a:t>
+              <a:t>Because it is built on </a:t>
             </a:r>
             <a:r>
               <a:rPr lang="en-US" dirty="0" err="1"/>
@@ -11227,22 +11767,13 @@
             </a:r>
             <a:r>
               <a:rPr lang="en-US" dirty="0"/>
-              <a:t> (Numerical Python), Pandas boasts several </a:t>
-            </a:r>
-            <a:r>
-              <a:rPr lang="en-US" dirty="0" smtClean="0"/>
-              <a:t>advantages:</a:t>
-            </a:r>
-            <a:endParaRPr lang="en-US" dirty="0"/>
-          </a:p>
-          <a:p>
-            <a:r>
-              <a:rPr lang="en-US" b="1" dirty="0" smtClean="0"/>
-              <a:t>Scalability</a:t>
-            </a:r>
+              <a:t> (Numerical Python), Pandas boasts several advantages:</a:t>
+            </a:r>
+          </a:p>
+          <a:p>
             <a:r>
               <a:rPr lang="en-US" b="1" dirty="0"/>
-              <a:t> </a:t>
+              <a:t>Scalability </a:t>
             </a:r>
             <a:r>
               <a:rPr lang="en-US" dirty="0"/>
@@ -11314,17 +11845,10 @@
   <p:clrMapOvr>
     <a:masterClrMapping/>
   </p:clrMapOvr>
-  <p:timing>
-    <p:tnLst>
-      <p:par>
-        <p:cTn id="1" dur="indefinite" restart="never" nodeType="tmRoot"/>
-      </p:par>
-    </p:tnLst>
-  </p:timing>
 </p:sld>
 </file>
 
-<file path=ppt/slides/slide25.xml><?xml version="1.0" encoding="utf-8"?>
+<file path=ppt/slides/slide28.xml><?xml version="1.0" encoding="utf-8"?>
 <p:sld xmlns:a="http://schemas.openxmlformats.org/drawingml/2006/main" xmlns:r="http://schemas.openxmlformats.org/officeDocument/2006/relationships" xmlns:p="http://schemas.openxmlformats.org/presentationml/2006/main">
   <p:cSld>
     <p:spTree>
@@ -11358,10 +11882,9 @@
           <a:p>
             <a:pPr algn="ctr"/>
             <a:r>
-              <a:rPr lang="nl-NL" dirty="0" smtClean="0"/>
+              <a:rPr lang="nl-NL" dirty="0"/>
               <a:t>Dataframe</a:t>
             </a:r>
-            <a:endParaRPr lang="nl-NL" dirty="0"/>
           </a:p>
         </p:txBody>
       </p:sp>
@@ -11411,17 +11934,10 @@
   <p:clrMapOvr>
     <a:masterClrMapping/>
   </p:clrMapOvr>
-  <p:timing>
-    <p:tnLst>
-      <p:par>
-        <p:cTn id="1" dur="indefinite" restart="never" nodeType="tmRoot"/>
-      </p:par>
-    </p:tnLst>
-  </p:timing>
 </p:sld>
 </file>
 
-<file path=ppt/slides/slide26.xml><?xml version="1.0" encoding="utf-8"?>
+<file path=ppt/slides/slide29.xml><?xml version="1.0" encoding="utf-8"?>
 <p:sld xmlns:a="http://schemas.openxmlformats.org/drawingml/2006/main" xmlns:r="http://schemas.openxmlformats.org/officeDocument/2006/relationships" xmlns:p="http://schemas.openxmlformats.org/presentationml/2006/main">
   <p:cSld>
     <p:spTree>
@@ -11455,10 +11971,9 @@
           <a:p>
             <a:pPr algn="ctr"/>
             <a:r>
-              <a:rPr lang="nl-NL" dirty="0" smtClean="0"/>
+              <a:rPr lang="nl-NL" dirty="0"/>
               <a:t>Short code</a:t>
             </a:r>
-            <a:endParaRPr lang="nl-NL" dirty="0"/>
           </a:p>
         </p:txBody>
       </p:sp>
@@ -11539,17 +12054,199 @@
   <p:clrMapOvr>
     <a:masterClrMapping/>
   </p:clrMapOvr>
-  <p:timing>
-    <p:tnLst>
-      <p:par>
-        <p:cTn id="1" dur="indefinite" restart="never" nodeType="tmRoot"/>
-      </p:par>
-    </p:tnLst>
-  </p:timing>
 </p:sld>
 </file>
 
-<file path=ppt/slides/slide27.xml><?xml version="1.0" encoding="utf-8"?>
+<file path=ppt/slides/slide3.xml><?xml version="1.0" encoding="utf-8"?>
+<p:sld xmlns:a="http://schemas.openxmlformats.org/drawingml/2006/main" xmlns:r="http://schemas.openxmlformats.org/officeDocument/2006/relationships" xmlns:p="http://schemas.openxmlformats.org/presentationml/2006/main">
+  <p:cSld>
+    <p:spTree>
+      <p:nvGrpSpPr>
+        <p:cNvPr id="1" name=""/>
+        <p:cNvGrpSpPr/>
+        <p:nvPr/>
+      </p:nvGrpSpPr>
+      <p:grpSpPr>
+        <a:xfrm>
+          <a:off x="0" y="0"/>
+          <a:ext cx="0" cy="0"/>
+          <a:chOff x="0" y="0"/>
+          <a:chExt cx="0" cy="0"/>
+        </a:xfrm>
+      </p:grpSpPr>
+      <p:pic>
+        <p:nvPicPr>
+          <p:cNvPr id="1028" name="Picture 4" descr="The Python Logo | Python Software Foundation"/>
+          <p:cNvPicPr>
+            <a:picLocks noChangeAspect="1" noChangeArrowheads="1"/>
+          </p:cNvPicPr>
+          <p:nvPr/>
+        </p:nvPicPr>
+        <p:blipFill>
+          <a:blip r:embed="rId2">
+            <a:extLst>
+              <a:ext uri="{28A0092B-C50C-407E-A947-70E740481C1C}">
+                <a14:useLocalDpi xmlns:a14="http://schemas.microsoft.com/office/drawing/2010/main" val="0"/>
+              </a:ext>
+            </a:extLst>
+          </a:blip>
+          <a:srcRect/>
+          <a:stretch>
+            <a:fillRect/>
+          </a:stretch>
+        </p:blipFill>
+        <p:spPr bwMode="auto">
+          <a:xfrm>
+            <a:off x="3173095" y="948026"/>
+            <a:ext cx="5724525" cy="1933576"/>
+          </a:xfrm>
+          <a:prstGeom prst="rect">
+            <a:avLst/>
+          </a:prstGeom>
+          <a:noFill/>
+          <a:extLst>
+            <a:ext uri="{909E8E84-426E-40DD-AFC4-6F175D3DCCD1}">
+              <a14:hiddenFill xmlns:a14="http://schemas.microsoft.com/office/drawing/2010/main">
+                <a:solidFill>
+                  <a:srgbClr val="FFFFFF"/>
+                </a:solidFill>
+              </a14:hiddenFill>
+            </a:ext>
+          </a:extLst>
+        </p:spPr>
+      </p:pic>
+      <p:pic>
+        <p:nvPicPr>
+          <p:cNvPr id="1036" name="Picture 12" descr="Posts tagged as &quot;Pandas&quot; | Ashish Thanki Blog"/>
+          <p:cNvPicPr>
+            <a:picLocks noChangeAspect="1" noChangeArrowheads="1"/>
+          </p:cNvPicPr>
+          <p:nvPr/>
+        </p:nvPicPr>
+        <p:blipFill>
+          <a:blip r:embed="rId3">
+            <a:extLst>
+              <a:ext uri="{28A0092B-C50C-407E-A947-70E740481C1C}">
+                <a14:useLocalDpi xmlns:a14="http://schemas.microsoft.com/office/drawing/2010/main" val="0"/>
+              </a:ext>
+            </a:extLst>
+          </a:blip>
+          <a:srcRect/>
+          <a:stretch>
+            <a:fillRect/>
+          </a:stretch>
+        </p:blipFill>
+        <p:spPr bwMode="auto">
+          <a:xfrm>
+            <a:off x="3420214" y="3097787"/>
+            <a:ext cx="2804864" cy="1172095"/>
+          </a:xfrm>
+          <a:prstGeom prst="rect">
+            <a:avLst/>
+          </a:prstGeom>
+          <a:noFill/>
+          <a:extLst>
+            <a:ext uri="{909E8E84-426E-40DD-AFC4-6F175D3DCCD1}">
+              <a14:hiddenFill xmlns:a14="http://schemas.microsoft.com/office/drawing/2010/main">
+                <a:solidFill>
+                  <a:srgbClr val="FFFFFF"/>
+                </a:solidFill>
+              </a14:hiddenFill>
+            </a:ext>
+          </a:extLst>
+        </p:spPr>
+      </p:pic>
+      <p:pic>
+        <p:nvPicPr>
+          <p:cNvPr id="1038" name="Picture 14" descr="The Data Science Trilogy. So you are new to Python. Or perhaps… | by Hair  Parra | Towards Data Science"/>
+          <p:cNvPicPr>
+            <a:picLocks noChangeAspect="1" noChangeArrowheads="1"/>
+          </p:cNvPicPr>
+          <p:nvPr/>
+        </p:nvPicPr>
+        <p:blipFill>
+          <a:blip r:embed="rId4" cstate="print">
+            <a:extLst>
+              <a:ext uri="{28A0092B-C50C-407E-A947-70E740481C1C}">
+                <a14:useLocalDpi xmlns:a14="http://schemas.microsoft.com/office/drawing/2010/main" val="0"/>
+              </a:ext>
+            </a:extLst>
+          </a:blip>
+          <a:srcRect/>
+          <a:stretch>
+            <a:fillRect/>
+          </a:stretch>
+        </p:blipFill>
+        <p:spPr bwMode="auto">
+          <a:xfrm>
+            <a:off x="7439572" y="3027714"/>
+            <a:ext cx="2916095" cy="1312243"/>
+          </a:xfrm>
+          <a:prstGeom prst="rect">
+            <a:avLst/>
+          </a:prstGeom>
+          <a:noFill/>
+          <a:extLst>
+            <a:ext uri="{909E8E84-426E-40DD-AFC4-6F175D3DCCD1}">
+              <a14:hiddenFill xmlns:a14="http://schemas.microsoft.com/office/drawing/2010/main">
+                <a:solidFill>
+                  <a:srgbClr val="FFFFFF"/>
+                </a:solidFill>
+              </a14:hiddenFill>
+            </a:ext>
+          </a:extLst>
+        </p:spPr>
+      </p:pic>
+      <p:pic>
+        <p:nvPicPr>
+          <p:cNvPr id="1040" name="Picture 16" descr="SKLearn | Scikit-Learn In Python | SciKit Learn Tutorial"/>
+          <p:cNvPicPr>
+            <a:picLocks noChangeAspect="1" noChangeArrowheads="1"/>
+          </p:cNvPicPr>
+          <p:nvPr/>
+        </p:nvPicPr>
+        <p:blipFill>
+          <a:blip r:embed="rId5">
+            <a:extLst>
+              <a:ext uri="{28A0092B-C50C-407E-A947-70E740481C1C}">
+                <a14:useLocalDpi xmlns:a14="http://schemas.microsoft.com/office/drawing/2010/main" val="0"/>
+              </a:ext>
+            </a:extLst>
+          </a:blip>
+          <a:srcRect/>
+          <a:stretch>
+            <a:fillRect/>
+          </a:stretch>
+        </p:blipFill>
+        <p:spPr bwMode="auto">
+          <a:xfrm>
+            <a:off x="4195559" y="4495596"/>
+            <a:ext cx="5391150" cy="1924051"/>
+          </a:xfrm>
+          <a:prstGeom prst="rect">
+            <a:avLst/>
+          </a:prstGeom>
+          <a:noFill/>
+          <a:extLst>
+            <a:ext uri="{909E8E84-426E-40DD-AFC4-6F175D3DCCD1}">
+              <a14:hiddenFill xmlns:a14="http://schemas.microsoft.com/office/drawing/2010/main">
+                <a:solidFill>
+                  <a:srgbClr val="FFFFFF"/>
+                </a:solidFill>
+              </a14:hiddenFill>
+            </a:ext>
+          </a:extLst>
+        </p:spPr>
+      </p:pic>
+    </p:spTree>
+  </p:cSld>
+  <p:clrMapOvr>
+    <a:masterClrMapping/>
+  </p:clrMapOvr>
+</p:sld>
+</file>
+
+<file path=ppt/slides/slide30.xml><?xml version="1.0" encoding="utf-8"?>
 <p:sld xmlns:a="http://schemas.openxmlformats.org/drawingml/2006/main" xmlns:r="http://schemas.openxmlformats.org/officeDocument/2006/relationships" xmlns:p="http://schemas.openxmlformats.org/presentationml/2006/main">
   <p:cSld>
     <p:spTree>
@@ -11583,11 +12280,11 @@
           <a:p>
             <a:pPr algn="ctr"/>
             <a:r>
-              <a:rPr lang="nl-NL" dirty="0" smtClean="0"/>
+              <a:rPr lang="nl-NL" dirty="0"/>
               <a:t>Pivot </a:t>
             </a:r>
             <a:r>
-              <a:rPr lang="nl-NL" dirty="0" err="1" smtClean="0"/>
+              <a:rPr lang="nl-NL" dirty="0" err="1"/>
               <a:t>DataFrame</a:t>
             </a:r>
             <a:endParaRPr lang="nl-NL" dirty="0"/>
@@ -11956,7 +12653,7 @@
 </p:sld>
 </file>
 
-<file path=ppt/slides/slide28.xml><?xml version="1.0" encoding="utf-8"?>
+<file path=ppt/slides/slide31.xml><?xml version="1.0" encoding="utf-8"?>
 <p:sld xmlns:a="http://schemas.openxmlformats.org/drawingml/2006/main" xmlns:r="http://schemas.openxmlformats.org/officeDocument/2006/relationships" xmlns:p="http://schemas.openxmlformats.org/presentationml/2006/main">
   <p:cSld>
     <p:spTree>
@@ -12018,7 +12715,13 @@
         <p:nvGraphicFramePr>
           <p:cNvPr id="10" name="Table 9"/>
           <p:cNvGraphicFramePr/>
-          <p:nvPr/>
+          <p:nvPr>
+            <p:extLst>
+              <p:ext uri="{D42A27DB-BD31-4B8C-83A1-F6EECF244321}">
+                <p14:modId xmlns:p14="http://schemas.microsoft.com/office/powerpoint/2010/main" val="3284875247"/>
+              </p:ext>
+            </p:extLst>
+          </p:nvPr>
         </p:nvGraphicFramePr>
         <p:xfrm>
           <a:off x="449580" y="1980565"/>
@@ -12066,13 +12769,14 @@
                     <a:bodyPr/>
                     <a:lstStyle/>
                     <a:p>
-                      <a:pPr>
+                      <a:pPr lvl="0">
                         <a:buNone/>
                       </a:pPr>
                       <a:r>
-                        <a:rPr lang="en-US"/>
+                        <a:rPr lang="en-US" dirty="0"/>
                         <a:t>Index</a:t>
                       </a:r>
+                      <a:endParaRPr lang="nl-NL" dirty="0"/>
                     </a:p>
                   </a:txBody>
                   <a:tcPr/>
@@ -12086,7 +12790,7 @@
                         <a:buNone/>
                       </a:pPr>
                       <a:r>
-                        <a:rPr lang="en-US"/>
+                        <a:rPr lang="en-US" dirty="0" err="1"/>
                         <a:t>Leeftijd</a:t>
                       </a:r>
                     </a:p>
@@ -12106,7 +12810,7 @@
                         <a:buNone/>
                       </a:pPr>
                       <a:r>
-                        <a:rPr lang="en-US"/>
+                        <a:rPr lang="en-US" dirty="0"/>
                         <a:t>BMI</a:t>
                       </a:r>
                     </a:p>
@@ -12126,7 +12830,7 @@
                         <a:buNone/>
                       </a:pPr>
                       <a:r>
-                        <a:rPr lang="en-US"/>
+                        <a:rPr lang="en-US" dirty="0"/>
                         <a:t>hart</a:t>
                       </a:r>
                     </a:p>
@@ -12135,9 +12839,10 @@
                         <a:buNone/>
                       </a:pPr>
                       <a:r>
-                        <a:rPr lang="en-US"/>
+                        <a:rPr lang="en-US" dirty="0" err="1"/>
                         <a:t>conditie</a:t>
                       </a:r>
+                      <a:endParaRPr lang="en-US"/>
                     </a:p>
                   </a:txBody>
                   <a:tcPr>
@@ -12162,7 +12867,7 @@
                         <a:buNone/>
                       </a:pPr>
                       <a:r>
-                        <a:rPr lang="en-US"/>
+                        <a:rPr lang="en-US" dirty="0"/>
                         <a:t>1</a:t>
                       </a:r>
                     </a:p>
@@ -12178,7 +12883,7 @@
                         <a:buNone/>
                       </a:pPr>
                       <a:r>
-                        <a:rPr lang="en-US"/>
+                        <a:rPr lang="en-US" dirty="0"/>
                         <a:t>20</a:t>
                       </a:r>
                     </a:p>
@@ -12198,7 +12903,7 @@
                         <a:buNone/>
                       </a:pPr>
                       <a:r>
-                        <a:rPr lang="en-US"/>
+                        <a:rPr lang="en-US" dirty="0"/>
                         <a:t>21</a:t>
                       </a:r>
                     </a:p>
@@ -12218,7 +12923,7 @@
                         <a:buNone/>
                       </a:pPr>
                       <a:r>
-                        <a:rPr lang="en-US"/>
+                        <a:rPr lang="en-US" dirty="0"/>
                         <a:t>100</a:t>
                       </a:r>
                     </a:p>
@@ -12245,7 +12950,7 @@
                         <a:buNone/>
                       </a:pPr>
                       <a:r>
-                        <a:rPr lang="en-US"/>
+                        <a:rPr lang="en-US" dirty="0"/>
                         <a:t>2</a:t>
                       </a:r>
                     </a:p>
@@ -12261,7 +12966,7 @@
                         <a:buNone/>
                       </a:pPr>
                       <a:r>
-                        <a:rPr lang="en-US"/>
+                        <a:rPr lang="en-US" dirty="0"/>
                         <a:t>70</a:t>
                       </a:r>
                     </a:p>
@@ -12281,7 +12986,7 @@
                         <a:buNone/>
                       </a:pPr>
                       <a:r>
-                        <a:rPr lang="en-US"/>
+                        <a:rPr lang="en-US" dirty="0"/>
                         <a:t>30</a:t>
                       </a:r>
                     </a:p>
@@ -12301,7 +13006,7 @@
                         <a:buNone/>
                       </a:pPr>
                       <a:r>
-                        <a:rPr lang="en-US"/>
+                        <a:rPr lang="en-US" dirty="0"/>
                         <a:t>60</a:t>
                       </a:r>
                     </a:p>
@@ -12328,7 +13033,7 @@
                         <a:buNone/>
                       </a:pPr>
                       <a:r>
-                        <a:rPr lang="en-US"/>
+                        <a:rPr lang="en-US" dirty="0"/>
                         <a:t>3</a:t>
                       </a:r>
                     </a:p>
@@ -12344,7 +13049,7 @@
                         <a:buNone/>
                       </a:pPr>
                       <a:r>
-                        <a:rPr lang="en-US"/>
+                        <a:rPr lang="en-US" dirty="0"/>
                         <a:t>35</a:t>
                       </a:r>
                     </a:p>
@@ -12364,7 +13069,7 @@
                         <a:buNone/>
                       </a:pPr>
                       <a:r>
-                        <a:rPr lang="en-US"/>
+                        <a:rPr lang="en-US" dirty="0"/>
                         <a:t>25</a:t>
                       </a:r>
                     </a:p>
@@ -12384,7 +13089,7 @@
                         <a:buNone/>
                       </a:pPr>
                       <a:r>
-                        <a:rPr lang="en-US"/>
+                        <a:rPr lang="en-US" dirty="0"/>
                         <a:t>80</a:t>
                       </a:r>
                     </a:p>
@@ -12411,7 +13116,7 @@
                         <a:buNone/>
                       </a:pPr>
                       <a:r>
-                        <a:rPr lang="en-US"/>
+                        <a:rPr lang="en-US" dirty="0"/>
                         <a:t>4</a:t>
                       </a:r>
                     </a:p>
@@ -12427,7 +13132,7 @@
                         <a:buNone/>
                       </a:pPr>
                       <a:r>
-                        <a:rPr lang="en-US"/>
+                        <a:rPr lang="en-US" dirty="0"/>
                         <a:t>70</a:t>
                       </a:r>
                     </a:p>
@@ -12447,7 +13152,7 @@
                         <a:buNone/>
                       </a:pPr>
                       <a:r>
-                        <a:rPr lang="en-US"/>
+                        <a:rPr lang="en-US" dirty="0"/>
                         <a:t>21</a:t>
                       </a:r>
                     </a:p>
@@ -12467,7 +13172,7 @@
                         <a:buNone/>
                       </a:pPr>
                       <a:r>
-                        <a:rPr lang="en-US"/>
+                        <a:rPr lang="en-US" dirty="0"/>
                         <a:t>85</a:t>
                       </a:r>
                     </a:p>
@@ -12494,7 +13199,7 @@
                         <a:buNone/>
                       </a:pPr>
                       <a:r>
-                        <a:rPr lang="en-US"/>
+                        <a:rPr lang="en-US" dirty="0"/>
                         <a:t>........</a:t>
                       </a:r>
                     </a:p>
@@ -12510,7 +13215,7 @@
                         <a:buNone/>
                       </a:pPr>
                       <a:r>
-                        <a:rPr lang="en-US"/>
+                        <a:rPr lang="en-US" dirty="0"/>
                         <a:t>..........</a:t>
                       </a:r>
                     </a:p>
@@ -12530,7 +13235,7 @@
                         <a:buNone/>
                       </a:pPr>
                       <a:r>
-                        <a:rPr lang="en-US"/>
+                        <a:rPr lang="en-US" dirty="0"/>
                         <a:t>.........</a:t>
                       </a:r>
                     </a:p>
@@ -12550,7 +13255,7 @@
                         <a:buNone/>
                       </a:pPr>
                       <a:r>
-                        <a:rPr lang="en-US"/>
+                        <a:rPr lang="en-US" dirty="0"/>
                         <a:t>..........</a:t>
                       </a:r>
                     </a:p>
@@ -12577,7 +13282,7 @@
                         <a:buNone/>
                       </a:pPr>
                       <a:r>
-                        <a:rPr lang="en-US"/>
+                        <a:rPr lang="en-US" dirty="0"/>
                         <a:t>5</a:t>
                       </a:r>
                     </a:p>
@@ -12593,7 +13298,7 @@
                         <a:buNone/>
                       </a:pPr>
                       <a:r>
-                        <a:rPr lang="en-US"/>
+                        <a:rPr lang="en-US" dirty="0"/>
                         <a:t>20</a:t>
                       </a:r>
                     </a:p>
@@ -12613,7 +13318,7 @@
                         <a:buNone/>
                       </a:pPr>
                       <a:r>
-                        <a:rPr lang="en-US"/>
+                        <a:rPr lang="en-US" dirty="0"/>
                         <a:t>30</a:t>
                       </a:r>
                     </a:p>
@@ -12633,7 +13338,7 @@
                         <a:buNone/>
                       </a:pPr>
                       <a:r>
-                        <a:rPr lang="en-US"/>
+                        <a:rPr lang="en-US" dirty="0"/>
                         <a:t>90</a:t>
                       </a:r>
                     </a:p>
@@ -13110,17 +13815,815 @@
   <p:clrMapOvr>
     <a:masterClrMapping/>
   </p:clrMapOvr>
-  <p:timing>
-    <p:tnLst>
-      <p:par>
-        <p:cTn id="1" dur="indefinite" restart="never" nodeType="tmRoot"/>
-      </p:par>
-    </p:tnLst>
-  </p:timing>
 </p:sld>
 </file>
 
-<file path=ppt/slides/slide29.xml><?xml version="1.0" encoding="utf-8"?>
+<file path=ppt/slides/slide32.xml><?xml version="1.0" encoding="utf-8"?>
+<p:sld xmlns:a="http://schemas.openxmlformats.org/drawingml/2006/main" xmlns:r="http://schemas.openxmlformats.org/officeDocument/2006/relationships" xmlns:p="http://schemas.openxmlformats.org/presentationml/2006/main">
+  <p:cSld>
+    <p:spTree>
+      <p:nvGrpSpPr>
+        <p:cNvPr id="1" name=""/>
+        <p:cNvGrpSpPr/>
+        <p:nvPr/>
+      </p:nvGrpSpPr>
+      <p:grpSpPr>
+        <a:xfrm>
+          <a:off x="0" y="0"/>
+          <a:ext cx="0" cy="0"/>
+          <a:chOff x="0" y="0"/>
+          <a:chExt cx="0" cy="0"/>
+        </a:xfrm>
+      </p:grpSpPr>
+      <p:sp>
+        <p:nvSpPr>
+          <p:cNvPr id="9" name="标题 1"/>
+          <p:cNvSpPr>
+            <a:spLocks noGrp="1"/>
+          </p:cNvSpPr>
+          <p:nvPr>
+            <p:ph type="ctrTitle"/>
+          </p:nvPr>
+        </p:nvSpPr>
+        <p:spPr>
+          <a:xfrm>
+            <a:off x="125697" y="147153"/>
+            <a:ext cx="11729085" cy="916940"/>
+          </a:xfrm>
+        </p:spPr>
+        <p:txBody>
+          <a:bodyPr>
+            <a:normAutofit/>
+          </a:bodyPr>
+          <a:lstStyle/>
+          <a:p>
+            <a:pPr algn="ctr"/>
+            <a:r>
+              <a:rPr lang="en-US" altLang="zh-CN" dirty="0">
+                <a:solidFill>
+                  <a:schemeClr val="tx1"/>
+                </a:solidFill>
+                <a:effectLst>
+                  <a:outerShdw blurRad="38100" dist="19050" dir="2700000" algn="tl" rotWithShape="0">
+                    <a:schemeClr val="dk1">
+                      <a:alpha val="40000"/>
+                    </a:schemeClr>
+                  </a:outerShdw>
+                </a:effectLst>
+                <a:ea typeface="方正姚体"/>
+              </a:rPr>
+              <a:t>Pandas: </a:t>
+            </a:r>
+            <a:r>
+              <a:rPr lang="en-US" altLang="zh-CN" dirty="0" err="1">
+                <a:solidFill>
+                  <a:schemeClr val="tx1"/>
+                </a:solidFill>
+                <a:effectLst>
+                  <a:outerShdw blurRad="38100" dist="19050" dir="2700000" algn="tl" rotWithShape="0">
+                    <a:schemeClr val="dk1">
+                      <a:alpha val="40000"/>
+                    </a:schemeClr>
+                  </a:outerShdw>
+                </a:effectLst>
+                <a:ea typeface="方正姚体"/>
+              </a:rPr>
+              <a:t>Groupby</a:t>
+            </a:r>
+            <a:endParaRPr lang="en-US" altLang="zh-CN" dirty="0" err="1">
+              <a:solidFill>
+                <a:schemeClr val="tx1"/>
+              </a:solidFill>
+              <a:effectLst>
+                <a:outerShdw blurRad="38100" dist="19050" dir="2700000" algn="tl" rotWithShape="0">
+                  <a:schemeClr val="dk1">
+                    <a:alpha val="40000"/>
+                  </a:schemeClr>
+                </a:outerShdw>
+              </a:effectLst>
+            </a:endParaRPr>
+          </a:p>
+        </p:txBody>
+      </p:sp>
+      <p:graphicFrame>
+        <p:nvGraphicFramePr>
+          <p:cNvPr id="10" name="Table 9"/>
+          <p:cNvGraphicFramePr/>
+          <p:nvPr>
+            <p:extLst>
+              <p:ext uri="{D42A27DB-BD31-4B8C-83A1-F6EECF244321}">
+                <p14:modId xmlns:p14="http://schemas.microsoft.com/office/powerpoint/2010/main" val="2079390181"/>
+              </p:ext>
+            </p:extLst>
+          </p:nvPr>
+        </p:nvGraphicFramePr>
+        <p:xfrm>
+          <a:off x="491289" y="2075447"/>
+          <a:ext cx="4502673" cy="3910400"/>
+        </p:xfrm>
+        <a:graphic>
+          <a:graphicData uri="http://schemas.openxmlformats.org/drawingml/2006/table">
+            <a:tbl>
+              <a:tblPr firstRow="1" bandRow="1">
+                <a:tableStyleId>{5C22544A-7EE6-4342-B048-85BDC9FD1C3A}</a:tableStyleId>
+              </a:tblPr>
+              <a:tblGrid>
+                <a:gridCol w="1500891">
+                  <a:extLst>
+                    <a:ext uri="{9D8B030D-6E8A-4147-A177-3AD203B41FA5}">
+                      <a16:colId xmlns:a16="http://schemas.microsoft.com/office/drawing/2014/main" val="20000"/>
+                    </a:ext>
+                  </a:extLst>
+                </a:gridCol>
+                <a:gridCol w="1647791">
+                  <a:extLst>
+                    <a:ext uri="{9D8B030D-6E8A-4147-A177-3AD203B41FA5}">
+                      <a16:colId xmlns:a16="http://schemas.microsoft.com/office/drawing/2014/main" val="20001"/>
+                    </a:ext>
+                  </a:extLst>
+                </a:gridCol>
+                <a:gridCol w="1353991">
+                  <a:extLst>
+                    <a:ext uri="{9D8B030D-6E8A-4147-A177-3AD203B41FA5}">
+                      <a16:colId xmlns:a16="http://schemas.microsoft.com/office/drawing/2014/main" val="20002"/>
+                    </a:ext>
+                  </a:extLst>
+                </a:gridCol>
+              </a:tblGrid>
+              <a:tr h="782080">
+                <a:tc>
+                  <a:txBody>
+                    <a:bodyPr/>
+                    <a:lstStyle/>
+                    <a:p>
+                      <a:pPr>
+                        <a:buNone/>
+                      </a:pPr>
+                      <a:r>
+                        <a:rPr lang="en-US" dirty="0"/>
+                        <a:t>Index</a:t>
+                      </a:r>
+                    </a:p>
+                  </a:txBody>
+                  <a:tcPr/>
+                </a:tc>
+                <a:tc>
+                  <a:txBody>
+                    <a:bodyPr/>
+                    <a:lstStyle/>
+                    <a:p>
+                      <a:pPr lvl="0">
+                        <a:buNone/>
+                      </a:pPr>
+                      <a:r>
+                        <a:rPr lang="en-US" dirty="0"/>
+                        <a:t>Patient</a:t>
+                      </a:r>
+                    </a:p>
+                    <a:p>
+                      <a:pPr lvl="0">
+                        <a:buNone/>
+                      </a:pPr>
+                      <a:r>
+                        <a:rPr lang="en-US" dirty="0"/>
+                        <a:t>ID</a:t>
+                      </a:r>
+                    </a:p>
+                  </a:txBody>
+                  <a:tcPr>
+                    <a:solidFill>
+                      <a:schemeClr val="accent4"/>
+                    </a:solidFill>
+                  </a:tcPr>
+                </a:tc>
+                <a:tc>
+                  <a:txBody>
+                    <a:bodyPr/>
+                    <a:lstStyle/>
+                    <a:p>
+                      <a:pPr>
+                        <a:buNone/>
+                      </a:pPr>
+                      <a:r>
+                        <a:rPr lang="en-US" dirty="0"/>
+                        <a:t>Blood</a:t>
+                      </a:r>
+                    </a:p>
+                    <a:p>
+                      <a:pPr lvl="0">
+                        <a:buNone/>
+                      </a:pPr>
+                      <a:r>
+                        <a:rPr lang="en-US" dirty="0"/>
+                        <a:t>Pressure</a:t>
+                      </a:r>
+                    </a:p>
+                  </a:txBody>
+                  <a:tcPr>
+                    <a:solidFill>
+                      <a:schemeClr val="accent6"/>
+                    </a:solidFill>
+                  </a:tcPr>
+                </a:tc>
+                <a:extLst>
+                  <a:ext uri="{0D108BD9-81ED-4DB2-BD59-A6C34878D82A}">
+                    <a16:rowId xmlns:a16="http://schemas.microsoft.com/office/drawing/2014/main" val="10000"/>
+                  </a:ext>
+                </a:extLst>
+              </a:tr>
+              <a:tr h="782080">
+                <a:tc>
+                  <a:txBody>
+                    <a:bodyPr/>
+                    <a:lstStyle/>
+                    <a:p>
+                      <a:pPr>
+                        <a:buNone/>
+                      </a:pPr>
+                      <a:r>
+                        <a:rPr lang="en-US" sz="2800" dirty="0"/>
+                        <a:t>1</a:t>
+                      </a:r>
+                    </a:p>
+                  </a:txBody>
+                  <a:tcPr/>
+                </a:tc>
+                <a:tc>
+                  <a:txBody>
+                    <a:bodyPr/>
+                    <a:lstStyle/>
+                    <a:p>
+                      <a:pPr>
+                        <a:buNone/>
+                      </a:pPr>
+                      <a:r>
+                        <a:rPr lang="en-US" sz="2800" dirty="0"/>
+                        <a:t>1</a:t>
+                      </a:r>
+                    </a:p>
+                  </a:txBody>
+                  <a:tcPr>
+                    <a:solidFill>
+                      <a:schemeClr val="accent4"/>
+                    </a:solidFill>
+                  </a:tcPr>
+                </a:tc>
+                <a:tc>
+                  <a:txBody>
+                    <a:bodyPr/>
+                    <a:lstStyle/>
+                    <a:p>
+                      <a:pPr>
+                        <a:buNone/>
+                      </a:pPr>
+                      <a:r>
+                        <a:rPr lang="en-US" sz="2800" dirty="0"/>
+                        <a:t>140</a:t>
+                      </a:r>
+                    </a:p>
+                  </a:txBody>
+                  <a:tcPr>
+                    <a:solidFill>
+                      <a:schemeClr val="accent6"/>
+                    </a:solidFill>
+                  </a:tcPr>
+                </a:tc>
+                <a:extLst>
+                  <a:ext uri="{0D108BD9-81ED-4DB2-BD59-A6C34878D82A}">
+                    <a16:rowId xmlns:a16="http://schemas.microsoft.com/office/drawing/2014/main" val="10001"/>
+                  </a:ext>
+                </a:extLst>
+              </a:tr>
+              <a:tr h="782080">
+                <a:tc>
+                  <a:txBody>
+                    <a:bodyPr/>
+                    <a:lstStyle/>
+                    <a:p>
+                      <a:pPr>
+                        <a:buNone/>
+                      </a:pPr>
+                      <a:r>
+                        <a:rPr lang="en-US" sz="2800" dirty="0"/>
+                        <a:t>2</a:t>
+                      </a:r>
+                    </a:p>
+                  </a:txBody>
+                  <a:tcPr/>
+                </a:tc>
+                <a:tc>
+                  <a:txBody>
+                    <a:bodyPr/>
+                    <a:lstStyle/>
+                    <a:p>
+                      <a:pPr>
+                        <a:buNone/>
+                      </a:pPr>
+                      <a:r>
+                        <a:rPr lang="en-US" sz="2800" dirty="0"/>
+                        <a:t>1</a:t>
+                      </a:r>
+                    </a:p>
+                  </a:txBody>
+                  <a:tcPr>
+                    <a:solidFill>
+                      <a:schemeClr val="accent4"/>
+                    </a:solidFill>
+                  </a:tcPr>
+                </a:tc>
+                <a:tc>
+                  <a:txBody>
+                    <a:bodyPr/>
+                    <a:lstStyle/>
+                    <a:p>
+                      <a:pPr>
+                        <a:buNone/>
+                      </a:pPr>
+                      <a:r>
+                        <a:rPr lang="en-US" sz="2800" dirty="0"/>
+                        <a:t>120</a:t>
+                      </a:r>
+                    </a:p>
+                  </a:txBody>
+                  <a:tcPr>
+                    <a:solidFill>
+                      <a:schemeClr val="accent6"/>
+                    </a:solidFill>
+                  </a:tcPr>
+                </a:tc>
+                <a:extLst>
+                  <a:ext uri="{0D108BD9-81ED-4DB2-BD59-A6C34878D82A}">
+                    <a16:rowId xmlns:a16="http://schemas.microsoft.com/office/drawing/2014/main" val="10002"/>
+                  </a:ext>
+                </a:extLst>
+              </a:tr>
+              <a:tr h="782080">
+                <a:tc>
+                  <a:txBody>
+                    <a:bodyPr/>
+                    <a:lstStyle/>
+                    <a:p>
+                      <a:pPr>
+                        <a:buNone/>
+                      </a:pPr>
+                      <a:r>
+                        <a:rPr lang="en-US" sz="2800" dirty="0"/>
+                        <a:t>3</a:t>
+                      </a:r>
+                    </a:p>
+                  </a:txBody>
+                  <a:tcPr/>
+                </a:tc>
+                <a:tc>
+                  <a:txBody>
+                    <a:bodyPr/>
+                    <a:lstStyle/>
+                    <a:p>
+                      <a:pPr>
+                        <a:buNone/>
+                      </a:pPr>
+                      <a:r>
+                        <a:rPr lang="en-US" sz="2800" dirty="0"/>
+                        <a:t>2</a:t>
+                      </a:r>
+                    </a:p>
+                  </a:txBody>
+                  <a:tcPr>
+                    <a:solidFill>
+                      <a:schemeClr val="accent4"/>
+                    </a:solidFill>
+                  </a:tcPr>
+                </a:tc>
+                <a:tc>
+                  <a:txBody>
+                    <a:bodyPr/>
+                    <a:lstStyle/>
+                    <a:p>
+                      <a:pPr>
+                        <a:buNone/>
+                      </a:pPr>
+                      <a:r>
+                        <a:rPr lang="en-US" sz="2800" dirty="0"/>
+                        <a:t>90</a:t>
+                      </a:r>
+                    </a:p>
+                  </a:txBody>
+                  <a:tcPr>
+                    <a:solidFill>
+                      <a:schemeClr val="accent6"/>
+                    </a:solidFill>
+                  </a:tcPr>
+                </a:tc>
+                <a:extLst>
+                  <a:ext uri="{0D108BD9-81ED-4DB2-BD59-A6C34878D82A}">
+                    <a16:rowId xmlns:a16="http://schemas.microsoft.com/office/drawing/2014/main" val="10003"/>
+                  </a:ext>
+                </a:extLst>
+              </a:tr>
+              <a:tr h="782080">
+                <a:tc>
+                  <a:txBody>
+                    <a:bodyPr/>
+                    <a:lstStyle/>
+                    <a:p>
+                      <a:pPr>
+                        <a:buNone/>
+                      </a:pPr>
+                      <a:r>
+                        <a:rPr lang="en-US" sz="2800" dirty="0"/>
+                        <a:t>4</a:t>
+                      </a:r>
+                    </a:p>
+                  </a:txBody>
+                  <a:tcPr/>
+                </a:tc>
+                <a:tc>
+                  <a:txBody>
+                    <a:bodyPr/>
+                    <a:lstStyle/>
+                    <a:p>
+                      <a:pPr>
+                        <a:buNone/>
+                      </a:pPr>
+                      <a:r>
+                        <a:rPr lang="en-US" sz="2800" dirty="0"/>
+                        <a:t>2</a:t>
+                      </a:r>
+                    </a:p>
+                  </a:txBody>
+                  <a:tcPr>
+                    <a:solidFill>
+                      <a:schemeClr val="accent4"/>
+                    </a:solidFill>
+                  </a:tcPr>
+                </a:tc>
+                <a:tc>
+                  <a:txBody>
+                    <a:bodyPr/>
+                    <a:lstStyle/>
+                    <a:p>
+                      <a:pPr>
+                        <a:buNone/>
+                      </a:pPr>
+                      <a:r>
+                        <a:rPr lang="en-US" sz="2800" dirty="0"/>
+                        <a:t>70</a:t>
+                      </a:r>
+                    </a:p>
+                  </a:txBody>
+                  <a:tcPr>
+                    <a:solidFill>
+                      <a:schemeClr val="accent6"/>
+                    </a:solidFill>
+                  </a:tcPr>
+                </a:tc>
+                <a:extLst>
+                  <a:ext uri="{0D108BD9-81ED-4DB2-BD59-A6C34878D82A}">
+                    <a16:rowId xmlns:a16="http://schemas.microsoft.com/office/drawing/2014/main" val="10004"/>
+                  </a:ext>
+                </a:extLst>
+              </a:tr>
+            </a:tbl>
+          </a:graphicData>
+        </a:graphic>
+      </p:graphicFrame>
+      <p:cxnSp>
+        <p:nvCxnSpPr>
+          <p:cNvPr id="12" name="Straight Arrow Connector 11"/>
+          <p:cNvCxnSpPr/>
+          <p:nvPr/>
+        </p:nvCxnSpPr>
+        <p:spPr>
+          <a:xfrm>
+            <a:off x="5245133" y="3385820"/>
+            <a:ext cx="1207770" cy="0"/>
+          </a:xfrm>
+          <a:prstGeom prst="straightConnector1">
+            <a:avLst/>
+          </a:prstGeom>
+          <a:ln w="127000">
+            <a:tailEnd type="triangle"/>
+          </a:ln>
+        </p:spPr>
+        <p:style>
+          <a:lnRef idx="1">
+            <a:schemeClr val="accent1"/>
+          </a:lnRef>
+          <a:fillRef idx="0">
+            <a:schemeClr val="accent1"/>
+          </a:fillRef>
+          <a:effectRef idx="0">
+            <a:schemeClr val="accent1"/>
+          </a:effectRef>
+          <a:fontRef idx="minor">
+            <a:schemeClr val="tx1"/>
+          </a:fontRef>
+        </p:style>
+      </p:cxnSp>
+      <p:sp>
+        <p:nvSpPr>
+          <p:cNvPr id="2" name="Tekstvak 1">
+            <a:extLst>
+              <a:ext uri="{FF2B5EF4-FFF2-40B4-BE49-F238E27FC236}">
+                <a16:creationId xmlns:a16="http://schemas.microsoft.com/office/drawing/2014/main" id="{BD8731E7-F7B7-846A-D312-2AD76F5C072D}"/>
+              </a:ext>
+            </a:extLst>
+          </p:cNvPr>
+          <p:cNvSpPr txBox="1"/>
+          <p:nvPr/>
+        </p:nvSpPr>
+        <p:spPr>
+          <a:xfrm>
+            <a:off x="3090110" y="1335505"/>
+            <a:ext cx="5771146" cy="523220"/>
+          </a:xfrm>
+          <a:prstGeom prst="rect">
+            <a:avLst/>
+          </a:prstGeom>
+          <a:noFill/>
+        </p:spPr>
+        <p:txBody>
+          <a:bodyPr rot="0" spcFirstLastPara="0" vertOverflow="overflow" horzOverflow="overflow" vert="horz" wrap="square" lIns="91440" tIns="45720" rIns="91440" bIns="45720" numCol="1" spcCol="0" rtlCol="0" fromWordArt="0" anchor="t" anchorCtr="0" forceAA="0" compatLnSpc="1">
+            <a:prstTxWarp prst="textNoShape">
+              <a:avLst/>
+            </a:prstTxWarp>
+            <a:spAutoFit/>
+          </a:bodyPr>
+          <a:lstStyle/>
+          <a:p>
+            <a:r>
+              <a:rPr lang="nl-NL" sz="2800" b="1" dirty="0" err="1">
+                <a:solidFill>
+                  <a:srgbClr val="404040"/>
+                </a:solidFill>
+              </a:rPr>
+              <a:t>df.groupby</a:t>
+            </a:r>
+            <a:r>
+              <a:rPr lang="nl-NL" sz="2800" b="1" dirty="0">
+                <a:solidFill>
+                  <a:srgbClr val="404040"/>
+                </a:solidFill>
+              </a:rPr>
+              <a:t>(['</a:t>
+            </a:r>
+            <a:r>
+              <a:rPr lang="nl-NL" sz="2800" b="1" dirty="0" err="1">
+                <a:solidFill>
+                  <a:srgbClr val="404040"/>
+                </a:solidFill>
+              </a:rPr>
+              <a:t>Patient</a:t>
+            </a:r>
+            <a:r>
+              <a:rPr lang="nl-NL" sz="2800" b="1" dirty="0">
+                <a:solidFill>
+                  <a:srgbClr val="404040"/>
+                </a:solidFill>
+              </a:rPr>
+              <a:t> ID']).</a:t>
+            </a:r>
+            <a:r>
+              <a:rPr lang="nl-NL" sz="2800" b="1" dirty="0" err="1">
+                <a:solidFill>
+                  <a:srgbClr val="404040"/>
+                </a:solidFill>
+              </a:rPr>
+              <a:t>mean</a:t>
+            </a:r>
+            <a:r>
+              <a:rPr lang="nl-NL" sz="2800" b="1" dirty="0">
+                <a:solidFill>
+                  <a:srgbClr val="404040"/>
+                </a:solidFill>
+              </a:rPr>
+              <a:t>()</a:t>
+            </a:r>
+            <a:endParaRPr lang="nl-NL" sz="2800" b="1"/>
+          </a:p>
+        </p:txBody>
+      </p:sp>
+      <p:graphicFrame>
+        <p:nvGraphicFramePr>
+          <p:cNvPr id="3" name="Table 9">
+            <a:extLst>
+              <a:ext uri="{FF2B5EF4-FFF2-40B4-BE49-F238E27FC236}">
+                <a16:creationId xmlns:a16="http://schemas.microsoft.com/office/drawing/2014/main" id="{5F6B0F4E-0269-53A5-40D3-54E6105C4ED1}"/>
+              </a:ext>
+            </a:extLst>
+          </p:cNvPr>
+          <p:cNvGraphicFramePr/>
+          <p:nvPr>
+            <p:extLst>
+              <p:ext uri="{D42A27DB-BD31-4B8C-83A1-F6EECF244321}">
+                <p14:modId xmlns:p14="http://schemas.microsoft.com/office/powerpoint/2010/main" val="1077553347"/>
+              </p:ext>
+            </p:extLst>
+          </p:nvPr>
+        </p:nvGraphicFramePr>
+        <p:xfrm>
+          <a:off x="6766158" y="2020670"/>
+          <a:ext cx="3165564" cy="2346240"/>
+        </p:xfrm>
+        <a:graphic>
+          <a:graphicData uri="http://schemas.openxmlformats.org/drawingml/2006/table">
+            <a:tbl>
+              <a:tblPr firstRow="1" bandRow="1">
+                <a:tableStyleId>{5C22544A-7EE6-4342-B048-85BDC9FD1C3A}</a:tableStyleId>
+              </a:tblPr>
+              <a:tblGrid>
+                <a:gridCol w="1737697">
+                  <a:extLst>
+                    <a:ext uri="{9D8B030D-6E8A-4147-A177-3AD203B41FA5}">
+                      <a16:colId xmlns:a16="http://schemas.microsoft.com/office/drawing/2014/main" val="20001"/>
+                    </a:ext>
+                  </a:extLst>
+                </a:gridCol>
+                <a:gridCol w="1427867">
+                  <a:extLst>
+                    <a:ext uri="{9D8B030D-6E8A-4147-A177-3AD203B41FA5}">
+                      <a16:colId xmlns:a16="http://schemas.microsoft.com/office/drawing/2014/main" val="20002"/>
+                    </a:ext>
+                  </a:extLst>
+                </a:gridCol>
+              </a:tblGrid>
+              <a:tr h="782080">
+                <a:tc>
+                  <a:txBody>
+                    <a:bodyPr/>
+                    <a:lstStyle/>
+                    <a:p>
+                      <a:pPr lvl="0">
+                        <a:buNone/>
+                      </a:pPr>
+                      <a:r>
+                        <a:rPr lang="en-US" dirty="0"/>
+                        <a:t>Patient</a:t>
+                      </a:r>
+                    </a:p>
+                    <a:p>
+                      <a:pPr lvl="0">
+                        <a:buNone/>
+                      </a:pPr>
+                      <a:r>
+                        <a:rPr lang="en-US" dirty="0"/>
+                        <a:t>ID</a:t>
+                      </a:r>
+                    </a:p>
+                  </a:txBody>
+                  <a:tcPr>
+                    <a:solidFill>
+                      <a:schemeClr val="accent4"/>
+                    </a:solidFill>
+                  </a:tcPr>
+                </a:tc>
+                <a:tc>
+                  <a:txBody>
+                    <a:bodyPr/>
+                    <a:lstStyle/>
+                    <a:p>
+                      <a:pPr>
+                        <a:buNone/>
+                      </a:pPr>
+                      <a:r>
+                        <a:rPr lang="en-US" dirty="0"/>
+                        <a:t>Blood</a:t>
+                      </a:r>
+                    </a:p>
+                    <a:p>
+                      <a:pPr lvl="0">
+                        <a:buNone/>
+                      </a:pPr>
+                      <a:r>
+                        <a:rPr lang="en-US" dirty="0"/>
+                        <a:t>Pressure</a:t>
+                      </a:r>
+                    </a:p>
+                  </a:txBody>
+                  <a:tcPr>
+                    <a:solidFill>
+                      <a:schemeClr val="accent6"/>
+                    </a:solidFill>
+                  </a:tcPr>
+                </a:tc>
+                <a:extLst>
+                  <a:ext uri="{0D108BD9-81ED-4DB2-BD59-A6C34878D82A}">
+                    <a16:rowId xmlns:a16="http://schemas.microsoft.com/office/drawing/2014/main" val="10000"/>
+                  </a:ext>
+                </a:extLst>
+              </a:tr>
+              <a:tr h="782080">
+                <a:tc>
+                  <a:txBody>
+                    <a:bodyPr/>
+                    <a:lstStyle/>
+                    <a:p>
+                      <a:pPr>
+                        <a:buNone/>
+                      </a:pPr>
+                      <a:r>
+                        <a:rPr lang="en-US" sz="2800" dirty="0"/>
+                        <a:t>1</a:t>
+                      </a:r>
+                    </a:p>
+                  </a:txBody>
+                  <a:tcPr>
+                    <a:solidFill>
+                      <a:schemeClr val="accent4"/>
+                    </a:solidFill>
+                  </a:tcPr>
+                </a:tc>
+                <a:tc>
+                  <a:txBody>
+                    <a:bodyPr/>
+                    <a:lstStyle/>
+                    <a:p>
+                      <a:pPr>
+                        <a:buNone/>
+                      </a:pPr>
+                      <a:r>
+                        <a:rPr lang="en-US" sz="2800" dirty="0"/>
+                        <a:t>130</a:t>
+                      </a:r>
+                    </a:p>
+                  </a:txBody>
+                  <a:tcPr>
+                    <a:solidFill>
+                      <a:schemeClr val="accent6"/>
+                    </a:solidFill>
+                  </a:tcPr>
+                </a:tc>
+                <a:extLst>
+                  <a:ext uri="{0D108BD9-81ED-4DB2-BD59-A6C34878D82A}">
+                    <a16:rowId xmlns:a16="http://schemas.microsoft.com/office/drawing/2014/main" val="10001"/>
+                  </a:ext>
+                </a:extLst>
+              </a:tr>
+              <a:tr h="782080">
+                <a:tc>
+                  <a:txBody>
+                    <a:bodyPr/>
+                    <a:lstStyle/>
+                    <a:p>
+                      <a:pPr>
+                        <a:buNone/>
+                      </a:pPr>
+                      <a:r>
+                        <a:rPr lang="en-US" sz="2800" dirty="0"/>
+                        <a:t>2</a:t>
+                      </a:r>
+                    </a:p>
+                  </a:txBody>
+                  <a:tcPr>
+                    <a:solidFill>
+                      <a:schemeClr val="accent4"/>
+                    </a:solidFill>
+                  </a:tcPr>
+                </a:tc>
+                <a:tc>
+                  <a:txBody>
+                    <a:bodyPr/>
+                    <a:lstStyle/>
+                    <a:p>
+                      <a:pPr>
+                        <a:buNone/>
+                      </a:pPr>
+                      <a:r>
+                        <a:rPr lang="en-US" sz="2800" dirty="0"/>
+                        <a:t>80</a:t>
+                      </a:r>
+                    </a:p>
+                  </a:txBody>
+                  <a:tcPr>
+                    <a:solidFill>
+                      <a:schemeClr val="accent6"/>
+                    </a:solidFill>
+                  </a:tcPr>
+                </a:tc>
+                <a:extLst>
+                  <a:ext uri="{0D108BD9-81ED-4DB2-BD59-A6C34878D82A}">
+                    <a16:rowId xmlns:a16="http://schemas.microsoft.com/office/drawing/2014/main" val="10002"/>
+                  </a:ext>
+                </a:extLst>
+              </a:tr>
+            </a:tbl>
+          </a:graphicData>
+        </a:graphic>
+      </p:graphicFrame>
+    </p:spTree>
+    <p:extLst>
+      <p:ext uri="{BB962C8B-B14F-4D97-AF65-F5344CB8AC3E}">
+        <p14:creationId xmlns:p14="http://schemas.microsoft.com/office/powerpoint/2010/main" val="3338462543"/>
+      </p:ext>
+    </p:extLst>
+  </p:cSld>
+  <p:clrMapOvr>
+    <a:masterClrMapping/>
+  </p:clrMapOvr>
+</p:sld>
+</file>
+
+<file path=ppt/slides/slide33.xml><?xml version="1.0" encoding="utf-8"?>
 <p:sld xmlns:a="http://schemas.openxmlformats.org/drawingml/2006/main" xmlns:r="http://schemas.openxmlformats.org/officeDocument/2006/relationships" xmlns:p="http://schemas.openxmlformats.org/presentationml/2006/main">
   <p:cSld>
     <p:spTree>
@@ -13154,291 +14657,7 @@
           <a:p>
             <a:pPr algn="ctr"/>
             <a:r>
-              <a:rPr lang="nl-NL" dirty="0" smtClean="0"/>
-              <a:t>Missing </a:t>
-            </a:r>
-            <a:r>
-              <a:rPr lang="nl-NL" dirty="0" err="1" smtClean="0"/>
-              <a:t>Values</a:t>
-            </a:r>
-            <a:r>
-              <a:rPr lang="nl-NL" dirty="0" smtClean="0"/>
-              <a:t> &gt; div. methoden</a:t>
-            </a:r>
-            <a:endParaRPr lang="nl-NL" dirty="0"/>
-          </a:p>
-        </p:txBody>
-      </p:sp>
-      <p:pic>
-        <p:nvPicPr>
-          <p:cNvPr id="4" name="Afbeelding 3"/>
-          <p:cNvPicPr>
-            <a:picLocks noChangeAspect="1"/>
-          </p:cNvPicPr>
-          <p:nvPr/>
-        </p:nvPicPr>
-        <p:blipFill>
-          <a:blip r:embed="rId2"/>
-          <a:stretch>
-            <a:fillRect/>
-          </a:stretch>
-        </p:blipFill>
-        <p:spPr>
-          <a:xfrm>
-            <a:off x="3670328" y="2013527"/>
-            <a:ext cx="2390775" cy="3895725"/>
-          </a:xfrm>
-          <a:prstGeom prst="rect">
-            <a:avLst/>
-          </a:prstGeom>
-        </p:spPr>
-      </p:pic>
-    </p:spTree>
-  </p:cSld>
-  <p:clrMapOvr>
-    <a:masterClrMapping/>
-  </p:clrMapOvr>
-  <p:timing>
-    <p:tnLst>
-      <p:par>
-        <p:cTn id="1" dur="indefinite" restart="never" nodeType="tmRoot"/>
-      </p:par>
-    </p:tnLst>
-  </p:timing>
-</p:sld>
-</file>
-
-<file path=ppt/slides/slide3.xml><?xml version="1.0" encoding="utf-8"?>
-<p:sld xmlns:a="http://schemas.openxmlformats.org/drawingml/2006/main" xmlns:r="http://schemas.openxmlformats.org/officeDocument/2006/relationships" xmlns:p="http://schemas.openxmlformats.org/presentationml/2006/main">
-  <p:cSld>
-    <p:spTree>
-      <p:nvGrpSpPr>
-        <p:cNvPr id="1" name=""/>
-        <p:cNvGrpSpPr/>
-        <p:nvPr/>
-      </p:nvGrpSpPr>
-      <p:grpSpPr>
-        <a:xfrm>
-          <a:off x="0" y="0"/>
-          <a:ext cx="0" cy="0"/>
-          <a:chOff x="0" y="0"/>
-          <a:chExt cx="0" cy="0"/>
-        </a:xfrm>
-      </p:grpSpPr>
-      <p:pic>
-        <p:nvPicPr>
-          <p:cNvPr id="1028" name="Picture 4" descr="The Python Logo | Python Software Foundation"/>
-          <p:cNvPicPr>
-            <a:picLocks noChangeAspect="1" noChangeArrowheads="1"/>
-          </p:cNvPicPr>
-          <p:nvPr/>
-        </p:nvPicPr>
-        <p:blipFill>
-          <a:blip r:embed="rId2">
-            <a:extLst>
-              <a:ext uri="{28A0092B-C50C-407E-A947-70E740481C1C}">
-                <a14:useLocalDpi xmlns:a14="http://schemas.microsoft.com/office/drawing/2010/main" val="0"/>
-              </a:ext>
-            </a:extLst>
-          </a:blip>
-          <a:srcRect/>
-          <a:stretch>
-            <a:fillRect/>
-          </a:stretch>
-        </p:blipFill>
-        <p:spPr bwMode="auto">
-          <a:xfrm>
-            <a:off x="3173095" y="948026"/>
-            <a:ext cx="5724525" cy="1933576"/>
-          </a:xfrm>
-          <a:prstGeom prst="rect">
-            <a:avLst/>
-          </a:prstGeom>
-          <a:noFill/>
-          <a:extLst>
-            <a:ext uri="{909E8E84-426E-40DD-AFC4-6F175D3DCCD1}">
-              <a14:hiddenFill xmlns:a14="http://schemas.microsoft.com/office/drawing/2010/main">
-                <a:solidFill>
-                  <a:srgbClr val="FFFFFF"/>
-                </a:solidFill>
-              </a14:hiddenFill>
-            </a:ext>
-          </a:extLst>
-        </p:spPr>
-      </p:pic>
-      <p:pic>
-        <p:nvPicPr>
-          <p:cNvPr id="1036" name="Picture 12" descr="Posts tagged as &quot;Pandas&quot; | Ashish Thanki Blog"/>
-          <p:cNvPicPr>
-            <a:picLocks noChangeAspect="1" noChangeArrowheads="1"/>
-          </p:cNvPicPr>
-          <p:nvPr/>
-        </p:nvPicPr>
-        <p:blipFill>
-          <a:blip r:embed="rId3">
-            <a:extLst>
-              <a:ext uri="{28A0092B-C50C-407E-A947-70E740481C1C}">
-                <a14:useLocalDpi xmlns:a14="http://schemas.microsoft.com/office/drawing/2010/main" val="0"/>
-              </a:ext>
-            </a:extLst>
-          </a:blip>
-          <a:srcRect/>
-          <a:stretch>
-            <a:fillRect/>
-          </a:stretch>
-        </p:blipFill>
-        <p:spPr bwMode="auto">
-          <a:xfrm>
-            <a:off x="3420214" y="3097787"/>
-            <a:ext cx="2804864" cy="1172095"/>
-          </a:xfrm>
-          <a:prstGeom prst="rect">
-            <a:avLst/>
-          </a:prstGeom>
-          <a:noFill/>
-          <a:extLst>
-            <a:ext uri="{909E8E84-426E-40DD-AFC4-6F175D3DCCD1}">
-              <a14:hiddenFill xmlns:a14="http://schemas.microsoft.com/office/drawing/2010/main">
-                <a:solidFill>
-                  <a:srgbClr val="FFFFFF"/>
-                </a:solidFill>
-              </a14:hiddenFill>
-            </a:ext>
-          </a:extLst>
-        </p:spPr>
-      </p:pic>
-      <p:pic>
-        <p:nvPicPr>
-          <p:cNvPr id="1038" name="Picture 14" descr="The Data Science Trilogy. So you are new to Python. Or perhaps… | by Hair  Parra | Towards Data Science"/>
-          <p:cNvPicPr>
-            <a:picLocks noChangeAspect="1" noChangeArrowheads="1"/>
-          </p:cNvPicPr>
-          <p:nvPr/>
-        </p:nvPicPr>
-        <p:blipFill>
-          <a:blip r:embed="rId4" cstate="print">
-            <a:extLst>
-              <a:ext uri="{28A0092B-C50C-407E-A947-70E740481C1C}">
-                <a14:useLocalDpi xmlns:a14="http://schemas.microsoft.com/office/drawing/2010/main" val="0"/>
-              </a:ext>
-            </a:extLst>
-          </a:blip>
-          <a:srcRect/>
-          <a:stretch>
-            <a:fillRect/>
-          </a:stretch>
-        </p:blipFill>
-        <p:spPr bwMode="auto">
-          <a:xfrm>
-            <a:off x="7439572" y="3027714"/>
-            <a:ext cx="2916095" cy="1312243"/>
-          </a:xfrm>
-          <a:prstGeom prst="rect">
-            <a:avLst/>
-          </a:prstGeom>
-          <a:noFill/>
-          <a:extLst>
-            <a:ext uri="{909E8E84-426E-40DD-AFC4-6F175D3DCCD1}">
-              <a14:hiddenFill xmlns:a14="http://schemas.microsoft.com/office/drawing/2010/main">
-                <a:solidFill>
-                  <a:srgbClr val="FFFFFF"/>
-                </a:solidFill>
-              </a14:hiddenFill>
-            </a:ext>
-          </a:extLst>
-        </p:spPr>
-      </p:pic>
-      <p:pic>
-        <p:nvPicPr>
-          <p:cNvPr id="1040" name="Picture 16" descr="SKLearn | Scikit-Learn In Python | SciKit Learn Tutorial"/>
-          <p:cNvPicPr>
-            <a:picLocks noChangeAspect="1" noChangeArrowheads="1"/>
-          </p:cNvPicPr>
-          <p:nvPr/>
-        </p:nvPicPr>
-        <p:blipFill>
-          <a:blip r:embed="rId5">
-            <a:extLst>
-              <a:ext uri="{28A0092B-C50C-407E-A947-70E740481C1C}">
-                <a14:useLocalDpi xmlns:a14="http://schemas.microsoft.com/office/drawing/2010/main" val="0"/>
-              </a:ext>
-            </a:extLst>
-          </a:blip>
-          <a:srcRect/>
-          <a:stretch>
-            <a:fillRect/>
-          </a:stretch>
-        </p:blipFill>
-        <p:spPr bwMode="auto">
-          <a:xfrm>
-            <a:off x="4195559" y="4495596"/>
-            <a:ext cx="5391150" cy="1924051"/>
-          </a:xfrm>
-          <a:prstGeom prst="rect">
-            <a:avLst/>
-          </a:prstGeom>
-          <a:noFill/>
-          <a:extLst>
-            <a:ext uri="{909E8E84-426E-40DD-AFC4-6F175D3DCCD1}">
-              <a14:hiddenFill xmlns:a14="http://schemas.microsoft.com/office/drawing/2010/main">
-                <a:solidFill>
-                  <a:srgbClr val="FFFFFF"/>
-                </a:solidFill>
-              </a14:hiddenFill>
-            </a:ext>
-          </a:extLst>
-        </p:spPr>
-      </p:pic>
-    </p:spTree>
-  </p:cSld>
-  <p:clrMapOvr>
-    <a:masterClrMapping/>
-  </p:clrMapOvr>
-  <p:timing>
-    <p:tnLst>
-      <p:par>
-        <p:cTn id="1" dur="indefinite" restart="never" nodeType="tmRoot"/>
-      </p:par>
-    </p:tnLst>
-  </p:timing>
-</p:sld>
-</file>
-
-<file path=ppt/slides/slide30.xml><?xml version="1.0" encoding="utf-8"?>
-<p:sld xmlns:a="http://schemas.openxmlformats.org/drawingml/2006/main" xmlns:r="http://schemas.openxmlformats.org/officeDocument/2006/relationships" xmlns:p="http://schemas.openxmlformats.org/presentationml/2006/main">
-  <p:cSld>
-    <p:spTree>
-      <p:nvGrpSpPr>
-        <p:cNvPr id="1" name=""/>
-        <p:cNvGrpSpPr/>
-        <p:nvPr/>
-      </p:nvGrpSpPr>
-      <p:grpSpPr>
-        <a:xfrm>
-          <a:off x="0" y="0"/>
-          <a:ext cx="0" cy="0"/>
-          <a:chOff x="0" y="0"/>
-          <a:chExt cx="0" cy="0"/>
-        </a:xfrm>
-      </p:grpSpPr>
-      <p:sp>
-        <p:nvSpPr>
-          <p:cNvPr id="2" name="Titel 1"/>
-          <p:cNvSpPr>
-            <a:spLocks noGrp="1"/>
-          </p:cNvSpPr>
-          <p:nvPr>
-            <p:ph type="title"/>
-          </p:nvPr>
-        </p:nvSpPr>
-        <p:spPr/>
-        <p:txBody>
-          <a:bodyPr/>
-          <a:lstStyle/>
-          <a:p>
-            <a:pPr algn="ctr"/>
-            <a:r>
-              <a:rPr lang="nl-NL" dirty="0" err="1" smtClean="0"/>
+              <a:rPr lang="nl-NL" dirty="0" err="1"/>
               <a:t>Groupby</a:t>
             </a:r>
             <a:endParaRPr lang="nl-NL" dirty="0"/>
@@ -13655,17 +14874,10 @@
   <p:clrMapOvr>
     <a:masterClrMapping/>
   </p:clrMapOvr>
-  <p:timing>
-    <p:tnLst>
-      <p:par>
-        <p:cTn id="1" dur="indefinite" restart="never" nodeType="tmRoot"/>
-      </p:par>
-    </p:tnLst>
-  </p:timing>
 </p:sld>
 </file>
 
-<file path=ppt/slides/slide31.xml><?xml version="1.0" encoding="utf-8"?>
+<file path=ppt/slides/slide34.xml><?xml version="1.0" encoding="utf-8"?>
 <p:sld xmlns:a="http://schemas.openxmlformats.org/drawingml/2006/main" xmlns:r="http://schemas.openxmlformats.org/officeDocument/2006/relationships" xmlns:p="http://schemas.openxmlformats.org/presentationml/2006/main">
   <p:cSld>
     <p:spTree>
@@ -13706,14 +14918,13 @@
           <a:p>
             <a:pPr algn="ctr"/>
             <a:r>
-              <a:rPr lang="nl-NL" dirty="0" err="1" smtClean="0"/>
+              <a:rPr lang="nl-NL" dirty="0" err="1"/>
               <a:t>Groupby</a:t>
             </a:r>
             <a:r>
-              <a:rPr lang="nl-NL" dirty="0" smtClean="0"/>
+              <a:rPr lang="nl-NL" dirty="0"/>
               <a:t> </a:t>
             </a:r>
-            <a:endParaRPr lang="nl-NL" dirty="0"/>
           </a:p>
         </p:txBody>
       </p:sp>
@@ -13746,17 +14957,10 @@
   <p:clrMapOvr>
     <a:masterClrMapping/>
   </p:clrMapOvr>
-  <p:timing>
-    <p:tnLst>
-      <p:par>
-        <p:cTn id="1" dur="indefinite" restart="never" nodeType="tmRoot"/>
-      </p:par>
-    </p:tnLst>
-  </p:timing>
 </p:sld>
 </file>
 
-<file path=ppt/slides/slide32.xml><?xml version="1.0" encoding="utf-8"?>
+<file path=ppt/slides/slide35.xml><?xml version="1.0" encoding="utf-8"?>
 <p:sld xmlns:a="http://schemas.openxmlformats.org/drawingml/2006/main" xmlns:r="http://schemas.openxmlformats.org/officeDocument/2006/relationships" xmlns:p="http://schemas.openxmlformats.org/presentationml/2006/main">
   <p:cSld>
     <p:spTree>
@@ -13802,17 +15006,10 @@
   <p:clrMapOvr>
     <a:masterClrMapping/>
   </p:clrMapOvr>
-  <p:timing>
-    <p:tnLst>
-      <p:par>
-        <p:cTn id="1" dur="indefinite" restart="never" nodeType="tmRoot"/>
-      </p:par>
-    </p:tnLst>
-  </p:timing>
 </p:sld>
 </file>
 
-<file path=ppt/slides/slide33.xml><?xml version="1.0" encoding="utf-8"?>
+<file path=ppt/slides/slide36.xml><?xml version="1.0" encoding="utf-8"?>
 <p:sld xmlns:a="http://schemas.openxmlformats.org/drawingml/2006/main" xmlns:r="http://schemas.openxmlformats.org/officeDocument/2006/relationships" xmlns:p="http://schemas.openxmlformats.org/presentationml/2006/main">
   <p:cSld>
     <p:spTree>
@@ -13858,17 +15055,90 @@
   <p:clrMapOvr>
     <a:masterClrMapping/>
   </p:clrMapOvr>
-  <p:timing>
-    <p:tnLst>
-      <p:par>
-        <p:cTn id="1" dur="indefinite" restart="never" nodeType="tmRoot"/>
-      </p:par>
-    </p:tnLst>
-  </p:timing>
 </p:sld>
 </file>
 
-<file path=ppt/slides/slide34.xml><?xml version="1.0" encoding="utf-8"?>
+<file path=ppt/slides/slide37.xml><?xml version="1.0" encoding="utf-8"?>
+<p:sld xmlns:a="http://schemas.openxmlformats.org/drawingml/2006/main" xmlns:r="http://schemas.openxmlformats.org/officeDocument/2006/relationships" xmlns:p="http://schemas.openxmlformats.org/presentationml/2006/main">
+  <p:cSld>
+    <p:spTree>
+      <p:nvGrpSpPr>
+        <p:cNvPr id="1" name=""/>
+        <p:cNvGrpSpPr/>
+        <p:nvPr/>
+      </p:nvGrpSpPr>
+      <p:grpSpPr>
+        <a:xfrm>
+          <a:off x="0" y="0"/>
+          <a:ext cx="0" cy="0"/>
+          <a:chOff x="0" y="0"/>
+          <a:chExt cx="0" cy="0"/>
+        </a:xfrm>
+      </p:grpSpPr>
+      <p:sp>
+        <p:nvSpPr>
+          <p:cNvPr id="2" name="Titel 1"/>
+          <p:cNvSpPr>
+            <a:spLocks noGrp="1"/>
+          </p:cNvSpPr>
+          <p:nvPr>
+            <p:ph type="title"/>
+          </p:nvPr>
+        </p:nvSpPr>
+        <p:spPr/>
+        <p:txBody>
+          <a:bodyPr/>
+          <a:lstStyle/>
+          <a:p>
+            <a:pPr algn="ctr"/>
+            <a:r>
+              <a:rPr lang="nl-NL" dirty="0"/>
+              <a:t>Missing </a:t>
+            </a:r>
+            <a:r>
+              <a:rPr lang="nl-NL" dirty="0" err="1"/>
+              <a:t>Values</a:t>
+            </a:r>
+            <a:r>
+              <a:rPr lang="nl-NL" dirty="0"/>
+              <a:t> &gt; div. methoden</a:t>
+            </a:r>
+          </a:p>
+        </p:txBody>
+      </p:sp>
+      <p:pic>
+        <p:nvPicPr>
+          <p:cNvPr id="4" name="Afbeelding 3"/>
+          <p:cNvPicPr>
+            <a:picLocks noChangeAspect="1"/>
+          </p:cNvPicPr>
+          <p:nvPr/>
+        </p:nvPicPr>
+        <p:blipFill>
+          <a:blip r:embed="rId2"/>
+          <a:stretch>
+            <a:fillRect/>
+          </a:stretch>
+        </p:blipFill>
+        <p:spPr>
+          <a:xfrm>
+            <a:off x="3670328" y="2013527"/>
+            <a:ext cx="2390775" cy="3895725"/>
+          </a:xfrm>
+          <a:prstGeom prst="rect">
+            <a:avLst/>
+          </a:prstGeom>
+        </p:spPr>
+      </p:pic>
+    </p:spTree>
+  </p:cSld>
+  <p:clrMapOvr>
+    <a:masterClrMapping/>
+  </p:clrMapOvr>
+</p:sld>
+</file>
+
+<file path=ppt/slides/slide38.xml><?xml version="1.0" encoding="utf-8"?>
 <p:sld xmlns:a="http://schemas.openxmlformats.org/drawingml/2006/main" xmlns:r="http://schemas.openxmlformats.org/officeDocument/2006/relationships" xmlns:p="http://schemas.openxmlformats.org/presentationml/2006/main">
   <p:cSld>
     <p:spTree>
@@ -13909,10 +15179,9 @@
           <a:p>
             <a:pPr algn="ctr"/>
             <a:r>
-              <a:rPr lang="nl-NL" dirty="0" smtClean="0"/>
+              <a:rPr lang="nl-NL" dirty="0"/>
               <a:t>Story telling als data analist</a:t>
             </a:r>
-            <a:endParaRPr lang="nl-NL" dirty="0"/>
           </a:p>
         </p:txBody>
       </p:sp>
@@ -14010,10 +15279,9 @@
           <a:p>
             <a:pPr algn="ctr"/>
             <a:r>
-              <a:rPr lang="nl-NL" dirty="0" smtClean="0"/>
+              <a:rPr lang="nl-NL" dirty="0"/>
               <a:t>Visualisaties </a:t>
             </a:r>
-            <a:endParaRPr lang="nl-NL" dirty="0"/>
           </a:p>
         </p:txBody>
       </p:sp>
@@ -14022,17 +15290,10 @@
   <p:clrMapOvr>
     <a:masterClrMapping/>
   </p:clrMapOvr>
-  <p:timing>
-    <p:tnLst>
-      <p:par>
-        <p:cTn id="1" dur="indefinite" restart="never" nodeType="tmRoot"/>
-      </p:par>
-    </p:tnLst>
-  </p:timing>
 </p:sld>
 </file>
 
-<file path=ppt/slides/slide35.xml><?xml version="1.0" encoding="utf-8"?>
+<file path=ppt/slides/slide39.xml><?xml version="1.0" encoding="utf-8"?>
 <p:sld xmlns:a="http://schemas.openxmlformats.org/drawingml/2006/main" xmlns:r="http://schemas.openxmlformats.org/officeDocument/2006/relationships" xmlns:p="http://schemas.openxmlformats.org/presentationml/2006/main">
   <p:cSld>
     <p:spTree>
@@ -14078,17 +15339,158 @@
   <p:clrMapOvr>
     <a:masterClrMapping/>
   </p:clrMapOvr>
-  <p:timing>
-    <p:tnLst>
-      <p:par>
-        <p:cTn id="1" dur="indefinite" restart="never" nodeType="tmRoot"/>
-      </p:par>
-    </p:tnLst>
-  </p:timing>
 </p:sld>
 </file>
 
-<file path=ppt/slides/slide36.xml><?xml version="1.0" encoding="utf-8"?>
+<file path=ppt/slides/slide4.xml><?xml version="1.0" encoding="utf-8"?>
+<p:sld xmlns:a="http://schemas.openxmlformats.org/drawingml/2006/main" xmlns:r="http://schemas.openxmlformats.org/officeDocument/2006/relationships" xmlns:p="http://schemas.openxmlformats.org/presentationml/2006/main">
+  <p:cSld>
+    <p:spTree>
+      <p:nvGrpSpPr>
+        <p:cNvPr id="1" name=""/>
+        <p:cNvGrpSpPr/>
+        <p:nvPr/>
+      </p:nvGrpSpPr>
+      <p:grpSpPr>
+        <a:xfrm>
+          <a:off x="0" y="0"/>
+          <a:ext cx="0" cy="0"/>
+          <a:chOff x="0" y="0"/>
+          <a:chExt cx="0" cy="0"/>
+        </a:xfrm>
+      </p:grpSpPr>
+      <p:sp>
+        <p:nvSpPr>
+          <p:cNvPr id="2" name="Titel 1"/>
+          <p:cNvSpPr>
+            <a:spLocks noGrp="1"/>
+          </p:cNvSpPr>
+          <p:nvPr>
+            <p:ph type="title"/>
+          </p:nvPr>
+        </p:nvSpPr>
+        <p:spPr>
+          <a:xfrm>
+            <a:off x="677334" y="609600"/>
+            <a:ext cx="8596668" cy="828431"/>
+          </a:xfrm>
+        </p:spPr>
+        <p:txBody>
+          <a:bodyPr/>
+          <a:lstStyle/>
+          <a:p>
+            <a:pPr algn="ctr"/>
+            <a:r>
+              <a:rPr lang="nl-NL" dirty="0"/>
+              <a:t>Agenda 09.00 – 12.00 uur:</a:t>
+            </a:r>
+          </a:p>
+        </p:txBody>
+      </p:sp>
+      <p:sp>
+        <p:nvSpPr>
+          <p:cNvPr id="3" name="Tijdelijke aanduiding voor inhoud 2"/>
+          <p:cNvSpPr>
+            <a:spLocks noGrp="1"/>
+          </p:cNvSpPr>
+          <p:nvPr>
+            <p:ph idx="1"/>
+          </p:nvPr>
+        </p:nvSpPr>
+        <p:spPr>
+          <a:xfrm>
+            <a:off x="752231" y="1438031"/>
+            <a:ext cx="10515600" cy="4351338"/>
+          </a:xfrm>
+        </p:spPr>
+        <p:txBody>
+          <a:bodyPr>
+            <a:normAutofit/>
+          </a:bodyPr>
+          <a:lstStyle/>
+          <a:p>
+            <a:r>
+              <a:rPr lang="nl-NL" dirty="0">
+                <a:solidFill>
+                  <a:srgbClr val="FF0000"/>
+                </a:solidFill>
+              </a:rPr>
+              <a:t>Welkom.</a:t>
+            </a:r>
+          </a:p>
+          <a:p>
+            <a:r>
+              <a:rPr lang="nl-NL" dirty="0"/>
+              <a:t>Uitleg programma/ benoemen doel.</a:t>
+            </a:r>
+          </a:p>
+          <a:p>
+            <a:r>
+              <a:rPr lang="nl-NL" dirty="0"/>
+              <a:t>Programmeren etc. introductie.</a:t>
+            </a:r>
+          </a:p>
+          <a:p>
+            <a:r>
+              <a:rPr lang="nl-NL" dirty="0"/>
+              <a:t>Python introductie.</a:t>
+            </a:r>
+          </a:p>
+          <a:p>
+            <a:r>
+              <a:rPr lang="nl-NL" dirty="0"/>
+              <a:t>Python aan de slag.</a:t>
+            </a:r>
+          </a:p>
+          <a:p>
+            <a:r>
+              <a:rPr lang="nl-NL" dirty="0">
+                <a:solidFill>
+                  <a:srgbClr val="FF0000"/>
+                </a:solidFill>
+              </a:rPr>
+              <a:t>15 minuten pauze.</a:t>
+            </a:r>
+          </a:p>
+          <a:p>
+            <a:r>
+              <a:rPr lang="nl-NL" dirty="0"/>
+              <a:t>Python Pandas: de andere tool voor data analyse</a:t>
+            </a:r>
+          </a:p>
+          <a:p>
+            <a:r>
+              <a:rPr lang="nl-NL" dirty="0"/>
+              <a:t>Pandas introductie algemeen.</a:t>
+            </a:r>
+          </a:p>
+          <a:p>
+            <a:r>
+              <a:rPr lang="nl-NL" dirty="0"/>
+              <a:t>Pandas aan de slag.</a:t>
+            </a:r>
+          </a:p>
+          <a:p>
+            <a:r>
+              <a:rPr lang="nl-NL" dirty="0">
+                <a:solidFill>
+                  <a:srgbClr val="FF0000"/>
+                </a:solidFill>
+              </a:rPr>
+              <a:t>Wrap up en tot de volgende sessie!</a:t>
+            </a:r>
+          </a:p>
+        </p:txBody>
+      </p:sp>
+    </p:spTree>
+  </p:cSld>
+  <p:clrMapOvr>
+    <a:masterClrMapping/>
+  </p:clrMapOvr>
+</p:sld>
+</file>
+
+<file path=ppt/slides/slide40.xml><?xml version="1.0" encoding="utf-8"?>
 <p:sld xmlns:a="http://schemas.openxmlformats.org/drawingml/2006/main" xmlns:r="http://schemas.openxmlformats.org/officeDocument/2006/relationships" xmlns:p="http://schemas.openxmlformats.org/presentationml/2006/main">
   <p:cSld>
     <p:spTree>
@@ -14129,7 +15531,7 @@
           <a:p>
             <a:pPr algn="ctr"/>
             <a:r>
-              <a:rPr lang="nl-NL" dirty="0" err="1" smtClean="0"/>
+              <a:rPr lang="nl-NL" dirty="0" err="1"/>
               <a:t>Seaborn</a:t>
             </a:r>
             <a:endParaRPr lang="nl-NL" dirty="0"/>
@@ -14165,17 +15567,10 @@
   <p:clrMapOvr>
     <a:masterClrMapping/>
   </p:clrMapOvr>
-  <p:timing>
-    <p:tnLst>
-      <p:par>
-        <p:cTn id="1" dur="indefinite" restart="never" nodeType="tmRoot"/>
-      </p:par>
-    </p:tnLst>
-  </p:timing>
 </p:sld>
 </file>
 
-<file path=ppt/slides/slide37.xml><?xml version="1.0" encoding="utf-8"?>
+<file path=ppt/slides/slide41.xml><?xml version="1.0" encoding="utf-8"?>
 <p:sld xmlns:a="http://schemas.openxmlformats.org/drawingml/2006/main" xmlns:r="http://schemas.openxmlformats.org/officeDocument/2006/relationships" xmlns:p="http://schemas.openxmlformats.org/presentationml/2006/main">
   <p:cSld>
     <p:spTree>
@@ -14209,7 +15604,7 @@
           <a:p>
             <a:pPr algn="ctr"/>
             <a:r>
-              <a:rPr lang="nl-NL" dirty="0" err="1" smtClean="0"/>
+              <a:rPr lang="nl-NL" dirty="0" err="1"/>
               <a:t>seaborn</a:t>
             </a:r>
             <a:endParaRPr lang="nl-NL" dirty="0"/>
@@ -14245,17 +15640,10 @@
   <p:clrMapOvr>
     <a:masterClrMapping/>
   </p:clrMapOvr>
-  <p:timing>
-    <p:tnLst>
-      <p:par>
-        <p:cTn id="1" dur="indefinite" restart="never" nodeType="tmRoot"/>
-      </p:par>
-    </p:tnLst>
-  </p:timing>
 </p:sld>
 </file>
 
-<file path=ppt/slides/slide38.xml><?xml version="1.0" encoding="utf-8"?>
+<file path=ppt/slides/slide42.xml><?xml version="1.0" encoding="utf-8"?>
 <p:sld xmlns:a="http://schemas.openxmlformats.org/drawingml/2006/main" xmlns:r="http://schemas.openxmlformats.org/officeDocument/2006/relationships" xmlns:p="http://schemas.openxmlformats.org/presentationml/2006/main">
   <p:cSld>
     <p:spTree>
@@ -14306,17 +15694,10 @@
   <p:clrMapOvr>
     <a:masterClrMapping/>
   </p:clrMapOvr>
-  <p:timing>
-    <p:tnLst>
-      <p:par>
-        <p:cTn id="1" dur="indefinite" restart="never" nodeType="tmRoot"/>
-      </p:par>
-    </p:tnLst>
-  </p:timing>
 </p:sld>
 </file>
 
-<file path=ppt/slides/slide39.xml><?xml version="1.0" encoding="utf-8"?>
+<file path=ppt/slides/slide43.xml><?xml version="1.0" encoding="utf-8"?>
 <p:sld xmlns:a="http://schemas.openxmlformats.org/drawingml/2006/main" xmlns:r="http://schemas.openxmlformats.org/officeDocument/2006/relationships" xmlns:p="http://schemas.openxmlformats.org/presentationml/2006/main">
   <p:cSld>
     <p:spTree>
@@ -14357,23 +15738,15 @@
           <a:p>
             <a:pPr algn="ctr"/>
             <a:r>
-              <a:rPr lang="nl-NL" dirty="0" smtClean="0"/>
+              <a:rPr lang="nl-NL" dirty="0"/>
               <a:t>En nu jullie!</a:t>
             </a:r>
             <a:br>
-              <a:rPr lang="nl-NL" dirty="0" smtClean="0"/>
+              <a:rPr lang="nl-NL" dirty="0"/>
             </a:br>
-            <a:r>
-              <a:rPr lang="nl-NL" dirty="0" smtClean="0"/>
-              <a:t/>
-            </a:r>
             <a:br>
-              <a:rPr lang="nl-NL" dirty="0" smtClean="0"/>
+              <a:rPr lang="nl-NL" dirty="0"/>
             </a:br>
-            <a:r>
-              <a:rPr lang="nl-NL" dirty="0"/>
-              <a:t/>
-            </a:r>
             <a:br>
               <a:rPr lang="nl-NL" dirty="0"/>
             </a:br>
@@ -14386,174 +15759,10 @@
   <p:clrMapOvr>
     <a:masterClrMapping/>
   </p:clrMapOvr>
-  <p:timing>
-    <p:tnLst>
-      <p:par>
-        <p:cTn id="1" dur="indefinite" restart="never" nodeType="tmRoot"/>
-      </p:par>
-    </p:tnLst>
-  </p:timing>
 </p:sld>
 </file>
 
-<file path=ppt/slides/slide4.xml><?xml version="1.0" encoding="utf-8"?>
-<p:sld xmlns:a="http://schemas.openxmlformats.org/drawingml/2006/main" xmlns:r="http://schemas.openxmlformats.org/officeDocument/2006/relationships" xmlns:p="http://schemas.openxmlformats.org/presentationml/2006/main">
-  <p:cSld>
-    <p:spTree>
-      <p:nvGrpSpPr>
-        <p:cNvPr id="1" name=""/>
-        <p:cNvGrpSpPr/>
-        <p:nvPr/>
-      </p:nvGrpSpPr>
-      <p:grpSpPr>
-        <a:xfrm>
-          <a:off x="0" y="0"/>
-          <a:ext cx="0" cy="0"/>
-          <a:chOff x="0" y="0"/>
-          <a:chExt cx="0" cy="0"/>
-        </a:xfrm>
-      </p:grpSpPr>
-      <p:sp>
-        <p:nvSpPr>
-          <p:cNvPr id="2" name="Titel 1"/>
-          <p:cNvSpPr>
-            <a:spLocks noGrp="1"/>
-          </p:cNvSpPr>
-          <p:nvPr>
-            <p:ph type="title"/>
-          </p:nvPr>
-        </p:nvSpPr>
-        <p:spPr>
-          <a:xfrm>
-            <a:off x="677334" y="609600"/>
-            <a:ext cx="8596668" cy="828431"/>
-          </a:xfrm>
-        </p:spPr>
-        <p:txBody>
-          <a:bodyPr/>
-          <a:lstStyle/>
-          <a:p>
-            <a:pPr algn="ctr"/>
-            <a:r>
-              <a:rPr lang="nl-NL" dirty="0" smtClean="0"/>
-              <a:t>Agenda 09.00 – 12.00 uur:</a:t>
-            </a:r>
-            <a:endParaRPr lang="nl-NL" dirty="0"/>
-          </a:p>
-        </p:txBody>
-      </p:sp>
-      <p:sp>
-        <p:nvSpPr>
-          <p:cNvPr id="3" name="Tijdelijke aanduiding voor inhoud 2"/>
-          <p:cNvSpPr>
-            <a:spLocks noGrp="1"/>
-          </p:cNvSpPr>
-          <p:nvPr>
-            <p:ph idx="1"/>
-          </p:nvPr>
-        </p:nvSpPr>
-        <p:spPr>
-          <a:xfrm>
-            <a:off x="752231" y="1438031"/>
-            <a:ext cx="10515600" cy="4351338"/>
-          </a:xfrm>
-        </p:spPr>
-        <p:txBody>
-          <a:bodyPr>
-            <a:normAutofit/>
-          </a:bodyPr>
-          <a:lstStyle/>
-          <a:p>
-            <a:r>
-              <a:rPr lang="nl-NL" dirty="0" smtClean="0">
-                <a:solidFill>
-                  <a:srgbClr val="FF0000"/>
-                </a:solidFill>
-              </a:rPr>
-              <a:t>Welkom.</a:t>
-            </a:r>
-          </a:p>
-          <a:p>
-            <a:r>
-              <a:rPr lang="nl-NL" dirty="0" smtClean="0"/>
-              <a:t>Uitleg programma/ benoemen doel.</a:t>
-            </a:r>
-          </a:p>
-          <a:p>
-            <a:r>
-              <a:rPr lang="nl-NL" dirty="0" smtClean="0"/>
-              <a:t>Programmeren etc. introductie.</a:t>
-            </a:r>
-            <a:endParaRPr lang="nl-NL" dirty="0"/>
-          </a:p>
-          <a:p>
-            <a:r>
-              <a:rPr lang="nl-NL" dirty="0" smtClean="0"/>
-              <a:t>Python introductie.</a:t>
-            </a:r>
-          </a:p>
-          <a:p>
-            <a:r>
-              <a:rPr lang="nl-NL" dirty="0" smtClean="0"/>
-              <a:t>Python aan de slag.</a:t>
-            </a:r>
-          </a:p>
-          <a:p>
-            <a:r>
-              <a:rPr lang="nl-NL" dirty="0" smtClean="0">
-                <a:solidFill>
-                  <a:srgbClr val="FF0000"/>
-                </a:solidFill>
-              </a:rPr>
-              <a:t>15 minuten pauze.</a:t>
-            </a:r>
-          </a:p>
-          <a:p>
-            <a:r>
-              <a:rPr lang="nl-NL" dirty="0" smtClean="0"/>
-              <a:t>Python Pandas: de andere tool voor data analyse</a:t>
-            </a:r>
-          </a:p>
-          <a:p>
-            <a:r>
-              <a:rPr lang="nl-NL" dirty="0" smtClean="0"/>
-              <a:t>Pandas introductie algemeen.</a:t>
-            </a:r>
-          </a:p>
-          <a:p>
-            <a:r>
-              <a:rPr lang="nl-NL" dirty="0" smtClean="0"/>
-              <a:t>Pandas aan de slag.</a:t>
-            </a:r>
-          </a:p>
-          <a:p>
-            <a:r>
-              <a:rPr lang="nl-NL" dirty="0" smtClean="0">
-                <a:solidFill>
-                  <a:srgbClr val="FF0000"/>
-                </a:solidFill>
-              </a:rPr>
-              <a:t>Wrap up en tot de volgende sessie!</a:t>
-            </a:r>
-          </a:p>
-        </p:txBody>
-      </p:sp>
-    </p:spTree>
-  </p:cSld>
-  <p:clrMapOvr>
-    <a:masterClrMapping/>
-  </p:clrMapOvr>
-  <p:timing>
-    <p:tnLst>
-      <p:par>
-        <p:cTn id="1" dur="indefinite" restart="never" nodeType="tmRoot"/>
-      </p:par>
-    </p:tnLst>
-  </p:timing>
-</p:sld>
-</file>
-
-<file path=ppt/slides/slide40.xml><?xml version="1.0" encoding="utf-8"?>
+<file path=ppt/slides/slide44.xml><?xml version="1.0" encoding="utf-8"?>
 <p:sld xmlns:a="http://schemas.openxmlformats.org/drawingml/2006/main" xmlns:r="http://schemas.openxmlformats.org/officeDocument/2006/relationships" xmlns:p="http://schemas.openxmlformats.org/presentationml/2006/main">
   <p:cSld>
     <p:spTree>
@@ -14587,14 +15796,13 @@
           <a:p>
             <a:pPr algn="ctr"/>
             <a:r>
-              <a:rPr lang="nl-NL" dirty="0" err="1" smtClean="0"/>
+              <a:rPr lang="nl-NL" dirty="0" err="1"/>
               <a:t>Wrap</a:t>
             </a:r>
             <a:r>
-              <a:rPr lang="nl-NL" dirty="0" smtClean="0"/>
+              <a:rPr lang="nl-NL" dirty="0"/>
               <a:t> Up</a:t>
             </a:r>
-            <a:endParaRPr lang="nl-NL" dirty="0"/>
           </a:p>
         </p:txBody>
       </p:sp>
@@ -14619,19 +15827,19 @@
           <a:lstStyle/>
           <a:p>
             <a:r>
-              <a:rPr lang="nl-NL" dirty="0" smtClean="0"/>
+              <a:rPr lang="nl-NL" dirty="0"/>
               <a:t>Dank voor de aanwezigheid.</a:t>
             </a:r>
           </a:p>
           <a:p>
             <a:r>
-              <a:rPr lang="nl-NL" dirty="0" smtClean="0"/>
+              <a:rPr lang="nl-NL" dirty="0"/>
               <a:t>Rondje ervaringen?</a:t>
             </a:r>
           </a:p>
           <a:p>
             <a:r>
-              <a:rPr lang="nl-NL" dirty="0" smtClean="0"/>
+              <a:rPr lang="nl-NL" dirty="0"/>
               <a:t>Hoe verder?</a:t>
             </a:r>
           </a:p>
@@ -14645,17 +15853,10 @@
   <p:clrMapOvr>
     <a:masterClrMapping/>
   </p:clrMapOvr>
-  <p:timing>
-    <p:tnLst>
-      <p:par>
-        <p:cTn id="1" dur="indefinite" restart="never" nodeType="tmRoot"/>
-      </p:par>
-    </p:tnLst>
-  </p:timing>
 </p:sld>
 </file>
 
-<file path=ppt/slides/slide41.xml><?xml version="1.0" encoding="utf-8"?>
+<file path=ppt/slides/slide45.xml><?xml version="1.0" encoding="utf-8"?>
 <p:sld xmlns:a="http://schemas.openxmlformats.org/drawingml/2006/main" xmlns:r="http://schemas.openxmlformats.org/officeDocument/2006/relationships" xmlns:p="http://schemas.openxmlformats.org/presentationml/2006/main">
   <p:cSld>
     <p:spTree>
@@ -14737,7 +15938,7 @@
           <a:p>
             <a:pPr algn="ctr"/>
             <a:r>
-              <a:rPr lang="nl-NL" sz="5400" b="1" cap="none" spc="0" dirty="0" err="1" smtClean="0">
+              <a:rPr lang="nl-NL" sz="5400" b="1" cap="none" spc="0" dirty="0" err="1">
                 <a:ln w="6600">
                   <a:solidFill>
                     <a:schemeClr val="accent2"/>
@@ -14756,7 +15957,7 @@
               <a:t>Pythonista</a:t>
             </a:r>
             <a:r>
-              <a:rPr lang="nl-NL" sz="5400" b="1" dirty="0" err="1" smtClean="0">
+              <a:rPr lang="nl-NL" sz="5400" b="1" dirty="0" err="1">
                 <a:ln w="6600">
                   <a:solidFill>
                     <a:schemeClr val="accent2"/>
@@ -14775,7 +15976,7 @@
               <a:t>s</a:t>
             </a:r>
             <a:r>
-              <a:rPr lang="nl-NL" sz="5400" b="1" dirty="0" smtClean="0">
+              <a:rPr lang="nl-NL" sz="5400" b="1" dirty="0">
                 <a:ln w="6600">
                   <a:solidFill>
                     <a:schemeClr val="accent2"/>
@@ -14817,17 +16018,10 @@
   <p:clrMapOvr>
     <a:masterClrMapping/>
   </p:clrMapOvr>
-  <p:timing>
-    <p:tnLst>
-      <p:par>
-        <p:cTn id="1" dur="indefinite" restart="never" nodeType="tmRoot"/>
-      </p:par>
-    </p:tnLst>
-  </p:timing>
 </p:sld>
 </file>
 
-<file path=ppt/slides/slide42.xml><?xml version="1.0" encoding="utf-8"?>
+<file path=ppt/slides/slide46.xml><?xml version="1.0" encoding="utf-8"?>
 <p:sld xmlns:a="http://schemas.openxmlformats.org/drawingml/2006/main" xmlns:r="http://schemas.openxmlformats.org/officeDocument/2006/relationships" xmlns:p="http://schemas.openxmlformats.org/presentationml/2006/main">
   <p:cSld>
     <p:spTree>
@@ -14861,10 +16055,9 @@
           <a:p>
             <a:pPr algn="ctr"/>
             <a:r>
-              <a:rPr lang="nl-NL" dirty="0" smtClean="0"/>
+              <a:rPr lang="nl-NL" dirty="0"/>
               <a:t>bijlagen</a:t>
             </a:r>
-            <a:endParaRPr lang="nl-NL" dirty="0"/>
           </a:p>
         </p:txBody>
       </p:sp>
@@ -14884,10 +16077,9 @@
           <a:lstStyle/>
           <a:p>
             <a:r>
-              <a:rPr lang="nl-NL" dirty="0" smtClean="0"/>
+              <a:rPr lang="nl-NL" dirty="0"/>
               <a:t>Achter deze slide vind je diverse slides over Python, Open Source etc.</a:t>
             </a:r>
-            <a:endParaRPr lang="nl-NL" dirty="0"/>
           </a:p>
         </p:txBody>
       </p:sp>
@@ -14904,7 +16096,7 @@
 </p:sld>
 </file>
 
-<file path=ppt/slides/slide43.xml><?xml version="1.0" encoding="utf-8"?>
+<file path=ppt/slides/slide47.xml><?xml version="1.0" encoding="utf-8"?>
 <p:sld xmlns:a="http://schemas.openxmlformats.org/drawingml/2006/main" xmlns:r="http://schemas.openxmlformats.org/officeDocument/2006/relationships" xmlns:p="http://schemas.openxmlformats.org/presentationml/2006/main">
   <p:cSld>
     <p:spTree>
@@ -14943,13 +16135,13 @@
           <a:lstStyle/>
           <a:p>
             <a:r>
-              <a:rPr lang="en-US" dirty="0" err="1" smtClean="0">
+              <a:rPr lang="en-US" dirty="0" err="1">
                 <a:hlinkClick r:id="rId2"/>
               </a:rPr>
               <a:t>NumFOCUS</a:t>
             </a:r>
             <a:r>
-              <a:rPr lang="en-US" dirty="0" smtClean="0">
+              <a:rPr lang="en-US" dirty="0">
                 <a:hlinkClick r:id="rId2"/>
               </a:rPr>
               <a:t>: A Nonprofit Supporting Open Code for Better Science</a:t>
@@ -15021,13 +16213,13 @@
           <a:lstStyle/>
           <a:p>
             <a:r>
-              <a:rPr lang="nl-NL" dirty="0" err="1" smtClean="0">
+              <a:rPr lang="nl-NL" dirty="0" err="1">
                 <a:hlinkClick r:id="rId4"/>
               </a:rPr>
               <a:t>PyData</a:t>
             </a:r>
             <a:r>
-              <a:rPr lang="nl-NL" dirty="0" smtClean="0">
+              <a:rPr lang="nl-NL" dirty="0">
                 <a:hlinkClick r:id="rId4"/>
               </a:rPr>
               <a:t> |</a:t>
@@ -15041,17 +16233,10 @@
   <p:clrMapOvr>
     <a:masterClrMapping/>
   </p:clrMapOvr>
-  <p:timing>
-    <p:tnLst>
-      <p:par>
-        <p:cTn id="1" dur="indefinite" restart="never" nodeType="tmRoot"/>
-      </p:par>
-    </p:tnLst>
-  </p:timing>
 </p:sld>
 </file>
 
-<file path=ppt/slides/slide44.xml><?xml version="1.0" encoding="utf-8"?>
+<file path=ppt/slides/slide48.xml><?xml version="1.0" encoding="utf-8"?>
 <p:sld xmlns:a="http://schemas.openxmlformats.org/drawingml/2006/main" xmlns:r="http://schemas.openxmlformats.org/officeDocument/2006/relationships" xmlns:p="http://schemas.openxmlformats.org/presentationml/2006/main">
   <p:cSld>
     <p:spTree>
@@ -15084,10 +16269,9 @@
           <a:lstStyle/>
           <a:p>
             <a:r>
-              <a:rPr lang="nl-NL" dirty="0" smtClean="0"/>
+              <a:rPr lang="nl-NL" dirty="0"/>
               <a:t>Waarom dan?</a:t>
             </a:r>
-            <a:endParaRPr lang="nl-NL" dirty="0"/>
           </a:p>
         </p:txBody>
       </p:sp>
@@ -15112,76 +16296,75 @@
           <a:lstStyle/>
           <a:p>
             <a:r>
-              <a:rPr lang="nl-NL" dirty="0" smtClean="0"/>
+              <a:rPr lang="nl-NL" dirty="0"/>
               <a:t>Automatiseren van repetitieve taken.</a:t>
             </a:r>
           </a:p>
           <a:p>
             <a:r>
-              <a:rPr lang="nl-NL" dirty="0" smtClean="0"/>
+              <a:rPr lang="nl-NL" dirty="0"/>
               <a:t>Omdat het leuk is.</a:t>
             </a:r>
           </a:p>
           <a:p>
             <a:r>
-              <a:rPr lang="nl-NL" dirty="0" smtClean="0"/>
+              <a:rPr lang="nl-NL" dirty="0"/>
               <a:t>Overzichtelijk/ modulair: data en compute gescheiden.</a:t>
             </a:r>
           </a:p>
           <a:p>
             <a:r>
-              <a:rPr lang="nl-NL" dirty="0" smtClean="0"/>
+              <a:rPr lang="nl-NL" dirty="0"/>
               <a:t>Reproduceerbaar.</a:t>
             </a:r>
           </a:p>
           <a:p>
             <a:r>
-              <a:rPr lang="nl-NL" dirty="0" smtClean="0"/>
+              <a:rPr lang="nl-NL" dirty="0"/>
               <a:t>Voorspellen!</a:t>
             </a:r>
           </a:p>
           <a:p>
             <a:r>
-              <a:rPr lang="nl-NL" dirty="0" smtClean="0"/>
+              <a:rPr lang="nl-NL" dirty="0"/>
               <a:t>W.b.t. Open Source: community </a:t>
             </a:r>
             <a:r>
-              <a:rPr lang="nl-NL" dirty="0" err="1" smtClean="0"/>
+              <a:rPr lang="nl-NL" dirty="0" err="1"/>
               <a:t>driven</a:t>
             </a:r>
             <a:r>
-              <a:rPr lang="nl-NL" dirty="0" smtClean="0"/>
+              <a:rPr lang="nl-NL" dirty="0"/>
               <a:t>, door grote bedrijven gesteund.</a:t>
             </a:r>
           </a:p>
           <a:p>
             <a:r>
-              <a:rPr lang="nl-NL" dirty="0" smtClean="0"/>
+              <a:rPr lang="nl-NL" dirty="0"/>
               <a:t>Veiliger: grote </a:t>
             </a:r>
             <a:r>
-              <a:rPr lang="nl-NL" dirty="0" err="1" smtClean="0"/>
+              <a:rPr lang="nl-NL" dirty="0" err="1"/>
               <a:t>communcity’s</a:t>
             </a:r>
             <a:r>
-              <a:rPr lang="nl-NL" dirty="0" smtClean="0"/>
+              <a:rPr lang="nl-NL" dirty="0"/>
               <a:t> kijken mee met de code i.t.t. </a:t>
             </a:r>
             <a:r>
-              <a:rPr lang="nl-NL" dirty="0" err="1" smtClean="0"/>
+              <a:rPr lang="nl-NL" dirty="0" err="1"/>
               <a:t>closed</a:t>
             </a:r>
             <a:r>
-              <a:rPr lang="nl-NL" dirty="0" smtClean="0"/>
+              <a:rPr lang="nl-NL" dirty="0"/>
               <a:t> source tools.</a:t>
             </a:r>
           </a:p>
           <a:p>
             <a:r>
-              <a:rPr lang="nl-NL" dirty="0" smtClean="0"/>
+              <a:rPr lang="nl-NL" dirty="0"/>
               <a:t>Etc.</a:t>
             </a:r>
-            <a:endParaRPr lang="nl-NL" dirty="0"/>
           </a:p>
         </p:txBody>
       </p:sp>
@@ -15190,17 +16373,10 @@
   <p:clrMapOvr>
     <a:masterClrMapping/>
   </p:clrMapOvr>
-  <p:timing>
-    <p:tnLst>
-      <p:par>
-        <p:cTn id="1" dur="indefinite" restart="never" nodeType="tmRoot"/>
-      </p:par>
-    </p:tnLst>
-  </p:timing>
 </p:sld>
 </file>
 
-<file path=ppt/slides/slide45.xml><?xml version="1.0" encoding="utf-8"?>
+<file path=ppt/slides/slide49.xml><?xml version="1.0" encoding="utf-8"?>
 <p:sld xmlns:a="http://schemas.openxmlformats.org/drawingml/2006/main" xmlns:r="http://schemas.openxmlformats.org/officeDocument/2006/relationships" xmlns:p="http://schemas.openxmlformats.org/presentationml/2006/main">
   <p:cSld>
     <p:spTree>
@@ -15263,17 +16439,151 @@
   <p:clrMapOvr>
     <a:masterClrMapping/>
   </p:clrMapOvr>
-  <p:timing>
-    <p:tnLst>
-      <p:par>
-        <p:cTn id="1" dur="indefinite" restart="never" nodeType="tmRoot"/>
-      </p:par>
-    </p:tnLst>
-  </p:timing>
 </p:sld>
 </file>
 
-<file path=ppt/slides/slide46.xml><?xml version="1.0" encoding="utf-8"?>
+<file path=ppt/slides/slide5.xml><?xml version="1.0" encoding="utf-8"?>
+<p:sld xmlns:a="http://schemas.openxmlformats.org/drawingml/2006/main" xmlns:r="http://schemas.openxmlformats.org/officeDocument/2006/relationships" xmlns:p="http://schemas.openxmlformats.org/presentationml/2006/main">
+  <p:cSld>
+    <p:spTree>
+      <p:nvGrpSpPr>
+        <p:cNvPr id="1" name=""/>
+        <p:cNvGrpSpPr/>
+        <p:nvPr/>
+      </p:nvGrpSpPr>
+      <p:grpSpPr>
+        <a:xfrm>
+          <a:off x="0" y="0"/>
+          <a:ext cx="0" cy="0"/>
+          <a:chOff x="0" y="0"/>
+          <a:chExt cx="0" cy="0"/>
+        </a:xfrm>
+      </p:grpSpPr>
+      <p:sp>
+        <p:nvSpPr>
+          <p:cNvPr id="2" name="Titel 1"/>
+          <p:cNvSpPr>
+            <a:spLocks noGrp="1"/>
+          </p:cNvSpPr>
+          <p:nvPr>
+            <p:ph type="title"/>
+          </p:nvPr>
+        </p:nvSpPr>
+        <p:spPr>
+          <a:xfrm>
+            <a:off x="677334" y="609600"/>
+            <a:ext cx="8596668" cy="781538"/>
+          </a:xfrm>
+        </p:spPr>
+        <p:txBody>
+          <a:bodyPr/>
+          <a:lstStyle/>
+          <a:p>
+            <a:pPr algn="ctr"/>
+            <a:r>
+              <a:rPr lang="nl-NL" dirty="0"/>
+              <a:t>Doelen voor vanochtend</a:t>
+            </a:r>
+          </a:p>
+        </p:txBody>
+      </p:sp>
+      <p:sp>
+        <p:nvSpPr>
+          <p:cNvPr id="3" name="Tijdelijke aanduiding voor inhoud 2"/>
+          <p:cNvSpPr>
+            <a:spLocks noGrp="1"/>
+          </p:cNvSpPr>
+          <p:nvPr>
+            <p:ph idx="1"/>
+          </p:nvPr>
+        </p:nvSpPr>
+        <p:spPr>
+          <a:xfrm>
+            <a:off x="614811" y="1391138"/>
+            <a:ext cx="8820134" cy="3880773"/>
+          </a:xfrm>
+        </p:spPr>
+        <p:txBody>
+          <a:bodyPr>
+            <a:normAutofit/>
+          </a:bodyPr>
+          <a:lstStyle/>
+          <a:p>
+            <a:pPr marL="0" indent="0">
+              <a:buNone/>
+            </a:pPr>
+            <a:r>
+              <a:rPr lang="nl-NL" b="1" dirty="0"/>
+              <a:t>Overall doel: </a:t>
+            </a:r>
+          </a:p>
+          <a:p>
+            <a:pPr marL="0" indent="0">
+              <a:buNone/>
+            </a:pPr>
+            <a:r>
+              <a:rPr lang="en-US" altLang="nl-NL" dirty="0"/>
+              <a:t>D</a:t>
+            </a:r>
+            <a:r>
+              <a:rPr lang="nl-NL" dirty="0"/>
+              <a:t>e deelnemer verlaat enthousiast de kennismakingssessie en heeft voldoende kennis opgedaan om zelf verder te gaan met programmeren in Python, Pandas etc. </a:t>
+            </a:r>
+          </a:p>
+          <a:p>
+            <a:pPr marL="0" indent="0">
+              <a:buNone/>
+            </a:pPr>
+            <a:r>
+              <a:rPr lang="nl-NL" b="1" dirty="0"/>
+              <a:t>Na afloop van deze sessie: </a:t>
+            </a:r>
+          </a:p>
+          <a:p>
+            <a:r>
+              <a:rPr lang="nl-NL" dirty="0"/>
+              <a:t>De deelnemer kan verwoorden wat programmeren is.</a:t>
+            </a:r>
+          </a:p>
+          <a:p>
+            <a:r>
+              <a:rPr lang="nl-NL" dirty="0"/>
+              <a:t>De deelnemer heeft een 1</a:t>
+            </a:r>
+            <a:r>
+              <a:rPr lang="nl-NL" baseline="30000" dirty="0"/>
+              <a:t>e</a:t>
+            </a:r>
+            <a:r>
+              <a:rPr lang="nl-NL" dirty="0"/>
+              <a:t> indruk van de </a:t>
+            </a:r>
+            <a:r>
+              <a:rPr lang="nl-NL" dirty="0" err="1"/>
+              <a:t>programmeertal</a:t>
+            </a:r>
+            <a:r>
+              <a:rPr lang="nl-NL" dirty="0"/>
+              <a:t> Python.</a:t>
+            </a:r>
+          </a:p>
+          <a:p>
+            <a:r>
+              <a:rPr lang="nl-NL" dirty="0"/>
+              <a:t>Idem dito pandas.</a:t>
+            </a:r>
+          </a:p>
+        </p:txBody>
+      </p:sp>
+    </p:spTree>
+  </p:cSld>
+  <p:clrMapOvr>
+    <a:masterClrMapping/>
+  </p:clrMapOvr>
+</p:sld>
+</file>
+
+<file path=ppt/slides/slide50.xml><?xml version="1.0" encoding="utf-8"?>
 <p:sld xmlns:a="http://schemas.openxmlformats.org/drawingml/2006/main" xmlns:r="http://schemas.openxmlformats.org/officeDocument/2006/relationships" xmlns:p="http://schemas.openxmlformats.org/presentationml/2006/main">
   <p:cSld>
     <p:spTree>
@@ -15490,7 +16800,7 @@
               <a:buFontTx/>
               <a:buNone/>
             </a:pPr>
-            <a:endParaRPr kumimoji="0" lang="nl-NL" altLang="nl-NL" sz="1800" b="0" i="0" u="none" strike="noStrike" cap="none" normalizeH="0" baseline="0" dirty="0" smtClean="0">
+            <a:endParaRPr kumimoji="0" lang="nl-NL" altLang="nl-NL" sz="1800" b="0" i="0" u="none" strike="noStrike" cap="none" normalizeH="0" baseline="0" dirty="0">
               <a:ln>
                 <a:noFill/>
               </a:ln>
@@ -15518,7 +16828,7 @@
               <a:buAutoNum type="arabicPeriod"/>
             </a:pPr>
             <a:r>
-              <a:rPr kumimoji="0" lang="nl-NL" altLang="nl-NL" sz="1800" b="0" i="0" u="none" strike="noStrike" cap="none" normalizeH="0" baseline="0" dirty="0" smtClean="0">
+              <a:rPr kumimoji="0" lang="nl-NL" altLang="nl-NL" sz="1800" b="0" i="0" u="none" strike="noStrike" cap="none" normalizeH="0" baseline="0" dirty="0">
                 <a:ln>
                   <a:noFill/>
                 </a:ln>
@@ -15531,7 +16841,7 @@
               <a:t>Python is a high-level, </a:t>
             </a:r>
             <a:r>
-              <a:rPr kumimoji="0" lang="nl-NL" altLang="nl-NL" sz="1800" b="0" i="0" u="none" strike="noStrike" cap="none" normalizeH="0" baseline="0" dirty="0" err="1" smtClean="0">
+              <a:rPr kumimoji="0" lang="nl-NL" altLang="nl-NL" sz="1800" b="0" i="0" u="none" strike="noStrike" cap="none" normalizeH="0" baseline="0" dirty="0" err="1">
                 <a:ln>
                   <a:noFill/>
                 </a:ln>
@@ -15544,7 +16854,7 @@
               <a:t>general-purpose</a:t>
             </a:r>
             <a:r>
-              <a:rPr kumimoji="0" lang="nl-NL" altLang="nl-NL" sz="1800" b="0" i="0" u="none" strike="noStrike" cap="none" normalizeH="0" baseline="0" dirty="0" smtClean="0">
+              <a:rPr kumimoji="0" lang="nl-NL" altLang="nl-NL" sz="1800" b="0" i="0" u="none" strike="noStrike" cap="none" normalizeH="0" baseline="0" dirty="0">
                 <a:ln>
                   <a:noFill/>
                 </a:ln>
@@ -15557,7 +16867,7 @@
               <a:t> </a:t>
             </a:r>
             <a:r>
-              <a:rPr kumimoji="0" lang="nl-NL" altLang="nl-NL" sz="1800" b="0" i="0" u="none" strike="noStrike" cap="none" normalizeH="0" baseline="0" dirty="0" err="1" smtClean="0">
+              <a:rPr kumimoji="0" lang="nl-NL" altLang="nl-NL" sz="1800" b="0" i="0" u="none" strike="noStrike" cap="none" normalizeH="0" baseline="0" dirty="0" err="1">
                 <a:ln>
                   <a:noFill/>
                 </a:ln>
@@ -15570,7 +16880,7 @@
               <a:t>programming</a:t>
             </a:r>
             <a:r>
-              <a:rPr kumimoji="0" lang="nl-NL" altLang="nl-NL" sz="1800" b="0" i="0" u="none" strike="noStrike" cap="none" normalizeH="0" baseline="0" dirty="0" smtClean="0">
+              <a:rPr kumimoji="0" lang="nl-NL" altLang="nl-NL" sz="1800" b="0" i="0" u="none" strike="noStrike" cap="none" normalizeH="0" baseline="0" dirty="0">
                 <a:ln>
                   <a:noFill/>
                 </a:ln>
@@ -15583,7 +16893,7 @@
               <a:t> </a:t>
             </a:r>
             <a:r>
-              <a:rPr kumimoji="0" lang="nl-NL" altLang="nl-NL" sz="1800" b="0" i="0" u="none" strike="noStrike" cap="none" normalizeH="0" baseline="0" dirty="0" err="1" smtClean="0">
+              <a:rPr kumimoji="0" lang="nl-NL" altLang="nl-NL" sz="1800" b="0" i="0" u="none" strike="noStrike" cap="none" normalizeH="0" baseline="0" dirty="0" err="1">
                 <a:ln>
                   <a:noFill/>
                 </a:ln>
@@ -15596,7 +16906,7 @@
               <a:t>language</a:t>
             </a:r>
             <a:r>
-              <a:rPr kumimoji="0" lang="nl-NL" altLang="nl-NL" sz="1800" b="0" i="0" u="none" strike="noStrike" cap="none" normalizeH="0" baseline="0" dirty="0" smtClean="0">
+              <a:rPr kumimoji="0" lang="nl-NL" altLang="nl-NL" sz="1800" b="0" i="0" u="none" strike="noStrike" cap="none" normalizeH="0" baseline="0" dirty="0">
                 <a:ln>
                   <a:noFill/>
                 </a:ln>
@@ -15609,7 +16919,7 @@
               <a:t> </a:t>
             </a:r>
             <a:r>
-              <a:rPr kumimoji="0" lang="nl-NL" altLang="nl-NL" sz="1800" b="0" i="0" u="none" strike="noStrike" cap="none" normalizeH="0" baseline="0" dirty="0" err="1" smtClean="0">
+              <a:rPr kumimoji="0" lang="nl-NL" altLang="nl-NL" sz="1800" b="0" i="0" u="none" strike="noStrike" cap="none" normalizeH="0" baseline="0" dirty="0" err="1">
                 <a:ln>
                   <a:noFill/>
                 </a:ln>
@@ -15622,7 +16932,7 @@
               <a:t>that</a:t>
             </a:r>
             <a:r>
-              <a:rPr kumimoji="0" lang="nl-NL" altLang="nl-NL" sz="1800" b="0" i="0" u="none" strike="noStrike" cap="none" normalizeH="0" baseline="0" dirty="0" smtClean="0">
+              <a:rPr kumimoji="0" lang="nl-NL" altLang="nl-NL" sz="1800" b="0" i="0" u="none" strike="noStrike" cap="none" normalizeH="0" baseline="0" dirty="0">
                 <a:ln>
                   <a:noFill/>
                 </a:ln>
@@ -15635,7 +16945,7 @@
               <a:t> is easy to </a:t>
             </a:r>
             <a:r>
-              <a:rPr kumimoji="0" lang="nl-NL" altLang="nl-NL" sz="1800" b="0" i="0" u="none" strike="noStrike" cap="none" normalizeH="0" baseline="0" dirty="0" err="1" smtClean="0">
+              <a:rPr kumimoji="0" lang="nl-NL" altLang="nl-NL" sz="1800" b="0" i="0" u="none" strike="noStrike" cap="none" normalizeH="0" baseline="0" dirty="0" err="1">
                 <a:ln>
                   <a:noFill/>
                 </a:ln>
@@ -15648,7 +16958,7 @@
               <a:t>learn</a:t>
             </a:r>
             <a:r>
-              <a:rPr kumimoji="0" lang="nl-NL" altLang="nl-NL" sz="1800" b="0" i="0" u="none" strike="noStrike" cap="none" normalizeH="0" baseline="0" dirty="0" smtClean="0">
+              <a:rPr kumimoji="0" lang="nl-NL" altLang="nl-NL" sz="1800" b="0" i="0" u="none" strike="noStrike" cap="none" normalizeH="0" baseline="0" dirty="0">
                 <a:ln>
                   <a:noFill/>
                 </a:ln>
@@ -15661,7 +16971,7 @@
               <a:t> and </a:t>
             </a:r>
             <a:r>
-              <a:rPr kumimoji="0" lang="nl-NL" altLang="nl-NL" sz="1800" b="0" i="0" u="none" strike="noStrike" cap="none" normalizeH="0" baseline="0" dirty="0" err="1" smtClean="0">
+              <a:rPr kumimoji="0" lang="nl-NL" altLang="nl-NL" sz="1800" b="0" i="0" u="none" strike="noStrike" cap="none" normalizeH="0" baseline="0" dirty="0" err="1">
                 <a:ln>
                   <a:noFill/>
                 </a:ln>
@@ -15674,7 +16984,7 @@
               <a:t>understand</a:t>
             </a:r>
             <a:r>
-              <a:rPr kumimoji="0" lang="nl-NL" altLang="nl-NL" sz="1800" b="0" i="0" u="none" strike="noStrike" cap="none" normalizeH="0" baseline="0" dirty="0" smtClean="0">
+              <a:rPr kumimoji="0" lang="nl-NL" altLang="nl-NL" sz="1800" b="0" i="0" u="none" strike="noStrike" cap="none" normalizeH="0" baseline="0" dirty="0">
                 <a:ln>
                   <a:noFill/>
                 </a:ln>
@@ -15687,7 +16997,7 @@
               <a:t>. </a:t>
             </a:r>
             <a:br>
-              <a:rPr kumimoji="0" lang="nl-NL" altLang="nl-NL" sz="1800" b="0" i="0" u="none" strike="noStrike" cap="none" normalizeH="0" baseline="0" dirty="0" smtClean="0">
+              <a:rPr kumimoji="0" lang="nl-NL" altLang="nl-NL" sz="1800" b="0" i="0" u="none" strike="noStrike" cap="none" normalizeH="0" baseline="0" dirty="0">
                 <a:ln>
                   <a:noFill/>
                 </a:ln>
@@ -15698,7 +17008,7 @@
                 <a:latin typeface="Söhne"/>
               </a:rPr>
             </a:br>
-            <a:endParaRPr kumimoji="0" lang="nl-NL" altLang="nl-NL" sz="1800" b="0" i="0" u="none" strike="noStrike" cap="none" normalizeH="0" baseline="0" dirty="0" smtClean="0">
+            <a:endParaRPr kumimoji="0" lang="nl-NL" altLang="nl-NL" sz="1800" b="0" i="0" u="none" strike="noStrike" cap="none" normalizeH="0" baseline="0" dirty="0">
               <a:ln>
                 <a:noFill/>
               </a:ln>
@@ -15726,7 +17036,7 @@
               <a:buAutoNum type="arabicPeriod" startAt="2"/>
             </a:pPr>
             <a:r>
-              <a:rPr kumimoji="0" lang="nl-NL" altLang="nl-NL" sz="1800" b="0" i="0" u="none" strike="noStrike" cap="none" normalizeH="0" baseline="0" dirty="0" smtClean="0">
+              <a:rPr kumimoji="0" lang="nl-NL" altLang="nl-NL" sz="1800" b="0" i="0" u="none" strike="noStrike" cap="none" normalizeH="0" baseline="0" dirty="0">
                 <a:ln>
                   <a:noFill/>
                 </a:ln>
@@ -15739,7 +17049,7 @@
               <a:t>Python has a </a:t>
             </a:r>
             <a:r>
-              <a:rPr kumimoji="0" lang="nl-NL" altLang="nl-NL" sz="1800" b="0" i="0" u="none" strike="noStrike" cap="none" normalizeH="0" baseline="0" dirty="0" smtClean="0">
+              <a:rPr kumimoji="0" lang="nl-NL" altLang="nl-NL" sz="1800" b="0" i="0" u="none" strike="noStrike" cap="none" normalizeH="0" baseline="0" dirty="0">
                 <a:ln>
                   <a:noFill/>
                 </a:ln>
@@ -15752,7 +17062,7 @@
               <a:t>large and </a:t>
             </a:r>
             <a:r>
-              <a:rPr kumimoji="0" lang="nl-NL" altLang="nl-NL" sz="1800" b="0" i="0" u="none" strike="noStrike" cap="none" normalizeH="0" baseline="0" dirty="0" err="1" smtClean="0">
+              <a:rPr kumimoji="0" lang="nl-NL" altLang="nl-NL" sz="1800" b="0" i="0" u="none" strike="noStrike" cap="none" normalizeH="0" baseline="0" dirty="0" err="1">
                 <a:ln>
                   <a:noFill/>
                 </a:ln>
@@ -15765,7 +17075,7 @@
               <a:t>active</a:t>
             </a:r>
             <a:r>
-              <a:rPr kumimoji="0" lang="nl-NL" altLang="nl-NL" sz="1800" b="0" i="0" u="none" strike="noStrike" cap="none" normalizeH="0" baseline="0" dirty="0" smtClean="0">
+              <a:rPr kumimoji="0" lang="nl-NL" altLang="nl-NL" sz="1800" b="0" i="0" u="none" strike="noStrike" cap="none" normalizeH="0" baseline="0" dirty="0">
                 <a:ln>
                   <a:noFill/>
                 </a:ln>
@@ -15778,7 +17088,7 @@
               <a:t> community </a:t>
             </a:r>
             <a:r>
-              <a:rPr kumimoji="0" lang="nl-NL" altLang="nl-NL" sz="1800" b="0" i="0" u="none" strike="noStrike" cap="none" normalizeH="0" baseline="0" dirty="0" smtClean="0">
+              <a:rPr kumimoji="0" lang="nl-NL" altLang="nl-NL" sz="1800" b="0" i="0" u="none" strike="noStrike" cap="none" normalizeH="0" baseline="0" dirty="0">
                 <a:ln>
                   <a:noFill/>
                 </a:ln>
@@ -15791,7 +17101,7 @@
               <a:t>of </a:t>
             </a:r>
             <a:r>
-              <a:rPr kumimoji="0" lang="nl-NL" altLang="nl-NL" sz="1800" b="0" i="0" u="none" strike="noStrike" cap="none" normalizeH="0" baseline="0" dirty="0" err="1" smtClean="0">
+              <a:rPr kumimoji="0" lang="nl-NL" altLang="nl-NL" sz="1800" b="0" i="0" u="none" strike="noStrike" cap="none" normalizeH="0" baseline="0" dirty="0" err="1">
                 <a:ln>
                   <a:noFill/>
                 </a:ln>
@@ -15804,7 +17114,7 @@
               <a:t>developers</a:t>
             </a:r>
             <a:r>
-              <a:rPr kumimoji="0" lang="nl-NL" altLang="nl-NL" sz="1800" b="0" i="0" u="none" strike="noStrike" cap="none" normalizeH="0" baseline="0" dirty="0" smtClean="0">
+              <a:rPr kumimoji="0" lang="nl-NL" altLang="nl-NL" sz="1800" b="0" i="0" u="none" strike="noStrike" cap="none" normalizeH="0" baseline="0" dirty="0">
                 <a:ln>
                   <a:noFill/>
                 </a:ln>
@@ -15817,7 +17127,7 @@
               <a:t> </a:t>
             </a:r>
             <a:r>
-              <a:rPr kumimoji="0" lang="nl-NL" altLang="nl-NL" sz="1800" b="0" i="0" u="none" strike="noStrike" cap="none" normalizeH="0" baseline="0" dirty="0" err="1" smtClean="0">
+              <a:rPr kumimoji="0" lang="nl-NL" altLang="nl-NL" sz="1800" b="0" i="0" u="none" strike="noStrike" cap="none" normalizeH="0" baseline="0" dirty="0" err="1">
                 <a:ln>
                   <a:noFill/>
                 </a:ln>
@@ -15830,7 +17140,7 @@
               <a:t>who</a:t>
             </a:r>
             <a:r>
-              <a:rPr kumimoji="0" lang="nl-NL" altLang="nl-NL" sz="1800" b="0" i="0" u="none" strike="noStrike" cap="none" normalizeH="0" baseline="0" dirty="0" smtClean="0">
+              <a:rPr kumimoji="0" lang="nl-NL" altLang="nl-NL" sz="1800" b="0" i="0" u="none" strike="noStrike" cap="none" normalizeH="0" baseline="0" dirty="0">
                 <a:ln>
                   <a:noFill/>
                 </a:ln>
@@ -15843,7 +17153,7 @@
               <a:t> </a:t>
             </a:r>
             <a:r>
-              <a:rPr kumimoji="0" lang="nl-NL" altLang="nl-NL" sz="1800" b="0" i="0" u="none" strike="noStrike" cap="none" normalizeH="0" baseline="0" dirty="0" err="1" smtClean="0">
+              <a:rPr kumimoji="0" lang="nl-NL" altLang="nl-NL" sz="1800" b="0" i="0" u="none" strike="noStrike" cap="none" normalizeH="0" baseline="0" dirty="0" err="1">
                 <a:ln>
                   <a:noFill/>
                 </a:ln>
@@ -15856,7 +17166,7 @@
               <a:t>contribute</a:t>
             </a:r>
             <a:r>
-              <a:rPr kumimoji="0" lang="nl-NL" altLang="nl-NL" sz="1800" b="0" i="0" u="none" strike="noStrike" cap="none" normalizeH="0" baseline="0" dirty="0" smtClean="0">
+              <a:rPr kumimoji="0" lang="nl-NL" altLang="nl-NL" sz="1800" b="0" i="0" u="none" strike="noStrike" cap="none" normalizeH="0" baseline="0" dirty="0">
                 <a:ln>
                   <a:noFill/>
                 </a:ln>
@@ -15869,7 +17179,7 @@
               <a:t> to the development of the </a:t>
             </a:r>
             <a:r>
-              <a:rPr kumimoji="0" lang="nl-NL" altLang="nl-NL" sz="1800" b="0" i="0" u="none" strike="noStrike" cap="none" normalizeH="0" baseline="0" dirty="0" err="1" smtClean="0">
+              <a:rPr kumimoji="0" lang="nl-NL" altLang="nl-NL" sz="1800" b="0" i="0" u="none" strike="noStrike" cap="none" normalizeH="0" baseline="0" dirty="0" err="1">
                 <a:ln>
                   <a:noFill/>
                 </a:ln>
@@ -15882,7 +17192,7 @@
               <a:t>language</a:t>
             </a:r>
             <a:r>
-              <a:rPr kumimoji="0" lang="nl-NL" altLang="nl-NL" sz="1800" b="0" i="0" u="none" strike="noStrike" cap="none" normalizeH="0" baseline="0" dirty="0" smtClean="0">
+              <a:rPr kumimoji="0" lang="nl-NL" altLang="nl-NL" sz="1800" b="0" i="0" u="none" strike="noStrike" cap="none" normalizeH="0" baseline="0" dirty="0">
                 <a:ln>
                   <a:noFill/>
                 </a:ln>
@@ -15895,7 +17205,7 @@
               <a:t> and </a:t>
             </a:r>
             <a:br>
-              <a:rPr kumimoji="0" lang="nl-NL" altLang="nl-NL" sz="1800" b="0" i="0" u="none" strike="noStrike" cap="none" normalizeH="0" baseline="0" dirty="0" smtClean="0">
+              <a:rPr kumimoji="0" lang="nl-NL" altLang="nl-NL" sz="1800" b="0" i="0" u="none" strike="noStrike" cap="none" normalizeH="0" baseline="0" dirty="0">
                 <a:ln>
                   <a:noFill/>
                 </a:ln>
@@ -15907,7 +17217,7 @@
               </a:rPr>
             </a:br>
             <a:r>
-              <a:rPr kumimoji="0" lang="nl-NL" altLang="nl-NL" sz="1800" b="0" i="0" u="none" strike="noStrike" cap="none" normalizeH="0" baseline="0" dirty="0" err="1" smtClean="0">
+              <a:rPr kumimoji="0" lang="nl-NL" altLang="nl-NL" sz="1800" b="0" i="0" u="none" strike="noStrike" cap="none" normalizeH="0" baseline="0" dirty="0" err="1">
                 <a:ln>
                   <a:noFill/>
                 </a:ln>
@@ -15920,7 +17230,7 @@
               <a:t>its</a:t>
             </a:r>
             <a:r>
-              <a:rPr kumimoji="0" lang="nl-NL" altLang="nl-NL" sz="1800" b="0" i="0" u="none" strike="noStrike" cap="none" normalizeH="0" baseline="0" dirty="0" smtClean="0">
+              <a:rPr kumimoji="0" lang="nl-NL" altLang="nl-NL" sz="1800" b="0" i="0" u="none" strike="noStrike" cap="none" normalizeH="0" baseline="0" dirty="0">
                 <a:ln>
                   <a:noFill/>
                 </a:ln>
@@ -15933,7 +17243,7 @@
               <a:t> </a:t>
             </a:r>
             <a:r>
-              <a:rPr kumimoji="0" lang="nl-NL" altLang="nl-NL" sz="1800" b="0" i="0" u="none" strike="noStrike" cap="none" normalizeH="0" baseline="0" dirty="0" err="1" smtClean="0">
+              <a:rPr kumimoji="0" lang="nl-NL" altLang="nl-NL" sz="1800" b="0" i="0" u="none" strike="noStrike" cap="none" normalizeH="0" baseline="0" dirty="0" err="1">
                 <a:ln>
                   <a:noFill/>
                 </a:ln>
@@ -15946,7 +17256,7 @@
               <a:t>libraries</a:t>
             </a:r>
             <a:r>
-              <a:rPr kumimoji="0" lang="nl-NL" altLang="nl-NL" sz="1800" b="0" i="0" u="none" strike="noStrike" cap="none" normalizeH="0" baseline="0" dirty="0" smtClean="0">
+              <a:rPr kumimoji="0" lang="nl-NL" altLang="nl-NL" sz="1800" b="0" i="0" u="none" strike="noStrike" cap="none" normalizeH="0" baseline="0" dirty="0">
                 <a:ln>
                   <a:noFill/>
                 </a:ln>
@@ -15959,7 +17269,7 @@
               <a:t>, </a:t>
             </a:r>
             <a:r>
-              <a:rPr kumimoji="0" lang="nl-NL" altLang="nl-NL" sz="1800" b="0" i="0" u="none" strike="noStrike" cap="none" normalizeH="0" baseline="0" dirty="0" err="1" smtClean="0">
+              <a:rPr kumimoji="0" lang="nl-NL" altLang="nl-NL" sz="1800" b="0" i="0" u="none" strike="noStrike" cap="none" normalizeH="0" baseline="0" dirty="0" err="1">
                 <a:ln>
                   <a:noFill/>
                 </a:ln>
@@ -15972,7 +17282,7 @@
               <a:t>which</a:t>
             </a:r>
             <a:r>
-              <a:rPr kumimoji="0" lang="nl-NL" altLang="nl-NL" sz="1800" b="0" i="0" u="none" strike="noStrike" cap="none" normalizeH="0" baseline="0" dirty="0" smtClean="0">
+              <a:rPr kumimoji="0" lang="nl-NL" altLang="nl-NL" sz="1800" b="0" i="0" u="none" strike="noStrike" cap="none" normalizeH="0" baseline="0" dirty="0">
                 <a:ln>
                   <a:noFill/>
                 </a:ln>
@@ -15985,7 +17295,7 @@
               <a:t> means </a:t>
             </a:r>
             <a:r>
-              <a:rPr kumimoji="0" lang="nl-NL" altLang="nl-NL" sz="1800" b="0" i="0" u="none" strike="noStrike" cap="none" normalizeH="0" baseline="0" dirty="0" err="1" smtClean="0">
+              <a:rPr kumimoji="0" lang="nl-NL" altLang="nl-NL" sz="1800" b="0" i="0" u="none" strike="noStrike" cap="none" normalizeH="0" baseline="0" dirty="0" err="1">
                 <a:ln>
                   <a:noFill/>
                 </a:ln>
@@ -15998,7 +17308,7 @@
               <a:t>that</a:t>
             </a:r>
             <a:r>
-              <a:rPr kumimoji="0" lang="nl-NL" altLang="nl-NL" sz="1800" b="0" i="0" u="none" strike="noStrike" cap="none" normalizeH="0" baseline="0" dirty="0" smtClean="0">
+              <a:rPr kumimoji="0" lang="nl-NL" altLang="nl-NL" sz="1800" b="0" i="0" u="none" strike="noStrike" cap="none" normalizeH="0" baseline="0" dirty="0">
                 <a:ln>
                   <a:noFill/>
                 </a:ln>
@@ -16011,7 +17321,7 @@
               <a:t> </a:t>
             </a:r>
             <a:r>
-              <a:rPr kumimoji="0" lang="nl-NL" altLang="nl-NL" sz="1800" b="0" i="0" u="none" strike="noStrike" cap="none" normalizeH="0" baseline="0" dirty="0" err="1" smtClean="0">
+              <a:rPr kumimoji="0" lang="nl-NL" altLang="nl-NL" sz="1800" b="0" i="0" u="none" strike="noStrike" cap="none" normalizeH="0" baseline="0" dirty="0" err="1">
                 <a:ln>
                   <a:noFill/>
                 </a:ln>
@@ -16024,7 +17334,7 @@
               <a:t>there</a:t>
             </a:r>
             <a:r>
-              <a:rPr kumimoji="0" lang="nl-NL" altLang="nl-NL" sz="1800" b="0" i="0" u="none" strike="noStrike" cap="none" normalizeH="0" baseline="0" dirty="0" smtClean="0">
+              <a:rPr kumimoji="0" lang="nl-NL" altLang="nl-NL" sz="1800" b="0" i="0" u="none" strike="noStrike" cap="none" normalizeH="0" baseline="0" dirty="0">
                 <a:ln>
                   <a:noFill/>
                 </a:ln>
@@ -16037,7 +17347,7 @@
               <a:t> is </a:t>
             </a:r>
             <a:r>
-              <a:rPr kumimoji="0" lang="nl-NL" altLang="nl-NL" sz="1800" b="0" i="0" u="none" strike="noStrike" cap="none" normalizeH="0" baseline="0" dirty="0" smtClean="0">
+              <a:rPr kumimoji="0" lang="nl-NL" altLang="nl-NL" sz="1800" b="0" i="0" u="none" strike="noStrike" cap="none" normalizeH="0" baseline="0" dirty="0">
                 <a:ln>
                   <a:noFill/>
                 </a:ln>
@@ -16050,7 +17360,7 @@
               <a:t>a </a:t>
             </a:r>
             <a:r>
-              <a:rPr kumimoji="0" lang="nl-NL" altLang="nl-NL" sz="1800" b="0" i="0" u="none" strike="noStrike" cap="none" normalizeH="0" baseline="0" dirty="0" err="1" smtClean="0">
+              <a:rPr kumimoji="0" lang="nl-NL" altLang="nl-NL" sz="1800" b="0" i="0" u="none" strike="noStrike" cap="none" normalizeH="0" baseline="0" dirty="0" err="1">
                 <a:ln>
                   <a:noFill/>
                 </a:ln>
@@ -16063,7 +17373,7 @@
               <a:t>wealth</a:t>
             </a:r>
             <a:r>
-              <a:rPr kumimoji="0" lang="nl-NL" altLang="nl-NL" sz="1800" b="0" i="0" u="none" strike="noStrike" cap="none" normalizeH="0" baseline="0" dirty="0" smtClean="0">
+              <a:rPr kumimoji="0" lang="nl-NL" altLang="nl-NL" sz="1800" b="0" i="0" u="none" strike="noStrike" cap="none" normalizeH="0" baseline="0" dirty="0">
                 <a:ln>
                   <a:noFill/>
                 </a:ln>
@@ -16076,7 +17386,7 @@
               <a:t> of resources </a:t>
             </a:r>
             <a:r>
-              <a:rPr kumimoji="0" lang="nl-NL" altLang="nl-NL" sz="1800" b="0" i="0" u="none" strike="noStrike" cap="none" normalizeH="0" baseline="0" dirty="0" err="1" smtClean="0">
+              <a:rPr kumimoji="0" lang="nl-NL" altLang="nl-NL" sz="1800" b="0" i="0" u="none" strike="noStrike" cap="none" normalizeH="0" baseline="0" dirty="0" err="1">
                 <a:ln>
                   <a:noFill/>
                 </a:ln>
@@ -16089,7 +17399,7 @@
               <a:t>available</a:t>
             </a:r>
             <a:r>
-              <a:rPr kumimoji="0" lang="nl-NL" altLang="nl-NL" sz="1800" b="0" i="0" u="none" strike="noStrike" cap="none" normalizeH="0" baseline="0" dirty="0" smtClean="0">
+              <a:rPr kumimoji="0" lang="nl-NL" altLang="nl-NL" sz="1800" b="0" i="0" u="none" strike="noStrike" cap="none" normalizeH="0" baseline="0" dirty="0">
                 <a:ln>
                   <a:noFill/>
                 </a:ln>
@@ -16102,7 +17412,7 @@
               <a:t> for learning and </a:t>
             </a:r>
             <a:r>
-              <a:rPr kumimoji="0" lang="nl-NL" altLang="nl-NL" sz="1800" b="0" i="0" u="none" strike="noStrike" cap="none" normalizeH="0" baseline="0" dirty="0" err="1" smtClean="0">
+              <a:rPr kumimoji="0" lang="nl-NL" altLang="nl-NL" sz="1800" b="0" i="0" u="none" strike="noStrike" cap="none" normalizeH="0" baseline="0" dirty="0" err="1">
                 <a:ln>
                   <a:noFill/>
                 </a:ln>
@@ -16115,7 +17425,7 @@
               <a:t>using</a:t>
             </a:r>
             <a:r>
-              <a:rPr kumimoji="0" lang="nl-NL" altLang="nl-NL" sz="1800" b="0" i="0" u="none" strike="noStrike" cap="none" normalizeH="0" baseline="0" dirty="0" smtClean="0">
+              <a:rPr kumimoji="0" lang="nl-NL" altLang="nl-NL" sz="1800" b="0" i="0" u="none" strike="noStrike" cap="none" normalizeH="0" baseline="0" dirty="0">
                 <a:ln>
                   <a:noFill/>
                 </a:ln>
@@ -16128,7 +17438,7 @@
               <a:t> Python.</a:t>
             </a:r>
             <a:br>
-              <a:rPr kumimoji="0" lang="nl-NL" altLang="nl-NL" sz="1800" b="0" i="0" u="none" strike="noStrike" cap="none" normalizeH="0" baseline="0" dirty="0" smtClean="0">
+              <a:rPr kumimoji="0" lang="nl-NL" altLang="nl-NL" sz="1800" b="0" i="0" u="none" strike="noStrike" cap="none" normalizeH="0" baseline="0" dirty="0">
                 <a:ln>
                   <a:noFill/>
                 </a:ln>
@@ -16139,7 +17449,7 @@
                 <a:latin typeface="Söhne"/>
               </a:rPr>
             </a:br>
-            <a:endParaRPr kumimoji="0" lang="nl-NL" altLang="nl-NL" sz="1800" b="0" i="0" u="none" strike="noStrike" cap="none" normalizeH="0" baseline="0" dirty="0" smtClean="0">
+            <a:endParaRPr kumimoji="0" lang="nl-NL" altLang="nl-NL" sz="1800" b="0" i="0" u="none" strike="noStrike" cap="none" normalizeH="0" baseline="0" dirty="0">
               <a:ln>
                 <a:noFill/>
               </a:ln>
@@ -16167,7 +17477,7 @@
               <a:buAutoNum type="arabicPeriod" startAt="3"/>
             </a:pPr>
             <a:r>
-              <a:rPr kumimoji="0" lang="nl-NL" altLang="nl-NL" sz="1800" b="0" i="0" u="none" strike="noStrike" cap="none" normalizeH="0" baseline="0" dirty="0" smtClean="0">
+              <a:rPr kumimoji="0" lang="nl-NL" altLang="nl-NL" sz="1800" b="0" i="0" u="none" strike="noStrike" cap="none" normalizeH="0" baseline="0" dirty="0">
                 <a:ln>
                   <a:noFill/>
                 </a:ln>
@@ -16180,7 +17490,7 @@
               <a:t>Python has a </a:t>
             </a:r>
             <a:r>
-              <a:rPr kumimoji="0" lang="nl-NL" altLang="nl-NL" sz="1800" b="0" i="0" u="none" strike="noStrike" cap="none" normalizeH="0" baseline="0" dirty="0" err="1" smtClean="0">
+              <a:rPr kumimoji="0" lang="nl-NL" altLang="nl-NL" sz="1800" b="0" i="0" u="none" strike="noStrike" cap="none" normalizeH="0" baseline="0" dirty="0" err="1">
                 <a:ln>
                   <a:noFill/>
                 </a:ln>
@@ -16193,7 +17503,7 @@
               <a:t>wide</a:t>
             </a:r>
             <a:r>
-              <a:rPr kumimoji="0" lang="nl-NL" altLang="nl-NL" sz="1800" b="0" i="0" u="none" strike="noStrike" cap="none" normalizeH="0" baseline="0" dirty="0" smtClean="0">
+              <a:rPr kumimoji="0" lang="nl-NL" altLang="nl-NL" sz="1800" b="0" i="0" u="none" strike="noStrike" cap="none" normalizeH="0" baseline="0" dirty="0">
                 <a:ln>
                   <a:noFill/>
                 </a:ln>
@@ -16206,7 +17516,7 @@
               <a:t> range of </a:t>
             </a:r>
             <a:r>
-              <a:rPr kumimoji="0" lang="nl-NL" altLang="nl-NL" sz="1800" b="0" i="0" u="none" strike="noStrike" cap="none" normalizeH="0" baseline="0" dirty="0" err="1" smtClean="0">
+              <a:rPr kumimoji="0" lang="nl-NL" altLang="nl-NL" sz="1800" b="0" i="0" u="none" strike="noStrike" cap="none" normalizeH="0" baseline="0" dirty="0" err="1">
                 <a:ln>
                   <a:noFill/>
                 </a:ln>
@@ -16219,7 +17529,7 @@
               <a:t>applications</a:t>
             </a:r>
             <a:r>
-              <a:rPr kumimoji="0" lang="nl-NL" altLang="nl-NL" sz="1800" b="0" i="0" u="none" strike="noStrike" cap="none" normalizeH="0" baseline="0" dirty="0" smtClean="0">
+              <a:rPr kumimoji="0" lang="nl-NL" altLang="nl-NL" sz="1800" b="0" i="0" u="none" strike="noStrike" cap="none" normalizeH="0" baseline="0" dirty="0">
                 <a:ln>
                   <a:noFill/>
                 </a:ln>
@@ -16232,7 +17542,7 @@
               <a:t>, </a:t>
             </a:r>
             <a:r>
-              <a:rPr kumimoji="0" lang="nl-NL" altLang="nl-NL" sz="1800" b="0" i="0" u="none" strike="noStrike" cap="none" normalizeH="0" baseline="0" dirty="0" err="1" smtClean="0">
+              <a:rPr kumimoji="0" lang="nl-NL" altLang="nl-NL" sz="1800" b="0" i="0" u="none" strike="noStrike" cap="none" normalizeH="0" baseline="0" dirty="0" err="1">
                 <a:ln>
                   <a:noFill/>
                 </a:ln>
@@ -16245,7 +17555,7 @@
               <a:t>including</a:t>
             </a:r>
             <a:r>
-              <a:rPr kumimoji="0" lang="nl-NL" altLang="nl-NL" sz="1800" b="0" i="0" u="none" strike="noStrike" cap="none" normalizeH="0" baseline="0" dirty="0" smtClean="0">
+              <a:rPr kumimoji="0" lang="nl-NL" altLang="nl-NL" sz="1800" b="0" i="0" u="none" strike="noStrike" cap="none" normalizeH="0" baseline="0" dirty="0">
                 <a:ln>
                   <a:noFill/>
                 </a:ln>
@@ -16258,7 +17568,7 @@
               <a:t> web development, </a:t>
             </a:r>
             <a:r>
-              <a:rPr kumimoji="0" lang="nl-NL" altLang="nl-NL" sz="1800" b="0" i="0" u="none" strike="noStrike" cap="none" normalizeH="0" baseline="0" dirty="0" err="1" smtClean="0">
+              <a:rPr kumimoji="0" lang="nl-NL" altLang="nl-NL" sz="1800" b="0" i="0" u="none" strike="noStrike" cap="none" normalizeH="0" baseline="0" dirty="0" err="1">
                 <a:ln>
                   <a:noFill/>
                 </a:ln>
@@ -16271,7 +17581,7 @@
               <a:t>scientific</a:t>
             </a:r>
             <a:r>
-              <a:rPr kumimoji="0" lang="nl-NL" altLang="nl-NL" sz="1800" b="0" i="0" u="none" strike="noStrike" cap="none" normalizeH="0" baseline="0" dirty="0" smtClean="0">
+              <a:rPr kumimoji="0" lang="nl-NL" altLang="nl-NL" sz="1800" b="0" i="0" u="none" strike="noStrike" cap="none" normalizeH="0" baseline="0" dirty="0">
                 <a:ln>
                   <a:noFill/>
                 </a:ln>
@@ -16284,7 +17594,7 @@
               <a:t> computing, data analysis, and </a:t>
             </a:r>
             <a:br>
-              <a:rPr kumimoji="0" lang="nl-NL" altLang="nl-NL" sz="1800" b="0" i="0" u="none" strike="noStrike" cap="none" normalizeH="0" baseline="0" dirty="0" smtClean="0">
+              <a:rPr kumimoji="0" lang="nl-NL" altLang="nl-NL" sz="1800" b="0" i="0" u="none" strike="noStrike" cap="none" normalizeH="0" baseline="0" dirty="0">
                 <a:ln>
                   <a:noFill/>
                 </a:ln>
@@ -16296,7 +17606,7 @@
               </a:rPr>
             </a:br>
             <a:r>
-              <a:rPr kumimoji="0" lang="nl-NL" altLang="nl-NL" sz="1800" b="0" i="0" u="none" strike="noStrike" cap="none" normalizeH="0" baseline="0" dirty="0" err="1" smtClean="0">
+              <a:rPr kumimoji="0" lang="nl-NL" altLang="nl-NL" sz="1800" b="0" i="0" u="none" strike="noStrike" cap="none" normalizeH="0" baseline="0" dirty="0" err="1">
                 <a:ln>
                   <a:noFill/>
                 </a:ln>
@@ -16309,7 +17619,7 @@
               <a:t>artificial</a:t>
             </a:r>
             <a:r>
-              <a:rPr kumimoji="0" lang="nl-NL" altLang="nl-NL" sz="1800" b="0" i="0" u="none" strike="noStrike" cap="none" normalizeH="0" baseline="0" dirty="0" smtClean="0">
+              <a:rPr kumimoji="0" lang="nl-NL" altLang="nl-NL" sz="1800" b="0" i="0" u="none" strike="noStrike" cap="none" normalizeH="0" baseline="0" dirty="0">
                 <a:ln>
                   <a:noFill/>
                 </a:ln>
@@ -16322,7 +17632,7 @@
               <a:t> intelligence. </a:t>
             </a:r>
             <a:br>
-              <a:rPr kumimoji="0" lang="nl-NL" altLang="nl-NL" sz="1800" b="0" i="0" u="none" strike="noStrike" cap="none" normalizeH="0" baseline="0" dirty="0" smtClean="0">
+              <a:rPr kumimoji="0" lang="nl-NL" altLang="nl-NL" sz="1800" b="0" i="0" u="none" strike="noStrike" cap="none" normalizeH="0" baseline="0" dirty="0">
                 <a:ln>
                   <a:noFill/>
                 </a:ln>
@@ -16333,7 +17643,7 @@
                 <a:latin typeface="Söhne"/>
               </a:rPr>
             </a:br>
-            <a:endParaRPr kumimoji="0" lang="nl-NL" altLang="nl-NL" sz="1800" b="0" i="0" u="none" strike="noStrike" cap="none" normalizeH="0" baseline="0" dirty="0" smtClean="0">
+            <a:endParaRPr kumimoji="0" lang="nl-NL" altLang="nl-NL" sz="1800" b="0" i="0" u="none" strike="noStrike" cap="none" normalizeH="0" baseline="0" dirty="0">
               <a:ln>
                 <a:noFill/>
               </a:ln>
@@ -16361,7 +17671,7 @@
               <a:buAutoNum type="arabicPeriod" startAt="4"/>
             </a:pPr>
             <a:r>
-              <a:rPr kumimoji="0" lang="nl-NL" altLang="nl-NL" sz="1800" b="0" i="0" u="none" strike="noStrike" cap="none" normalizeH="0" baseline="0" dirty="0" smtClean="0">
+              <a:rPr kumimoji="0" lang="nl-NL" altLang="nl-NL" sz="1800" b="0" i="0" u="none" strike="noStrike" cap="none" normalizeH="0" baseline="0" dirty="0">
                 <a:ln>
                   <a:noFill/>
                 </a:ln>
@@ -16374,7 +17684,7 @@
               <a:t>Python has a </a:t>
             </a:r>
             <a:r>
-              <a:rPr kumimoji="0" lang="nl-NL" altLang="nl-NL" sz="1800" b="0" i="0" u="none" strike="noStrike" cap="none" normalizeH="0" baseline="0" dirty="0" smtClean="0">
+              <a:rPr kumimoji="0" lang="nl-NL" altLang="nl-NL" sz="1800" b="0" i="0" u="none" strike="noStrike" cap="none" normalizeH="0" baseline="0" dirty="0">
                 <a:ln>
                   <a:noFill/>
                 </a:ln>
@@ -16387,7 +17697,7 @@
               <a:t>large standard </a:t>
             </a:r>
             <a:r>
-              <a:rPr kumimoji="0" lang="nl-NL" altLang="nl-NL" sz="1800" b="0" i="0" u="none" strike="noStrike" cap="none" normalizeH="0" baseline="0" dirty="0" err="1" smtClean="0">
+              <a:rPr kumimoji="0" lang="nl-NL" altLang="nl-NL" sz="1800" b="0" i="0" u="none" strike="noStrike" cap="none" normalizeH="0" baseline="0" dirty="0" err="1">
                 <a:ln>
                   <a:noFill/>
                 </a:ln>
@@ -16400,7 +17710,7 @@
               <a:t>library</a:t>
             </a:r>
             <a:r>
-              <a:rPr kumimoji="0" lang="nl-NL" altLang="nl-NL" sz="1800" b="0" i="0" u="none" strike="noStrike" cap="none" normalizeH="0" baseline="0" dirty="0" smtClean="0">
+              <a:rPr kumimoji="0" lang="nl-NL" altLang="nl-NL" sz="1800" b="0" i="0" u="none" strike="noStrike" cap="none" normalizeH="0" baseline="0" dirty="0">
                 <a:ln>
                   <a:noFill/>
                 </a:ln>
@@ -16413,7 +17723,7 @@
               <a:t> </a:t>
             </a:r>
             <a:r>
-              <a:rPr kumimoji="0" lang="nl-NL" altLang="nl-NL" sz="1800" b="0" i="0" u="none" strike="noStrike" cap="none" normalizeH="0" baseline="0" dirty="0" err="1" smtClean="0">
+              <a:rPr kumimoji="0" lang="nl-NL" altLang="nl-NL" sz="1800" b="0" i="0" u="none" strike="noStrike" cap="none" normalizeH="0" baseline="0" dirty="0" err="1">
                 <a:ln>
                   <a:noFill/>
                 </a:ln>
@@ -16426,7 +17736,7 @@
               <a:t>that</a:t>
             </a:r>
             <a:r>
-              <a:rPr kumimoji="0" lang="nl-NL" altLang="nl-NL" sz="1800" b="0" i="0" u="none" strike="noStrike" cap="none" normalizeH="0" baseline="0" dirty="0" smtClean="0">
+              <a:rPr kumimoji="0" lang="nl-NL" altLang="nl-NL" sz="1800" b="0" i="0" u="none" strike="noStrike" cap="none" normalizeH="0" baseline="0" dirty="0">
                 <a:ln>
                   <a:noFill/>
                 </a:ln>
@@ -16439,7 +17749,7 @@
               <a:t> </a:t>
             </a:r>
             <a:r>
-              <a:rPr kumimoji="0" lang="nl-NL" altLang="nl-NL" sz="1800" b="0" i="0" u="none" strike="noStrike" cap="none" normalizeH="0" baseline="0" dirty="0" err="1" smtClean="0">
+              <a:rPr kumimoji="0" lang="nl-NL" altLang="nl-NL" sz="1800" b="0" i="0" u="none" strike="noStrike" cap="none" normalizeH="0" baseline="0" dirty="0" err="1">
                 <a:ln>
                   <a:noFill/>
                 </a:ln>
@@ -16452,7 +17762,7 @@
               <a:t>includes</a:t>
             </a:r>
             <a:r>
-              <a:rPr kumimoji="0" lang="nl-NL" altLang="nl-NL" sz="1800" b="0" i="0" u="none" strike="noStrike" cap="none" normalizeH="0" baseline="0" dirty="0" smtClean="0">
+              <a:rPr kumimoji="0" lang="nl-NL" altLang="nl-NL" sz="1800" b="0" i="0" u="none" strike="noStrike" cap="none" normalizeH="0" baseline="0" dirty="0">
                 <a:ln>
                   <a:noFill/>
                 </a:ln>
@@ -16465,7 +17775,7 @@
               <a:t> modules for </a:t>
             </a:r>
             <a:r>
-              <a:rPr kumimoji="0" lang="nl-NL" altLang="nl-NL" sz="1800" b="0" i="0" u="none" strike="noStrike" cap="none" normalizeH="0" baseline="0" dirty="0" err="1" smtClean="0">
+              <a:rPr kumimoji="0" lang="nl-NL" altLang="nl-NL" sz="1800" b="0" i="0" u="none" strike="noStrike" cap="none" normalizeH="0" baseline="0" dirty="0" err="1">
                 <a:ln>
                   <a:noFill/>
                 </a:ln>
@@ -16478,7 +17788,7 @@
               <a:t>many</a:t>
             </a:r>
             <a:r>
-              <a:rPr kumimoji="0" lang="nl-NL" altLang="nl-NL" sz="1800" b="0" i="0" u="none" strike="noStrike" cap="none" normalizeH="0" baseline="0" dirty="0" smtClean="0">
+              <a:rPr kumimoji="0" lang="nl-NL" altLang="nl-NL" sz="1800" b="0" i="0" u="none" strike="noStrike" cap="none" normalizeH="0" baseline="0" dirty="0">
                 <a:ln>
                   <a:noFill/>
                 </a:ln>
@@ -16491,7 +17801,7 @@
               <a:t> different </a:t>
             </a:r>
             <a:r>
-              <a:rPr kumimoji="0" lang="nl-NL" altLang="nl-NL" sz="1800" b="0" i="0" u="none" strike="noStrike" cap="none" normalizeH="0" baseline="0" dirty="0" err="1" smtClean="0">
+              <a:rPr kumimoji="0" lang="nl-NL" altLang="nl-NL" sz="1800" b="0" i="0" u="none" strike="noStrike" cap="none" normalizeH="0" baseline="0" dirty="0" err="1">
                 <a:ln>
                   <a:noFill/>
                 </a:ln>
@@ -16504,7 +17814,7 @@
               <a:t>tasks</a:t>
             </a:r>
             <a:r>
-              <a:rPr kumimoji="0" lang="nl-NL" altLang="nl-NL" sz="1800" b="0" i="0" u="none" strike="noStrike" cap="none" normalizeH="0" baseline="0" dirty="0" smtClean="0">
+              <a:rPr kumimoji="0" lang="nl-NL" altLang="nl-NL" sz="1800" b="0" i="0" u="none" strike="noStrike" cap="none" normalizeH="0" baseline="0" dirty="0">
                 <a:ln>
                   <a:noFill/>
                 </a:ln>
@@ -16517,7 +17827,7 @@
               <a:t>, </a:t>
             </a:r>
             <a:r>
-              <a:rPr kumimoji="0" lang="nl-NL" altLang="nl-NL" sz="1800" b="0" i="0" u="none" strike="noStrike" cap="none" normalizeH="0" baseline="0" dirty="0" err="1" smtClean="0">
+              <a:rPr kumimoji="0" lang="nl-NL" altLang="nl-NL" sz="1800" b="0" i="0" u="none" strike="noStrike" cap="none" normalizeH="0" baseline="0" dirty="0" err="1">
                 <a:ln>
                   <a:noFill/>
                 </a:ln>
@@ -16530,7 +17840,7 @@
               <a:t>including</a:t>
             </a:r>
             <a:r>
-              <a:rPr kumimoji="0" lang="nl-NL" altLang="nl-NL" sz="1800" b="0" i="0" u="none" strike="noStrike" cap="none" normalizeH="0" baseline="0" dirty="0" smtClean="0">
+              <a:rPr kumimoji="0" lang="nl-NL" altLang="nl-NL" sz="1800" b="0" i="0" u="none" strike="noStrike" cap="none" normalizeH="0" baseline="0" dirty="0">
                 <a:ln>
                   <a:noFill/>
                 </a:ln>
@@ -16543,7 +17853,7 @@
               <a:t> </a:t>
             </a:r>
             <a:r>
-              <a:rPr kumimoji="0" lang="nl-NL" altLang="nl-NL" sz="1800" b="0" i="0" u="none" strike="noStrike" cap="none" normalizeH="0" baseline="0" dirty="0" err="1" smtClean="0">
+              <a:rPr kumimoji="0" lang="nl-NL" altLang="nl-NL" sz="1800" b="0" i="0" u="none" strike="noStrike" cap="none" normalizeH="0" baseline="0" dirty="0" err="1">
                 <a:ln>
                   <a:noFill/>
                 </a:ln>
@@ -16556,7 +17866,7 @@
               <a:t>connecting</a:t>
             </a:r>
             <a:r>
-              <a:rPr kumimoji="0" lang="nl-NL" altLang="nl-NL" sz="1800" b="0" i="0" u="none" strike="noStrike" cap="none" normalizeH="0" baseline="0" dirty="0" smtClean="0">
+              <a:rPr kumimoji="0" lang="nl-NL" altLang="nl-NL" sz="1800" b="0" i="0" u="none" strike="noStrike" cap="none" normalizeH="0" baseline="0" dirty="0">
                 <a:ln>
                   <a:noFill/>
                 </a:ln>
@@ -16569,7 +17879,7 @@
               <a:t> </a:t>
             </a:r>
             <a:br>
-              <a:rPr kumimoji="0" lang="nl-NL" altLang="nl-NL" sz="1800" b="0" i="0" u="none" strike="noStrike" cap="none" normalizeH="0" baseline="0" dirty="0" smtClean="0">
+              <a:rPr kumimoji="0" lang="nl-NL" altLang="nl-NL" sz="1800" b="0" i="0" u="none" strike="noStrike" cap="none" normalizeH="0" baseline="0" dirty="0">
                 <a:ln>
                   <a:noFill/>
                 </a:ln>
@@ -16581,7 +17891,7 @@
               </a:rPr>
             </a:br>
             <a:r>
-              <a:rPr kumimoji="0" lang="nl-NL" altLang="nl-NL" sz="1800" b="0" i="0" u="none" strike="noStrike" cap="none" normalizeH="0" baseline="0" dirty="0" smtClean="0">
+              <a:rPr kumimoji="0" lang="nl-NL" altLang="nl-NL" sz="1800" b="0" i="0" u="none" strike="noStrike" cap="none" normalizeH="0" baseline="0" dirty="0">
                 <a:ln>
                   <a:noFill/>
                 </a:ln>
@@ -16594,7 +17904,7 @@
               <a:t>to web servers, reading and </a:t>
             </a:r>
             <a:r>
-              <a:rPr kumimoji="0" lang="nl-NL" altLang="nl-NL" sz="1800" b="0" i="0" u="none" strike="noStrike" cap="none" normalizeH="0" baseline="0" dirty="0" err="1" smtClean="0">
+              <a:rPr kumimoji="0" lang="nl-NL" altLang="nl-NL" sz="1800" b="0" i="0" u="none" strike="noStrike" cap="none" normalizeH="0" baseline="0" dirty="0" err="1">
                 <a:ln>
                   <a:noFill/>
                 </a:ln>
@@ -16607,7 +17917,7 @@
               <a:t>writing</a:t>
             </a:r>
             <a:r>
-              <a:rPr kumimoji="0" lang="nl-NL" altLang="nl-NL" sz="1800" b="0" i="0" u="none" strike="noStrike" cap="none" normalizeH="0" baseline="0" dirty="0" smtClean="0">
+              <a:rPr kumimoji="0" lang="nl-NL" altLang="nl-NL" sz="1800" b="0" i="0" u="none" strike="noStrike" cap="none" normalizeH="0" baseline="0" dirty="0">
                 <a:ln>
                   <a:noFill/>
                 </a:ln>
@@ -16620,7 +17930,7 @@
               <a:t> files, and </a:t>
             </a:r>
             <a:r>
-              <a:rPr kumimoji="0" lang="nl-NL" altLang="nl-NL" sz="1800" b="0" i="0" u="none" strike="noStrike" cap="none" normalizeH="0" baseline="0" dirty="0" err="1" smtClean="0">
+              <a:rPr kumimoji="0" lang="nl-NL" altLang="nl-NL" sz="1800" b="0" i="0" u="none" strike="noStrike" cap="none" normalizeH="0" baseline="0" dirty="0" err="1">
                 <a:ln>
                   <a:noFill/>
                 </a:ln>
@@ -16633,7 +17943,7 @@
               <a:t>working</a:t>
             </a:r>
             <a:r>
-              <a:rPr kumimoji="0" lang="nl-NL" altLang="nl-NL" sz="1800" b="0" i="0" u="none" strike="noStrike" cap="none" normalizeH="0" baseline="0" dirty="0" smtClean="0">
+              <a:rPr kumimoji="0" lang="nl-NL" altLang="nl-NL" sz="1800" b="0" i="0" u="none" strike="noStrike" cap="none" normalizeH="0" baseline="0" dirty="0">
                 <a:ln>
                   <a:noFill/>
                 </a:ln>
@@ -16646,7 +17956,7 @@
               <a:t> with data. </a:t>
             </a:r>
             <a:br>
-              <a:rPr kumimoji="0" lang="nl-NL" altLang="nl-NL" sz="1800" b="0" i="0" u="none" strike="noStrike" cap="none" normalizeH="0" baseline="0" dirty="0" smtClean="0">
+              <a:rPr kumimoji="0" lang="nl-NL" altLang="nl-NL" sz="1800" b="0" i="0" u="none" strike="noStrike" cap="none" normalizeH="0" baseline="0" dirty="0">
                 <a:ln>
                   <a:noFill/>
                 </a:ln>
@@ -16657,7 +17967,7 @@
                 <a:latin typeface="Söhne"/>
               </a:rPr>
             </a:br>
-            <a:endParaRPr kumimoji="0" lang="nl-NL" altLang="nl-NL" sz="1800" b="0" i="0" u="none" strike="noStrike" cap="none" normalizeH="0" baseline="0" dirty="0" smtClean="0">
+            <a:endParaRPr kumimoji="0" lang="nl-NL" altLang="nl-NL" sz="1800" b="0" i="0" u="none" strike="noStrike" cap="none" normalizeH="0" baseline="0" dirty="0">
               <a:ln>
                 <a:noFill/>
               </a:ln>
@@ -16685,7 +17995,7 @@
               <a:buAutoNum type="arabicPeriod" startAt="5"/>
             </a:pPr>
             <a:r>
-              <a:rPr kumimoji="0" lang="nl-NL" altLang="nl-NL" sz="1800" b="0" i="0" u="none" strike="noStrike" cap="none" normalizeH="0" baseline="0" dirty="0" smtClean="0">
+              <a:rPr kumimoji="0" lang="nl-NL" altLang="nl-NL" sz="1800" b="0" i="0" u="none" strike="noStrike" cap="none" normalizeH="0" baseline="0" dirty="0">
                 <a:ln>
                   <a:noFill/>
                 </a:ln>
@@ -16698,7 +18008,7 @@
               <a:t>Python is </a:t>
             </a:r>
             <a:r>
-              <a:rPr kumimoji="0" lang="nl-NL" altLang="nl-NL" sz="1800" b="0" i="0" u="none" strike="noStrike" cap="none" normalizeH="0" baseline="0" dirty="0" err="1" smtClean="0">
+              <a:rPr kumimoji="0" lang="nl-NL" altLang="nl-NL" sz="1800" b="0" i="0" u="none" strike="noStrike" cap="none" normalizeH="0" baseline="0" dirty="0" err="1">
                 <a:ln>
                   <a:noFill/>
                 </a:ln>
@@ -16711,7 +18021,7 @@
               <a:t>highly</a:t>
             </a:r>
             <a:r>
-              <a:rPr kumimoji="0" lang="nl-NL" altLang="nl-NL" sz="1800" b="0" i="0" u="none" strike="noStrike" cap="none" normalizeH="0" baseline="0" dirty="0" smtClean="0">
+              <a:rPr kumimoji="0" lang="nl-NL" altLang="nl-NL" sz="1800" b="0" i="0" u="none" strike="noStrike" cap="none" normalizeH="0" baseline="0" dirty="0">
                 <a:ln>
                   <a:noFill/>
                 </a:ln>
@@ -16724,7 +18034,7 @@
               <a:t> </a:t>
             </a:r>
             <a:r>
-              <a:rPr kumimoji="0" lang="nl-NL" altLang="nl-NL" sz="1800" b="0" i="0" u="none" strike="noStrike" cap="none" normalizeH="0" baseline="0" dirty="0" err="1" smtClean="0">
+              <a:rPr kumimoji="0" lang="nl-NL" altLang="nl-NL" sz="1800" b="0" i="0" u="none" strike="noStrike" cap="none" normalizeH="0" baseline="0" dirty="0" err="1">
                 <a:ln>
                   <a:noFill/>
                 </a:ln>
@@ -16737,7 +18047,7 @@
               <a:t>expressive</a:t>
             </a:r>
             <a:r>
-              <a:rPr kumimoji="0" lang="nl-NL" altLang="nl-NL" sz="1800" b="0" i="0" u="none" strike="noStrike" cap="none" normalizeH="0" baseline="0" dirty="0" smtClean="0">
+              <a:rPr kumimoji="0" lang="nl-NL" altLang="nl-NL" sz="1800" b="0" i="0" u="none" strike="noStrike" cap="none" normalizeH="0" baseline="0" dirty="0">
                 <a:ln>
                   <a:noFill/>
                 </a:ln>
@@ -16750,7 +18060,7 @@
               <a:t>, </a:t>
             </a:r>
             <a:r>
-              <a:rPr kumimoji="0" lang="nl-NL" altLang="nl-NL" sz="1800" b="0" i="0" u="none" strike="noStrike" cap="none" normalizeH="0" baseline="0" dirty="0" err="1" smtClean="0">
+              <a:rPr kumimoji="0" lang="nl-NL" altLang="nl-NL" sz="1800" b="0" i="0" u="none" strike="noStrike" cap="none" normalizeH="0" baseline="0" dirty="0" err="1">
                 <a:ln>
                   <a:noFill/>
                 </a:ln>
@@ -16763,7 +18073,7 @@
               <a:t>which</a:t>
             </a:r>
             <a:r>
-              <a:rPr kumimoji="0" lang="nl-NL" altLang="nl-NL" sz="1800" b="0" i="0" u="none" strike="noStrike" cap="none" normalizeH="0" baseline="0" dirty="0" smtClean="0">
+              <a:rPr kumimoji="0" lang="nl-NL" altLang="nl-NL" sz="1800" b="0" i="0" u="none" strike="noStrike" cap="none" normalizeH="0" baseline="0" dirty="0">
                 <a:ln>
                   <a:noFill/>
                 </a:ln>
@@ -16776,7 +18086,7 @@
               <a:t> means </a:t>
             </a:r>
             <a:r>
-              <a:rPr kumimoji="0" lang="nl-NL" altLang="nl-NL" sz="1800" b="0" i="0" u="none" strike="noStrike" cap="none" normalizeH="0" baseline="0" dirty="0" err="1" smtClean="0">
+              <a:rPr kumimoji="0" lang="nl-NL" altLang="nl-NL" sz="1800" b="0" i="0" u="none" strike="noStrike" cap="none" normalizeH="0" baseline="0" dirty="0" err="1">
                 <a:ln>
                   <a:noFill/>
                 </a:ln>
@@ -16789,7 +18099,7 @@
               <a:t>that</a:t>
             </a:r>
             <a:r>
-              <a:rPr kumimoji="0" lang="nl-NL" altLang="nl-NL" sz="1800" b="0" i="0" u="none" strike="noStrike" cap="none" normalizeH="0" baseline="0" dirty="0" smtClean="0">
+              <a:rPr kumimoji="0" lang="nl-NL" altLang="nl-NL" sz="1800" b="0" i="0" u="none" strike="noStrike" cap="none" normalizeH="0" baseline="0" dirty="0">
                 <a:ln>
                   <a:noFill/>
                 </a:ln>
@@ -16802,7 +18112,7 @@
               <a:t> </a:t>
             </a:r>
             <a:r>
-              <a:rPr kumimoji="0" lang="nl-NL" altLang="nl-NL" sz="1800" b="0" i="0" u="none" strike="noStrike" cap="none" normalizeH="0" baseline="0" dirty="0" err="1" smtClean="0">
+              <a:rPr kumimoji="0" lang="nl-NL" altLang="nl-NL" sz="1800" b="0" i="0" u="none" strike="noStrike" cap="none" normalizeH="0" baseline="0" dirty="0" err="1">
                 <a:ln>
                   <a:noFill/>
                 </a:ln>
@@ -16815,7 +18125,7 @@
               <a:t>you</a:t>
             </a:r>
             <a:r>
-              <a:rPr kumimoji="0" lang="nl-NL" altLang="nl-NL" sz="1800" b="0" i="0" u="none" strike="noStrike" cap="none" normalizeH="0" baseline="0" dirty="0" smtClean="0">
+              <a:rPr kumimoji="0" lang="nl-NL" altLang="nl-NL" sz="1800" b="0" i="0" u="none" strike="noStrike" cap="none" normalizeH="0" baseline="0" dirty="0">
                 <a:ln>
                   <a:noFill/>
                 </a:ln>
@@ -16828,7 +18138,7 @@
               <a:t> </a:t>
             </a:r>
             <a:r>
-              <a:rPr kumimoji="0" lang="nl-NL" altLang="nl-NL" sz="1800" b="0" i="0" u="none" strike="noStrike" cap="none" normalizeH="0" baseline="0" dirty="0" err="1" smtClean="0">
+              <a:rPr kumimoji="0" lang="nl-NL" altLang="nl-NL" sz="1800" b="0" i="0" u="none" strike="noStrike" cap="none" normalizeH="0" baseline="0" dirty="0" err="1">
                 <a:ln>
                   <a:noFill/>
                 </a:ln>
@@ -16841,7 +18151,7 @@
               <a:t>can</a:t>
             </a:r>
             <a:r>
-              <a:rPr kumimoji="0" lang="nl-NL" altLang="nl-NL" sz="1800" b="0" i="0" u="none" strike="noStrike" cap="none" normalizeH="0" baseline="0" dirty="0" smtClean="0">
+              <a:rPr kumimoji="0" lang="nl-NL" altLang="nl-NL" sz="1800" b="0" i="0" u="none" strike="noStrike" cap="none" normalizeH="0" baseline="0" dirty="0">
                 <a:ln>
                   <a:noFill/>
                 </a:ln>
@@ -16854,7 +18164,7 @@
               <a:t> </a:t>
             </a:r>
             <a:r>
-              <a:rPr kumimoji="0" lang="nl-NL" altLang="nl-NL" sz="1800" b="0" i="0" u="none" strike="noStrike" cap="none" normalizeH="0" baseline="0" dirty="0" err="1" smtClean="0">
+              <a:rPr kumimoji="0" lang="nl-NL" altLang="nl-NL" sz="1800" b="0" i="0" u="none" strike="noStrike" cap="none" normalizeH="0" baseline="0" dirty="0" err="1">
                 <a:ln>
                   <a:noFill/>
                 </a:ln>
@@ -16867,7 +18177,7 @@
               <a:t>often</a:t>
             </a:r>
             <a:r>
-              <a:rPr kumimoji="0" lang="nl-NL" altLang="nl-NL" sz="1800" b="0" i="0" u="none" strike="noStrike" cap="none" normalizeH="0" baseline="0" dirty="0" smtClean="0">
+              <a:rPr kumimoji="0" lang="nl-NL" altLang="nl-NL" sz="1800" b="0" i="0" u="none" strike="noStrike" cap="none" normalizeH="0" baseline="0" dirty="0">
                 <a:ln>
                   <a:noFill/>
                 </a:ln>
@@ -16880,7 +18190,7 @@
               <a:t> </a:t>
             </a:r>
             <a:r>
-              <a:rPr kumimoji="0" lang="nl-NL" altLang="nl-NL" sz="1800" b="0" i="0" u="none" strike="noStrike" cap="none" normalizeH="0" baseline="0" dirty="0" err="1" smtClean="0">
+              <a:rPr kumimoji="0" lang="nl-NL" altLang="nl-NL" sz="1800" b="0" i="0" u="none" strike="noStrike" cap="none" normalizeH="0" baseline="0" dirty="0" err="1">
                 <a:ln>
                   <a:noFill/>
                 </a:ln>
@@ -16893,7 +18203,7 @@
               <a:t>write</a:t>
             </a:r>
             <a:r>
-              <a:rPr kumimoji="0" lang="nl-NL" altLang="nl-NL" sz="1800" b="0" i="0" u="none" strike="noStrike" cap="none" normalizeH="0" baseline="0" dirty="0" smtClean="0">
+              <a:rPr kumimoji="0" lang="nl-NL" altLang="nl-NL" sz="1800" b="0" i="0" u="none" strike="noStrike" cap="none" normalizeH="0" baseline="0" dirty="0">
                 <a:ln>
                   <a:noFill/>
                 </a:ln>
@@ -16906,7 +18216,7 @@
               <a:t> </a:t>
             </a:r>
             <a:r>
-              <a:rPr kumimoji="0" lang="nl-NL" altLang="nl-NL" sz="1800" b="0" i="0" u="none" strike="noStrike" cap="none" normalizeH="0" baseline="0" dirty="0" smtClean="0">
+              <a:rPr kumimoji="0" lang="nl-NL" altLang="nl-NL" sz="1800" b="0" i="0" u="none" strike="noStrike" cap="none" normalizeH="0" baseline="0" dirty="0">
                 <a:ln>
                   <a:noFill/>
                 </a:ln>
@@ -16919,7 +18229,7 @@
               <a:t>code </a:t>
             </a:r>
             <a:r>
-              <a:rPr kumimoji="0" lang="nl-NL" altLang="nl-NL" sz="1800" b="0" i="0" u="none" strike="noStrike" cap="none" normalizeH="0" baseline="0" dirty="0" err="1" smtClean="0">
+              <a:rPr kumimoji="0" lang="nl-NL" altLang="nl-NL" sz="1800" b="0" i="0" u="none" strike="noStrike" cap="none" normalizeH="0" baseline="0" dirty="0" err="1">
                 <a:ln>
                   <a:noFill/>
                 </a:ln>
@@ -16932,7 +18242,7 @@
               <a:t>that</a:t>
             </a:r>
             <a:r>
-              <a:rPr kumimoji="0" lang="nl-NL" altLang="nl-NL" sz="1800" b="0" i="0" u="none" strike="noStrike" cap="none" normalizeH="0" baseline="0" dirty="0" smtClean="0">
+              <a:rPr kumimoji="0" lang="nl-NL" altLang="nl-NL" sz="1800" b="0" i="0" u="none" strike="noStrike" cap="none" normalizeH="0" baseline="0" dirty="0">
                 <a:ln>
                   <a:noFill/>
                 </a:ln>
@@ -16945,7 +18255,7 @@
               <a:t> is more </a:t>
             </a:r>
             <a:r>
-              <a:rPr kumimoji="0" lang="nl-NL" altLang="nl-NL" sz="1800" b="0" i="0" u="none" strike="noStrike" cap="none" normalizeH="0" baseline="0" dirty="0" err="1" smtClean="0">
+              <a:rPr kumimoji="0" lang="nl-NL" altLang="nl-NL" sz="1800" b="0" i="0" u="none" strike="noStrike" cap="none" normalizeH="0" baseline="0" dirty="0" err="1">
                 <a:ln>
                   <a:noFill/>
                 </a:ln>
@@ -16958,7 +18268,7 @@
               <a:t>concise</a:t>
             </a:r>
             <a:r>
-              <a:rPr kumimoji="0" lang="nl-NL" altLang="nl-NL" sz="1800" b="0" i="0" u="none" strike="noStrike" cap="none" normalizeH="0" baseline="0" dirty="0" smtClean="0">
+              <a:rPr kumimoji="0" lang="nl-NL" altLang="nl-NL" sz="1800" b="0" i="0" u="none" strike="noStrike" cap="none" normalizeH="0" baseline="0" dirty="0">
                 <a:ln>
                   <a:noFill/>
                 </a:ln>
@@ -16971,7 +18281,7 @@
               <a:t> and </a:t>
             </a:r>
             <a:r>
-              <a:rPr kumimoji="0" lang="nl-NL" altLang="nl-NL" sz="1800" b="0" i="0" u="none" strike="noStrike" cap="none" normalizeH="0" baseline="0" dirty="0" err="1" smtClean="0">
+              <a:rPr kumimoji="0" lang="nl-NL" altLang="nl-NL" sz="1800" b="0" i="0" u="none" strike="noStrike" cap="none" normalizeH="0" baseline="0" dirty="0" err="1">
                 <a:ln>
                   <a:noFill/>
                 </a:ln>
@@ -16984,7 +18294,7 @@
               <a:t>easier</a:t>
             </a:r>
             <a:r>
-              <a:rPr kumimoji="0" lang="nl-NL" altLang="nl-NL" sz="1800" b="0" i="0" u="none" strike="noStrike" cap="none" normalizeH="0" baseline="0" dirty="0" smtClean="0">
+              <a:rPr kumimoji="0" lang="nl-NL" altLang="nl-NL" sz="1800" b="0" i="0" u="none" strike="noStrike" cap="none" normalizeH="0" baseline="0" dirty="0">
                 <a:ln>
                   <a:noFill/>
                 </a:ln>
@@ -16997,7 +18307,7 @@
               <a:t> </a:t>
             </a:r>
             <a:br>
-              <a:rPr kumimoji="0" lang="nl-NL" altLang="nl-NL" sz="1800" b="0" i="0" u="none" strike="noStrike" cap="none" normalizeH="0" baseline="0" dirty="0" smtClean="0">
+              <a:rPr kumimoji="0" lang="nl-NL" altLang="nl-NL" sz="1800" b="0" i="0" u="none" strike="noStrike" cap="none" normalizeH="0" baseline="0" dirty="0">
                 <a:ln>
                   <a:noFill/>
                 </a:ln>
@@ -17009,7 +18319,7 @@
               </a:rPr>
             </a:br>
             <a:r>
-              <a:rPr kumimoji="0" lang="nl-NL" altLang="nl-NL" sz="1800" b="0" i="0" u="none" strike="noStrike" cap="none" normalizeH="0" baseline="0" dirty="0" smtClean="0">
+              <a:rPr kumimoji="0" lang="nl-NL" altLang="nl-NL" sz="1800" b="0" i="0" u="none" strike="noStrike" cap="none" normalizeH="0" baseline="0" dirty="0">
                 <a:ln>
                   <a:noFill/>
                 </a:ln>
@@ -17022,7 +18332,7 @@
               <a:t>to </a:t>
             </a:r>
             <a:r>
-              <a:rPr kumimoji="0" lang="nl-NL" altLang="nl-NL" sz="1800" b="0" i="0" u="none" strike="noStrike" cap="none" normalizeH="0" baseline="0" dirty="0" err="1" smtClean="0">
+              <a:rPr kumimoji="0" lang="nl-NL" altLang="nl-NL" sz="1800" b="0" i="0" u="none" strike="noStrike" cap="none" normalizeH="0" baseline="0" dirty="0" err="1">
                 <a:ln>
                   <a:noFill/>
                 </a:ln>
@@ -17035,7 +18345,7 @@
               <a:t>read</a:t>
             </a:r>
             <a:r>
-              <a:rPr kumimoji="0" lang="nl-NL" altLang="nl-NL" sz="1800" b="0" i="0" u="none" strike="noStrike" cap="none" normalizeH="0" baseline="0" dirty="0" smtClean="0">
+              <a:rPr kumimoji="0" lang="nl-NL" altLang="nl-NL" sz="1800" b="0" i="0" u="none" strike="noStrike" cap="none" normalizeH="0" baseline="0" dirty="0">
                 <a:ln>
                   <a:noFill/>
                 </a:ln>
@@ -17048,7 +18358,7 @@
               <a:t> </a:t>
             </a:r>
             <a:r>
-              <a:rPr kumimoji="0" lang="nl-NL" altLang="nl-NL" sz="1800" b="0" i="0" u="none" strike="noStrike" cap="none" normalizeH="0" baseline="0" dirty="0" err="1" smtClean="0">
+              <a:rPr kumimoji="0" lang="nl-NL" altLang="nl-NL" sz="1800" b="0" i="0" u="none" strike="noStrike" cap="none" normalizeH="0" baseline="0" dirty="0" err="1">
                 <a:ln>
                   <a:noFill/>
                 </a:ln>
@@ -17061,7 +18371,7 @@
               <a:t>than</a:t>
             </a:r>
             <a:r>
-              <a:rPr kumimoji="0" lang="nl-NL" altLang="nl-NL" sz="1800" b="0" i="0" u="none" strike="noStrike" cap="none" normalizeH="0" baseline="0" dirty="0" smtClean="0">
+              <a:rPr kumimoji="0" lang="nl-NL" altLang="nl-NL" sz="1800" b="0" i="0" u="none" strike="noStrike" cap="none" normalizeH="0" baseline="0" dirty="0">
                 <a:ln>
                   <a:noFill/>
                 </a:ln>
@@ -17074,7 +18384,7 @@
               <a:t> code </a:t>
             </a:r>
             <a:r>
-              <a:rPr kumimoji="0" lang="nl-NL" altLang="nl-NL" sz="1800" b="0" i="0" u="none" strike="noStrike" cap="none" normalizeH="0" baseline="0" dirty="0" err="1" smtClean="0">
+              <a:rPr kumimoji="0" lang="nl-NL" altLang="nl-NL" sz="1800" b="0" i="0" u="none" strike="noStrike" cap="none" normalizeH="0" baseline="0" dirty="0" err="1">
                 <a:ln>
                   <a:noFill/>
                 </a:ln>
@@ -17087,7 +18397,7 @@
               <a:t>written</a:t>
             </a:r>
             <a:r>
-              <a:rPr kumimoji="0" lang="nl-NL" altLang="nl-NL" sz="1800" b="0" i="0" u="none" strike="noStrike" cap="none" normalizeH="0" baseline="0" dirty="0" smtClean="0">
+              <a:rPr kumimoji="0" lang="nl-NL" altLang="nl-NL" sz="1800" b="0" i="0" u="none" strike="noStrike" cap="none" normalizeH="0" baseline="0" dirty="0">
                 <a:ln>
                   <a:noFill/>
                 </a:ln>
@@ -17100,7 +18410,7 @@
               <a:t> in </a:t>
             </a:r>
             <a:r>
-              <a:rPr kumimoji="0" lang="nl-NL" altLang="nl-NL" sz="1800" b="0" i="0" u="none" strike="noStrike" cap="none" normalizeH="0" baseline="0" dirty="0" err="1" smtClean="0">
+              <a:rPr kumimoji="0" lang="nl-NL" altLang="nl-NL" sz="1800" b="0" i="0" u="none" strike="noStrike" cap="none" normalizeH="0" baseline="0" dirty="0" err="1">
                 <a:ln>
                   <a:noFill/>
                 </a:ln>
@@ -17113,7 +18423,7 @@
               <a:t>other</a:t>
             </a:r>
             <a:r>
-              <a:rPr kumimoji="0" lang="nl-NL" altLang="nl-NL" sz="1800" b="0" i="0" u="none" strike="noStrike" cap="none" normalizeH="0" baseline="0" dirty="0" smtClean="0">
+              <a:rPr kumimoji="0" lang="nl-NL" altLang="nl-NL" sz="1800" b="0" i="0" u="none" strike="noStrike" cap="none" normalizeH="0" baseline="0" dirty="0">
                 <a:ln>
                   <a:noFill/>
                 </a:ln>
@@ -17126,7 +18436,7 @@
               <a:t> </a:t>
             </a:r>
             <a:r>
-              <a:rPr kumimoji="0" lang="nl-NL" altLang="nl-NL" sz="1800" b="0" i="0" u="none" strike="noStrike" cap="none" normalizeH="0" baseline="0" dirty="0" err="1" smtClean="0">
+              <a:rPr kumimoji="0" lang="nl-NL" altLang="nl-NL" sz="1800" b="0" i="0" u="none" strike="noStrike" cap="none" normalizeH="0" baseline="0" dirty="0" err="1">
                 <a:ln>
                   <a:noFill/>
                 </a:ln>
@@ -17139,7 +18449,7 @@
               <a:t>languages</a:t>
             </a:r>
             <a:r>
-              <a:rPr kumimoji="0" lang="nl-NL" altLang="nl-NL" sz="1800" b="0" i="0" u="none" strike="noStrike" cap="none" normalizeH="0" baseline="0" dirty="0" smtClean="0">
+              <a:rPr kumimoji="0" lang="nl-NL" altLang="nl-NL" sz="1800" b="0" i="0" u="none" strike="noStrike" cap="none" normalizeH="0" baseline="0" dirty="0">
                 <a:ln>
                   <a:noFill/>
                 </a:ln>
@@ -17152,7 +18462,7 @@
               <a:t>. </a:t>
             </a:r>
             <a:r>
-              <a:rPr kumimoji="0" lang="nl-NL" altLang="nl-NL" sz="1800" b="0" i="0" u="none" strike="noStrike" cap="none" normalizeH="0" baseline="0" dirty="0" err="1" smtClean="0">
+              <a:rPr kumimoji="0" lang="nl-NL" altLang="nl-NL" sz="1800" b="0" i="0" u="none" strike="noStrike" cap="none" normalizeH="0" baseline="0" dirty="0" err="1">
                 <a:ln>
                   <a:noFill/>
                 </a:ln>
@@ -17165,7 +18475,7 @@
               <a:t>This</a:t>
             </a:r>
             <a:r>
-              <a:rPr kumimoji="0" lang="nl-NL" altLang="nl-NL" sz="1800" b="0" i="0" u="none" strike="noStrike" cap="none" normalizeH="0" baseline="0" dirty="0" smtClean="0">
+              <a:rPr kumimoji="0" lang="nl-NL" altLang="nl-NL" sz="1800" b="0" i="0" u="none" strike="noStrike" cap="none" normalizeH="0" baseline="0" dirty="0">
                 <a:ln>
                   <a:noFill/>
                 </a:ln>
@@ -17178,7 +18488,7 @@
               <a:t> </a:t>
             </a:r>
             <a:r>
-              <a:rPr kumimoji="0" lang="nl-NL" altLang="nl-NL" sz="1800" b="0" i="0" u="none" strike="noStrike" cap="none" normalizeH="0" baseline="0" dirty="0" err="1" smtClean="0">
+              <a:rPr kumimoji="0" lang="nl-NL" altLang="nl-NL" sz="1800" b="0" i="0" u="none" strike="noStrike" cap="none" normalizeH="0" baseline="0" dirty="0" err="1">
                 <a:ln>
                   <a:noFill/>
                 </a:ln>
@@ -17191,7 +18501,7 @@
               <a:t>can</a:t>
             </a:r>
             <a:r>
-              <a:rPr kumimoji="0" lang="nl-NL" altLang="nl-NL" sz="1800" b="0" i="0" u="none" strike="noStrike" cap="none" normalizeH="0" baseline="0" dirty="0" smtClean="0">
+              <a:rPr kumimoji="0" lang="nl-NL" altLang="nl-NL" sz="1800" b="0" i="0" u="none" strike="noStrike" cap="none" normalizeH="0" baseline="0" dirty="0">
                 <a:ln>
                   <a:noFill/>
                 </a:ln>
@@ -17204,7 +18514,7 @@
               <a:t> make </a:t>
             </a:r>
             <a:r>
-              <a:rPr kumimoji="0" lang="nl-NL" altLang="nl-NL" sz="1800" b="0" i="0" u="none" strike="noStrike" cap="none" normalizeH="0" baseline="0" dirty="0" err="1" smtClean="0">
+              <a:rPr kumimoji="0" lang="nl-NL" altLang="nl-NL" sz="1800" b="0" i="0" u="none" strike="noStrike" cap="none" normalizeH="0" baseline="0" dirty="0" err="1">
                 <a:ln>
                   <a:noFill/>
                 </a:ln>
@@ -17217,7 +18527,7 @@
               <a:t>it</a:t>
             </a:r>
             <a:r>
-              <a:rPr kumimoji="0" lang="nl-NL" altLang="nl-NL" sz="1800" b="0" i="0" u="none" strike="noStrike" cap="none" normalizeH="0" baseline="0" dirty="0" smtClean="0">
+              <a:rPr kumimoji="0" lang="nl-NL" altLang="nl-NL" sz="1800" b="0" i="0" u="none" strike="noStrike" cap="none" normalizeH="0" baseline="0" dirty="0">
                 <a:ln>
                   <a:noFill/>
                 </a:ln>
@@ -17230,7 +18540,7 @@
               <a:t> </a:t>
             </a:r>
             <a:r>
-              <a:rPr kumimoji="0" lang="nl-NL" altLang="nl-NL" sz="1800" b="0" i="0" u="none" strike="noStrike" cap="none" normalizeH="0" baseline="0" dirty="0" err="1" smtClean="0">
+              <a:rPr kumimoji="0" lang="nl-NL" altLang="nl-NL" sz="1800" b="0" i="0" u="none" strike="noStrike" cap="none" normalizeH="0" baseline="0" dirty="0" err="1">
                 <a:ln>
                   <a:noFill/>
                 </a:ln>
@@ -17243,7 +18553,7 @@
               <a:t>easier</a:t>
             </a:r>
             <a:r>
-              <a:rPr kumimoji="0" lang="nl-NL" altLang="nl-NL" sz="1800" b="0" i="0" u="none" strike="noStrike" cap="none" normalizeH="0" baseline="0" dirty="0" smtClean="0">
+              <a:rPr kumimoji="0" lang="nl-NL" altLang="nl-NL" sz="1800" b="0" i="0" u="none" strike="noStrike" cap="none" normalizeH="0" baseline="0" dirty="0">
                 <a:ln>
                   <a:noFill/>
                 </a:ln>
@@ -17256,7 +18566,7 @@
               <a:t> to </a:t>
             </a:r>
             <a:r>
-              <a:rPr kumimoji="0" lang="nl-NL" altLang="nl-NL" sz="1800" b="0" i="0" u="none" strike="noStrike" cap="none" normalizeH="0" baseline="0" dirty="0" err="1" smtClean="0">
+              <a:rPr kumimoji="0" lang="nl-NL" altLang="nl-NL" sz="1800" b="0" i="0" u="none" strike="noStrike" cap="none" normalizeH="0" baseline="0" dirty="0" err="1">
                 <a:ln>
                   <a:noFill/>
                 </a:ln>
@@ -17269,7 +18579,7 @@
               <a:t>write</a:t>
             </a:r>
             <a:r>
-              <a:rPr kumimoji="0" lang="nl-NL" altLang="nl-NL" sz="1800" b="0" i="0" u="none" strike="noStrike" cap="none" normalizeH="0" baseline="0" dirty="0" smtClean="0">
+              <a:rPr kumimoji="0" lang="nl-NL" altLang="nl-NL" sz="1800" b="0" i="0" u="none" strike="noStrike" cap="none" normalizeH="0" baseline="0" dirty="0">
                 <a:ln>
                   <a:noFill/>
                 </a:ln>
@@ -17282,7 +18592,7 @@
               <a:t> and </a:t>
             </a:r>
             <a:r>
-              <a:rPr kumimoji="0" lang="nl-NL" altLang="nl-NL" sz="1800" b="0" i="0" u="none" strike="noStrike" cap="none" normalizeH="0" baseline="0" dirty="0" err="1" smtClean="0">
+              <a:rPr kumimoji="0" lang="nl-NL" altLang="nl-NL" sz="1800" b="0" i="0" u="none" strike="noStrike" cap="none" normalizeH="0" baseline="0" dirty="0" err="1">
                 <a:ln>
                   <a:noFill/>
                 </a:ln>
@@ -17295,7 +18605,7 @@
               <a:t>maintain</a:t>
             </a:r>
             <a:r>
-              <a:rPr kumimoji="0" lang="nl-NL" altLang="nl-NL" sz="1800" b="0" i="0" u="none" strike="noStrike" cap="none" normalizeH="0" baseline="0" dirty="0" smtClean="0">
+              <a:rPr kumimoji="0" lang="nl-NL" altLang="nl-NL" sz="1800" b="0" i="0" u="none" strike="noStrike" cap="none" normalizeH="0" baseline="0" dirty="0">
                 <a:ln>
                   <a:noFill/>
                 </a:ln>
@@ -17308,7 +18618,7 @@
               <a:t> complex programs.</a:t>
             </a:r>
             <a:br>
-              <a:rPr kumimoji="0" lang="nl-NL" altLang="nl-NL" sz="1800" b="0" i="0" u="none" strike="noStrike" cap="none" normalizeH="0" baseline="0" dirty="0" smtClean="0">
+              <a:rPr kumimoji="0" lang="nl-NL" altLang="nl-NL" sz="1800" b="0" i="0" u="none" strike="noStrike" cap="none" normalizeH="0" baseline="0" dirty="0">
                 <a:ln>
                   <a:noFill/>
                 </a:ln>
@@ -17319,7 +18629,7 @@
                 <a:latin typeface="Söhne"/>
               </a:rPr>
             </a:br>
-            <a:endParaRPr kumimoji="0" lang="nl-NL" altLang="nl-NL" sz="1800" b="0" i="0" u="none" strike="noStrike" cap="none" normalizeH="0" baseline="0" dirty="0" smtClean="0">
+            <a:endParaRPr kumimoji="0" lang="nl-NL" altLang="nl-NL" sz="1800" b="0" i="0" u="none" strike="noStrike" cap="none" normalizeH="0" baseline="0" dirty="0">
               <a:ln>
                 <a:noFill/>
               </a:ln>
@@ -17347,7 +18657,7 @@
               <a:buAutoNum type="arabicPeriod" startAt="6"/>
             </a:pPr>
             <a:r>
-              <a:rPr kumimoji="0" lang="nl-NL" altLang="nl-NL" sz="1800" b="0" i="0" u="none" strike="noStrike" cap="none" normalizeH="0" baseline="0" dirty="0" smtClean="0">
+              <a:rPr kumimoji="0" lang="nl-NL" altLang="nl-NL" sz="1800" b="0" i="0" u="none" strike="noStrike" cap="none" normalizeH="0" baseline="0" dirty="0">
                 <a:ln>
                   <a:noFill/>
                 </a:ln>
@@ -17360,7 +18670,7 @@
               <a:t>Python has a strong </a:t>
             </a:r>
             <a:r>
-              <a:rPr kumimoji="0" lang="nl-NL" altLang="nl-NL" sz="1800" b="0" i="0" u="none" strike="noStrike" cap="none" normalizeH="0" baseline="0" dirty="0" err="1" smtClean="0">
+              <a:rPr kumimoji="0" lang="nl-NL" altLang="nl-NL" sz="1800" b="0" i="0" u="none" strike="noStrike" cap="none" normalizeH="0" baseline="0" dirty="0" err="1">
                 <a:ln>
                   <a:noFill/>
                 </a:ln>
@@ -17373,7 +18683,7 @@
               <a:t>emphasis</a:t>
             </a:r>
             <a:r>
-              <a:rPr kumimoji="0" lang="nl-NL" altLang="nl-NL" sz="1800" b="0" i="0" u="none" strike="noStrike" cap="none" normalizeH="0" baseline="0" dirty="0" smtClean="0">
+              <a:rPr kumimoji="0" lang="nl-NL" altLang="nl-NL" sz="1800" b="0" i="0" u="none" strike="noStrike" cap="none" normalizeH="0" baseline="0" dirty="0">
                 <a:ln>
                   <a:noFill/>
                 </a:ln>
@@ -17386,7 +18696,7 @@
               <a:t> on </a:t>
             </a:r>
             <a:r>
-              <a:rPr kumimoji="0" lang="nl-NL" altLang="nl-NL" sz="1800" b="0" i="0" u="none" strike="noStrike" cap="none" normalizeH="0" baseline="0" dirty="0" err="1" smtClean="0">
+              <a:rPr kumimoji="0" lang="nl-NL" altLang="nl-NL" sz="1800" b="0" i="0" u="none" strike="noStrike" cap="none" normalizeH="0" baseline="0" dirty="0" err="1">
                 <a:ln>
                   <a:noFill/>
                 </a:ln>
@@ -17399,7 +18709,7 @@
               <a:t>readability</a:t>
             </a:r>
             <a:r>
-              <a:rPr kumimoji="0" lang="nl-NL" altLang="nl-NL" sz="1800" b="0" i="0" u="none" strike="noStrike" cap="none" normalizeH="0" baseline="0" dirty="0" smtClean="0">
+              <a:rPr kumimoji="0" lang="nl-NL" altLang="nl-NL" sz="1800" b="0" i="0" u="none" strike="noStrike" cap="none" normalizeH="0" baseline="0" dirty="0">
                 <a:ln>
                   <a:noFill/>
                 </a:ln>
@@ -17412,7 +18722,7 @@
               <a:t> and </a:t>
             </a:r>
             <a:r>
-              <a:rPr kumimoji="0" lang="nl-NL" altLang="nl-NL" sz="1800" b="0" i="0" u="none" strike="noStrike" cap="none" normalizeH="0" baseline="0" dirty="0" err="1" smtClean="0">
+              <a:rPr kumimoji="0" lang="nl-NL" altLang="nl-NL" sz="1800" b="0" i="0" u="none" strike="noStrike" cap="none" normalizeH="0" baseline="0" dirty="0" err="1">
                 <a:ln>
                   <a:noFill/>
                 </a:ln>
@@ -17425,7 +18735,7 @@
               <a:t>simplicity</a:t>
             </a:r>
             <a:r>
-              <a:rPr kumimoji="0" lang="nl-NL" altLang="nl-NL" sz="1800" b="0" i="0" u="none" strike="noStrike" cap="none" normalizeH="0" baseline="0" dirty="0" smtClean="0">
+              <a:rPr kumimoji="0" lang="nl-NL" altLang="nl-NL" sz="1800" b="0" i="0" u="none" strike="noStrike" cap="none" normalizeH="0" baseline="0" dirty="0">
                 <a:ln>
                   <a:noFill/>
                 </a:ln>
@@ -17438,7 +18748,7 @@
               <a:t>, </a:t>
             </a:r>
             <a:r>
-              <a:rPr kumimoji="0" lang="nl-NL" altLang="nl-NL" sz="1800" b="0" i="0" u="none" strike="noStrike" cap="none" normalizeH="0" baseline="0" dirty="0" err="1" smtClean="0">
+              <a:rPr kumimoji="0" lang="nl-NL" altLang="nl-NL" sz="1800" b="0" i="0" u="none" strike="noStrike" cap="none" normalizeH="0" baseline="0" dirty="0" err="1">
                 <a:ln>
                   <a:noFill/>
                 </a:ln>
@@ -17451,7 +18761,7 @@
               <a:t>which</a:t>
             </a:r>
             <a:r>
-              <a:rPr kumimoji="0" lang="nl-NL" altLang="nl-NL" sz="1800" b="0" i="0" u="none" strike="noStrike" cap="none" normalizeH="0" baseline="0" dirty="0" smtClean="0">
+              <a:rPr kumimoji="0" lang="nl-NL" altLang="nl-NL" sz="1800" b="0" i="0" u="none" strike="noStrike" cap="none" normalizeH="0" baseline="0" dirty="0">
                 <a:ln>
                   <a:noFill/>
                 </a:ln>
@@ -17464,7 +18774,7 @@
               <a:t> </a:t>
             </a:r>
             <a:r>
-              <a:rPr kumimoji="0" lang="nl-NL" altLang="nl-NL" sz="1800" b="0" i="0" u="none" strike="noStrike" cap="none" normalizeH="0" baseline="0" dirty="0" err="1" smtClean="0">
+              <a:rPr kumimoji="0" lang="nl-NL" altLang="nl-NL" sz="1800" b="0" i="0" u="none" strike="noStrike" cap="none" normalizeH="0" baseline="0" dirty="0" err="1">
                 <a:ln>
                   <a:noFill/>
                 </a:ln>
@@ -17477,7 +18787,7 @@
               <a:t>makes</a:t>
             </a:r>
             <a:r>
-              <a:rPr kumimoji="0" lang="nl-NL" altLang="nl-NL" sz="1800" b="0" i="0" u="none" strike="noStrike" cap="none" normalizeH="0" baseline="0" dirty="0" smtClean="0">
+              <a:rPr kumimoji="0" lang="nl-NL" altLang="nl-NL" sz="1800" b="0" i="0" u="none" strike="noStrike" cap="none" normalizeH="0" baseline="0" dirty="0">
                 <a:ln>
                   <a:noFill/>
                 </a:ln>
@@ -17490,7 +18800,7 @@
               <a:t> </a:t>
             </a:r>
             <a:r>
-              <a:rPr kumimoji="0" lang="nl-NL" altLang="nl-NL" sz="1800" b="0" i="0" u="none" strike="noStrike" cap="none" normalizeH="0" baseline="0" dirty="0" err="1" smtClean="0">
+              <a:rPr kumimoji="0" lang="nl-NL" altLang="nl-NL" sz="1800" b="0" i="0" u="none" strike="noStrike" cap="none" normalizeH="0" baseline="0" dirty="0" err="1">
                 <a:ln>
                   <a:noFill/>
                 </a:ln>
@@ -17503,7 +18813,7 @@
               <a:t>it</a:t>
             </a:r>
             <a:r>
-              <a:rPr kumimoji="0" lang="nl-NL" altLang="nl-NL" sz="1800" b="0" i="0" u="none" strike="noStrike" cap="none" normalizeH="0" baseline="0" dirty="0" smtClean="0">
+              <a:rPr kumimoji="0" lang="nl-NL" altLang="nl-NL" sz="1800" b="0" i="0" u="none" strike="noStrike" cap="none" normalizeH="0" baseline="0" dirty="0">
                 <a:ln>
                   <a:noFill/>
                 </a:ln>
@@ -17516,7 +18826,7 @@
               <a:t> a </a:t>
             </a:r>
             <a:r>
-              <a:rPr kumimoji="0" lang="nl-NL" altLang="nl-NL" sz="1800" b="0" i="0" u="none" strike="noStrike" cap="none" normalizeH="0" baseline="0" dirty="0" err="1" smtClean="0">
+              <a:rPr kumimoji="0" lang="nl-NL" altLang="nl-NL" sz="1800" b="0" i="0" u="none" strike="noStrike" cap="none" normalizeH="0" baseline="0" dirty="0" err="1">
                 <a:ln>
                   <a:noFill/>
                 </a:ln>
@@ -17529,7 +18839,7 @@
               <a:t>great</a:t>
             </a:r>
             <a:r>
-              <a:rPr kumimoji="0" lang="nl-NL" altLang="nl-NL" sz="1800" b="0" i="0" u="none" strike="noStrike" cap="none" normalizeH="0" baseline="0" dirty="0" smtClean="0">
+              <a:rPr kumimoji="0" lang="nl-NL" altLang="nl-NL" sz="1800" b="0" i="0" u="none" strike="noStrike" cap="none" normalizeH="0" baseline="0" dirty="0">
                 <a:ln>
                   <a:noFill/>
                 </a:ln>
@@ -17542,7 +18852,7 @@
               <a:t> </a:t>
             </a:r>
             <a:r>
-              <a:rPr kumimoji="0" lang="nl-NL" altLang="nl-NL" sz="1800" b="0" i="0" u="none" strike="noStrike" cap="none" normalizeH="0" baseline="0" dirty="0" err="1" smtClean="0">
+              <a:rPr kumimoji="0" lang="nl-NL" altLang="nl-NL" sz="1800" b="0" i="0" u="none" strike="noStrike" cap="none" normalizeH="0" baseline="0" dirty="0" err="1">
                 <a:ln>
                   <a:noFill/>
                 </a:ln>
@@ -17555,7 +18865,7 @@
               <a:t>choice</a:t>
             </a:r>
             <a:r>
-              <a:rPr kumimoji="0" lang="nl-NL" altLang="nl-NL" sz="1800" b="0" i="0" u="none" strike="noStrike" cap="none" normalizeH="0" baseline="0" dirty="0" smtClean="0">
+              <a:rPr kumimoji="0" lang="nl-NL" altLang="nl-NL" sz="1800" b="0" i="0" u="none" strike="noStrike" cap="none" normalizeH="0" baseline="0" dirty="0">
                 <a:ln>
                   <a:noFill/>
                 </a:ln>
@@ -17568,7 +18878,7 @@
               <a:t> for </a:t>
             </a:r>
             <a:r>
-              <a:rPr kumimoji="0" lang="nl-NL" altLang="nl-NL" sz="1800" b="0" i="0" u="none" strike="noStrike" cap="none" normalizeH="0" baseline="0" dirty="0" err="1" smtClean="0">
+              <a:rPr kumimoji="0" lang="nl-NL" altLang="nl-NL" sz="1800" b="0" i="0" u="none" strike="noStrike" cap="none" normalizeH="0" baseline="0" dirty="0" err="1">
                 <a:ln>
                   <a:noFill/>
                 </a:ln>
@@ -17581,7 +18891,7 @@
               <a:t>developing</a:t>
             </a:r>
             <a:r>
-              <a:rPr kumimoji="0" lang="nl-NL" altLang="nl-NL" sz="1800" b="0" i="0" u="none" strike="noStrike" cap="none" normalizeH="0" baseline="0" dirty="0" smtClean="0">
+              <a:rPr kumimoji="0" lang="nl-NL" altLang="nl-NL" sz="1800" b="0" i="0" u="none" strike="noStrike" cap="none" normalizeH="0" baseline="0" dirty="0">
                 <a:ln>
                   <a:noFill/>
                 </a:ln>
@@ -17594,7 +18904,7 @@
               <a:t> </a:t>
             </a:r>
             <a:br>
-              <a:rPr kumimoji="0" lang="nl-NL" altLang="nl-NL" sz="1800" b="0" i="0" u="none" strike="noStrike" cap="none" normalizeH="0" baseline="0" dirty="0" smtClean="0">
+              <a:rPr kumimoji="0" lang="nl-NL" altLang="nl-NL" sz="1800" b="0" i="0" u="none" strike="noStrike" cap="none" normalizeH="0" baseline="0" dirty="0">
                 <a:ln>
                   <a:noFill/>
                 </a:ln>
@@ -17606,7 +18916,7 @@
               </a:rPr>
             </a:br>
             <a:r>
-              <a:rPr kumimoji="0" lang="nl-NL" altLang="nl-NL" sz="1800" b="0" i="0" u="none" strike="noStrike" cap="none" normalizeH="0" baseline="0" dirty="0" err="1" smtClean="0">
+              <a:rPr kumimoji="0" lang="nl-NL" altLang="nl-NL" sz="1800" b="0" i="0" u="none" strike="noStrike" cap="none" normalizeH="0" baseline="0" dirty="0" err="1">
                 <a:ln>
                   <a:noFill/>
                 </a:ln>
@@ -17619,7 +18929,7 @@
               <a:t>maintainable</a:t>
             </a:r>
             <a:r>
-              <a:rPr kumimoji="0" lang="nl-NL" altLang="nl-NL" sz="1800" b="0" i="0" u="none" strike="noStrike" cap="none" normalizeH="0" baseline="0" dirty="0" smtClean="0">
+              <a:rPr kumimoji="0" lang="nl-NL" altLang="nl-NL" sz="1800" b="0" i="0" u="none" strike="noStrike" cap="none" normalizeH="0" baseline="0" dirty="0">
                 <a:ln>
                   <a:noFill/>
                 </a:ln>
@@ -17632,7 +18942,7 @@
               <a:t> software.</a:t>
             </a:r>
             <a:r>
-              <a:rPr kumimoji="0" lang="nl-NL" altLang="nl-NL" sz="1800" b="0" i="0" u="none" strike="noStrike" cap="none" normalizeH="0" baseline="0" dirty="0" smtClean="0">
+              <a:rPr kumimoji="0" lang="nl-NL" altLang="nl-NL" sz="1800" b="0" i="0" u="none" strike="noStrike" cap="none" normalizeH="0" baseline="0" dirty="0">
                 <a:ln>
                   <a:noFill/>
                 </a:ln>
@@ -17645,7 +18955,7 @@
               <a:t> </a:t>
             </a:r>
             <a:r>
-              <a:rPr kumimoji="0" lang="nl-NL" altLang="nl-NL" sz="1800" b="0" i="0" u="none" strike="noStrike" cap="none" normalizeH="0" baseline="0" dirty="0" err="1" smtClean="0">
+              <a:rPr kumimoji="0" lang="nl-NL" altLang="nl-NL" sz="1800" b="0" i="0" u="none" strike="noStrike" cap="none" normalizeH="0" baseline="0" dirty="0" err="1">
                 <a:ln>
                   <a:noFill/>
                 </a:ln>
@@ -17658,7 +18968,7 @@
               <a:t>Its</a:t>
             </a:r>
             <a:r>
-              <a:rPr kumimoji="0" lang="nl-NL" altLang="nl-NL" sz="1800" b="0" i="0" u="none" strike="noStrike" cap="none" normalizeH="0" baseline="0" dirty="0" smtClean="0">
+              <a:rPr kumimoji="0" lang="nl-NL" altLang="nl-NL" sz="1800" b="0" i="0" u="none" strike="noStrike" cap="none" normalizeH="0" baseline="0" dirty="0">
                 <a:ln>
                   <a:noFill/>
                 </a:ln>
@@ -17671,7 +18981,7 @@
               <a:t> syntax is clean and easy to </a:t>
             </a:r>
             <a:r>
-              <a:rPr kumimoji="0" lang="nl-NL" altLang="nl-NL" sz="1800" b="0" i="0" u="none" strike="noStrike" cap="none" normalizeH="0" baseline="0" dirty="0" err="1" smtClean="0">
+              <a:rPr kumimoji="0" lang="nl-NL" altLang="nl-NL" sz="1800" b="0" i="0" u="none" strike="noStrike" cap="none" normalizeH="0" baseline="0" dirty="0" err="1">
                 <a:ln>
                   <a:noFill/>
                 </a:ln>
@@ -17684,7 +18994,7 @@
               <a:t>understand</a:t>
             </a:r>
             <a:r>
-              <a:rPr kumimoji="0" lang="nl-NL" altLang="nl-NL" sz="1800" b="0" i="0" u="none" strike="noStrike" cap="none" normalizeH="0" baseline="0" dirty="0" smtClean="0">
+              <a:rPr kumimoji="0" lang="nl-NL" altLang="nl-NL" sz="1800" b="0" i="0" u="none" strike="noStrike" cap="none" normalizeH="0" baseline="0" dirty="0">
                 <a:ln>
                   <a:noFill/>
                 </a:ln>
@@ -17697,7 +19007,7 @@
               <a:t>. </a:t>
             </a:r>
             <a:br>
-              <a:rPr kumimoji="0" lang="nl-NL" altLang="nl-NL" sz="1800" b="0" i="0" u="none" strike="noStrike" cap="none" normalizeH="0" baseline="0" dirty="0" smtClean="0">
+              <a:rPr kumimoji="0" lang="nl-NL" altLang="nl-NL" sz="1800" b="0" i="0" u="none" strike="noStrike" cap="none" normalizeH="0" baseline="0" dirty="0">
                 <a:ln>
                   <a:noFill/>
                 </a:ln>
@@ -17708,7 +19018,7 @@
                 <a:latin typeface="Söhne"/>
               </a:rPr>
             </a:br>
-            <a:endParaRPr kumimoji="0" lang="nl-NL" altLang="nl-NL" sz="1800" b="0" i="0" u="none" strike="noStrike" cap="none" normalizeH="0" baseline="0" dirty="0" smtClean="0">
+            <a:endParaRPr kumimoji="0" lang="nl-NL" altLang="nl-NL" sz="1800" b="0" i="0" u="none" strike="noStrike" cap="none" normalizeH="0" baseline="0" dirty="0">
               <a:ln>
                 <a:noFill/>
               </a:ln>
@@ -17736,7 +19046,7 @@
               <a:buAutoNum type="arabicPeriod" startAt="7"/>
             </a:pPr>
             <a:r>
-              <a:rPr kumimoji="0" lang="nl-NL" altLang="nl-NL" sz="1800" b="0" i="0" u="none" strike="noStrike" cap="none" normalizeH="0" baseline="0" dirty="0" smtClean="0">
+              <a:rPr kumimoji="0" lang="nl-NL" altLang="nl-NL" sz="1800" b="0" i="0" u="none" strike="noStrike" cap="none" normalizeH="0" baseline="0" dirty="0">
                 <a:ln>
                   <a:noFill/>
                 </a:ln>
@@ -17749,7 +19059,7 @@
               <a:t>Python is </a:t>
             </a:r>
             <a:r>
-              <a:rPr kumimoji="0" lang="nl-NL" altLang="nl-NL" sz="1800" b="0" i="0" u="none" strike="noStrike" cap="none" normalizeH="0" baseline="0" dirty="0" err="1" smtClean="0">
+              <a:rPr kumimoji="0" lang="nl-NL" altLang="nl-NL" sz="1800" b="0" i="0" u="none" strike="noStrike" cap="none" normalizeH="0" baseline="0" dirty="0" err="1">
                 <a:ln>
                   <a:noFill/>
                 </a:ln>
@@ -17762,7 +19072,7 @@
               <a:t>an</a:t>
             </a:r>
             <a:r>
-              <a:rPr kumimoji="0" lang="nl-NL" altLang="nl-NL" sz="1800" b="0" i="0" u="none" strike="noStrike" cap="none" normalizeH="0" baseline="0" dirty="0" smtClean="0">
+              <a:rPr kumimoji="0" lang="nl-NL" altLang="nl-NL" sz="1800" b="0" i="0" u="none" strike="noStrike" cap="none" normalizeH="0" baseline="0" dirty="0">
                 <a:ln>
                   <a:noFill/>
                 </a:ln>
@@ -17775,7 +19085,7 @@
               <a:t> </a:t>
             </a:r>
             <a:r>
-              <a:rPr kumimoji="0" lang="nl-NL" altLang="nl-NL" sz="1800" b="0" i="0" u="none" strike="noStrike" cap="none" normalizeH="0" baseline="0" dirty="0" err="1" smtClean="0">
+              <a:rPr kumimoji="0" lang="nl-NL" altLang="nl-NL" sz="1800" b="0" i="0" u="none" strike="noStrike" cap="none" normalizeH="0" baseline="0" dirty="0" err="1">
                 <a:ln>
                   <a:noFill/>
                 </a:ln>
@@ -17788,7 +19098,7 @@
               <a:t>interpreted</a:t>
             </a:r>
             <a:r>
-              <a:rPr kumimoji="0" lang="nl-NL" altLang="nl-NL" sz="1800" b="0" i="0" u="none" strike="noStrike" cap="none" normalizeH="0" baseline="0" dirty="0" smtClean="0">
+              <a:rPr kumimoji="0" lang="nl-NL" altLang="nl-NL" sz="1800" b="0" i="0" u="none" strike="noStrike" cap="none" normalizeH="0" baseline="0" dirty="0">
                 <a:ln>
                   <a:noFill/>
                 </a:ln>
@@ -17801,7 +19111,7 @@
               <a:t> </a:t>
             </a:r>
             <a:r>
-              <a:rPr kumimoji="0" lang="nl-NL" altLang="nl-NL" sz="1800" b="0" i="0" u="none" strike="noStrike" cap="none" normalizeH="0" baseline="0" dirty="0" err="1" smtClean="0">
+              <a:rPr kumimoji="0" lang="nl-NL" altLang="nl-NL" sz="1800" b="0" i="0" u="none" strike="noStrike" cap="none" normalizeH="0" baseline="0" dirty="0" err="1">
                 <a:ln>
                   <a:noFill/>
                 </a:ln>
@@ -17814,7 +19124,7 @@
               <a:t>language</a:t>
             </a:r>
             <a:r>
-              <a:rPr kumimoji="0" lang="nl-NL" altLang="nl-NL" sz="1800" b="0" i="0" u="none" strike="noStrike" cap="none" normalizeH="0" baseline="0" dirty="0" smtClean="0">
+              <a:rPr kumimoji="0" lang="nl-NL" altLang="nl-NL" sz="1800" b="0" i="0" u="none" strike="noStrike" cap="none" normalizeH="0" baseline="0" dirty="0">
                 <a:ln>
                   <a:noFill/>
                 </a:ln>
@@ -17827,7 +19137,7 @@
               <a:t>, </a:t>
             </a:r>
             <a:r>
-              <a:rPr kumimoji="0" lang="nl-NL" altLang="nl-NL" sz="1800" b="0" i="0" u="none" strike="noStrike" cap="none" normalizeH="0" baseline="0" dirty="0" err="1" smtClean="0">
+              <a:rPr kumimoji="0" lang="nl-NL" altLang="nl-NL" sz="1800" b="0" i="0" u="none" strike="noStrike" cap="none" normalizeH="0" baseline="0" dirty="0" err="1">
                 <a:ln>
                   <a:noFill/>
                 </a:ln>
@@ -17840,7 +19150,7 @@
               <a:t>which</a:t>
             </a:r>
             <a:r>
-              <a:rPr kumimoji="0" lang="nl-NL" altLang="nl-NL" sz="1800" b="0" i="0" u="none" strike="noStrike" cap="none" normalizeH="0" baseline="0" dirty="0" smtClean="0">
+              <a:rPr kumimoji="0" lang="nl-NL" altLang="nl-NL" sz="1800" b="0" i="0" u="none" strike="noStrike" cap="none" normalizeH="0" baseline="0" dirty="0">
                 <a:ln>
                   <a:noFill/>
                 </a:ln>
@@ -17853,7 +19163,7 @@
               <a:t> means </a:t>
             </a:r>
             <a:r>
-              <a:rPr kumimoji="0" lang="nl-NL" altLang="nl-NL" sz="1800" b="0" i="0" u="none" strike="noStrike" cap="none" normalizeH="0" baseline="0" dirty="0" err="1" smtClean="0">
+              <a:rPr kumimoji="0" lang="nl-NL" altLang="nl-NL" sz="1800" b="0" i="0" u="none" strike="noStrike" cap="none" normalizeH="0" baseline="0" dirty="0" err="1">
                 <a:ln>
                   <a:noFill/>
                 </a:ln>
@@ -17866,7 +19176,7 @@
               <a:t>that</a:t>
             </a:r>
             <a:r>
-              <a:rPr kumimoji="0" lang="nl-NL" altLang="nl-NL" sz="1800" b="0" i="0" u="none" strike="noStrike" cap="none" normalizeH="0" baseline="0" dirty="0" smtClean="0">
+              <a:rPr kumimoji="0" lang="nl-NL" altLang="nl-NL" sz="1800" b="0" i="0" u="none" strike="noStrike" cap="none" normalizeH="0" baseline="0" dirty="0">
                 <a:ln>
                   <a:noFill/>
                 </a:ln>
@@ -17879,7 +19189,7 @@
               <a:t> </a:t>
             </a:r>
             <a:r>
-              <a:rPr kumimoji="0" lang="nl-NL" altLang="nl-NL" sz="1800" b="0" i="0" u="none" strike="noStrike" cap="none" normalizeH="0" baseline="0" dirty="0" err="1" smtClean="0">
+              <a:rPr kumimoji="0" lang="nl-NL" altLang="nl-NL" sz="1800" b="0" i="0" u="none" strike="noStrike" cap="none" normalizeH="0" baseline="0" dirty="0" err="1">
                 <a:ln>
                   <a:noFill/>
                 </a:ln>
@@ -17892,7 +19202,7 @@
               <a:t>you</a:t>
             </a:r>
             <a:r>
-              <a:rPr kumimoji="0" lang="nl-NL" altLang="nl-NL" sz="1800" b="0" i="0" u="none" strike="noStrike" cap="none" normalizeH="0" baseline="0" dirty="0" smtClean="0">
+              <a:rPr kumimoji="0" lang="nl-NL" altLang="nl-NL" sz="1800" b="0" i="0" u="none" strike="noStrike" cap="none" normalizeH="0" baseline="0" dirty="0">
                 <a:ln>
                   <a:noFill/>
                 </a:ln>
@@ -17905,7 +19215,7 @@
               <a:t> </a:t>
             </a:r>
             <a:r>
-              <a:rPr kumimoji="0" lang="nl-NL" altLang="nl-NL" sz="1800" b="0" i="0" u="none" strike="noStrike" cap="none" normalizeH="0" baseline="0" dirty="0" err="1" smtClean="0">
+              <a:rPr kumimoji="0" lang="nl-NL" altLang="nl-NL" sz="1800" b="0" i="0" u="none" strike="noStrike" cap="none" normalizeH="0" baseline="0" dirty="0" err="1">
                 <a:ln>
                   <a:noFill/>
                 </a:ln>
@@ -17918,7 +19228,7 @@
               <a:t>don't</a:t>
             </a:r>
             <a:r>
-              <a:rPr kumimoji="0" lang="nl-NL" altLang="nl-NL" sz="1800" b="0" i="0" u="none" strike="noStrike" cap="none" normalizeH="0" baseline="0" dirty="0" smtClean="0">
+              <a:rPr kumimoji="0" lang="nl-NL" altLang="nl-NL" sz="1800" b="0" i="0" u="none" strike="noStrike" cap="none" normalizeH="0" baseline="0" dirty="0">
                 <a:ln>
                   <a:noFill/>
                 </a:ln>
@@ -17931,7 +19241,7 @@
               <a:t> </a:t>
             </a:r>
             <a:r>
-              <a:rPr kumimoji="0" lang="nl-NL" altLang="nl-NL" sz="1800" b="0" i="0" u="none" strike="noStrike" cap="none" normalizeH="0" baseline="0" dirty="0" err="1" smtClean="0">
+              <a:rPr kumimoji="0" lang="nl-NL" altLang="nl-NL" sz="1800" b="0" i="0" u="none" strike="noStrike" cap="none" normalizeH="0" baseline="0" dirty="0" err="1">
                 <a:ln>
                   <a:noFill/>
                 </a:ln>
@@ -17944,7 +19254,7 @@
               <a:t>need</a:t>
             </a:r>
             <a:r>
-              <a:rPr kumimoji="0" lang="nl-NL" altLang="nl-NL" sz="1800" b="0" i="0" u="none" strike="noStrike" cap="none" normalizeH="0" baseline="0" dirty="0" smtClean="0">
+              <a:rPr kumimoji="0" lang="nl-NL" altLang="nl-NL" sz="1800" b="0" i="0" u="none" strike="noStrike" cap="none" normalizeH="0" baseline="0" dirty="0">
                 <a:ln>
                   <a:noFill/>
                 </a:ln>
@@ -17957,7 +19267,7 @@
               <a:t> to </a:t>
             </a:r>
             <a:r>
-              <a:rPr kumimoji="0" lang="nl-NL" altLang="nl-NL" sz="1800" b="0" i="0" u="none" strike="noStrike" cap="none" normalizeH="0" baseline="0" dirty="0" err="1" smtClean="0">
+              <a:rPr kumimoji="0" lang="nl-NL" altLang="nl-NL" sz="1800" b="0" i="0" u="none" strike="noStrike" cap="none" normalizeH="0" baseline="0" dirty="0" err="1">
                 <a:ln>
                   <a:noFill/>
                 </a:ln>
@@ -17970,7 +19280,7 @@
               <a:t>compile</a:t>
             </a:r>
             <a:r>
-              <a:rPr kumimoji="0" lang="nl-NL" altLang="nl-NL" sz="1800" b="0" i="0" u="none" strike="noStrike" cap="none" normalizeH="0" baseline="0" dirty="0" smtClean="0">
+              <a:rPr kumimoji="0" lang="nl-NL" altLang="nl-NL" sz="1800" b="0" i="0" u="none" strike="noStrike" cap="none" normalizeH="0" baseline="0" dirty="0">
                 <a:ln>
                   <a:noFill/>
                 </a:ln>
@@ -17983,7 +19293,7 @@
               <a:t> </a:t>
             </a:r>
             <a:r>
-              <a:rPr kumimoji="0" lang="nl-NL" altLang="nl-NL" sz="1800" b="0" i="0" u="none" strike="noStrike" cap="none" normalizeH="0" baseline="0" dirty="0" err="1" smtClean="0">
+              <a:rPr kumimoji="0" lang="nl-NL" altLang="nl-NL" sz="1800" b="0" i="0" u="none" strike="noStrike" cap="none" normalizeH="0" baseline="0" dirty="0" err="1">
                 <a:ln>
                   <a:noFill/>
                 </a:ln>
@@ -17996,7 +19306,7 @@
               <a:t>your</a:t>
             </a:r>
             <a:r>
-              <a:rPr kumimoji="0" lang="nl-NL" altLang="nl-NL" sz="1800" b="0" i="0" u="none" strike="noStrike" cap="none" normalizeH="0" baseline="0" dirty="0" smtClean="0">
+              <a:rPr kumimoji="0" lang="nl-NL" altLang="nl-NL" sz="1800" b="0" i="0" u="none" strike="noStrike" cap="none" normalizeH="0" baseline="0" dirty="0">
                 <a:ln>
                   <a:noFill/>
                 </a:ln>
@@ -18009,7 +19319,7 @@
               <a:t> code </a:t>
             </a:r>
             <a:r>
-              <a:rPr kumimoji="0" lang="nl-NL" altLang="nl-NL" sz="1800" b="0" i="0" u="none" strike="noStrike" cap="none" normalizeH="0" baseline="0" dirty="0" err="1" smtClean="0">
+              <a:rPr kumimoji="0" lang="nl-NL" altLang="nl-NL" sz="1800" b="0" i="0" u="none" strike="noStrike" cap="none" normalizeH="0" baseline="0" dirty="0" err="1">
                 <a:ln>
                   <a:noFill/>
                 </a:ln>
@@ -18022,7 +19332,7 @@
               <a:t>before</a:t>
             </a:r>
             <a:r>
-              <a:rPr kumimoji="0" lang="nl-NL" altLang="nl-NL" sz="1800" b="0" i="0" u="none" strike="noStrike" cap="none" normalizeH="0" baseline="0" dirty="0" smtClean="0">
+              <a:rPr kumimoji="0" lang="nl-NL" altLang="nl-NL" sz="1800" b="0" i="0" u="none" strike="noStrike" cap="none" normalizeH="0" baseline="0" dirty="0">
                 <a:ln>
                   <a:noFill/>
                 </a:ln>
@@ -18035,7 +19345,7 @@
               <a:t> running it. </a:t>
             </a:r>
             <a:br>
-              <a:rPr kumimoji="0" lang="nl-NL" altLang="nl-NL" sz="1800" b="0" i="0" u="none" strike="noStrike" cap="none" normalizeH="0" baseline="0" dirty="0" smtClean="0">
+              <a:rPr kumimoji="0" lang="nl-NL" altLang="nl-NL" sz="1800" b="0" i="0" u="none" strike="noStrike" cap="none" normalizeH="0" baseline="0" dirty="0">
                 <a:ln>
                   <a:noFill/>
                 </a:ln>
@@ -18047,7 +19357,7 @@
               </a:rPr>
             </a:br>
             <a:r>
-              <a:rPr kumimoji="0" lang="nl-NL" altLang="nl-NL" sz="1800" b="0" i="0" u="none" strike="noStrike" cap="none" normalizeH="0" baseline="0" dirty="0" err="1" smtClean="0">
+              <a:rPr kumimoji="0" lang="nl-NL" altLang="nl-NL" sz="1800" b="0" i="0" u="none" strike="noStrike" cap="none" normalizeH="0" baseline="0" dirty="0" err="1">
                 <a:ln>
                   <a:noFill/>
                 </a:ln>
@@ -18060,7 +19370,7 @@
               <a:t>This</a:t>
             </a:r>
             <a:r>
-              <a:rPr kumimoji="0" lang="nl-NL" altLang="nl-NL" sz="1800" b="0" i="0" u="none" strike="noStrike" cap="none" normalizeH="0" baseline="0" dirty="0" smtClean="0">
+              <a:rPr kumimoji="0" lang="nl-NL" altLang="nl-NL" sz="1800" b="0" i="0" u="none" strike="noStrike" cap="none" normalizeH="0" baseline="0" dirty="0">
                 <a:ln>
                   <a:noFill/>
                 </a:ln>
@@ -18073,7 +19383,7 @@
               <a:t> </a:t>
             </a:r>
             <a:r>
-              <a:rPr kumimoji="0" lang="nl-NL" altLang="nl-NL" sz="1800" b="0" i="0" u="none" strike="noStrike" cap="none" normalizeH="0" baseline="0" dirty="0" err="1" smtClean="0">
+              <a:rPr kumimoji="0" lang="nl-NL" altLang="nl-NL" sz="1800" b="0" i="0" u="none" strike="noStrike" cap="none" normalizeH="0" baseline="0" dirty="0" err="1">
                 <a:ln>
                   <a:noFill/>
                 </a:ln>
@@ -18086,7 +19396,7 @@
               <a:t>can</a:t>
             </a:r>
             <a:r>
-              <a:rPr kumimoji="0" lang="nl-NL" altLang="nl-NL" sz="1800" b="0" i="0" u="none" strike="noStrike" cap="none" normalizeH="0" baseline="0" dirty="0" smtClean="0">
+              <a:rPr kumimoji="0" lang="nl-NL" altLang="nl-NL" sz="1800" b="0" i="0" u="none" strike="noStrike" cap="none" normalizeH="0" baseline="0" dirty="0">
                 <a:ln>
                   <a:noFill/>
                 </a:ln>
@@ -18099,7 +19409,7 @@
               <a:t> make </a:t>
             </a:r>
             <a:r>
-              <a:rPr kumimoji="0" lang="nl-NL" altLang="nl-NL" sz="1800" b="0" i="0" u="none" strike="noStrike" cap="none" normalizeH="0" baseline="0" dirty="0" err="1" smtClean="0">
+              <a:rPr kumimoji="0" lang="nl-NL" altLang="nl-NL" sz="1800" b="0" i="0" u="none" strike="noStrike" cap="none" normalizeH="0" baseline="0" dirty="0" err="1">
                 <a:ln>
                   <a:noFill/>
                 </a:ln>
@@ -18112,7 +19422,7 @@
               <a:t>it</a:t>
             </a:r>
             <a:r>
-              <a:rPr kumimoji="0" lang="nl-NL" altLang="nl-NL" sz="1800" b="0" i="0" u="none" strike="noStrike" cap="none" normalizeH="0" baseline="0" dirty="0" smtClean="0">
+              <a:rPr kumimoji="0" lang="nl-NL" altLang="nl-NL" sz="1800" b="0" i="0" u="none" strike="noStrike" cap="none" normalizeH="0" baseline="0" dirty="0">
                 <a:ln>
                   <a:noFill/>
                 </a:ln>
@@ -18125,7 +19435,7 @@
               <a:t> </a:t>
             </a:r>
             <a:r>
-              <a:rPr kumimoji="0" lang="nl-NL" altLang="nl-NL" sz="1800" b="0" i="0" u="none" strike="noStrike" cap="none" normalizeH="0" baseline="0" dirty="0" err="1" smtClean="0">
+              <a:rPr kumimoji="0" lang="nl-NL" altLang="nl-NL" sz="1800" b="0" i="0" u="none" strike="noStrike" cap="none" normalizeH="0" baseline="0" dirty="0" err="1">
                 <a:ln>
                   <a:noFill/>
                 </a:ln>
@@ -18138,7 +19448,7 @@
               <a:t>easier</a:t>
             </a:r>
             <a:r>
-              <a:rPr kumimoji="0" lang="nl-NL" altLang="nl-NL" sz="1800" b="0" i="0" u="none" strike="noStrike" cap="none" normalizeH="0" baseline="0" dirty="0" smtClean="0">
+              <a:rPr kumimoji="0" lang="nl-NL" altLang="nl-NL" sz="1800" b="0" i="0" u="none" strike="noStrike" cap="none" normalizeH="0" baseline="0" dirty="0">
                 <a:ln>
                   <a:noFill/>
                 </a:ln>
@@ -18151,7 +19461,7 @@
               <a:t> to </a:t>
             </a:r>
             <a:r>
-              <a:rPr kumimoji="0" lang="nl-NL" altLang="nl-NL" sz="1800" b="0" i="0" u="none" strike="noStrike" cap="none" normalizeH="0" baseline="0" dirty="0" err="1" smtClean="0">
+              <a:rPr kumimoji="0" lang="nl-NL" altLang="nl-NL" sz="1800" b="0" i="0" u="none" strike="noStrike" cap="none" normalizeH="0" baseline="0" dirty="0" err="1">
                 <a:ln>
                   <a:noFill/>
                 </a:ln>
@@ -18164,7 +19474,7 @@
               <a:t>develop</a:t>
             </a:r>
             <a:r>
-              <a:rPr kumimoji="0" lang="nl-NL" altLang="nl-NL" sz="1800" b="0" i="0" u="none" strike="noStrike" cap="none" normalizeH="0" baseline="0" dirty="0" smtClean="0">
+              <a:rPr kumimoji="0" lang="nl-NL" altLang="nl-NL" sz="1800" b="0" i="0" u="none" strike="noStrike" cap="none" normalizeH="0" baseline="0" dirty="0">
                 <a:ln>
                   <a:noFill/>
                 </a:ln>
@@ -18177,7 +19487,7 @@
               <a:t> and test programs, as </a:t>
             </a:r>
             <a:r>
-              <a:rPr kumimoji="0" lang="nl-NL" altLang="nl-NL" sz="1800" b="0" i="0" u="none" strike="noStrike" cap="none" normalizeH="0" baseline="0" dirty="0" err="1" smtClean="0">
+              <a:rPr kumimoji="0" lang="nl-NL" altLang="nl-NL" sz="1800" b="0" i="0" u="none" strike="noStrike" cap="none" normalizeH="0" baseline="0" dirty="0" err="1">
                 <a:ln>
                   <a:noFill/>
                 </a:ln>
@@ -18190,7 +19500,7 @@
               <a:t>you</a:t>
             </a:r>
             <a:r>
-              <a:rPr kumimoji="0" lang="nl-NL" altLang="nl-NL" sz="1800" b="0" i="0" u="none" strike="noStrike" cap="none" normalizeH="0" baseline="0" dirty="0" smtClean="0">
+              <a:rPr kumimoji="0" lang="nl-NL" altLang="nl-NL" sz="1800" b="0" i="0" u="none" strike="noStrike" cap="none" normalizeH="0" baseline="0" dirty="0">
                 <a:ln>
                   <a:noFill/>
                 </a:ln>
@@ -18203,7 +19513,7 @@
               <a:t> </a:t>
             </a:r>
             <a:r>
-              <a:rPr kumimoji="0" lang="nl-NL" altLang="nl-NL" sz="1800" b="0" i="0" u="none" strike="noStrike" cap="none" normalizeH="0" baseline="0" dirty="0" err="1" smtClean="0">
+              <a:rPr kumimoji="0" lang="nl-NL" altLang="nl-NL" sz="1800" b="0" i="0" u="none" strike="noStrike" cap="none" normalizeH="0" baseline="0" dirty="0" err="1">
                 <a:ln>
                   <a:noFill/>
                 </a:ln>
@@ -18216,7 +19526,7 @@
               <a:t>can</a:t>
             </a:r>
             <a:r>
-              <a:rPr kumimoji="0" lang="nl-NL" altLang="nl-NL" sz="1800" b="0" i="0" u="none" strike="noStrike" cap="none" normalizeH="0" baseline="0" dirty="0" smtClean="0">
+              <a:rPr kumimoji="0" lang="nl-NL" altLang="nl-NL" sz="1800" b="0" i="0" u="none" strike="noStrike" cap="none" normalizeH="0" baseline="0" dirty="0">
                 <a:ln>
                   <a:noFill/>
                 </a:ln>
@@ -18229,7 +19539,7 @@
               <a:t> </a:t>
             </a:r>
             <a:r>
-              <a:rPr kumimoji="0" lang="nl-NL" altLang="nl-NL" sz="1800" b="0" i="0" u="none" strike="noStrike" cap="none" normalizeH="0" baseline="0" dirty="0" err="1" smtClean="0">
+              <a:rPr kumimoji="0" lang="nl-NL" altLang="nl-NL" sz="1800" b="0" i="0" u="none" strike="noStrike" cap="none" normalizeH="0" baseline="0" dirty="0" err="1">
                 <a:ln>
                   <a:noFill/>
                 </a:ln>
@@ -18242,7 +19552,7 @@
               <a:t>see</a:t>
             </a:r>
             <a:r>
-              <a:rPr kumimoji="0" lang="nl-NL" altLang="nl-NL" sz="1800" b="0" i="0" u="none" strike="noStrike" cap="none" normalizeH="0" baseline="0" dirty="0" smtClean="0">
+              <a:rPr kumimoji="0" lang="nl-NL" altLang="nl-NL" sz="1800" b="0" i="0" u="none" strike="noStrike" cap="none" normalizeH="0" baseline="0" dirty="0">
                 <a:ln>
                   <a:noFill/>
                 </a:ln>
@@ -18255,7 +19565,7 @@
               <a:t> the results of </a:t>
             </a:r>
             <a:r>
-              <a:rPr kumimoji="0" lang="nl-NL" altLang="nl-NL" sz="1800" b="0" i="0" u="none" strike="noStrike" cap="none" normalizeH="0" baseline="0" dirty="0" err="1" smtClean="0">
+              <a:rPr kumimoji="0" lang="nl-NL" altLang="nl-NL" sz="1800" b="0" i="0" u="none" strike="noStrike" cap="none" normalizeH="0" baseline="0" dirty="0" err="1">
                 <a:ln>
                   <a:noFill/>
                 </a:ln>
@@ -18268,7 +19578,7 @@
               <a:t>your</a:t>
             </a:r>
             <a:r>
-              <a:rPr kumimoji="0" lang="nl-NL" altLang="nl-NL" sz="1800" b="0" i="0" u="none" strike="noStrike" cap="none" normalizeH="0" baseline="0" dirty="0" smtClean="0">
+              <a:rPr kumimoji="0" lang="nl-NL" altLang="nl-NL" sz="1800" b="0" i="0" u="none" strike="noStrike" cap="none" normalizeH="0" baseline="0" dirty="0">
                 <a:ln>
                   <a:noFill/>
                 </a:ln>
@@ -18281,7 +19591,7 @@
               <a:t> changes </a:t>
             </a:r>
             <a:r>
-              <a:rPr kumimoji="0" lang="nl-NL" altLang="nl-NL" sz="1800" b="0" i="0" u="none" strike="noStrike" cap="none" normalizeH="0" baseline="0" dirty="0" err="1" smtClean="0">
+              <a:rPr kumimoji="0" lang="nl-NL" altLang="nl-NL" sz="1800" b="0" i="0" u="none" strike="noStrike" cap="none" normalizeH="0" baseline="0" dirty="0" err="1">
                 <a:ln>
                   <a:noFill/>
                 </a:ln>
@@ -18294,7 +19604,7 @@
               <a:t>immediately</a:t>
             </a:r>
             <a:r>
-              <a:rPr kumimoji="0" lang="nl-NL" altLang="nl-NL" sz="1800" b="0" i="0" u="none" strike="noStrike" cap="none" normalizeH="0" baseline="0" dirty="0" smtClean="0">
+              <a:rPr kumimoji="0" lang="nl-NL" altLang="nl-NL" sz="1800" b="0" i="0" u="none" strike="noStrike" cap="none" normalizeH="0" baseline="0" dirty="0">
                 <a:ln>
                   <a:noFill/>
                 </a:ln>
@@ -18307,7 +19617,7 @@
               <a:t>.</a:t>
             </a:r>
             <a:br>
-              <a:rPr kumimoji="0" lang="nl-NL" altLang="nl-NL" sz="1800" b="0" i="0" u="none" strike="noStrike" cap="none" normalizeH="0" baseline="0" dirty="0" smtClean="0">
+              <a:rPr kumimoji="0" lang="nl-NL" altLang="nl-NL" sz="1800" b="0" i="0" u="none" strike="noStrike" cap="none" normalizeH="0" baseline="0" dirty="0">
                 <a:ln>
                   <a:noFill/>
                 </a:ln>
@@ -18318,7 +19628,7 @@
                 <a:latin typeface="Söhne"/>
               </a:rPr>
             </a:br>
-            <a:endParaRPr kumimoji="0" lang="nl-NL" altLang="nl-NL" sz="1800" b="0" i="0" u="none" strike="noStrike" cap="none" normalizeH="0" baseline="0" dirty="0" smtClean="0">
+            <a:endParaRPr kumimoji="0" lang="nl-NL" altLang="nl-NL" sz="1800" b="0" i="0" u="none" strike="noStrike" cap="none" normalizeH="0" baseline="0" dirty="0">
               <a:ln>
                 <a:noFill/>
               </a:ln>
@@ -18346,7 +19656,7 @@
               <a:buAutoNum type="arabicPeriod" startAt="8"/>
             </a:pPr>
             <a:r>
-              <a:rPr kumimoji="0" lang="nl-NL" altLang="nl-NL" sz="1800" b="0" i="0" u="none" strike="noStrike" cap="none" normalizeH="0" baseline="0" dirty="0" smtClean="0">
+              <a:rPr kumimoji="0" lang="nl-NL" altLang="nl-NL" sz="1800" b="0" i="0" u="none" strike="noStrike" cap="none" normalizeH="0" baseline="0" dirty="0">
                 <a:ln>
                   <a:noFill/>
                 </a:ln>
@@ -18359,7 +19669,7 @@
               <a:t>Python is cross-platform, </a:t>
             </a:r>
             <a:r>
-              <a:rPr kumimoji="0" lang="nl-NL" altLang="nl-NL" sz="1800" b="0" i="0" u="none" strike="noStrike" cap="none" normalizeH="0" baseline="0" dirty="0" err="1" smtClean="0">
+              <a:rPr kumimoji="0" lang="nl-NL" altLang="nl-NL" sz="1800" b="0" i="0" u="none" strike="noStrike" cap="none" normalizeH="0" baseline="0" dirty="0" err="1">
                 <a:ln>
                   <a:noFill/>
                 </a:ln>
@@ -18372,7 +19682,7 @@
               <a:t>which</a:t>
             </a:r>
             <a:r>
-              <a:rPr kumimoji="0" lang="nl-NL" altLang="nl-NL" sz="1800" b="0" i="0" u="none" strike="noStrike" cap="none" normalizeH="0" baseline="0" dirty="0" smtClean="0">
+              <a:rPr kumimoji="0" lang="nl-NL" altLang="nl-NL" sz="1800" b="0" i="0" u="none" strike="noStrike" cap="none" normalizeH="0" baseline="0" dirty="0">
                 <a:ln>
                   <a:noFill/>
                 </a:ln>
@@ -18385,7 +19695,7 @@
               <a:t> means </a:t>
             </a:r>
             <a:r>
-              <a:rPr kumimoji="0" lang="nl-NL" altLang="nl-NL" sz="1800" b="0" i="0" u="none" strike="noStrike" cap="none" normalizeH="0" baseline="0" dirty="0" err="1" smtClean="0">
+              <a:rPr kumimoji="0" lang="nl-NL" altLang="nl-NL" sz="1800" b="0" i="0" u="none" strike="noStrike" cap="none" normalizeH="0" baseline="0" dirty="0" err="1">
                 <a:ln>
                   <a:noFill/>
                 </a:ln>
@@ -18398,7 +19708,7 @@
               <a:t>that</a:t>
             </a:r>
             <a:r>
-              <a:rPr kumimoji="0" lang="nl-NL" altLang="nl-NL" sz="1800" b="0" i="0" u="none" strike="noStrike" cap="none" normalizeH="0" baseline="0" dirty="0" smtClean="0">
+              <a:rPr kumimoji="0" lang="nl-NL" altLang="nl-NL" sz="1800" b="0" i="0" u="none" strike="noStrike" cap="none" normalizeH="0" baseline="0" dirty="0">
                 <a:ln>
                   <a:noFill/>
                 </a:ln>
@@ -18411,7 +19721,7 @@
               <a:t> </a:t>
             </a:r>
             <a:r>
-              <a:rPr kumimoji="0" lang="nl-NL" altLang="nl-NL" sz="1800" b="0" i="0" u="none" strike="noStrike" cap="none" normalizeH="0" baseline="0" dirty="0" err="1" smtClean="0">
+              <a:rPr kumimoji="0" lang="nl-NL" altLang="nl-NL" sz="1800" b="0" i="0" u="none" strike="noStrike" cap="none" normalizeH="0" baseline="0" dirty="0" err="1">
                 <a:ln>
                   <a:noFill/>
                 </a:ln>
@@ -18424,7 +19734,7 @@
               <a:t>you</a:t>
             </a:r>
             <a:r>
-              <a:rPr kumimoji="0" lang="nl-NL" altLang="nl-NL" sz="1800" b="0" i="0" u="none" strike="noStrike" cap="none" normalizeH="0" baseline="0" dirty="0" smtClean="0">
+              <a:rPr kumimoji="0" lang="nl-NL" altLang="nl-NL" sz="1800" b="0" i="0" u="none" strike="noStrike" cap="none" normalizeH="0" baseline="0" dirty="0">
                 <a:ln>
                   <a:noFill/>
                 </a:ln>
@@ -18437,7 +19747,7 @@
               <a:t> </a:t>
             </a:r>
             <a:r>
-              <a:rPr kumimoji="0" lang="nl-NL" altLang="nl-NL" sz="1800" b="0" i="0" u="none" strike="noStrike" cap="none" normalizeH="0" baseline="0" dirty="0" err="1" smtClean="0">
+              <a:rPr kumimoji="0" lang="nl-NL" altLang="nl-NL" sz="1800" b="0" i="0" u="none" strike="noStrike" cap="none" normalizeH="0" baseline="0" dirty="0" err="1">
                 <a:ln>
                   <a:noFill/>
                 </a:ln>
@@ -18450,7 +19760,7 @@
               <a:t>can</a:t>
             </a:r>
             <a:r>
-              <a:rPr kumimoji="0" lang="nl-NL" altLang="nl-NL" sz="1800" b="0" i="0" u="none" strike="noStrike" cap="none" normalizeH="0" baseline="0" dirty="0" smtClean="0">
+              <a:rPr kumimoji="0" lang="nl-NL" altLang="nl-NL" sz="1800" b="0" i="0" u="none" strike="noStrike" cap="none" normalizeH="0" baseline="0" dirty="0">
                 <a:ln>
                   <a:noFill/>
                 </a:ln>
@@ -18463,7 +19773,7 @@
               <a:t> </a:t>
             </a:r>
             <a:r>
-              <a:rPr kumimoji="0" lang="nl-NL" altLang="nl-NL" sz="1800" b="0" i="0" u="none" strike="noStrike" cap="none" normalizeH="0" baseline="0" dirty="0" smtClean="0">
+              <a:rPr kumimoji="0" lang="nl-NL" altLang="nl-NL" sz="1800" b="0" i="0" u="none" strike="noStrike" cap="none" normalizeH="0" baseline="0" dirty="0">
                 <a:ln>
                   <a:noFill/>
                 </a:ln>
@@ -18476,7 +19786,7 @@
               <a:t>run Python programs on a </a:t>
             </a:r>
             <a:r>
-              <a:rPr kumimoji="0" lang="nl-NL" altLang="nl-NL" sz="1800" b="0" i="0" u="none" strike="noStrike" cap="none" normalizeH="0" baseline="0" dirty="0" err="1" smtClean="0">
+              <a:rPr kumimoji="0" lang="nl-NL" altLang="nl-NL" sz="1800" b="0" i="0" u="none" strike="noStrike" cap="none" normalizeH="0" baseline="0" dirty="0" err="1">
                 <a:ln>
                   <a:noFill/>
                 </a:ln>
@@ -18489,7 +19799,7 @@
               <a:t>wide</a:t>
             </a:r>
             <a:r>
-              <a:rPr kumimoji="0" lang="nl-NL" altLang="nl-NL" sz="1800" b="0" i="0" u="none" strike="noStrike" cap="none" normalizeH="0" baseline="0" dirty="0" smtClean="0">
+              <a:rPr kumimoji="0" lang="nl-NL" altLang="nl-NL" sz="1800" b="0" i="0" u="none" strike="noStrike" cap="none" normalizeH="0" baseline="0" dirty="0">
                 <a:ln>
                   <a:noFill/>
                 </a:ln>
@@ -18502,7 +19812,7 @@
               <a:t> range of different </a:t>
             </a:r>
             <a:br>
-              <a:rPr kumimoji="0" lang="nl-NL" altLang="nl-NL" sz="1800" b="0" i="0" u="none" strike="noStrike" cap="none" normalizeH="0" baseline="0" dirty="0" smtClean="0">
+              <a:rPr kumimoji="0" lang="nl-NL" altLang="nl-NL" sz="1800" b="0" i="0" u="none" strike="noStrike" cap="none" normalizeH="0" baseline="0" dirty="0">
                 <a:ln>
                   <a:noFill/>
                 </a:ln>
@@ -18514,7 +19824,7 @@
               </a:rPr>
             </a:br>
             <a:r>
-              <a:rPr kumimoji="0" lang="nl-NL" altLang="nl-NL" sz="1800" b="0" i="0" u="none" strike="noStrike" cap="none" normalizeH="0" baseline="0" dirty="0" smtClean="0">
+              <a:rPr kumimoji="0" lang="nl-NL" altLang="nl-NL" sz="1800" b="0" i="0" u="none" strike="noStrike" cap="none" normalizeH="0" baseline="0" dirty="0">
                 <a:ln>
                   <a:noFill/>
                 </a:ln>
@@ -18527,7 +19837,7 @@
               <a:t>operating systems,</a:t>
             </a:r>
             <a:r>
-              <a:rPr kumimoji="0" lang="nl-NL" altLang="nl-NL" sz="1800" b="0" i="0" u="none" strike="noStrike" cap="none" normalizeH="0" baseline="0" dirty="0" smtClean="0">
+              <a:rPr kumimoji="0" lang="nl-NL" altLang="nl-NL" sz="1800" b="0" i="0" u="none" strike="noStrike" cap="none" normalizeH="0" baseline="0" dirty="0">
                 <a:ln>
                   <a:noFill/>
                 </a:ln>
@@ -18540,7 +19850,7 @@
               <a:t> </a:t>
             </a:r>
             <a:r>
-              <a:rPr kumimoji="0" lang="nl-NL" altLang="nl-NL" sz="1800" b="0" i="0" u="none" strike="noStrike" cap="none" normalizeH="0" baseline="0" dirty="0" err="1" smtClean="0">
+              <a:rPr kumimoji="0" lang="nl-NL" altLang="nl-NL" sz="1800" b="0" i="0" u="none" strike="noStrike" cap="none" normalizeH="0" baseline="0" dirty="0" err="1">
                 <a:ln>
                   <a:noFill/>
                 </a:ln>
@@ -18553,7 +19863,7 @@
               <a:t>including</a:t>
             </a:r>
             <a:r>
-              <a:rPr kumimoji="0" lang="nl-NL" altLang="nl-NL" sz="1800" b="0" i="0" u="none" strike="noStrike" cap="none" normalizeH="0" baseline="0" dirty="0" smtClean="0">
+              <a:rPr kumimoji="0" lang="nl-NL" altLang="nl-NL" sz="1800" b="0" i="0" u="none" strike="noStrike" cap="none" normalizeH="0" baseline="0" dirty="0">
                 <a:ln>
                   <a:noFill/>
                 </a:ln>
@@ -18582,7 +19892,7 @@
               <a:buFontTx/>
               <a:buNone/>
             </a:pPr>
-            <a:endParaRPr kumimoji="0" lang="nl-NL" altLang="nl-NL" sz="1800" b="0" i="0" u="none" strike="noStrike" cap="none" normalizeH="0" baseline="0" dirty="0" smtClean="0">
+            <a:endParaRPr kumimoji="0" lang="nl-NL" altLang="nl-NL" sz="1800" b="0" i="0" u="none" strike="noStrike" cap="none" normalizeH="0" baseline="0" dirty="0">
               <a:ln>
                 <a:noFill/>
               </a:ln>
@@ -18619,7 +19929,7 @@
           <a:p>
             <a:pPr algn="ctr"/>
             <a:r>
-              <a:rPr lang="nl-NL" sz="3200" dirty="0" smtClean="0">
+              <a:rPr lang="nl-NL" sz="3200" dirty="0">
                 <a:ln w="0"/>
                 <a:solidFill>
                   <a:srgbClr val="FF0000"/>
@@ -18723,7 +20033,7 @@
 </p:sld>
 </file>
 
-<file path=ppt/slides/slide47.xml><?xml version="1.0" encoding="utf-8"?>
+<file path=ppt/slides/slide51.xml><?xml version="1.0" encoding="utf-8"?>
 <p:sld xmlns:a="http://schemas.openxmlformats.org/drawingml/2006/main" xmlns:r="http://schemas.openxmlformats.org/officeDocument/2006/relationships" xmlns:p="http://schemas.openxmlformats.org/presentationml/2006/main">
   <p:cSld>
     <p:spTree>
@@ -18788,7 +20098,7 @@
           <a:p>
             <a:pPr algn="ctr"/>
             <a:r>
-              <a:rPr lang="nl-NL" sz="3200" dirty="0" smtClean="0">
+              <a:rPr lang="nl-NL" sz="3200" dirty="0">
                 <a:ln w="0"/>
                 <a:solidFill>
                   <a:srgbClr val="FF0000"/>
@@ -18892,7 +20202,7 @@
 </p:sld>
 </file>
 
-<file path=ppt/slides/slide48.xml><?xml version="1.0" encoding="utf-8"?>
+<file path=ppt/slides/slide52.xml><?xml version="1.0" encoding="utf-8"?>
 <p:sld xmlns:a="http://schemas.openxmlformats.org/drawingml/2006/main" xmlns:r="http://schemas.openxmlformats.org/officeDocument/2006/relationships" xmlns:p="http://schemas.openxmlformats.org/presentationml/2006/main">
   <p:cSld>
     <p:spTree>
@@ -18957,7 +20267,7 @@
           <a:p>
             <a:pPr algn="ctr"/>
             <a:r>
-              <a:rPr lang="nl-NL" sz="3200" dirty="0" smtClean="0">
+              <a:rPr lang="nl-NL" sz="3200" dirty="0">
                 <a:ln w="0"/>
                 <a:solidFill>
                   <a:srgbClr val="FF0000"/>
@@ -19061,7 +20371,7 @@
 </p:sld>
 </file>
 
-<file path=ppt/slides/slide49.xml><?xml version="1.0" encoding="utf-8"?>
+<file path=ppt/slides/slide53.xml><?xml version="1.0" encoding="utf-8"?>
 <p:sld xmlns:a="http://schemas.openxmlformats.org/drawingml/2006/main" xmlns:r="http://schemas.openxmlformats.org/officeDocument/2006/relationships" xmlns:p="http://schemas.openxmlformats.org/presentationml/2006/main">
   <p:cSld>
     <p:spTree>
@@ -19114,170 +20424,6 @@
   <p:clrMapOvr>
     <a:masterClrMapping/>
   </p:clrMapOvr>
-  <p:timing>
-    <p:tnLst>
-      <p:par>
-        <p:cTn id="1" dur="indefinite" restart="never" nodeType="tmRoot"/>
-      </p:par>
-    </p:tnLst>
-  </p:timing>
-</p:sld>
-</file>
-
-<file path=ppt/slides/slide5.xml><?xml version="1.0" encoding="utf-8"?>
-<p:sld xmlns:a="http://schemas.openxmlformats.org/drawingml/2006/main" xmlns:r="http://schemas.openxmlformats.org/officeDocument/2006/relationships" xmlns:p="http://schemas.openxmlformats.org/presentationml/2006/main">
-  <p:cSld>
-    <p:spTree>
-      <p:nvGrpSpPr>
-        <p:cNvPr id="1" name=""/>
-        <p:cNvGrpSpPr/>
-        <p:nvPr/>
-      </p:nvGrpSpPr>
-      <p:grpSpPr>
-        <a:xfrm>
-          <a:off x="0" y="0"/>
-          <a:ext cx="0" cy="0"/>
-          <a:chOff x="0" y="0"/>
-          <a:chExt cx="0" cy="0"/>
-        </a:xfrm>
-      </p:grpSpPr>
-      <p:sp>
-        <p:nvSpPr>
-          <p:cNvPr id="2" name="Titel 1"/>
-          <p:cNvSpPr>
-            <a:spLocks noGrp="1"/>
-          </p:cNvSpPr>
-          <p:nvPr>
-            <p:ph type="title"/>
-          </p:nvPr>
-        </p:nvSpPr>
-        <p:spPr>
-          <a:xfrm>
-            <a:off x="677334" y="609600"/>
-            <a:ext cx="8596668" cy="781538"/>
-          </a:xfrm>
-        </p:spPr>
-        <p:txBody>
-          <a:bodyPr/>
-          <a:lstStyle/>
-          <a:p>
-            <a:pPr algn="ctr"/>
-            <a:r>
-              <a:rPr lang="nl-NL" dirty="0" smtClean="0"/>
-              <a:t>Doelen voor vanochtend</a:t>
-            </a:r>
-            <a:endParaRPr lang="nl-NL" dirty="0"/>
-          </a:p>
-        </p:txBody>
-      </p:sp>
-      <p:sp>
-        <p:nvSpPr>
-          <p:cNvPr id="3" name="Tijdelijke aanduiding voor inhoud 2"/>
-          <p:cNvSpPr>
-            <a:spLocks noGrp="1"/>
-          </p:cNvSpPr>
-          <p:nvPr>
-            <p:ph idx="1"/>
-          </p:nvPr>
-        </p:nvSpPr>
-        <p:spPr>
-          <a:xfrm>
-            <a:off x="614811" y="1391138"/>
-            <a:ext cx="8820134" cy="3880773"/>
-          </a:xfrm>
-        </p:spPr>
-        <p:txBody>
-          <a:bodyPr>
-            <a:normAutofit/>
-          </a:bodyPr>
-          <a:lstStyle/>
-          <a:p>
-            <a:pPr marL="0" indent="0">
-              <a:buNone/>
-            </a:pPr>
-            <a:r>
-              <a:rPr lang="nl-NL" b="1" dirty="0" smtClean="0"/>
-              <a:t>Overall doel: </a:t>
-            </a:r>
-          </a:p>
-          <a:p>
-            <a:pPr marL="0" indent="0">
-              <a:buNone/>
-            </a:pPr>
-            <a:r>
-              <a:rPr lang="en-US" altLang="nl-NL" dirty="0" smtClean="0"/>
-              <a:t>D</a:t>
-            </a:r>
-            <a:r>
-              <a:rPr lang="nl-NL" dirty="0" smtClean="0"/>
-              <a:t>e deelnemer verlaat enthousiast de kennismakingssessie en heeft voldoende kennis opgedaan om zelf verder te gaan met programmeren in Python, Pandas etc. </a:t>
-            </a:r>
-          </a:p>
-          <a:p>
-            <a:pPr marL="0" indent="0">
-              <a:buNone/>
-            </a:pPr>
-            <a:r>
-              <a:rPr lang="nl-NL" b="1" dirty="0" smtClean="0"/>
-              <a:t>Na afloop van deze sessie: </a:t>
-            </a:r>
-          </a:p>
-          <a:p>
-            <a:r>
-              <a:rPr lang="nl-NL" dirty="0" smtClean="0"/>
-              <a:t>De deelnemer kan verwoorden wat programmeren</a:t>
-            </a:r>
-            <a:r>
-              <a:rPr lang="nl-NL" dirty="0"/>
-              <a:t> </a:t>
-            </a:r>
-            <a:r>
-              <a:rPr lang="nl-NL" dirty="0" smtClean="0"/>
-              <a:t>is.</a:t>
-            </a:r>
-          </a:p>
-          <a:p>
-            <a:r>
-              <a:rPr lang="nl-NL" dirty="0" smtClean="0"/>
-              <a:t>De deelnemer heeft een 1</a:t>
-            </a:r>
-            <a:r>
-              <a:rPr lang="nl-NL" baseline="30000" dirty="0" smtClean="0"/>
-              <a:t>e</a:t>
-            </a:r>
-            <a:r>
-              <a:rPr lang="nl-NL" dirty="0" smtClean="0"/>
-              <a:t> indruk van de </a:t>
-            </a:r>
-            <a:r>
-              <a:rPr lang="nl-NL" dirty="0" err="1" smtClean="0"/>
-              <a:t>programmeertal</a:t>
-            </a:r>
-            <a:r>
-              <a:rPr lang="nl-NL" dirty="0" smtClean="0"/>
-              <a:t> Python.</a:t>
-            </a:r>
-          </a:p>
-          <a:p>
-            <a:r>
-              <a:rPr lang="nl-NL" dirty="0" smtClean="0"/>
-              <a:t>Idem dito pandas.</a:t>
-            </a:r>
-          </a:p>
-        </p:txBody>
-      </p:sp>
-    </p:spTree>
-  </p:cSld>
-  <p:clrMapOvr>
-    <a:masterClrMapping/>
-  </p:clrMapOvr>
-  <p:timing>
-    <p:tnLst>
-      <p:par>
-        <p:cTn id="1" dur="indefinite" restart="never" nodeType="tmRoot"/>
-      </p:par>
-    </p:tnLst>
-  </p:timing>
 </p:sld>
 </file>
 
@@ -19344,13 +20490,6 @@
   <p:clrMapOvr>
     <a:masterClrMapping/>
   </p:clrMapOvr>
-  <p:timing>
-    <p:tnLst>
-      <p:par>
-        <p:cTn id="1" dur="indefinite" restart="never" nodeType="tmRoot"/>
-      </p:par>
-    </p:tnLst>
-  </p:timing>
 </p:sld>
 </file>
 
@@ -19417,13 +20556,6 @@
   <p:clrMapOvr>
     <a:masterClrMapping/>
   </p:clrMapOvr>
-  <p:timing>
-    <p:tnLst>
-      <p:par>
-        <p:cTn id="1" dur="indefinite" restart="never" nodeType="tmRoot"/>
-      </p:par>
-    </p:tnLst>
-  </p:timing>
 </p:sld>
 </file>
 
@@ -19474,91 +20606,45 @@
               </a:rPr>
               <a:t>Hij heeft de programmeertaal ontwikkeld met de volgende doelen: </a:t>
             </a:r>
-            <a:r>
-              <a:rPr lang="nl-NL" dirty="0" smtClean="0">
-                <a:latin typeface="Arial" panose="020B0604020202020204" pitchFamily="34" charset="0"/>
-                <a:cs typeface="Arial" panose="020B0604020202020204" pitchFamily="34" charset="0"/>
-              </a:rPr>
-              <a:t/>
-            </a:r>
             <a:br>
-              <a:rPr lang="nl-NL" dirty="0" smtClean="0">
-                <a:latin typeface="Arial" panose="020B0604020202020204" pitchFamily="34" charset="0"/>
-                <a:cs typeface="Arial" panose="020B0604020202020204" pitchFamily="34" charset="0"/>
-              </a:rPr>
-            </a:br>
-            <a:r>
-              <a:rPr lang="nl-NL" dirty="0" smtClean="0">
-                <a:latin typeface="Arial" panose="020B0604020202020204" pitchFamily="34" charset="0"/>
-                <a:cs typeface="Arial" panose="020B0604020202020204" pitchFamily="34" charset="0"/>
-              </a:rPr>
-              <a:t>1: om </a:t>
-            </a:r>
-            <a:r>
               <a:rPr lang="nl-NL" dirty="0">
                 <a:latin typeface="Arial" panose="020B0604020202020204" pitchFamily="34" charset="0"/>
                 <a:cs typeface="Arial" panose="020B0604020202020204" pitchFamily="34" charset="0"/>
               </a:rPr>
-              <a:t>zo goed mogelijk leesbaar te zijn, </a:t>
-            </a:r>
-            <a:r>
-              <a:rPr lang="nl-NL" dirty="0" smtClean="0">
-                <a:latin typeface="Arial" panose="020B0604020202020204" pitchFamily="34" charset="0"/>
-                <a:cs typeface="Arial" panose="020B0604020202020204" pitchFamily="34" charset="0"/>
-              </a:rPr>
-              <a:t/>
-            </a:r>
-            <a:br>
-              <a:rPr lang="nl-NL" dirty="0" smtClean="0">
-                <a:latin typeface="Arial" panose="020B0604020202020204" pitchFamily="34" charset="0"/>
-                <a:cs typeface="Arial" panose="020B0604020202020204" pitchFamily="34" charset="0"/>
-              </a:rPr>
             </a:br>
-            <a:r>
-              <a:rPr lang="nl-NL" dirty="0" smtClean="0">
-                <a:latin typeface="Arial" panose="020B0604020202020204" pitchFamily="34" charset="0"/>
-                <a:cs typeface="Arial" panose="020B0604020202020204" pitchFamily="34" charset="0"/>
-              </a:rPr>
-              <a:t>2: gratis </a:t>
-            </a:r>
             <a:r>
               <a:rPr lang="nl-NL" dirty="0">
                 <a:latin typeface="Arial" panose="020B0604020202020204" pitchFamily="34" charset="0"/>
                 <a:cs typeface="Arial" panose="020B0604020202020204" pitchFamily="34" charset="0"/>
               </a:rPr>
-              <a:t>en voor iedereen beschikbaar: open source, en </a:t>
-            </a:r>
-            <a:r>
-              <a:rPr lang="nl-NL" dirty="0" smtClean="0">
-                <a:latin typeface="Arial" panose="020B0604020202020204" pitchFamily="34" charset="0"/>
-                <a:cs typeface="Arial" panose="020B0604020202020204" pitchFamily="34" charset="0"/>
-              </a:rPr>
-              <a:t/>
+              <a:t>1: om zo goed mogelijk leesbaar te zijn, </a:t>
             </a:r>
             <a:br>
-              <a:rPr lang="nl-NL" dirty="0" smtClean="0">
-                <a:latin typeface="Arial" panose="020B0604020202020204" pitchFamily="34" charset="0"/>
-                <a:cs typeface="Arial" panose="020B0604020202020204" pitchFamily="34" charset="0"/>
-              </a:rPr>
-            </a:br>
-            <a:r>
-              <a:rPr lang="nl-NL" dirty="0" smtClean="0">
-                <a:latin typeface="Arial" panose="020B0604020202020204" pitchFamily="34" charset="0"/>
-                <a:cs typeface="Arial" panose="020B0604020202020204" pitchFamily="34" charset="0"/>
-              </a:rPr>
-              <a:t>3: om </a:t>
-            </a:r>
-            <a:r>
               <a:rPr lang="nl-NL" dirty="0">
                 <a:latin typeface="Arial" panose="020B0604020202020204" pitchFamily="34" charset="0"/>
                 <a:cs typeface="Arial" panose="020B0604020202020204" pitchFamily="34" charset="0"/>
               </a:rPr>
-              <a:t>er alles mee te kunnen maken. </a:t>
-            </a:r>
-            <a:endParaRPr lang="nl-NL" dirty="0" smtClean="0">
-              <a:latin typeface="Arial" panose="020B0604020202020204" pitchFamily="34" charset="0"/>
-              <a:cs typeface="Arial" panose="020B0604020202020204" pitchFamily="34" charset="0"/>
-            </a:endParaRPr>
+            </a:br>
+            <a:r>
+              <a:rPr lang="nl-NL" dirty="0">
+                <a:latin typeface="Arial" panose="020B0604020202020204" pitchFamily="34" charset="0"/>
+                <a:cs typeface="Arial" panose="020B0604020202020204" pitchFamily="34" charset="0"/>
+              </a:rPr>
+              <a:t>2: gratis en voor iedereen beschikbaar: open source, en </a:t>
+            </a:r>
+            <a:br>
+              <a:rPr lang="nl-NL" dirty="0">
+                <a:latin typeface="Arial" panose="020B0604020202020204" pitchFamily="34" charset="0"/>
+                <a:cs typeface="Arial" panose="020B0604020202020204" pitchFamily="34" charset="0"/>
+              </a:rPr>
+            </a:br>
+            <a:r>
+              <a:rPr lang="nl-NL" dirty="0">
+                <a:latin typeface="Arial" panose="020B0604020202020204" pitchFamily="34" charset="0"/>
+                <a:cs typeface="Arial" panose="020B0604020202020204" pitchFamily="34" charset="0"/>
+              </a:rPr>
+              <a:t>3: om er alles mee te kunnen maken. </a:t>
+            </a:r>
           </a:p>
           <a:p>
             <a:pPr marL="0" indent="0">
@@ -19571,39 +20657,11 @@
               <a:buNone/>
             </a:pPr>
             <a:r>
-              <a:rPr lang="nl-NL" dirty="0" smtClean="0">
-                <a:latin typeface="Arial" panose="020B0604020202020204" pitchFamily="34" charset="0"/>
-                <a:cs typeface="Arial" panose="020B0604020202020204" pitchFamily="34" charset="0"/>
-              </a:rPr>
-              <a:t>De </a:t>
-            </a:r>
-            <a:r>
               <a:rPr lang="nl-NL" dirty="0">
                 <a:latin typeface="Arial" panose="020B0604020202020204" pitchFamily="34" charset="0"/>
                 <a:cs typeface="Arial" panose="020B0604020202020204" pitchFamily="34" charset="0"/>
               </a:rPr>
-              <a:t>betekenis van de naam Python is terug te leiden naar </a:t>
-            </a:r>
-            <a:r>
-              <a:rPr lang="nl-NL" dirty="0" smtClean="0">
-                <a:latin typeface="Arial" panose="020B0604020202020204" pitchFamily="34" charset="0"/>
-                <a:cs typeface="Arial" panose="020B0604020202020204" pitchFamily="34" charset="0"/>
-              </a:rPr>
-              <a:t>de comedy </a:t>
-            </a:r>
-            <a:r>
-              <a:rPr lang="nl-NL" dirty="0">
-                <a:latin typeface="Arial" panose="020B0604020202020204" pitchFamily="34" charset="0"/>
-                <a:cs typeface="Arial" panose="020B0604020202020204" pitchFamily="34" charset="0"/>
-              </a:rPr>
-              <a:t>serie </a:t>
-            </a:r>
-            <a:r>
-              <a:rPr lang="nl-NL" dirty="0" smtClean="0">
-                <a:latin typeface="Arial" panose="020B0604020202020204" pitchFamily="34" charset="0"/>
-                <a:cs typeface="Arial" panose="020B0604020202020204" pitchFamily="34" charset="0"/>
-              </a:rPr>
-              <a:t>“</a:t>
+              <a:t>De betekenis van de naam Python is terug te leiden naar de comedy serie “</a:t>
             </a:r>
             <a:r>
               <a:rPr lang="nl-NL" dirty="0" err="1">
@@ -19686,37 +20744,15 @@
               </a:rPr>
               <a:t> is een programmeertaal die begin jaren 90 ontworpen en ontwikkeld werd </a:t>
             </a:r>
-            <a:endParaRPr lang="nl-NL" dirty="0" smtClean="0">
-              <a:latin typeface="Arial" panose="020B0604020202020204" pitchFamily="34" charset="0"/>
-              <a:cs typeface="Arial" panose="020B0604020202020204" pitchFamily="34" charset="0"/>
-            </a:endParaRPr>
-          </a:p>
-          <a:p>
-            <a:r>
-              <a:rPr lang="nl-NL" dirty="0" smtClean="0">
-                <a:latin typeface="Arial" panose="020B0604020202020204" pitchFamily="34" charset="0"/>
-                <a:cs typeface="Arial" panose="020B0604020202020204" pitchFamily="34" charset="0"/>
-              </a:rPr>
-              <a:t>door </a:t>
-            </a:r>
+          </a:p>
+          <a:p>
             <a:r>
               <a:rPr lang="nl-NL" dirty="0">
                 <a:latin typeface="Arial" panose="020B0604020202020204" pitchFamily="34" charset="0"/>
                 <a:cs typeface="Arial" panose="020B0604020202020204" pitchFamily="34" charset="0"/>
               </a:rPr>
-              <a:t>Guido van Rossum, destijds verbonden aan het Centrum voor Wiskunde </a:t>
-            </a:r>
-            <a:r>
-              <a:rPr lang="nl-NL" dirty="0" smtClean="0">
-                <a:latin typeface="Arial" panose="020B0604020202020204" pitchFamily="34" charset="0"/>
-                <a:cs typeface="Arial" panose="020B0604020202020204" pitchFamily="34" charset="0"/>
-              </a:rPr>
-              <a:t>en Informatica.</a:t>
-            </a:r>
-            <a:endParaRPr lang="nl-NL" dirty="0">
-              <a:latin typeface="Arial" panose="020B0604020202020204" pitchFamily="34" charset="0"/>
-              <a:cs typeface="Arial" panose="020B0604020202020204" pitchFamily="34" charset="0"/>
-            </a:endParaRPr>
+              <a:t>door Guido van Rossum, destijds verbonden aan het Centrum voor Wiskunde en Informatica.</a:t>
+            </a:r>
           </a:p>
         </p:txBody>
       </p:sp>
@@ -19725,13 +20761,6 @@
   <p:clrMapOvr>
     <a:masterClrMapping/>
   </p:clrMapOvr>
-  <p:timing>
-    <p:tnLst>
-      <p:par>
-        <p:cTn id="1" dur="indefinite" restart="never" nodeType="tmRoot"/>
-      </p:par>
-    </p:tnLst>
-  </p:timing>
 </p:sld>
 </file>
 
@@ -19774,7 +20803,7 @@
           <a:lstStyle/>
           <a:p>
             <a:r>
-              <a:rPr lang="en-US" dirty="0" smtClean="0">
+              <a:rPr lang="en-US" dirty="0">
                 <a:hlinkClick r:id="rId2"/>
               </a:rPr>
               <a:t>Stack Overflow Developer Survey 2022</a:t>
@@ -19812,13 +20841,6 @@
   <p:clrMapOvr>
     <a:masterClrMapping/>
   </p:clrMapOvr>
-  <p:timing>
-    <p:tnLst>
-      <p:par>
-        <p:cTn id="1" dur="indefinite" restart="never" nodeType="tmRoot"/>
-      </p:par>
-    </p:tnLst>
-  </p:timing>
 </p:sld>
 </file>
 

--- a/Intro.pptx
+++ b/Intro.pptx
@@ -23,41 +23,39 @@
     <p:sldId id="369" r:id="rId17"/>
     <p:sldId id="370" r:id="rId18"/>
     <p:sldId id="371" r:id="rId19"/>
-    <p:sldId id="420" r:id="rId20"/>
-    <p:sldId id="415" r:id="rId21"/>
-    <p:sldId id="423" r:id="rId22"/>
-    <p:sldId id="424" r:id="rId23"/>
-    <p:sldId id="425" r:id="rId24"/>
-    <p:sldId id="301" r:id="rId25"/>
-    <p:sldId id="294" r:id="rId26"/>
-    <p:sldId id="289" r:id="rId27"/>
-    <p:sldId id="290" r:id="rId28"/>
-    <p:sldId id="295" r:id="rId29"/>
-    <p:sldId id="296" r:id="rId30"/>
-    <p:sldId id="372" r:id="rId31"/>
-    <p:sldId id="373" r:id="rId32"/>
-    <p:sldId id="426" r:id="rId33"/>
-    <p:sldId id="323" r:id="rId34"/>
-    <p:sldId id="324" r:id="rId35"/>
-    <p:sldId id="325" r:id="rId36"/>
-    <p:sldId id="326" r:id="rId37"/>
-    <p:sldId id="298" r:id="rId38"/>
-    <p:sldId id="318" r:id="rId39"/>
-    <p:sldId id="319" r:id="rId40"/>
-    <p:sldId id="315" r:id="rId41"/>
-    <p:sldId id="316" r:id="rId42"/>
-    <p:sldId id="421" r:id="rId43"/>
-    <p:sldId id="302" r:id="rId44"/>
-    <p:sldId id="312" r:id="rId45"/>
-    <p:sldId id="321" r:id="rId46"/>
-    <p:sldId id="422" r:id="rId47"/>
-    <p:sldId id="257" r:id="rId48"/>
-    <p:sldId id="258" r:id="rId49"/>
-    <p:sldId id="263" r:id="rId50"/>
-    <p:sldId id="265" r:id="rId51"/>
-    <p:sldId id="269" r:id="rId52"/>
-    <p:sldId id="270" r:id="rId53"/>
-    <p:sldId id="313" r:id="rId54"/>
+    <p:sldId id="415" r:id="rId20"/>
+    <p:sldId id="423" r:id="rId21"/>
+    <p:sldId id="425" r:id="rId22"/>
+    <p:sldId id="301" r:id="rId23"/>
+    <p:sldId id="294" r:id="rId24"/>
+    <p:sldId id="289" r:id="rId25"/>
+    <p:sldId id="290" r:id="rId26"/>
+    <p:sldId id="295" r:id="rId27"/>
+    <p:sldId id="296" r:id="rId28"/>
+    <p:sldId id="372" r:id="rId29"/>
+    <p:sldId id="373" r:id="rId30"/>
+    <p:sldId id="426" r:id="rId31"/>
+    <p:sldId id="323" r:id="rId32"/>
+    <p:sldId id="324" r:id="rId33"/>
+    <p:sldId id="325" r:id="rId34"/>
+    <p:sldId id="326" r:id="rId35"/>
+    <p:sldId id="298" r:id="rId36"/>
+    <p:sldId id="318" r:id="rId37"/>
+    <p:sldId id="319" r:id="rId38"/>
+    <p:sldId id="315" r:id="rId39"/>
+    <p:sldId id="316" r:id="rId40"/>
+    <p:sldId id="421" r:id="rId41"/>
+    <p:sldId id="302" r:id="rId42"/>
+    <p:sldId id="312" r:id="rId43"/>
+    <p:sldId id="321" r:id="rId44"/>
+    <p:sldId id="422" r:id="rId45"/>
+    <p:sldId id="257" r:id="rId46"/>
+    <p:sldId id="258" r:id="rId47"/>
+    <p:sldId id="263" r:id="rId48"/>
+    <p:sldId id="265" r:id="rId49"/>
+    <p:sldId id="269" r:id="rId50"/>
+    <p:sldId id="270" r:id="rId51"/>
+    <p:sldId id="313" r:id="rId52"/>
   </p:sldIdLst>
   <p:sldSz cx="12192000" cy="6858000"/>
   <p:notesSz cx="6858000" cy="9144000"/>
@@ -167,6 +165,7 @@
 <file path=ppt/revisionInfo.xml><?xml version="1.0" encoding="utf-8"?>
 <p1510:revInfo xmlns:a="http://schemas.openxmlformats.org/drawingml/2006/main" xmlns:r="http://schemas.openxmlformats.org/officeDocument/2006/relationships" xmlns:p1510="http://schemas.microsoft.com/office/powerpoint/2015/10/main">
   <p1510:revLst>
+    <p1510:client id="{23D8B655-52C4-473C-BC09-E42846206E2D}" v="151" dt="2023-04-27T19:43:44.032"/>
     <p1510:client id="{283757E5-C4D9-4FBA-8AE3-B4E2FCA9AB31}" v="465" dt="2023-03-29T08:14:00.632"/>
   </p1510:revLst>
 </p1510:revInfo>
@@ -894,7 +893,7 @@
           <a:p>
             <a:fld id="{6ACDB02D-298E-4694-859A-BF6474DEFEA3}" type="datetimeFigureOut">
               <a:rPr lang="nl-NL" smtClean="0"/>
-              <a:t>29-3-2023</a:t>
+              <a:t>27-4-2023</a:t>
             </a:fld>
             <a:endParaRPr lang="nl-NL"/>
           </a:p>
@@ -936,7 +935,7 @@
           <a:p>
             <a:fld id="{CB658280-899A-42DE-9A2F-8F8BDDDDB10E}" type="slidenum">
               <a:rPr lang="nl-NL" smtClean="0"/>
-              <a:t>‹nr.›</a:t>
+              <a:t>‹#›</a:t>
             </a:fld>
             <a:endParaRPr lang="nl-NL"/>
           </a:p>
@@ -1140,7 +1139,7 @@
           <a:p>
             <a:fld id="{6ACDB02D-298E-4694-859A-BF6474DEFEA3}" type="datetimeFigureOut">
               <a:rPr lang="nl-NL" smtClean="0"/>
-              <a:t>29-3-2023</a:t>
+              <a:t>27-4-2023</a:t>
             </a:fld>
             <a:endParaRPr lang="nl-NL"/>
           </a:p>
@@ -1182,7 +1181,7 @@
           <a:p>
             <a:fld id="{CB658280-899A-42DE-9A2F-8F8BDDDDB10E}" type="slidenum">
               <a:rPr lang="nl-NL" smtClean="0"/>
-              <a:t>‹nr.›</a:t>
+              <a:t>‹#›</a:t>
             </a:fld>
             <a:endParaRPr lang="nl-NL"/>
           </a:p>
@@ -1449,7 +1448,7 @@
           <a:p>
             <a:fld id="{6ACDB02D-298E-4694-859A-BF6474DEFEA3}" type="datetimeFigureOut">
               <a:rPr lang="nl-NL" smtClean="0"/>
-              <a:t>29-3-2023</a:t>
+              <a:t>27-4-2023</a:t>
             </a:fld>
             <a:endParaRPr lang="nl-NL"/>
           </a:p>
@@ -1491,7 +1490,7 @@
           <a:p>
             <a:fld id="{CB658280-899A-42DE-9A2F-8F8BDDDDB10E}" type="slidenum">
               <a:rPr lang="nl-NL" smtClean="0"/>
-              <a:t>‹nr.›</a:t>
+              <a:t>‹#›</a:t>
             </a:fld>
             <a:endParaRPr lang="nl-NL"/>
           </a:p>
@@ -1785,7 +1784,7 @@
           <a:p>
             <a:fld id="{6ACDB02D-298E-4694-859A-BF6474DEFEA3}" type="datetimeFigureOut">
               <a:rPr lang="nl-NL" smtClean="0"/>
-              <a:t>29-3-2023</a:t>
+              <a:t>27-4-2023</a:t>
             </a:fld>
             <a:endParaRPr lang="nl-NL"/>
           </a:p>
@@ -1827,7 +1826,7 @@
           <a:p>
             <a:fld id="{CB658280-899A-42DE-9A2F-8F8BDDDDB10E}" type="slidenum">
               <a:rPr lang="nl-NL" smtClean="0"/>
-              <a:t>‹nr.›</a:t>
+              <a:t>‹#›</a:t>
             </a:fld>
             <a:endParaRPr lang="nl-NL"/>
           </a:p>
@@ -2094,7 +2093,7 @@
           <a:p>
             <a:fld id="{6ACDB02D-298E-4694-859A-BF6474DEFEA3}" type="datetimeFigureOut">
               <a:rPr lang="nl-NL" smtClean="0"/>
-              <a:t>29-3-2023</a:t>
+              <a:t>27-4-2023</a:t>
             </a:fld>
             <a:endParaRPr lang="nl-NL"/>
           </a:p>
@@ -2136,7 +2135,7 @@
           <a:p>
             <a:fld id="{CB658280-899A-42DE-9A2F-8F8BDDDDB10E}" type="slidenum">
               <a:rPr lang="nl-NL" smtClean="0"/>
-              <a:t>‹nr.›</a:t>
+              <a:t>‹#›</a:t>
             </a:fld>
             <a:endParaRPr lang="nl-NL"/>
           </a:p>
@@ -2482,7 +2481,7 @@
           <a:p>
             <a:fld id="{6ACDB02D-298E-4694-859A-BF6474DEFEA3}" type="datetimeFigureOut">
               <a:rPr lang="nl-NL" smtClean="0"/>
-              <a:t>29-3-2023</a:t>
+              <a:t>27-4-2023</a:t>
             </a:fld>
             <a:endParaRPr lang="nl-NL"/>
           </a:p>
@@ -2524,7 +2523,7 @@
           <a:p>
             <a:fld id="{CB658280-899A-42DE-9A2F-8F8BDDDDB10E}" type="slidenum">
               <a:rPr lang="nl-NL" smtClean="0"/>
-              <a:t>‹nr.›</a:t>
+              <a:t>‹#›</a:t>
             </a:fld>
             <a:endParaRPr lang="nl-NL"/>
           </a:p>
@@ -2647,7 +2646,7 @@
           <a:p>
             <a:fld id="{6ACDB02D-298E-4694-859A-BF6474DEFEA3}" type="datetimeFigureOut">
               <a:rPr lang="nl-NL" smtClean="0"/>
-              <a:t>29-3-2023</a:t>
+              <a:t>27-4-2023</a:t>
             </a:fld>
             <a:endParaRPr lang="nl-NL"/>
           </a:p>
@@ -2689,7 +2688,7 @@
           <a:p>
             <a:fld id="{CB658280-899A-42DE-9A2F-8F8BDDDDB10E}" type="slidenum">
               <a:rPr lang="nl-NL" smtClean="0"/>
-              <a:t>‹nr.›</a:t>
+              <a:t>‹#›</a:t>
             </a:fld>
             <a:endParaRPr lang="nl-NL"/>
           </a:p>
@@ -2822,7 +2821,7 @@
           <a:p>
             <a:fld id="{6ACDB02D-298E-4694-859A-BF6474DEFEA3}" type="datetimeFigureOut">
               <a:rPr lang="nl-NL" smtClean="0"/>
-              <a:t>29-3-2023</a:t>
+              <a:t>27-4-2023</a:t>
             </a:fld>
             <a:endParaRPr lang="nl-NL"/>
           </a:p>
@@ -2864,7 +2863,7 @@
           <a:p>
             <a:fld id="{CB658280-899A-42DE-9A2F-8F8BDDDDB10E}" type="slidenum">
               <a:rPr lang="nl-NL" smtClean="0"/>
-              <a:t>‹nr.›</a:t>
+              <a:t>‹#›</a:t>
             </a:fld>
             <a:endParaRPr lang="nl-NL"/>
           </a:p>
@@ -2993,7 +2992,7 @@
           <a:p>
             <a:fld id="{6ACDB02D-298E-4694-859A-BF6474DEFEA3}" type="datetimeFigureOut">
               <a:rPr lang="nl-NL" smtClean="0"/>
-              <a:t>29-3-2023</a:t>
+              <a:t>27-4-2023</a:t>
             </a:fld>
             <a:endParaRPr lang="nl-NL"/>
           </a:p>
@@ -3035,7 +3034,7 @@
           <a:p>
             <a:fld id="{CB658280-899A-42DE-9A2F-8F8BDDDDB10E}" type="slidenum">
               <a:rPr lang="nl-NL" smtClean="0"/>
-              <a:t>‹nr.›</a:t>
+              <a:t>‹#›</a:t>
             </a:fld>
             <a:endParaRPr lang="nl-NL"/>
           </a:p>
@@ -3235,7 +3234,7 @@
           <a:p>
             <a:fld id="{6ACDB02D-298E-4694-859A-BF6474DEFEA3}" type="datetimeFigureOut">
               <a:rPr lang="nl-NL" smtClean="0"/>
-              <a:t>29-3-2023</a:t>
+              <a:t>27-4-2023</a:t>
             </a:fld>
             <a:endParaRPr lang="nl-NL"/>
           </a:p>
@@ -3277,7 +3276,7 @@
           <a:p>
             <a:fld id="{CB658280-899A-42DE-9A2F-8F8BDDDDB10E}" type="slidenum">
               <a:rPr lang="nl-NL" smtClean="0"/>
-              <a:t>‹nr.›</a:t>
+              <a:t>‹#›</a:t>
             </a:fld>
             <a:endParaRPr lang="nl-NL"/>
           </a:p>
@@ -3462,7 +3461,7 @@
           <a:p>
             <a:fld id="{6ACDB02D-298E-4694-859A-BF6474DEFEA3}" type="datetimeFigureOut">
               <a:rPr lang="nl-NL" smtClean="0"/>
-              <a:t>29-3-2023</a:t>
+              <a:t>27-4-2023</a:t>
             </a:fld>
             <a:endParaRPr lang="nl-NL"/>
           </a:p>
@@ -3504,7 +3503,7 @@
           <a:p>
             <a:fld id="{CB658280-899A-42DE-9A2F-8F8BDDDDB10E}" type="slidenum">
               <a:rPr lang="nl-NL" smtClean="0"/>
-              <a:t>‹nr.›</a:t>
+              <a:t>‹#›</a:t>
             </a:fld>
             <a:endParaRPr lang="nl-NL"/>
           </a:p>
@@ -3831,7 +3830,7 @@
           <a:p>
             <a:fld id="{6ACDB02D-298E-4694-859A-BF6474DEFEA3}" type="datetimeFigureOut">
               <a:rPr lang="nl-NL" smtClean="0"/>
-              <a:t>29-3-2023</a:t>
+              <a:t>27-4-2023</a:t>
             </a:fld>
             <a:endParaRPr lang="nl-NL"/>
           </a:p>
@@ -3873,7 +3872,7 @@
           <a:p>
             <a:fld id="{CB658280-899A-42DE-9A2F-8F8BDDDDB10E}" type="slidenum">
               <a:rPr lang="nl-NL" smtClean="0"/>
-              <a:t>‹nr.›</a:t>
+              <a:t>‹#›</a:t>
             </a:fld>
             <a:endParaRPr lang="nl-NL"/>
           </a:p>
@@ -3949,7 +3948,7 @@
           <a:p>
             <a:fld id="{6ACDB02D-298E-4694-859A-BF6474DEFEA3}" type="datetimeFigureOut">
               <a:rPr lang="nl-NL" smtClean="0"/>
-              <a:t>29-3-2023</a:t>
+              <a:t>27-4-2023</a:t>
             </a:fld>
             <a:endParaRPr lang="nl-NL"/>
           </a:p>
@@ -3991,7 +3990,7 @@
           <a:p>
             <a:fld id="{CB658280-899A-42DE-9A2F-8F8BDDDDB10E}" type="slidenum">
               <a:rPr lang="nl-NL" smtClean="0"/>
-              <a:t>‹nr.›</a:t>
+              <a:t>‹#›</a:t>
             </a:fld>
             <a:endParaRPr lang="nl-NL"/>
           </a:p>
@@ -4039,7 +4038,7 @@
           <a:p>
             <a:fld id="{6ACDB02D-298E-4694-859A-BF6474DEFEA3}" type="datetimeFigureOut">
               <a:rPr lang="nl-NL" smtClean="0"/>
-              <a:t>29-3-2023</a:t>
+              <a:t>27-4-2023</a:t>
             </a:fld>
             <a:endParaRPr lang="nl-NL"/>
           </a:p>
@@ -4081,7 +4080,7 @@
           <a:p>
             <a:fld id="{CB658280-899A-42DE-9A2F-8F8BDDDDB10E}" type="slidenum">
               <a:rPr lang="nl-NL" smtClean="0"/>
-              <a:t>‹nr.›</a:t>
+              <a:t>‹#›</a:t>
             </a:fld>
             <a:endParaRPr lang="nl-NL"/>
           </a:p>
@@ -4289,7 +4288,7 @@
           <a:p>
             <a:fld id="{6ACDB02D-298E-4694-859A-BF6474DEFEA3}" type="datetimeFigureOut">
               <a:rPr lang="nl-NL" smtClean="0"/>
-              <a:t>29-3-2023</a:t>
+              <a:t>27-4-2023</a:t>
             </a:fld>
             <a:endParaRPr lang="nl-NL"/>
           </a:p>
@@ -4331,7 +4330,7 @@
           <a:p>
             <a:fld id="{CB658280-899A-42DE-9A2F-8F8BDDDDB10E}" type="slidenum">
               <a:rPr lang="nl-NL" smtClean="0"/>
-              <a:t>‹nr.›</a:t>
+              <a:t>‹#›</a:t>
             </a:fld>
             <a:endParaRPr lang="nl-NL"/>
           </a:p>
@@ -4547,7 +4546,7 @@
           <a:p>
             <a:fld id="{6ACDB02D-298E-4694-859A-BF6474DEFEA3}" type="datetimeFigureOut">
               <a:rPr lang="nl-NL" smtClean="0"/>
-              <a:t>29-3-2023</a:t>
+              <a:t>27-4-2023</a:t>
             </a:fld>
             <a:endParaRPr lang="nl-NL"/>
           </a:p>
@@ -4589,7 +4588,7 @@
           <a:p>
             <a:fld id="{CB658280-899A-42DE-9A2F-8F8BDDDDB10E}" type="slidenum">
               <a:rPr lang="nl-NL" smtClean="0"/>
-              <a:t>‹nr.›</a:t>
+              <a:t>‹#›</a:t>
             </a:fld>
             <a:endParaRPr lang="nl-NL"/>
           </a:p>
@@ -5285,7 +5284,7 @@
           <a:p>
             <a:fld id="{6ACDB02D-298E-4694-859A-BF6474DEFEA3}" type="datetimeFigureOut">
               <a:rPr lang="nl-NL" smtClean="0"/>
-              <a:t>29-3-2023</a:t>
+              <a:t>27-4-2023</a:t>
             </a:fld>
             <a:endParaRPr lang="nl-NL"/>
           </a:p>
@@ -5361,7 +5360,7 @@
           <a:p>
             <a:fld id="{CB658280-899A-42DE-9A2F-8F8BDDDDB10E}" type="slidenum">
               <a:rPr lang="nl-NL" smtClean="0"/>
-              <a:t>‹nr.›</a:t>
+              <a:t>‹#›</a:t>
             </a:fld>
             <a:endParaRPr lang="nl-NL"/>
           </a:p>
@@ -10027,118 +10026,6 @@
           <a:chExt cx="0" cy="0"/>
         </a:xfrm>
       </p:grpSpPr>
-      <p:pic>
-        <p:nvPicPr>
-          <p:cNvPr id="5" name="Afbeelding 4"/>
-          <p:cNvPicPr>
-            <a:picLocks noChangeAspect="1"/>
-          </p:cNvPicPr>
-          <p:nvPr/>
-        </p:nvPicPr>
-        <p:blipFill>
-          <a:blip r:embed="rId2"/>
-          <a:stretch>
-            <a:fillRect/>
-          </a:stretch>
-        </p:blipFill>
-        <p:spPr>
-          <a:xfrm>
-            <a:off x="2951019" y="116378"/>
-            <a:ext cx="3978010" cy="6612383"/>
-          </a:xfrm>
-          <a:prstGeom prst="rect">
-            <a:avLst/>
-          </a:prstGeom>
-        </p:spPr>
-      </p:pic>
-    </p:spTree>
-    <p:extLst>
-      <p:ext uri="{BB962C8B-B14F-4D97-AF65-F5344CB8AC3E}">
-        <p14:creationId xmlns:p14="http://schemas.microsoft.com/office/powerpoint/2010/main" val="2787033112"/>
-      </p:ext>
-    </p:extLst>
-  </p:cSld>
-  <p:clrMapOvr>
-    <a:masterClrMapping/>
-  </p:clrMapOvr>
-</p:sld>
-</file>
-
-<file path=ppt/slides/slide2.xml><?xml version="1.0" encoding="utf-8"?>
-<p:sld xmlns:a="http://schemas.openxmlformats.org/drawingml/2006/main" xmlns:r="http://schemas.openxmlformats.org/officeDocument/2006/relationships" xmlns:p="http://schemas.openxmlformats.org/presentationml/2006/main">
-  <p:cSld>
-    <p:spTree>
-      <p:nvGrpSpPr>
-        <p:cNvPr id="1" name=""/>
-        <p:cNvGrpSpPr/>
-        <p:nvPr/>
-      </p:nvGrpSpPr>
-      <p:grpSpPr>
-        <a:xfrm>
-          <a:off x="0" y="0"/>
-          <a:ext cx="0" cy="0"/>
-          <a:chOff x="0" y="0"/>
-          <a:chExt cx="0" cy="0"/>
-        </a:xfrm>
-      </p:grpSpPr>
-      <p:sp>
-        <p:nvSpPr>
-          <p:cNvPr id="2" name="Titel 1"/>
-          <p:cNvSpPr>
-            <a:spLocks noGrp="1"/>
-          </p:cNvSpPr>
-          <p:nvPr>
-            <p:ph type="title"/>
-          </p:nvPr>
-        </p:nvSpPr>
-        <p:spPr>
-          <a:xfrm>
-            <a:off x="669022" y="2579717"/>
-            <a:ext cx="8596668" cy="728749"/>
-          </a:xfrm>
-        </p:spPr>
-        <p:txBody>
-          <a:bodyPr/>
-          <a:lstStyle/>
-          <a:p>
-            <a:pPr algn="ctr"/>
-            <a:r>
-              <a:rPr lang="nl-NL" dirty="0"/>
-              <a:t>Even voorstellen.</a:t>
-            </a:r>
-          </a:p>
-        </p:txBody>
-      </p:sp>
-    </p:spTree>
-    <p:extLst>
-      <p:ext uri="{BB962C8B-B14F-4D97-AF65-F5344CB8AC3E}">
-        <p14:creationId xmlns:p14="http://schemas.microsoft.com/office/powerpoint/2010/main" val="4004020625"/>
-      </p:ext>
-    </p:extLst>
-  </p:cSld>
-  <p:clrMapOvr>
-    <a:masterClrMapping/>
-  </p:clrMapOvr>
-</p:sld>
-</file>
-
-<file path=ppt/slides/slide20.xml><?xml version="1.0" encoding="utf-8"?>
-<p:sld xmlns:a="http://schemas.openxmlformats.org/drawingml/2006/main" xmlns:r="http://schemas.openxmlformats.org/officeDocument/2006/relationships" xmlns:p="http://schemas.openxmlformats.org/presentationml/2006/main">
-  <p:cSld>
-    <p:spTree>
-      <p:nvGrpSpPr>
-        <p:cNvPr id="1" name=""/>
-        <p:cNvGrpSpPr/>
-        <p:nvPr/>
-      </p:nvGrpSpPr>
-      <p:grpSpPr>
-        <a:xfrm>
-          <a:off x="0" y="0"/>
-          <a:ext cx="0" cy="0"/>
-          <a:chOff x="0" y="0"/>
-          <a:chExt cx="0" cy="0"/>
-        </a:xfrm>
-      </p:grpSpPr>
       <p:sp>
         <p:nvSpPr>
           <p:cNvPr id="3" name="Titel 1"/>
@@ -10821,7 +10708,65 @@
 </p:sld>
 </file>
 
-<file path=ppt/slides/slide21.xml><?xml version="1.0" encoding="utf-8"?>
+<file path=ppt/slides/slide2.xml><?xml version="1.0" encoding="utf-8"?>
+<p:sld xmlns:a="http://schemas.openxmlformats.org/drawingml/2006/main" xmlns:r="http://schemas.openxmlformats.org/officeDocument/2006/relationships" xmlns:p="http://schemas.openxmlformats.org/presentationml/2006/main">
+  <p:cSld>
+    <p:spTree>
+      <p:nvGrpSpPr>
+        <p:cNvPr id="1" name=""/>
+        <p:cNvGrpSpPr/>
+        <p:nvPr/>
+      </p:nvGrpSpPr>
+      <p:grpSpPr>
+        <a:xfrm>
+          <a:off x="0" y="0"/>
+          <a:ext cx="0" cy="0"/>
+          <a:chOff x="0" y="0"/>
+          <a:chExt cx="0" cy="0"/>
+        </a:xfrm>
+      </p:grpSpPr>
+      <p:sp>
+        <p:nvSpPr>
+          <p:cNvPr id="2" name="Titel 1"/>
+          <p:cNvSpPr>
+            <a:spLocks noGrp="1"/>
+          </p:cNvSpPr>
+          <p:nvPr>
+            <p:ph type="title"/>
+          </p:nvPr>
+        </p:nvSpPr>
+        <p:spPr>
+          <a:xfrm>
+            <a:off x="669022" y="2579717"/>
+            <a:ext cx="8596668" cy="728749"/>
+          </a:xfrm>
+        </p:spPr>
+        <p:txBody>
+          <a:bodyPr/>
+          <a:lstStyle/>
+          <a:p>
+            <a:pPr algn="ctr"/>
+            <a:r>
+              <a:rPr lang="nl-NL" dirty="0"/>
+              <a:t>Even voorstellen.</a:t>
+            </a:r>
+          </a:p>
+        </p:txBody>
+      </p:sp>
+    </p:spTree>
+    <p:extLst>
+      <p:ext uri="{BB962C8B-B14F-4D97-AF65-F5344CB8AC3E}">
+        <p14:creationId xmlns:p14="http://schemas.microsoft.com/office/powerpoint/2010/main" val="4004020625"/>
+      </p:ext>
+    </p:extLst>
+  </p:cSld>
+  <p:clrMapOvr>
+    <a:masterClrMapping/>
+  </p:clrMapOvr>
+</p:sld>
+</file>
+
+<file path=ppt/slides/slide20.xml><?xml version="1.0" encoding="utf-8"?>
 <p:sld xmlns:a="http://schemas.openxmlformats.org/drawingml/2006/main" xmlns:r="http://schemas.openxmlformats.org/officeDocument/2006/relationships" xmlns:p="http://schemas.openxmlformats.org/presentationml/2006/main">
   <p:cSld>
     <p:spTree>
@@ -10848,180 +10793,7 @@
         </p:nvSpPr>
         <p:spPr>
           <a:xfrm>
-            <a:off x="677334" y="609600"/>
-            <a:ext cx="10160773" cy="768350"/>
-          </a:xfrm>
-          <a:prstGeom prst="rect">
-            <a:avLst/>
-          </a:prstGeom>
-        </p:spPr>
-        <p:txBody>
-          <a:bodyPr vert="horz" lIns="91440" tIns="45720" rIns="91440" bIns="45720" rtlCol="0" anchor="t">
-            <a:normAutofit fontScale="85000" lnSpcReduction="10000"/>
-          </a:bodyPr>
-          <a:lstStyle>
-            <a:lvl1pPr algn="l" defTabSz="457200" rtl="0" eaLnBrk="1" latinLnBrk="0" hangingPunct="1">
-              <a:spcBef>
-                <a:spcPct val="0"/>
-              </a:spcBef>
-              <a:buNone/>
-              <a:defRPr sz="3600" kern="1200">
-                <a:solidFill>
-                  <a:schemeClr val="accent1"/>
-                </a:solidFill>
-                <a:latin typeface="+mj-lt"/>
-                <a:ea typeface="+mj-ea"/>
-                <a:cs typeface="+mj-cs"/>
-              </a:defRPr>
-            </a:lvl1pPr>
-            <a:lvl2pPr eaLnBrk="1" hangingPunct="1">
-              <a:defRPr>
-                <a:solidFill>
-                  <a:schemeClr val="tx2"/>
-                </a:solidFill>
-              </a:defRPr>
-            </a:lvl2pPr>
-            <a:lvl3pPr eaLnBrk="1" hangingPunct="1">
-              <a:defRPr>
-                <a:solidFill>
-                  <a:schemeClr val="tx2"/>
-                </a:solidFill>
-              </a:defRPr>
-            </a:lvl3pPr>
-            <a:lvl4pPr eaLnBrk="1" hangingPunct="1">
-              <a:defRPr>
-                <a:solidFill>
-                  <a:schemeClr val="tx2"/>
-                </a:solidFill>
-              </a:defRPr>
-            </a:lvl4pPr>
-            <a:lvl5pPr eaLnBrk="1" hangingPunct="1">
-              <a:defRPr>
-                <a:solidFill>
-                  <a:schemeClr val="tx2"/>
-                </a:solidFill>
-              </a:defRPr>
-            </a:lvl5pPr>
-            <a:lvl6pPr eaLnBrk="1" hangingPunct="1">
-              <a:defRPr>
-                <a:solidFill>
-                  <a:schemeClr val="tx2"/>
-                </a:solidFill>
-              </a:defRPr>
-            </a:lvl6pPr>
-            <a:lvl7pPr eaLnBrk="1" hangingPunct="1">
-              <a:defRPr>
-                <a:solidFill>
-                  <a:schemeClr val="tx2"/>
-                </a:solidFill>
-              </a:defRPr>
-            </a:lvl7pPr>
-            <a:lvl8pPr eaLnBrk="1" hangingPunct="1">
-              <a:defRPr>
-                <a:solidFill>
-                  <a:schemeClr val="tx2"/>
-                </a:solidFill>
-              </a:defRPr>
-            </a:lvl8pPr>
-            <a:lvl9pPr eaLnBrk="1" hangingPunct="1">
-              <a:defRPr>
-                <a:solidFill>
-                  <a:schemeClr val="tx2"/>
-                </a:solidFill>
-              </a:defRPr>
-            </a:lvl9pPr>
-          </a:lstStyle>
-          <a:p>
-            <a:pPr algn="ctr"/>
-            <a:r>
-              <a:rPr lang="en-US" dirty="0">
-                <a:solidFill>
-                  <a:schemeClr val="tx1"/>
-                </a:solidFill>
-                <a:ea typeface="+mj-lt"/>
-                <a:cs typeface="+mj-lt"/>
-              </a:rPr>
-              <a:t>https://github.com/HagaZiekenhuis/python-workshops</a:t>
-            </a:r>
-            <a:endParaRPr lang="nl-NL">
-              <a:solidFill>
-                <a:schemeClr val="tx1"/>
-              </a:solidFill>
-            </a:endParaRPr>
-          </a:p>
-        </p:txBody>
-      </p:sp>
-      <p:pic>
-        <p:nvPicPr>
-          <p:cNvPr id="4" name="Afbeelding 5" descr="Afbeelding met tafel&#10;&#10;Automatisch gegenereerde beschrijving">
-            <a:extLst>
-              <a:ext uri="{FF2B5EF4-FFF2-40B4-BE49-F238E27FC236}">
-                <a16:creationId xmlns:a16="http://schemas.microsoft.com/office/drawing/2014/main" id="{68F67C17-1015-46EA-ACAE-5518E4089EA4}"/>
-              </a:ext>
-            </a:extLst>
-          </p:cNvPr>
-          <p:cNvPicPr>
-            <a:picLocks noChangeAspect="1"/>
-          </p:cNvPicPr>
-          <p:nvPr/>
-        </p:nvPicPr>
-        <p:blipFill>
-          <a:blip r:embed="rId2"/>
-          <a:stretch>
-            <a:fillRect/>
-          </a:stretch>
-        </p:blipFill>
-        <p:spPr>
-          <a:xfrm>
-            <a:off x="342901" y="1534663"/>
-            <a:ext cx="10994856" cy="4971778"/>
-          </a:xfrm>
-          <a:prstGeom prst="rect">
-            <a:avLst/>
-          </a:prstGeom>
-        </p:spPr>
-      </p:pic>
-    </p:spTree>
-    <p:extLst>
-      <p:ext uri="{BB962C8B-B14F-4D97-AF65-F5344CB8AC3E}">
-        <p14:creationId xmlns:p14="http://schemas.microsoft.com/office/powerpoint/2010/main" val="3936581334"/>
-      </p:ext>
-    </p:extLst>
-  </p:cSld>
-  <p:clrMapOvr>
-    <a:masterClrMapping/>
-  </p:clrMapOvr>
-</p:sld>
-</file>
-
-<file path=ppt/slides/slide22.xml><?xml version="1.0" encoding="utf-8"?>
-<p:sld xmlns:a="http://schemas.openxmlformats.org/drawingml/2006/main" xmlns:r="http://schemas.openxmlformats.org/officeDocument/2006/relationships" xmlns:p="http://schemas.openxmlformats.org/presentationml/2006/main">
-  <p:cSld>
-    <p:spTree>
-      <p:nvGrpSpPr>
-        <p:cNvPr id="1" name=""/>
-        <p:cNvGrpSpPr/>
-        <p:nvPr/>
-      </p:nvGrpSpPr>
-      <p:grpSpPr>
-        <a:xfrm>
-          <a:off x="0" y="0"/>
-          <a:ext cx="0" cy="0"/>
-          <a:chOff x="0" y="0"/>
-          <a:chExt cx="0" cy="0"/>
-        </a:xfrm>
-      </p:grpSpPr>
-      <p:sp>
-        <p:nvSpPr>
-          <p:cNvPr id="3" name="Titel 1"/>
-          <p:cNvSpPr>
-            <a:spLocks noGrp="1"/>
-          </p:cNvSpPr>
-          <p:nvPr/>
-        </p:nvSpPr>
-        <p:spPr>
-          <a:xfrm>
-            <a:off x="436702" y="419100"/>
+            <a:off x="677334" y="180975"/>
             <a:ext cx="10160773" cy="768350"/>
           </a:xfrm>
           <a:prstGeom prst="rect">
@@ -11114,24 +10886,37 @@
                 <a:ea typeface="+mj-lt"/>
                 <a:cs typeface="+mj-lt"/>
               </a:rPr>
-              <a:t>https://colab.research.google.com/</a:t>
-            </a:r>
-            <a:endParaRPr lang="nl-NL" dirty="0">
-              <a:solidFill>
-                <a:schemeClr val="tx1"/>
-              </a:solidFill>
-              <a:ea typeface="+mj-lt"/>
-              <a:cs typeface="+mj-lt"/>
-            </a:endParaRPr>
+              <a:t>github.com/</a:t>
+            </a:r>
+            <a:r>
+              <a:rPr lang="en-US" dirty="0" err="1">
+                <a:solidFill>
+                  <a:schemeClr val="tx1"/>
+                </a:solidFill>
+                <a:ea typeface="+mj-lt"/>
+                <a:cs typeface="+mj-lt"/>
+              </a:rPr>
+              <a:t>HagaZiekenhuis</a:t>
+            </a:r>
+            <a:r>
+              <a:rPr lang="en-US" dirty="0">
+                <a:solidFill>
+                  <a:schemeClr val="tx1"/>
+                </a:solidFill>
+                <a:ea typeface="+mj-lt"/>
+                <a:cs typeface="+mj-lt"/>
+              </a:rPr>
+              <a:t>/python-workshops</a:t>
+            </a:r>
           </a:p>
         </p:txBody>
       </p:sp>
       <p:pic>
         <p:nvPicPr>
-          <p:cNvPr id="2" name="Afbeelding 4" descr="Afbeelding met tekst&#10;&#10;Automatisch gegenereerde beschrijving">
+          <p:cNvPr id="4" name="Afbeelding 5" descr="Afbeelding met tafel&#10;&#10;Automatisch gegenereerde beschrijving">
             <a:extLst>
               <a:ext uri="{FF2B5EF4-FFF2-40B4-BE49-F238E27FC236}">
-                <a16:creationId xmlns:a16="http://schemas.microsoft.com/office/drawing/2014/main" id="{042755FD-50FC-1066-4E7B-5269BF214312}"/>
+                <a16:creationId xmlns:a16="http://schemas.microsoft.com/office/drawing/2014/main" id="{68F67C17-1015-46EA-ACAE-5518E4089EA4}"/>
               </a:ext>
             </a:extLst>
           </p:cNvPr>
@@ -11140,26 +10925,690 @@
           </p:cNvPicPr>
           <p:nvPr/>
         </p:nvPicPr>
-        <p:blipFill>
+        <p:blipFill rotWithShape="1">
           <a:blip r:embed="rId2"/>
-          <a:stretch>
-            <a:fillRect/>
-          </a:stretch>
+          <a:srcRect l="62218" t="23372" r="520" b="15709"/>
+          <a:stretch/>
         </p:blipFill>
         <p:spPr>
           <a:xfrm>
-            <a:off x="1716506" y="1178895"/>
-            <a:ext cx="7415461" cy="5522895"/>
+            <a:off x="723901" y="848863"/>
+            <a:ext cx="4096883" cy="3028788"/>
           </a:xfrm>
           <a:prstGeom prst="rect">
             <a:avLst/>
           </a:prstGeom>
         </p:spPr>
       </p:pic>
+      <p:sp>
+        <p:nvSpPr>
+          <p:cNvPr id="5" name="Titel 1">
+            <a:extLst>
+              <a:ext uri="{FF2B5EF4-FFF2-40B4-BE49-F238E27FC236}">
+                <a16:creationId xmlns:a16="http://schemas.microsoft.com/office/drawing/2014/main" id="{C3EC70A2-E912-9E17-C391-9CDD4F7ED71E}"/>
+              </a:ext>
+            </a:extLst>
+          </p:cNvPr>
+          <p:cNvSpPr>
+            <a:spLocks noGrp="1"/>
+          </p:cNvSpPr>
+          <p:nvPr/>
+        </p:nvSpPr>
+        <p:spPr>
+          <a:xfrm>
+            <a:off x="5370652" y="5905500"/>
+            <a:ext cx="6007873" cy="768350"/>
+          </a:xfrm>
+          <a:prstGeom prst="rect">
+            <a:avLst/>
+          </a:prstGeom>
+        </p:spPr>
+        <p:txBody>
+          <a:bodyPr vert="horz" lIns="91440" tIns="45720" rIns="91440" bIns="45720" rtlCol="0" anchor="t">
+            <a:normAutofit/>
+          </a:bodyPr>
+          <a:lstStyle>
+            <a:lvl1pPr algn="l" defTabSz="457200" rtl="0" eaLnBrk="1" latinLnBrk="0" hangingPunct="1">
+              <a:spcBef>
+                <a:spcPct val="0"/>
+              </a:spcBef>
+              <a:buNone/>
+              <a:defRPr sz="3600" kern="1200">
+                <a:solidFill>
+                  <a:schemeClr val="accent1"/>
+                </a:solidFill>
+                <a:latin typeface="+mj-lt"/>
+                <a:ea typeface="+mj-ea"/>
+                <a:cs typeface="+mj-cs"/>
+              </a:defRPr>
+            </a:lvl1pPr>
+            <a:lvl2pPr eaLnBrk="1" hangingPunct="1">
+              <a:defRPr>
+                <a:solidFill>
+                  <a:schemeClr val="tx2"/>
+                </a:solidFill>
+              </a:defRPr>
+            </a:lvl2pPr>
+            <a:lvl3pPr eaLnBrk="1" hangingPunct="1">
+              <a:defRPr>
+                <a:solidFill>
+                  <a:schemeClr val="tx2"/>
+                </a:solidFill>
+              </a:defRPr>
+            </a:lvl3pPr>
+            <a:lvl4pPr eaLnBrk="1" hangingPunct="1">
+              <a:defRPr>
+                <a:solidFill>
+                  <a:schemeClr val="tx2"/>
+                </a:solidFill>
+              </a:defRPr>
+            </a:lvl4pPr>
+            <a:lvl5pPr eaLnBrk="1" hangingPunct="1">
+              <a:defRPr>
+                <a:solidFill>
+                  <a:schemeClr val="tx2"/>
+                </a:solidFill>
+              </a:defRPr>
+            </a:lvl5pPr>
+            <a:lvl6pPr eaLnBrk="1" hangingPunct="1">
+              <a:defRPr>
+                <a:solidFill>
+                  <a:schemeClr val="tx2"/>
+                </a:solidFill>
+              </a:defRPr>
+            </a:lvl6pPr>
+            <a:lvl7pPr eaLnBrk="1" hangingPunct="1">
+              <a:defRPr>
+                <a:solidFill>
+                  <a:schemeClr val="tx2"/>
+                </a:solidFill>
+              </a:defRPr>
+            </a:lvl7pPr>
+            <a:lvl8pPr eaLnBrk="1" hangingPunct="1">
+              <a:defRPr>
+                <a:solidFill>
+                  <a:schemeClr val="tx2"/>
+                </a:solidFill>
+              </a:defRPr>
+            </a:lvl8pPr>
+            <a:lvl9pPr eaLnBrk="1" hangingPunct="1">
+              <a:defRPr>
+                <a:solidFill>
+                  <a:schemeClr val="tx2"/>
+                </a:solidFill>
+              </a:defRPr>
+            </a:lvl9pPr>
+          </a:lstStyle>
+          <a:p>
+            <a:pPr algn="ctr"/>
+            <a:r>
+              <a:rPr lang="en-US" dirty="0">
+                <a:solidFill>
+                  <a:schemeClr val="tx1"/>
+                </a:solidFill>
+                <a:ea typeface="+mj-lt"/>
+                <a:cs typeface="+mj-lt"/>
+              </a:rPr>
+              <a:t>colab.research.google.com</a:t>
+            </a:r>
+            <a:endParaRPr lang="nl-NL" dirty="0">
+              <a:solidFill>
+                <a:schemeClr val="tx1"/>
+              </a:solidFill>
+              <a:ea typeface="+mj-lt"/>
+              <a:cs typeface="+mj-lt"/>
+            </a:endParaRPr>
+          </a:p>
+        </p:txBody>
+      </p:sp>
+      <p:pic>
+        <p:nvPicPr>
+          <p:cNvPr id="7" name="Afbeelding 4" descr="Afbeelding met tekst&#10;&#10;Automatisch gegenereerde beschrijving">
+            <a:extLst>
+              <a:ext uri="{FF2B5EF4-FFF2-40B4-BE49-F238E27FC236}">
+                <a16:creationId xmlns:a16="http://schemas.microsoft.com/office/drawing/2014/main" id="{30A5CE3E-F9E0-FC17-083B-F876B89A61B6}"/>
+              </a:ext>
+            </a:extLst>
+          </p:cNvPr>
+          <p:cNvPicPr>
+            <a:picLocks noChangeAspect="1"/>
+          </p:cNvPicPr>
+          <p:nvPr/>
+        </p:nvPicPr>
+        <p:blipFill rotWithShape="1">
+          <a:blip r:embed="rId3"/>
+          <a:srcRect l="4756" t="2241" r="2828" b="46379"/>
+          <a:stretch/>
+        </p:blipFill>
+        <p:spPr>
+          <a:xfrm>
+            <a:off x="5202656" y="3067050"/>
+            <a:ext cx="6853110" cy="2837609"/>
+          </a:xfrm>
+          <a:prstGeom prst="rect">
+            <a:avLst/>
+          </a:prstGeom>
+        </p:spPr>
+      </p:pic>
+      <p:sp>
+        <p:nvSpPr>
+          <p:cNvPr id="8" name="TextBox 7">
+            <a:extLst>
+              <a:ext uri="{FF2B5EF4-FFF2-40B4-BE49-F238E27FC236}">
+                <a16:creationId xmlns:a16="http://schemas.microsoft.com/office/drawing/2014/main" id="{B4C64D6A-E2D2-B149-0923-D3D56B70EDDA}"/>
+              </a:ext>
+            </a:extLst>
+          </p:cNvPr>
+          <p:cNvSpPr txBox="1"/>
+          <p:nvPr/>
+        </p:nvSpPr>
+        <p:spPr>
+          <a:xfrm>
+            <a:off x="5086349" y="1095375"/>
+            <a:ext cx="3286125" cy="646331"/>
+          </a:xfrm>
+          <a:prstGeom prst="rect">
+            <a:avLst/>
+          </a:prstGeom>
+          <a:noFill/>
+        </p:spPr>
+        <p:txBody>
+          <a:bodyPr rot="0" spcFirstLastPara="0" vertOverflow="overflow" horzOverflow="overflow" vert="horz" wrap="square" lIns="91440" tIns="45720" rIns="91440" bIns="45720" numCol="1" spcCol="0" rtlCol="0" fromWordArt="0" anchor="t" anchorCtr="0" forceAA="0" compatLnSpc="1">
+            <a:prstTxWarp prst="textNoShape">
+              <a:avLst/>
+            </a:prstTxWarp>
+            <a:spAutoFit/>
+          </a:bodyPr>
+          <a:lstStyle/>
+          <a:p>
+            <a:r>
+              <a:rPr lang="en-US" sz="3600" dirty="0">
+                <a:solidFill>
+                  <a:schemeClr val="accent4"/>
+                </a:solidFill>
+              </a:rPr>
+              <a:t>Stap 1</a:t>
+            </a:r>
+          </a:p>
+        </p:txBody>
+      </p:sp>
+      <p:cxnSp>
+        <p:nvCxnSpPr>
+          <p:cNvPr id="9" name="Straight Arrow Connector 8">
+            <a:extLst>
+              <a:ext uri="{FF2B5EF4-FFF2-40B4-BE49-F238E27FC236}">
+                <a16:creationId xmlns:a16="http://schemas.microsoft.com/office/drawing/2014/main" id="{DEFF8803-F790-89EA-EF95-4BF2616A1303}"/>
+              </a:ext>
+            </a:extLst>
+          </p:cNvPr>
+          <p:cNvCxnSpPr/>
+          <p:nvPr/>
+        </p:nvCxnSpPr>
+        <p:spPr>
+          <a:xfrm>
+            <a:off x="4943475" y="952500"/>
+            <a:ext cx="0" cy="3143250"/>
+          </a:xfrm>
+          <a:prstGeom prst="straightConnector1">
+            <a:avLst/>
+          </a:prstGeom>
+          <a:ln w="57150">
+            <a:solidFill>
+              <a:schemeClr val="accent4"/>
+            </a:solidFill>
+          </a:ln>
+        </p:spPr>
+        <p:style>
+          <a:lnRef idx="1">
+            <a:schemeClr val="accent1"/>
+          </a:lnRef>
+          <a:fillRef idx="0">
+            <a:schemeClr val="accent1"/>
+          </a:fillRef>
+          <a:effectRef idx="0">
+            <a:schemeClr val="accent1"/>
+          </a:effectRef>
+          <a:fontRef idx="minor">
+            <a:schemeClr val="tx1"/>
+          </a:fontRef>
+        </p:style>
+      </p:cxnSp>
+      <p:cxnSp>
+        <p:nvCxnSpPr>
+          <p:cNvPr id="10" name="Straight Arrow Connector 9">
+            <a:extLst>
+              <a:ext uri="{FF2B5EF4-FFF2-40B4-BE49-F238E27FC236}">
+                <a16:creationId xmlns:a16="http://schemas.microsoft.com/office/drawing/2014/main" id="{E30C63F4-21BC-B8A3-D78C-298E632B6CE6}"/>
+              </a:ext>
+            </a:extLst>
+          </p:cNvPr>
+          <p:cNvCxnSpPr/>
+          <p:nvPr/>
+        </p:nvCxnSpPr>
+        <p:spPr>
+          <a:xfrm flipV="1">
+            <a:off x="628650" y="4095750"/>
+            <a:ext cx="4314825" cy="9525"/>
+          </a:xfrm>
+          <a:prstGeom prst="straightConnector1">
+            <a:avLst/>
+          </a:prstGeom>
+          <a:ln w="57150">
+            <a:solidFill>
+              <a:schemeClr val="accent4"/>
+            </a:solidFill>
+          </a:ln>
+        </p:spPr>
+        <p:style>
+          <a:lnRef idx="1">
+            <a:schemeClr val="accent1"/>
+          </a:lnRef>
+          <a:fillRef idx="0">
+            <a:schemeClr val="accent1"/>
+          </a:fillRef>
+          <a:effectRef idx="0">
+            <a:schemeClr val="accent1"/>
+          </a:effectRef>
+          <a:fontRef idx="minor">
+            <a:schemeClr val="tx1"/>
+          </a:fontRef>
+        </p:style>
+      </p:cxnSp>
+      <p:cxnSp>
+        <p:nvCxnSpPr>
+          <p:cNvPr id="11" name="Straight Arrow Connector 10">
+            <a:extLst>
+              <a:ext uri="{FF2B5EF4-FFF2-40B4-BE49-F238E27FC236}">
+                <a16:creationId xmlns:a16="http://schemas.microsoft.com/office/drawing/2014/main" id="{E4265F6B-A439-60A2-5E69-C42C31EE2B8C}"/>
+              </a:ext>
+            </a:extLst>
+          </p:cNvPr>
+          <p:cNvCxnSpPr>
+            <a:cxnSpLocks/>
+          </p:cNvCxnSpPr>
+          <p:nvPr/>
+        </p:nvCxnSpPr>
+        <p:spPr>
+          <a:xfrm>
+            <a:off x="4943475" y="952499"/>
+            <a:ext cx="5753100" cy="0"/>
+          </a:xfrm>
+          <a:prstGeom prst="straightConnector1">
+            <a:avLst/>
+          </a:prstGeom>
+          <a:ln w="57150">
+            <a:solidFill>
+              <a:schemeClr val="accent4"/>
+            </a:solidFill>
+          </a:ln>
+        </p:spPr>
+        <p:style>
+          <a:lnRef idx="1">
+            <a:schemeClr val="accent1"/>
+          </a:lnRef>
+          <a:fillRef idx="0">
+            <a:schemeClr val="accent1"/>
+          </a:fillRef>
+          <a:effectRef idx="0">
+            <a:schemeClr val="accent1"/>
+          </a:effectRef>
+          <a:fontRef idx="minor">
+            <a:schemeClr val="tx1"/>
+          </a:fontRef>
+        </p:style>
+      </p:cxnSp>
+      <p:cxnSp>
+        <p:nvCxnSpPr>
+          <p:cNvPr id="12" name="Straight Arrow Connector 11">
+            <a:extLst>
+              <a:ext uri="{FF2B5EF4-FFF2-40B4-BE49-F238E27FC236}">
+                <a16:creationId xmlns:a16="http://schemas.microsoft.com/office/drawing/2014/main" id="{C1735D20-8D78-C5C7-302F-F6A69C2FC8C6}"/>
+              </a:ext>
+            </a:extLst>
+          </p:cNvPr>
+          <p:cNvCxnSpPr>
+            <a:cxnSpLocks/>
+          </p:cNvCxnSpPr>
+          <p:nvPr/>
+        </p:nvCxnSpPr>
+        <p:spPr>
+          <a:xfrm>
+            <a:off x="10687050" y="152399"/>
+            <a:ext cx="0" cy="800100"/>
+          </a:xfrm>
+          <a:prstGeom prst="straightConnector1">
+            <a:avLst/>
+          </a:prstGeom>
+          <a:ln w="57150">
+            <a:solidFill>
+              <a:schemeClr val="accent4"/>
+            </a:solidFill>
+          </a:ln>
+        </p:spPr>
+        <p:style>
+          <a:lnRef idx="1">
+            <a:schemeClr val="accent1"/>
+          </a:lnRef>
+          <a:fillRef idx="0">
+            <a:schemeClr val="accent1"/>
+          </a:fillRef>
+          <a:effectRef idx="0">
+            <a:schemeClr val="accent1"/>
+          </a:effectRef>
+          <a:fontRef idx="minor">
+            <a:schemeClr val="tx1"/>
+          </a:fontRef>
+        </p:style>
+      </p:cxnSp>
+      <p:cxnSp>
+        <p:nvCxnSpPr>
+          <p:cNvPr id="13" name="Straight Arrow Connector 12">
+            <a:extLst>
+              <a:ext uri="{FF2B5EF4-FFF2-40B4-BE49-F238E27FC236}">
+                <a16:creationId xmlns:a16="http://schemas.microsoft.com/office/drawing/2014/main" id="{AA5CA6A0-D4FA-713F-A2DB-30AE284E82B2}"/>
+              </a:ext>
+            </a:extLst>
+          </p:cNvPr>
+          <p:cNvCxnSpPr>
+            <a:cxnSpLocks/>
+          </p:cNvCxnSpPr>
+          <p:nvPr/>
+        </p:nvCxnSpPr>
+        <p:spPr>
+          <a:xfrm flipV="1">
+            <a:off x="533400" y="133349"/>
+            <a:ext cx="10163175" cy="38100"/>
+          </a:xfrm>
+          <a:prstGeom prst="straightConnector1">
+            <a:avLst/>
+          </a:prstGeom>
+          <a:ln w="57150">
+            <a:solidFill>
+              <a:schemeClr val="accent4"/>
+            </a:solidFill>
+          </a:ln>
+        </p:spPr>
+        <p:style>
+          <a:lnRef idx="1">
+            <a:schemeClr val="accent1"/>
+          </a:lnRef>
+          <a:fillRef idx="0">
+            <a:schemeClr val="accent1"/>
+          </a:fillRef>
+          <a:effectRef idx="0">
+            <a:schemeClr val="accent1"/>
+          </a:effectRef>
+          <a:fontRef idx="minor">
+            <a:schemeClr val="tx1"/>
+          </a:fontRef>
+        </p:style>
+      </p:cxnSp>
+      <p:cxnSp>
+        <p:nvCxnSpPr>
+          <p:cNvPr id="14" name="Straight Arrow Connector 13">
+            <a:extLst>
+              <a:ext uri="{FF2B5EF4-FFF2-40B4-BE49-F238E27FC236}">
+                <a16:creationId xmlns:a16="http://schemas.microsoft.com/office/drawing/2014/main" id="{5CEF7CEF-19D8-9070-7B05-0FF708D0BA53}"/>
+              </a:ext>
+            </a:extLst>
+          </p:cNvPr>
+          <p:cNvCxnSpPr>
+            <a:cxnSpLocks/>
+          </p:cNvCxnSpPr>
+          <p:nvPr/>
+        </p:nvCxnSpPr>
+        <p:spPr>
+          <a:xfrm flipH="1" flipV="1">
+            <a:off x="552450" y="171449"/>
+            <a:ext cx="66675" cy="3933825"/>
+          </a:xfrm>
+          <a:prstGeom prst="straightConnector1">
+            <a:avLst/>
+          </a:prstGeom>
+          <a:ln w="57150">
+            <a:solidFill>
+              <a:schemeClr val="accent4"/>
+            </a:solidFill>
+          </a:ln>
+        </p:spPr>
+        <p:style>
+          <a:lnRef idx="1">
+            <a:schemeClr val="accent1"/>
+          </a:lnRef>
+          <a:fillRef idx="0">
+            <a:schemeClr val="accent1"/>
+          </a:fillRef>
+          <a:effectRef idx="0">
+            <a:schemeClr val="accent1"/>
+          </a:effectRef>
+          <a:fontRef idx="minor">
+            <a:schemeClr val="tx1"/>
+          </a:fontRef>
+        </p:style>
+      </p:cxnSp>
+      <p:cxnSp>
+        <p:nvCxnSpPr>
+          <p:cNvPr id="15" name="Straight Arrow Connector 14">
+            <a:extLst>
+              <a:ext uri="{FF2B5EF4-FFF2-40B4-BE49-F238E27FC236}">
+                <a16:creationId xmlns:a16="http://schemas.microsoft.com/office/drawing/2014/main" id="{EAF909D2-05C4-9F0A-B3B0-602131D1FEC2}"/>
+              </a:ext>
+            </a:extLst>
+          </p:cNvPr>
+          <p:cNvCxnSpPr>
+            <a:cxnSpLocks/>
+          </p:cNvCxnSpPr>
+          <p:nvPr/>
+        </p:nvCxnSpPr>
+        <p:spPr>
+          <a:xfrm flipV="1">
+            <a:off x="5153025" y="3019424"/>
+            <a:ext cx="6905625" cy="0"/>
+          </a:xfrm>
+          <a:prstGeom prst="straightConnector1">
+            <a:avLst/>
+          </a:prstGeom>
+          <a:ln w="57150">
+            <a:solidFill>
+              <a:srgbClr val="0070C0"/>
+            </a:solidFill>
+          </a:ln>
+        </p:spPr>
+        <p:style>
+          <a:lnRef idx="1">
+            <a:schemeClr val="accent1"/>
+          </a:lnRef>
+          <a:fillRef idx="0">
+            <a:schemeClr val="accent1"/>
+          </a:fillRef>
+          <a:effectRef idx="0">
+            <a:schemeClr val="accent1"/>
+          </a:effectRef>
+          <a:fontRef idx="minor">
+            <a:schemeClr val="tx1"/>
+          </a:fontRef>
+        </p:style>
+      </p:cxnSp>
+      <p:cxnSp>
+        <p:nvCxnSpPr>
+          <p:cNvPr id="16" name="Straight Arrow Connector 15">
+            <a:extLst>
+              <a:ext uri="{FF2B5EF4-FFF2-40B4-BE49-F238E27FC236}">
+                <a16:creationId xmlns:a16="http://schemas.microsoft.com/office/drawing/2014/main" id="{54F04786-A7CF-9CD5-D6C8-B08EB8F28A3D}"/>
+              </a:ext>
+            </a:extLst>
+          </p:cNvPr>
+          <p:cNvCxnSpPr>
+            <a:cxnSpLocks/>
+          </p:cNvCxnSpPr>
+          <p:nvPr/>
+        </p:nvCxnSpPr>
+        <p:spPr>
+          <a:xfrm flipH="1" flipV="1">
+            <a:off x="12049124" y="3000374"/>
+            <a:ext cx="28575" cy="3476625"/>
+          </a:xfrm>
+          <a:prstGeom prst="straightConnector1">
+            <a:avLst/>
+          </a:prstGeom>
+          <a:ln w="57150">
+            <a:solidFill>
+              <a:srgbClr val="0070C0"/>
+            </a:solidFill>
+          </a:ln>
+        </p:spPr>
+        <p:style>
+          <a:lnRef idx="1">
+            <a:schemeClr val="accent1"/>
+          </a:lnRef>
+          <a:fillRef idx="0">
+            <a:schemeClr val="accent1"/>
+          </a:fillRef>
+          <a:effectRef idx="0">
+            <a:schemeClr val="accent1"/>
+          </a:effectRef>
+          <a:fontRef idx="minor">
+            <a:schemeClr val="tx1"/>
+          </a:fontRef>
+        </p:style>
+      </p:cxnSp>
+      <p:cxnSp>
+        <p:nvCxnSpPr>
+          <p:cNvPr id="17" name="Straight Arrow Connector 16">
+            <a:extLst>
+              <a:ext uri="{FF2B5EF4-FFF2-40B4-BE49-F238E27FC236}">
+                <a16:creationId xmlns:a16="http://schemas.microsoft.com/office/drawing/2014/main" id="{2A53B4F1-43C9-EDC1-DEBA-9962DA8FBDAC}"/>
+              </a:ext>
+            </a:extLst>
+          </p:cNvPr>
+          <p:cNvCxnSpPr>
+            <a:cxnSpLocks/>
+          </p:cNvCxnSpPr>
+          <p:nvPr/>
+        </p:nvCxnSpPr>
+        <p:spPr>
+          <a:xfrm flipH="1" flipV="1">
+            <a:off x="5191124" y="6429374"/>
+            <a:ext cx="6819900" cy="66675"/>
+          </a:xfrm>
+          <a:prstGeom prst="straightConnector1">
+            <a:avLst/>
+          </a:prstGeom>
+          <a:ln w="57150">
+            <a:solidFill>
+              <a:srgbClr val="0070C0"/>
+            </a:solidFill>
+          </a:ln>
+        </p:spPr>
+        <p:style>
+          <a:lnRef idx="1">
+            <a:schemeClr val="accent1"/>
+          </a:lnRef>
+          <a:fillRef idx="0">
+            <a:schemeClr val="accent1"/>
+          </a:fillRef>
+          <a:effectRef idx="0">
+            <a:schemeClr val="accent1"/>
+          </a:effectRef>
+          <a:fontRef idx="minor">
+            <a:schemeClr val="tx1"/>
+          </a:fontRef>
+        </p:style>
+      </p:cxnSp>
+      <p:cxnSp>
+        <p:nvCxnSpPr>
+          <p:cNvPr id="18" name="Straight Arrow Connector 17">
+            <a:extLst>
+              <a:ext uri="{FF2B5EF4-FFF2-40B4-BE49-F238E27FC236}">
+                <a16:creationId xmlns:a16="http://schemas.microsoft.com/office/drawing/2014/main" id="{6231B629-2299-F2FE-6ACA-469BFDAC8FD0}"/>
+              </a:ext>
+            </a:extLst>
+          </p:cNvPr>
+          <p:cNvCxnSpPr>
+            <a:cxnSpLocks/>
+          </p:cNvCxnSpPr>
+          <p:nvPr/>
+        </p:nvCxnSpPr>
+        <p:spPr>
+          <a:xfrm>
+            <a:off x="5133974" y="3019424"/>
+            <a:ext cx="0" cy="3400425"/>
+          </a:xfrm>
+          <a:prstGeom prst="straightConnector1">
+            <a:avLst/>
+          </a:prstGeom>
+          <a:ln w="57150">
+            <a:solidFill>
+              <a:srgbClr val="0070C0"/>
+            </a:solidFill>
+          </a:ln>
+        </p:spPr>
+        <p:style>
+          <a:lnRef idx="1">
+            <a:schemeClr val="accent1"/>
+          </a:lnRef>
+          <a:fillRef idx="0">
+            <a:schemeClr val="accent1"/>
+          </a:fillRef>
+          <a:effectRef idx="0">
+            <a:schemeClr val="accent1"/>
+          </a:effectRef>
+          <a:fontRef idx="minor">
+            <a:schemeClr val="tx1"/>
+          </a:fontRef>
+        </p:style>
+      </p:cxnSp>
+      <p:sp>
+        <p:nvSpPr>
+          <p:cNvPr id="19" name="TextBox 18">
+            <a:extLst>
+              <a:ext uri="{FF2B5EF4-FFF2-40B4-BE49-F238E27FC236}">
+                <a16:creationId xmlns:a16="http://schemas.microsoft.com/office/drawing/2014/main" id="{A408D0C9-61C4-01C9-E7FD-B3648CB6C0B0}"/>
+              </a:ext>
+            </a:extLst>
+          </p:cNvPr>
+          <p:cNvSpPr txBox="1"/>
+          <p:nvPr/>
+        </p:nvSpPr>
+        <p:spPr>
+          <a:xfrm>
+            <a:off x="3238499" y="5000624"/>
+            <a:ext cx="1581150" cy="646331"/>
+          </a:xfrm>
+          <a:prstGeom prst="rect">
+            <a:avLst/>
+          </a:prstGeom>
+          <a:noFill/>
+          <a:ln>
+            <a:solidFill>
+              <a:srgbClr val="0070C0"/>
+            </a:solidFill>
+          </a:ln>
+        </p:spPr>
+        <p:txBody>
+          <a:bodyPr rot="0" spcFirstLastPara="0" vertOverflow="overflow" horzOverflow="overflow" vert="horz" wrap="square" lIns="91440" tIns="45720" rIns="91440" bIns="45720" numCol="1" spcCol="0" rtlCol="0" fromWordArt="0" anchor="t" anchorCtr="0" forceAA="0" compatLnSpc="1">
+            <a:prstTxWarp prst="textNoShape">
+              <a:avLst/>
+            </a:prstTxWarp>
+            <a:spAutoFit/>
+          </a:bodyPr>
+          <a:lstStyle/>
+          <a:p>
+            <a:r>
+              <a:rPr lang="en-US" sz="3600" dirty="0">
+                <a:solidFill>
+                  <a:srgbClr val="0070C0"/>
+                </a:solidFill>
+              </a:rPr>
+              <a:t>Stap 2</a:t>
+            </a:r>
+          </a:p>
+        </p:txBody>
+      </p:sp>
     </p:spTree>
     <p:extLst>
       <p:ext uri="{BB962C8B-B14F-4D97-AF65-F5344CB8AC3E}">
-        <p14:creationId xmlns:p14="http://schemas.microsoft.com/office/powerpoint/2010/main" val="869350493"/>
+        <p14:creationId xmlns:p14="http://schemas.microsoft.com/office/powerpoint/2010/main" val="3936581334"/>
       </p:ext>
     </p:extLst>
   </p:cSld>
@@ -11169,7 +11618,7 @@
 </p:sld>
 </file>
 
-<file path=ppt/slides/slide23.xml><?xml version="1.0" encoding="utf-8"?>
+<file path=ppt/slides/slide21.xml><?xml version="1.0" encoding="utf-8"?>
 <p:sld xmlns:a="http://schemas.openxmlformats.org/drawingml/2006/main" xmlns:r="http://schemas.openxmlformats.org/officeDocument/2006/relationships" xmlns:p="http://schemas.openxmlformats.org/presentationml/2006/main">
   <p:cSld>
     <p:spTree>
@@ -11382,7 +11831,7 @@
 </p:sld>
 </file>
 
-<file path=ppt/slides/slide24.xml><?xml version="1.0" encoding="utf-8"?>
+<file path=ppt/slides/slide22.xml><?xml version="1.0" encoding="utf-8"?>
 <p:sld xmlns:a="http://schemas.openxmlformats.org/drawingml/2006/main" xmlns:r="http://schemas.openxmlformats.org/officeDocument/2006/relationships" xmlns:p="http://schemas.openxmlformats.org/presentationml/2006/main">
   <p:cSld>
     <p:spTree>
@@ -11447,7 +11896,7 @@
 </p:sld>
 </file>
 
-<file path=ppt/slides/slide25.xml><?xml version="1.0" encoding="utf-8"?>
+<file path=ppt/slides/slide23.xml><?xml version="1.0" encoding="utf-8"?>
 <p:sld xmlns:a="http://schemas.openxmlformats.org/drawingml/2006/main" xmlns:r="http://schemas.openxmlformats.org/officeDocument/2006/relationships" xmlns:p="http://schemas.openxmlformats.org/presentationml/2006/main">
   <p:cSld>
     <p:spTree>
@@ -11513,7 +11962,7 @@
 </p:sld>
 </file>
 
-<file path=ppt/slides/slide26.xml><?xml version="1.0" encoding="utf-8"?>
+<file path=ppt/slides/slide24.xml><?xml version="1.0" encoding="utf-8"?>
 <p:sld xmlns:a="http://schemas.openxmlformats.org/drawingml/2006/main" xmlns:r="http://schemas.openxmlformats.org/officeDocument/2006/relationships" xmlns:p="http://schemas.openxmlformats.org/presentationml/2006/main">
   <p:cSld>
     <p:spTree>
@@ -11681,7 +12130,7 @@
 </p:sld>
 </file>
 
-<file path=ppt/slides/slide27.xml><?xml version="1.0" encoding="utf-8"?>
+<file path=ppt/slides/slide25.xml><?xml version="1.0" encoding="utf-8"?>
 <p:sld xmlns:a="http://schemas.openxmlformats.org/drawingml/2006/main" xmlns:r="http://schemas.openxmlformats.org/officeDocument/2006/relationships" xmlns:p="http://schemas.openxmlformats.org/presentationml/2006/main">
   <p:cSld>
     <p:spTree>
@@ -11848,7 +12297,7 @@
 </p:sld>
 </file>
 
-<file path=ppt/slides/slide28.xml><?xml version="1.0" encoding="utf-8"?>
+<file path=ppt/slides/slide26.xml><?xml version="1.0" encoding="utf-8"?>
 <p:sld xmlns:a="http://schemas.openxmlformats.org/drawingml/2006/main" xmlns:r="http://schemas.openxmlformats.org/officeDocument/2006/relationships" xmlns:p="http://schemas.openxmlformats.org/presentationml/2006/main">
   <p:cSld>
     <p:spTree>
@@ -11937,7 +12386,7 @@
 </p:sld>
 </file>
 
-<file path=ppt/slides/slide29.xml><?xml version="1.0" encoding="utf-8"?>
+<file path=ppt/slides/slide27.xml><?xml version="1.0" encoding="utf-8"?>
 <p:sld xmlns:a="http://schemas.openxmlformats.org/drawingml/2006/main" xmlns:r="http://schemas.openxmlformats.org/officeDocument/2006/relationships" xmlns:p="http://schemas.openxmlformats.org/presentationml/2006/main">
   <p:cSld>
     <p:spTree>
@@ -12057,196 +12506,7 @@
 </p:sld>
 </file>
 
-<file path=ppt/slides/slide3.xml><?xml version="1.0" encoding="utf-8"?>
-<p:sld xmlns:a="http://schemas.openxmlformats.org/drawingml/2006/main" xmlns:r="http://schemas.openxmlformats.org/officeDocument/2006/relationships" xmlns:p="http://schemas.openxmlformats.org/presentationml/2006/main">
-  <p:cSld>
-    <p:spTree>
-      <p:nvGrpSpPr>
-        <p:cNvPr id="1" name=""/>
-        <p:cNvGrpSpPr/>
-        <p:nvPr/>
-      </p:nvGrpSpPr>
-      <p:grpSpPr>
-        <a:xfrm>
-          <a:off x="0" y="0"/>
-          <a:ext cx="0" cy="0"/>
-          <a:chOff x="0" y="0"/>
-          <a:chExt cx="0" cy="0"/>
-        </a:xfrm>
-      </p:grpSpPr>
-      <p:pic>
-        <p:nvPicPr>
-          <p:cNvPr id="1028" name="Picture 4" descr="The Python Logo | Python Software Foundation"/>
-          <p:cNvPicPr>
-            <a:picLocks noChangeAspect="1" noChangeArrowheads="1"/>
-          </p:cNvPicPr>
-          <p:nvPr/>
-        </p:nvPicPr>
-        <p:blipFill>
-          <a:blip r:embed="rId2">
-            <a:extLst>
-              <a:ext uri="{28A0092B-C50C-407E-A947-70E740481C1C}">
-                <a14:useLocalDpi xmlns:a14="http://schemas.microsoft.com/office/drawing/2010/main" val="0"/>
-              </a:ext>
-            </a:extLst>
-          </a:blip>
-          <a:srcRect/>
-          <a:stretch>
-            <a:fillRect/>
-          </a:stretch>
-        </p:blipFill>
-        <p:spPr bwMode="auto">
-          <a:xfrm>
-            <a:off x="3173095" y="948026"/>
-            <a:ext cx="5724525" cy="1933576"/>
-          </a:xfrm>
-          <a:prstGeom prst="rect">
-            <a:avLst/>
-          </a:prstGeom>
-          <a:noFill/>
-          <a:extLst>
-            <a:ext uri="{909E8E84-426E-40DD-AFC4-6F175D3DCCD1}">
-              <a14:hiddenFill xmlns:a14="http://schemas.microsoft.com/office/drawing/2010/main">
-                <a:solidFill>
-                  <a:srgbClr val="FFFFFF"/>
-                </a:solidFill>
-              </a14:hiddenFill>
-            </a:ext>
-          </a:extLst>
-        </p:spPr>
-      </p:pic>
-      <p:pic>
-        <p:nvPicPr>
-          <p:cNvPr id="1036" name="Picture 12" descr="Posts tagged as &quot;Pandas&quot; | Ashish Thanki Blog"/>
-          <p:cNvPicPr>
-            <a:picLocks noChangeAspect="1" noChangeArrowheads="1"/>
-          </p:cNvPicPr>
-          <p:nvPr/>
-        </p:nvPicPr>
-        <p:blipFill>
-          <a:blip r:embed="rId3">
-            <a:extLst>
-              <a:ext uri="{28A0092B-C50C-407E-A947-70E740481C1C}">
-                <a14:useLocalDpi xmlns:a14="http://schemas.microsoft.com/office/drawing/2010/main" val="0"/>
-              </a:ext>
-            </a:extLst>
-          </a:blip>
-          <a:srcRect/>
-          <a:stretch>
-            <a:fillRect/>
-          </a:stretch>
-        </p:blipFill>
-        <p:spPr bwMode="auto">
-          <a:xfrm>
-            <a:off x="3420214" y="3097787"/>
-            <a:ext cx="2804864" cy="1172095"/>
-          </a:xfrm>
-          <a:prstGeom prst="rect">
-            <a:avLst/>
-          </a:prstGeom>
-          <a:noFill/>
-          <a:extLst>
-            <a:ext uri="{909E8E84-426E-40DD-AFC4-6F175D3DCCD1}">
-              <a14:hiddenFill xmlns:a14="http://schemas.microsoft.com/office/drawing/2010/main">
-                <a:solidFill>
-                  <a:srgbClr val="FFFFFF"/>
-                </a:solidFill>
-              </a14:hiddenFill>
-            </a:ext>
-          </a:extLst>
-        </p:spPr>
-      </p:pic>
-      <p:pic>
-        <p:nvPicPr>
-          <p:cNvPr id="1038" name="Picture 14" descr="The Data Science Trilogy. So you are new to Python. Or perhaps… | by Hair  Parra | Towards Data Science"/>
-          <p:cNvPicPr>
-            <a:picLocks noChangeAspect="1" noChangeArrowheads="1"/>
-          </p:cNvPicPr>
-          <p:nvPr/>
-        </p:nvPicPr>
-        <p:blipFill>
-          <a:blip r:embed="rId4" cstate="print">
-            <a:extLst>
-              <a:ext uri="{28A0092B-C50C-407E-A947-70E740481C1C}">
-                <a14:useLocalDpi xmlns:a14="http://schemas.microsoft.com/office/drawing/2010/main" val="0"/>
-              </a:ext>
-            </a:extLst>
-          </a:blip>
-          <a:srcRect/>
-          <a:stretch>
-            <a:fillRect/>
-          </a:stretch>
-        </p:blipFill>
-        <p:spPr bwMode="auto">
-          <a:xfrm>
-            <a:off x="7439572" y="3027714"/>
-            <a:ext cx="2916095" cy="1312243"/>
-          </a:xfrm>
-          <a:prstGeom prst="rect">
-            <a:avLst/>
-          </a:prstGeom>
-          <a:noFill/>
-          <a:extLst>
-            <a:ext uri="{909E8E84-426E-40DD-AFC4-6F175D3DCCD1}">
-              <a14:hiddenFill xmlns:a14="http://schemas.microsoft.com/office/drawing/2010/main">
-                <a:solidFill>
-                  <a:srgbClr val="FFFFFF"/>
-                </a:solidFill>
-              </a14:hiddenFill>
-            </a:ext>
-          </a:extLst>
-        </p:spPr>
-      </p:pic>
-      <p:pic>
-        <p:nvPicPr>
-          <p:cNvPr id="1040" name="Picture 16" descr="SKLearn | Scikit-Learn In Python | SciKit Learn Tutorial"/>
-          <p:cNvPicPr>
-            <a:picLocks noChangeAspect="1" noChangeArrowheads="1"/>
-          </p:cNvPicPr>
-          <p:nvPr/>
-        </p:nvPicPr>
-        <p:blipFill>
-          <a:blip r:embed="rId5">
-            <a:extLst>
-              <a:ext uri="{28A0092B-C50C-407E-A947-70E740481C1C}">
-                <a14:useLocalDpi xmlns:a14="http://schemas.microsoft.com/office/drawing/2010/main" val="0"/>
-              </a:ext>
-            </a:extLst>
-          </a:blip>
-          <a:srcRect/>
-          <a:stretch>
-            <a:fillRect/>
-          </a:stretch>
-        </p:blipFill>
-        <p:spPr bwMode="auto">
-          <a:xfrm>
-            <a:off x="4195559" y="4495596"/>
-            <a:ext cx="5391150" cy="1924051"/>
-          </a:xfrm>
-          <a:prstGeom prst="rect">
-            <a:avLst/>
-          </a:prstGeom>
-          <a:noFill/>
-          <a:extLst>
-            <a:ext uri="{909E8E84-426E-40DD-AFC4-6F175D3DCCD1}">
-              <a14:hiddenFill xmlns:a14="http://schemas.microsoft.com/office/drawing/2010/main">
-                <a:solidFill>
-                  <a:srgbClr val="FFFFFF"/>
-                </a:solidFill>
-              </a14:hiddenFill>
-            </a:ext>
-          </a:extLst>
-        </p:spPr>
-      </p:pic>
-    </p:spTree>
-  </p:cSld>
-  <p:clrMapOvr>
-    <a:masterClrMapping/>
-  </p:clrMapOvr>
-</p:sld>
-</file>
-
-<file path=ppt/slides/slide30.xml><?xml version="1.0" encoding="utf-8"?>
+<file path=ppt/slides/slide28.xml><?xml version="1.0" encoding="utf-8"?>
 <p:sld xmlns:a="http://schemas.openxmlformats.org/drawingml/2006/main" xmlns:r="http://schemas.openxmlformats.org/officeDocument/2006/relationships" xmlns:p="http://schemas.openxmlformats.org/presentationml/2006/main">
   <p:cSld>
     <p:spTree>
@@ -12653,7 +12913,7 @@
 </p:sld>
 </file>
 
-<file path=ppt/slides/slide31.xml><?xml version="1.0" encoding="utf-8"?>
+<file path=ppt/slides/slide29.xml><?xml version="1.0" encoding="utf-8"?>
 <p:sld xmlns:a="http://schemas.openxmlformats.org/drawingml/2006/main" xmlns:r="http://schemas.openxmlformats.org/officeDocument/2006/relationships" xmlns:p="http://schemas.openxmlformats.org/presentationml/2006/main">
   <p:cSld>
     <p:spTree>
@@ -13818,7 +14078,196 @@
 </p:sld>
 </file>
 
-<file path=ppt/slides/slide32.xml><?xml version="1.0" encoding="utf-8"?>
+<file path=ppt/slides/slide3.xml><?xml version="1.0" encoding="utf-8"?>
+<p:sld xmlns:a="http://schemas.openxmlformats.org/drawingml/2006/main" xmlns:r="http://schemas.openxmlformats.org/officeDocument/2006/relationships" xmlns:p="http://schemas.openxmlformats.org/presentationml/2006/main">
+  <p:cSld>
+    <p:spTree>
+      <p:nvGrpSpPr>
+        <p:cNvPr id="1" name=""/>
+        <p:cNvGrpSpPr/>
+        <p:nvPr/>
+      </p:nvGrpSpPr>
+      <p:grpSpPr>
+        <a:xfrm>
+          <a:off x="0" y="0"/>
+          <a:ext cx="0" cy="0"/>
+          <a:chOff x="0" y="0"/>
+          <a:chExt cx="0" cy="0"/>
+        </a:xfrm>
+      </p:grpSpPr>
+      <p:pic>
+        <p:nvPicPr>
+          <p:cNvPr id="1028" name="Picture 4" descr="The Python Logo | Python Software Foundation"/>
+          <p:cNvPicPr>
+            <a:picLocks noChangeAspect="1" noChangeArrowheads="1"/>
+          </p:cNvPicPr>
+          <p:nvPr/>
+        </p:nvPicPr>
+        <p:blipFill>
+          <a:blip r:embed="rId2">
+            <a:extLst>
+              <a:ext uri="{28A0092B-C50C-407E-A947-70E740481C1C}">
+                <a14:useLocalDpi xmlns:a14="http://schemas.microsoft.com/office/drawing/2010/main" val="0"/>
+              </a:ext>
+            </a:extLst>
+          </a:blip>
+          <a:srcRect/>
+          <a:stretch>
+            <a:fillRect/>
+          </a:stretch>
+        </p:blipFill>
+        <p:spPr bwMode="auto">
+          <a:xfrm>
+            <a:off x="3173095" y="948026"/>
+            <a:ext cx="5724525" cy="1933576"/>
+          </a:xfrm>
+          <a:prstGeom prst="rect">
+            <a:avLst/>
+          </a:prstGeom>
+          <a:noFill/>
+          <a:extLst>
+            <a:ext uri="{909E8E84-426E-40DD-AFC4-6F175D3DCCD1}">
+              <a14:hiddenFill xmlns:a14="http://schemas.microsoft.com/office/drawing/2010/main">
+                <a:solidFill>
+                  <a:srgbClr val="FFFFFF"/>
+                </a:solidFill>
+              </a14:hiddenFill>
+            </a:ext>
+          </a:extLst>
+        </p:spPr>
+      </p:pic>
+      <p:pic>
+        <p:nvPicPr>
+          <p:cNvPr id="1036" name="Picture 12" descr="Posts tagged as &quot;Pandas&quot; | Ashish Thanki Blog"/>
+          <p:cNvPicPr>
+            <a:picLocks noChangeAspect="1" noChangeArrowheads="1"/>
+          </p:cNvPicPr>
+          <p:nvPr/>
+        </p:nvPicPr>
+        <p:blipFill>
+          <a:blip r:embed="rId3">
+            <a:extLst>
+              <a:ext uri="{28A0092B-C50C-407E-A947-70E740481C1C}">
+                <a14:useLocalDpi xmlns:a14="http://schemas.microsoft.com/office/drawing/2010/main" val="0"/>
+              </a:ext>
+            </a:extLst>
+          </a:blip>
+          <a:srcRect/>
+          <a:stretch>
+            <a:fillRect/>
+          </a:stretch>
+        </p:blipFill>
+        <p:spPr bwMode="auto">
+          <a:xfrm>
+            <a:off x="3420214" y="3097787"/>
+            <a:ext cx="2804864" cy="1172095"/>
+          </a:xfrm>
+          <a:prstGeom prst="rect">
+            <a:avLst/>
+          </a:prstGeom>
+          <a:noFill/>
+          <a:extLst>
+            <a:ext uri="{909E8E84-426E-40DD-AFC4-6F175D3DCCD1}">
+              <a14:hiddenFill xmlns:a14="http://schemas.microsoft.com/office/drawing/2010/main">
+                <a:solidFill>
+                  <a:srgbClr val="FFFFFF"/>
+                </a:solidFill>
+              </a14:hiddenFill>
+            </a:ext>
+          </a:extLst>
+        </p:spPr>
+      </p:pic>
+      <p:pic>
+        <p:nvPicPr>
+          <p:cNvPr id="1038" name="Picture 14" descr="The Data Science Trilogy. So you are new to Python. Or perhaps… | by Hair  Parra | Towards Data Science"/>
+          <p:cNvPicPr>
+            <a:picLocks noChangeAspect="1" noChangeArrowheads="1"/>
+          </p:cNvPicPr>
+          <p:nvPr/>
+        </p:nvPicPr>
+        <p:blipFill>
+          <a:blip r:embed="rId4" cstate="print">
+            <a:extLst>
+              <a:ext uri="{28A0092B-C50C-407E-A947-70E740481C1C}">
+                <a14:useLocalDpi xmlns:a14="http://schemas.microsoft.com/office/drawing/2010/main" val="0"/>
+              </a:ext>
+            </a:extLst>
+          </a:blip>
+          <a:srcRect/>
+          <a:stretch>
+            <a:fillRect/>
+          </a:stretch>
+        </p:blipFill>
+        <p:spPr bwMode="auto">
+          <a:xfrm>
+            <a:off x="7439572" y="3027714"/>
+            <a:ext cx="2916095" cy="1312243"/>
+          </a:xfrm>
+          <a:prstGeom prst="rect">
+            <a:avLst/>
+          </a:prstGeom>
+          <a:noFill/>
+          <a:extLst>
+            <a:ext uri="{909E8E84-426E-40DD-AFC4-6F175D3DCCD1}">
+              <a14:hiddenFill xmlns:a14="http://schemas.microsoft.com/office/drawing/2010/main">
+                <a:solidFill>
+                  <a:srgbClr val="FFFFFF"/>
+                </a:solidFill>
+              </a14:hiddenFill>
+            </a:ext>
+          </a:extLst>
+        </p:spPr>
+      </p:pic>
+      <p:pic>
+        <p:nvPicPr>
+          <p:cNvPr id="1040" name="Picture 16" descr="SKLearn | Scikit-Learn In Python | SciKit Learn Tutorial"/>
+          <p:cNvPicPr>
+            <a:picLocks noChangeAspect="1" noChangeArrowheads="1"/>
+          </p:cNvPicPr>
+          <p:nvPr/>
+        </p:nvPicPr>
+        <p:blipFill>
+          <a:blip r:embed="rId5">
+            <a:extLst>
+              <a:ext uri="{28A0092B-C50C-407E-A947-70E740481C1C}">
+                <a14:useLocalDpi xmlns:a14="http://schemas.microsoft.com/office/drawing/2010/main" val="0"/>
+              </a:ext>
+            </a:extLst>
+          </a:blip>
+          <a:srcRect/>
+          <a:stretch>
+            <a:fillRect/>
+          </a:stretch>
+        </p:blipFill>
+        <p:spPr bwMode="auto">
+          <a:xfrm>
+            <a:off x="4195559" y="4495596"/>
+            <a:ext cx="5391150" cy="1924051"/>
+          </a:xfrm>
+          <a:prstGeom prst="rect">
+            <a:avLst/>
+          </a:prstGeom>
+          <a:noFill/>
+          <a:extLst>
+            <a:ext uri="{909E8E84-426E-40DD-AFC4-6F175D3DCCD1}">
+              <a14:hiddenFill xmlns:a14="http://schemas.microsoft.com/office/drawing/2010/main">
+                <a:solidFill>
+                  <a:srgbClr val="FFFFFF"/>
+                </a:solidFill>
+              </a14:hiddenFill>
+            </a:ext>
+          </a:extLst>
+        </p:spPr>
+      </p:pic>
+    </p:spTree>
+  </p:cSld>
+  <p:clrMapOvr>
+    <a:masterClrMapping/>
+  </p:clrMapOvr>
+</p:sld>
+</file>
+
+<file path=ppt/slides/slide30.xml><?xml version="1.0" encoding="utf-8"?>
 <p:sld xmlns:a="http://schemas.openxmlformats.org/drawingml/2006/main" xmlns:r="http://schemas.openxmlformats.org/officeDocument/2006/relationships" xmlns:p="http://schemas.openxmlformats.org/presentationml/2006/main">
   <p:cSld>
     <p:spTree>
@@ -14623,7 +15072,7 @@
 </p:sld>
 </file>
 
-<file path=ppt/slides/slide33.xml><?xml version="1.0" encoding="utf-8"?>
+<file path=ppt/slides/slide31.xml><?xml version="1.0" encoding="utf-8"?>
 <p:sld xmlns:a="http://schemas.openxmlformats.org/drawingml/2006/main" xmlns:r="http://schemas.openxmlformats.org/officeDocument/2006/relationships" xmlns:p="http://schemas.openxmlformats.org/presentationml/2006/main">
   <p:cSld>
     <p:spTree>
@@ -14877,7 +15326,7 @@
 </p:sld>
 </file>
 
-<file path=ppt/slides/slide34.xml><?xml version="1.0" encoding="utf-8"?>
+<file path=ppt/slides/slide32.xml><?xml version="1.0" encoding="utf-8"?>
 <p:sld xmlns:a="http://schemas.openxmlformats.org/drawingml/2006/main" xmlns:r="http://schemas.openxmlformats.org/officeDocument/2006/relationships" xmlns:p="http://schemas.openxmlformats.org/presentationml/2006/main">
   <p:cSld>
     <p:spTree>
@@ -14960,7 +15409,7 @@
 </p:sld>
 </file>
 
-<file path=ppt/slides/slide35.xml><?xml version="1.0" encoding="utf-8"?>
+<file path=ppt/slides/slide33.xml><?xml version="1.0" encoding="utf-8"?>
 <p:sld xmlns:a="http://schemas.openxmlformats.org/drawingml/2006/main" xmlns:r="http://schemas.openxmlformats.org/officeDocument/2006/relationships" xmlns:p="http://schemas.openxmlformats.org/presentationml/2006/main">
   <p:cSld>
     <p:spTree>
@@ -15009,7 +15458,7 @@
 </p:sld>
 </file>
 
-<file path=ppt/slides/slide36.xml><?xml version="1.0" encoding="utf-8"?>
+<file path=ppt/slides/slide34.xml><?xml version="1.0" encoding="utf-8"?>
 <p:sld xmlns:a="http://schemas.openxmlformats.org/drawingml/2006/main" xmlns:r="http://schemas.openxmlformats.org/officeDocument/2006/relationships" xmlns:p="http://schemas.openxmlformats.org/presentationml/2006/main">
   <p:cSld>
     <p:spTree>
@@ -15058,7 +15507,7 @@
 </p:sld>
 </file>
 
-<file path=ppt/slides/slide37.xml><?xml version="1.0" encoding="utf-8"?>
+<file path=ppt/slides/slide35.xml><?xml version="1.0" encoding="utf-8"?>
 <p:sld xmlns:a="http://schemas.openxmlformats.org/drawingml/2006/main" xmlns:r="http://schemas.openxmlformats.org/officeDocument/2006/relationships" xmlns:p="http://schemas.openxmlformats.org/presentationml/2006/main">
   <p:cSld>
     <p:spTree>
@@ -15124,6 +15573,210 @@
           <a:xfrm>
             <a:off x="3670328" y="2013527"/>
             <a:ext cx="2390775" cy="3895725"/>
+          </a:xfrm>
+          <a:prstGeom prst="rect">
+            <a:avLst/>
+          </a:prstGeom>
+        </p:spPr>
+      </p:pic>
+    </p:spTree>
+  </p:cSld>
+  <p:clrMapOvr>
+    <a:masterClrMapping/>
+  </p:clrMapOvr>
+</p:sld>
+</file>
+
+<file path=ppt/slides/slide36.xml><?xml version="1.0" encoding="utf-8"?>
+<p:sld xmlns:a="http://schemas.openxmlformats.org/drawingml/2006/main" xmlns:r="http://schemas.openxmlformats.org/officeDocument/2006/relationships" xmlns:p="http://schemas.openxmlformats.org/presentationml/2006/main">
+  <p:cSld>
+    <p:spTree>
+      <p:nvGrpSpPr>
+        <p:cNvPr id="1" name=""/>
+        <p:cNvGrpSpPr/>
+        <p:nvPr/>
+      </p:nvGrpSpPr>
+      <p:grpSpPr>
+        <a:xfrm>
+          <a:off x="0" y="0"/>
+          <a:ext cx="0" cy="0"/>
+          <a:chOff x="0" y="0"/>
+          <a:chExt cx="0" cy="0"/>
+        </a:xfrm>
+      </p:grpSpPr>
+      <p:sp>
+        <p:nvSpPr>
+          <p:cNvPr id="2" name="Titel 1"/>
+          <p:cNvSpPr>
+            <a:spLocks noGrp="1"/>
+          </p:cNvSpPr>
+          <p:nvPr>
+            <p:ph type="title"/>
+          </p:nvPr>
+        </p:nvSpPr>
+        <p:spPr>
+          <a:xfrm>
+            <a:off x="602520" y="1565564"/>
+            <a:ext cx="8596668" cy="628996"/>
+          </a:xfrm>
+        </p:spPr>
+        <p:txBody>
+          <a:bodyPr>
+            <a:normAutofit fontScale="90000"/>
+          </a:bodyPr>
+          <a:lstStyle/>
+          <a:p>
+            <a:pPr algn="ctr"/>
+            <a:r>
+              <a:rPr lang="nl-NL" dirty="0"/>
+              <a:t>Story telling als data analist</a:t>
+            </a:r>
+          </a:p>
+        </p:txBody>
+      </p:sp>
+      <p:sp>
+        <p:nvSpPr>
+          <p:cNvPr id="5" name="Titel 1"/>
+          <p:cNvSpPr txBox="1"/>
+          <p:nvPr/>
+        </p:nvSpPr>
+        <p:spPr>
+          <a:xfrm>
+            <a:off x="796484" y="3297383"/>
+            <a:ext cx="8596668" cy="628996"/>
+          </a:xfrm>
+          <a:prstGeom prst="rect">
+            <a:avLst/>
+          </a:prstGeom>
+        </p:spPr>
+        <p:txBody>
+          <a:bodyPr vert="horz" lIns="91440" tIns="45720" rIns="91440" bIns="45720" rtlCol="0" anchor="t">
+            <a:normAutofit fontScale="97500"/>
+          </a:bodyPr>
+          <a:lstStyle>
+            <a:lvl1pPr algn="l" defTabSz="457200" rtl="0" eaLnBrk="1" latinLnBrk="0" hangingPunct="1">
+              <a:spcBef>
+                <a:spcPct val="0"/>
+              </a:spcBef>
+              <a:buNone/>
+              <a:defRPr sz="3600" kern="1200">
+                <a:solidFill>
+                  <a:schemeClr val="accent1"/>
+                </a:solidFill>
+                <a:latin typeface="+mj-lt"/>
+                <a:ea typeface="+mj-ea"/>
+                <a:cs typeface="+mj-cs"/>
+              </a:defRPr>
+            </a:lvl1pPr>
+            <a:lvl2pPr eaLnBrk="1" hangingPunct="1">
+              <a:defRPr>
+                <a:solidFill>
+                  <a:schemeClr val="tx2"/>
+                </a:solidFill>
+              </a:defRPr>
+            </a:lvl2pPr>
+            <a:lvl3pPr eaLnBrk="1" hangingPunct="1">
+              <a:defRPr>
+                <a:solidFill>
+                  <a:schemeClr val="tx2"/>
+                </a:solidFill>
+              </a:defRPr>
+            </a:lvl3pPr>
+            <a:lvl4pPr eaLnBrk="1" hangingPunct="1">
+              <a:defRPr>
+                <a:solidFill>
+                  <a:schemeClr val="tx2"/>
+                </a:solidFill>
+              </a:defRPr>
+            </a:lvl4pPr>
+            <a:lvl5pPr eaLnBrk="1" hangingPunct="1">
+              <a:defRPr>
+                <a:solidFill>
+                  <a:schemeClr val="tx2"/>
+                </a:solidFill>
+              </a:defRPr>
+            </a:lvl5pPr>
+            <a:lvl6pPr eaLnBrk="1" hangingPunct="1">
+              <a:defRPr>
+                <a:solidFill>
+                  <a:schemeClr val="tx2"/>
+                </a:solidFill>
+              </a:defRPr>
+            </a:lvl6pPr>
+            <a:lvl7pPr eaLnBrk="1" hangingPunct="1">
+              <a:defRPr>
+                <a:solidFill>
+                  <a:schemeClr val="tx2"/>
+                </a:solidFill>
+              </a:defRPr>
+            </a:lvl7pPr>
+            <a:lvl8pPr eaLnBrk="1" hangingPunct="1">
+              <a:defRPr>
+                <a:solidFill>
+                  <a:schemeClr val="tx2"/>
+                </a:solidFill>
+              </a:defRPr>
+            </a:lvl8pPr>
+            <a:lvl9pPr eaLnBrk="1" hangingPunct="1">
+              <a:defRPr>
+                <a:solidFill>
+                  <a:schemeClr val="tx2"/>
+                </a:solidFill>
+              </a:defRPr>
+            </a:lvl9pPr>
+          </a:lstStyle>
+          <a:p>
+            <a:pPr algn="ctr"/>
+            <a:r>
+              <a:rPr lang="nl-NL" dirty="0"/>
+              <a:t>Visualisaties </a:t>
+            </a:r>
+          </a:p>
+        </p:txBody>
+      </p:sp>
+    </p:spTree>
+  </p:cSld>
+  <p:clrMapOvr>
+    <a:masterClrMapping/>
+  </p:clrMapOvr>
+</p:sld>
+</file>
+
+<file path=ppt/slides/slide37.xml><?xml version="1.0" encoding="utf-8"?>
+<p:sld xmlns:a="http://schemas.openxmlformats.org/drawingml/2006/main" xmlns:r="http://schemas.openxmlformats.org/officeDocument/2006/relationships" xmlns:p="http://schemas.openxmlformats.org/presentationml/2006/main">
+  <p:cSld>
+    <p:spTree>
+      <p:nvGrpSpPr>
+        <p:cNvPr id="1" name=""/>
+        <p:cNvGrpSpPr/>
+        <p:nvPr/>
+      </p:nvGrpSpPr>
+      <p:grpSpPr>
+        <a:xfrm>
+          <a:off x="0" y="0"/>
+          <a:ext cx="0" cy="0"/>
+          <a:chOff x="0" y="0"/>
+          <a:chExt cx="0" cy="0"/>
+        </a:xfrm>
+      </p:grpSpPr>
+      <p:pic>
+        <p:nvPicPr>
+          <p:cNvPr id="4" name="Afbeelding 3"/>
+          <p:cNvPicPr>
+            <a:picLocks noChangeAspect="1"/>
+          </p:cNvPicPr>
+          <p:nvPr/>
+        </p:nvPicPr>
+        <p:blipFill>
+          <a:blip r:embed="rId2"/>
+          <a:stretch>
+            <a:fillRect/>
+          </a:stretch>
+        </p:blipFill>
+        <p:spPr>
+          <a:xfrm>
+            <a:off x="1990466" y="403499"/>
+            <a:ext cx="5382923" cy="6138558"/>
           </a:xfrm>
           <a:prstGeom prst="rect">
             <a:avLst/>
@@ -15167,8 +15820,8 @@
         </p:nvSpPr>
         <p:spPr>
           <a:xfrm>
-            <a:off x="602520" y="1565564"/>
-            <a:ext cx="8596668" cy="628996"/>
+            <a:off x="669022" y="227215"/>
+            <a:ext cx="8596668" cy="612371"/>
           </a:xfrm>
         </p:spPr>
         <p:txBody>
@@ -15179,112 +15832,37 @@
           <a:p>
             <a:pPr algn="ctr"/>
             <a:r>
-              <a:rPr lang="nl-NL" dirty="0"/>
-              <a:t>Story telling als data analist</a:t>
-            </a:r>
+              <a:rPr lang="nl-NL" dirty="0" err="1"/>
+              <a:t>Seaborn</a:t>
+            </a:r>
+            <a:endParaRPr lang="nl-NL" dirty="0"/>
           </a:p>
         </p:txBody>
       </p:sp>
-      <p:sp>
-        <p:nvSpPr>
-          <p:cNvPr id="5" name="Titel 1"/>
-          <p:cNvSpPr txBox="1"/>
+      <p:pic>
+        <p:nvPicPr>
+          <p:cNvPr id="6" name="Afbeelding 5"/>
+          <p:cNvPicPr>
+            <a:picLocks noChangeAspect="1"/>
+          </p:cNvPicPr>
           <p:nvPr/>
-        </p:nvSpPr>
+        </p:nvPicPr>
+        <p:blipFill>
+          <a:blip r:embed="rId2"/>
+          <a:stretch>
+            <a:fillRect/>
+          </a:stretch>
+        </p:blipFill>
         <p:spPr>
           <a:xfrm>
-            <a:off x="796484" y="3297383"/>
-            <a:ext cx="8596668" cy="628996"/>
+            <a:off x="486207" y="1202488"/>
+            <a:ext cx="8670638" cy="4283912"/>
           </a:xfrm>
           <a:prstGeom prst="rect">
             <a:avLst/>
           </a:prstGeom>
         </p:spPr>
-        <p:txBody>
-          <a:bodyPr vert="horz" lIns="91440" tIns="45720" rIns="91440" bIns="45720" rtlCol="0" anchor="t">
-            <a:normAutofit fontScale="97500"/>
-          </a:bodyPr>
-          <a:lstStyle>
-            <a:lvl1pPr algn="l" defTabSz="457200" rtl="0" eaLnBrk="1" latinLnBrk="0" hangingPunct="1">
-              <a:spcBef>
-                <a:spcPct val="0"/>
-              </a:spcBef>
-              <a:buNone/>
-              <a:defRPr sz="3600" kern="1200">
-                <a:solidFill>
-                  <a:schemeClr val="accent1"/>
-                </a:solidFill>
-                <a:latin typeface="+mj-lt"/>
-                <a:ea typeface="+mj-ea"/>
-                <a:cs typeface="+mj-cs"/>
-              </a:defRPr>
-            </a:lvl1pPr>
-            <a:lvl2pPr eaLnBrk="1" hangingPunct="1">
-              <a:defRPr>
-                <a:solidFill>
-                  <a:schemeClr val="tx2"/>
-                </a:solidFill>
-              </a:defRPr>
-            </a:lvl2pPr>
-            <a:lvl3pPr eaLnBrk="1" hangingPunct="1">
-              <a:defRPr>
-                <a:solidFill>
-                  <a:schemeClr val="tx2"/>
-                </a:solidFill>
-              </a:defRPr>
-            </a:lvl3pPr>
-            <a:lvl4pPr eaLnBrk="1" hangingPunct="1">
-              <a:defRPr>
-                <a:solidFill>
-                  <a:schemeClr val="tx2"/>
-                </a:solidFill>
-              </a:defRPr>
-            </a:lvl4pPr>
-            <a:lvl5pPr eaLnBrk="1" hangingPunct="1">
-              <a:defRPr>
-                <a:solidFill>
-                  <a:schemeClr val="tx2"/>
-                </a:solidFill>
-              </a:defRPr>
-            </a:lvl5pPr>
-            <a:lvl6pPr eaLnBrk="1" hangingPunct="1">
-              <a:defRPr>
-                <a:solidFill>
-                  <a:schemeClr val="tx2"/>
-                </a:solidFill>
-              </a:defRPr>
-            </a:lvl6pPr>
-            <a:lvl7pPr eaLnBrk="1" hangingPunct="1">
-              <a:defRPr>
-                <a:solidFill>
-                  <a:schemeClr val="tx2"/>
-                </a:solidFill>
-              </a:defRPr>
-            </a:lvl7pPr>
-            <a:lvl8pPr eaLnBrk="1" hangingPunct="1">
-              <a:defRPr>
-                <a:solidFill>
-                  <a:schemeClr val="tx2"/>
-                </a:solidFill>
-              </a:defRPr>
-            </a:lvl8pPr>
-            <a:lvl9pPr eaLnBrk="1" hangingPunct="1">
-              <a:defRPr>
-                <a:solidFill>
-                  <a:schemeClr val="tx2"/>
-                </a:solidFill>
-              </a:defRPr>
-            </a:lvl9pPr>
-          </a:lstStyle>
-          <a:p>
-            <a:pPr algn="ctr"/>
-            <a:r>
-              <a:rPr lang="nl-NL" dirty="0"/>
-              <a:t>Visualisaties </a:t>
-            </a:r>
-          </a:p>
-        </p:txBody>
-      </p:sp>
+      </p:pic>
     </p:spTree>
   </p:cSld>
   <p:clrMapOvr>
@@ -15310,9 +15888,33 @@
           <a:chExt cx="0" cy="0"/>
         </a:xfrm>
       </p:grpSpPr>
+      <p:sp>
+        <p:nvSpPr>
+          <p:cNvPr id="2" name="Titel 1"/>
+          <p:cNvSpPr>
+            <a:spLocks noGrp="1"/>
+          </p:cNvSpPr>
+          <p:nvPr>
+            <p:ph type="title"/>
+          </p:nvPr>
+        </p:nvSpPr>
+        <p:spPr/>
+        <p:txBody>
+          <a:bodyPr/>
+          <a:lstStyle/>
+          <a:p>
+            <a:pPr algn="ctr"/>
+            <a:r>
+              <a:rPr lang="nl-NL" dirty="0" err="1"/>
+              <a:t>seaborn</a:t>
+            </a:r>
+            <a:endParaRPr lang="nl-NL" dirty="0"/>
+          </a:p>
+        </p:txBody>
+      </p:sp>
       <p:pic>
         <p:nvPicPr>
-          <p:cNvPr id="4" name="Afbeelding 3"/>
+          <p:cNvPr id="5" name="Afbeelding 4"/>
           <p:cNvPicPr>
             <a:picLocks noChangeAspect="1"/>
           </p:cNvPicPr>
@@ -15326,8 +15928,8 @@
         </p:blipFill>
         <p:spPr>
           <a:xfrm>
-            <a:off x="1990466" y="403499"/>
-            <a:ext cx="5382923" cy="6138558"/>
+            <a:off x="1093037" y="1681162"/>
+            <a:ext cx="7229475" cy="4410075"/>
           </a:xfrm>
           <a:prstGeom prst="rect">
             <a:avLst/>
@@ -15491,159 +16093,6 @@
 </file>
 
 <file path=ppt/slides/slide40.xml><?xml version="1.0" encoding="utf-8"?>
-<p:sld xmlns:a="http://schemas.openxmlformats.org/drawingml/2006/main" xmlns:r="http://schemas.openxmlformats.org/officeDocument/2006/relationships" xmlns:p="http://schemas.openxmlformats.org/presentationml/2006/main">
-  <p:cSld>
-    <p:spTree>
-      <p:nvGrpSpPr>
-        <p:cNvPr id="1" name=""/>
-        <p:cNvGrpSpPr/>
-        <p:nvPr/>
-      </p:nvGrpSpPr>
-      <p:grpSpPr>
-        <a:xfrm>
-          <a:off x="0" y="0"/>
-          <a:ext cx="0" cy="0"/>
-          <a:chOff x="0" y="0"/>
-          <a:chExt cx="0" cy="0"/>
-        </a:xfrm>
-      </p:grpSpPr>
-      <p:sp>
-        <p:nvSpPr>
-          <p:cNvPr id="2" name="Titel 1"/>
-          <p:cNvSpPr>
-            <a:spLocks noGrp="1"/>
-          </p:cNvSpPr>
-          <p:nvPr>
-            <p:ph type="title"/>
-          </p:nvPr>
-        </p:nvSpPr>
-        <p:spPr>
-          <a:xfrm>
-            <a:off x="669022" y="227215"/>
-            <a:ext cx="8596668" cy="612371"/>
-          </a:xfrm>
-        </p:spPr>
-        <p:txBody>
-          <a:bodyPr>
-            <a:normAutofit fontScale="90000"/>
-          </a:bodyPr>
-          <a:lstStyle/>
-          <a:p>
-            <a:pPr algn="ctr"/>
-            <a:r>
-              <a:rPr lang="nl-NL" dirty="0" err="1"/>
-              <a:t>Seaborn</a:t>
-            </a:r>
-            <a:endParaRPr lang="nl-NL" dirty="0"/>
-          </a:p>
-        </p:txBody>
-      </p:sp>
-      <p:pic>
-        <p:nvPicPr>
-          <p:cNvPr id="6" name="Afbeelding 5"/>
-          <p:cNvPicPr>
-            <a:picLocks noChangeAspect="1"/>
-          </p:cNvPicPr>
-          <p:nvPr/>
-        </p:nvPicPr>
-        <p:blipFill>
-          <a:blip r:embed="rId2"/>
-          <a:stretch>
-            <a:fillRect/>
-          </a:stretch>
-        </p:blipFill>
-        <p:spPr>
-          <a:xfrm>
-            <a:off x="486207" y="1202488"/>
-            <a:ext cx="8670638" cy="4283912"/>
-          </a:xfrm>
-          <a:prstGeom prst="rect">
-            <a:avLst/>
-          </a:prstGeom>
-        </p:spPr>
-      </p:pic>
-    </p:spTree>
-  </p:cSld>
-  <p:clrMapOvr>
-    <a:masterClrMapping/>
-  </p:clrMapOvr>
-</p:sld>
-</file>
-
-<file path=ppt/slides/slide41.xml><?xml version="1.0" encoding="utf-8"?>
-<p:sld xmlns:a="http://schemas.openxmlformats.org/drawingml/2006/main" xmlns:r="http://schemas.openxmlformats.org/officeDocument/2006/relationships" xmlns:p="http://schemas.openxmlformats.org/presentationml/2006/main">
-  <p:cSld>
-    <p:spTree>
-      <p:nvGrpSpPr>
-        <p:cNvPr id="1" name=""/>
-        <p:cNvGrpSpPr/>
-        <p:nvPr/>
-      </p:nvGrpSpPr>
-      <p:grpSpPr>
-        <a:xfrm>
-          <a:off x="0" y="0"/>
-          <a:ext cx="0" cy="0"/>
-          <a:chOff x="0" y="0"/>
-          <a:chExt cx="0" cy="0"/>
-        </a:xfrm>
-      </p:grpSpPr>
-      <p:sp>
-        <p:nvSpPr>
-          <p:cNvPr id="2" name="Titel 1"/>
-          <p:cNvSpPr>
-            <a:spLocks noGrp="1"/>
-          </p:cNvSpPr>
-          <p:nvPr>
-            <p:ph type="title"/>
-          </p:nvPr>
-        </p:nvSpPr>
-        <p:spPr/>
-        <p:txBody>
-          <a:bodyPr/>
-          <a:lstStyle/>
-          <a:p>
-            <a:pPr algn="ctr"/>
-            <a:r>
-              <a:rPr lang="nl-NL" dirty="0" err="1"/>
-              <a:t>seaborn</a:t>
-            </a:r>
-            <a:endParaRPr lang="nl-NL" dirty="0"/>
-          </a:p>
-        </p:txBody>
-      </p:sp>
-      <p:pic>
-        <p:nvPicPr>
-          <p:cNvPr id="5" name="Afbeelding 4"/>
-          <p:cNvPicPr>
-            <a:picLocks noChangeAspect="1"/>
-          </p:cNvPicPr>
-          <p:nvPr/>
-        </p:nvPicPr>
-        <p:blipFill>
-          <a:blip r:embed="rId2"/>
-          <a:stretch>
-            <a:fillRect/>
-          </a:stretch>
-        </p:blipFill>
-        <p:spPr>
-          <a:xfrm>
-            <a:off x="1093037" y="1681162"/>
-            <a:ext cx="7229475" cy="4410075"/>
-          </a:xfrm>
-          <a:prstGeom prst="rect">
-            <a:avLst/>
-          </a:prstGeom>
-        </p:spPr>
-      </p:pic>
-    </p:spTree>
-  </p:cSld>
-  <p:clrMapOvr>
-    <a:masterClrMapping/>
-  </p:clrMapOvr>
-</p:sld>
-</file>
-
-<file path=ppt/slides/slide42.xml><?xml version="1.0" encoding="utf-8"?>
 <p:sld xmlns:a="http://schemas.openxmlformats.org/drawingml/2006/main" xmlns:r="http://schemas.openxmlformats.org/officeDocument/2006/relationships" xmlns:p="http://schemas.openxmlformats.org/presentationml/2006/main">
   <p:cSld>
     <p:spTree>
@@ -15697,7 +16146,7 @@
 </p:sld>
 </file>
 
-<file path=ppt/slides/slide43.xml><?xml version="1.0" encoding="utf-8"?>
+<file path=ppt/slides/slide41.xml><?xml version="1.0" encoding="utf-8"?>
 <p:sld xmlns:a="http://schemas.openxmlformats.org/drawingml/2006/main" xmlns:r="http://schemas.openxmlformats.org/officeDocument/2006/relationships" xmlns:p="http://schemas.openxmlformats.org/presentationml/2006/main">
   <p:cSld>
     <p:spTree>
@@ -15762,7 +16211,7 @@
 </p:sld>
 </file>
 
-<file path=ppt/slides/slide44.xml><?xml version="1.0" encoding="utf-8"?>
+<file path=ppt/slides/slide42.xml><?xml version="1.0" encoding="utf-8"?>
 <p:sld xmlns:a="http://schemas.openxmlformats.org/drawingml/2006/main" xmlns:r="http://schemas.openxmlformats.org/officeDocument/2006/relationships" xmlns:p="http://schemas.openxmlformats.org/presentationml/2006/main">
   <p:cSld>
     <p:spTree>
@@ -15856,7 +16305,7 @@
 </p:sld>
 </file>
 
-<file path=ppt/slides/slide45.xml><?xml version="1.0" encoding="utf-8"?>
+<file path=ppt/slides/slide43.xml><?xml version="1.0" encoding="utf-8"?>
 <p:sld xmlns:a="http://schemas.openxmlformats.org/drawingml/2006/main" xmlns:r="http://schemas.openxmlformats.org/officeDocument/2006/relationships" xmlns:p="http://schemas.openxmlformats.org/presentationml/2006/main">
   <p:cSld>
     <p:spTree>
@@ -16021,7 +16470,7 @@
 </p:sld>
 </file>
 
-<file path=ppt/slides/slide46.xml><?xml version="1.0" encoding="utf-8"?>
+<file path=ppt/slides/slide44.xml><?xml version="1.0" encoding="utf-8"?>
 <p:sld xmlns:a="http://schemas.openxmlformats.org/drawingml/2006/main" xmlns:r="http://schemas.openxmlformats.org/officeDocument/2006/relationships" xmlns:p="http://schemas.openxmlformats.org/presentationml/2006/main">
   <p:cSld>
     <p:spTree>
@@ -16096,7 +16545,7 @@
 </p:sld>
 </file>
 
-<file path=ppt/slides/slide47.xml><?xml version="1.0" encoding="utf-8"?>
+<file path=ppt/slides/slide45.xml><?xml version="1.0" encoding="utf-8"?>
 <p:sld xmlns:a="http://schemas.openxmlformats.org/drawingml/2006/main" xmlns:r="http://schemas.openxmlformats.org/officeDocument/2006/relationships" xmlns:p="http://schemas.openxmlformats.org/presentationml/2006/main">
   <p:cSld>
     <p:spTree>
@@ -16236,7 +16685,7 @@
 </p:sld>
 </file>
 
-<file path=ppt/slides/slide48.xml><?xml version="1.0" encoding="utf-8"?>
+<file path=ppt/slides/slide46.xml><?xml version="1.0" encoding="utf-8"?>
 <p:sld xmlns:a="http://schemas.openxmlformats.org/drawingml/2006/main" xmlns:r="http://schemas.openxmlformats.org/officeDocument/2006/relationships" xmlns:p="http://schemas.openxmlformats.org/presentationml/2006/main">
   <p:cSld>
     <p:spTree>
@@ -16376,7 +16825,7 @@
 </p:sld>
 </file>
 
-<file path=ppt/slides/slide49.xml><?xml version="1.0" encoding="utf-8"?>
+<file path=ppt/slides/slide47.xml><?xml version="1.0" encoding="utf-8"?>
 <p:sld xmlns:a="http://schemas.openxmlformats.org/drawingml/2006/main" xmlns:r="http://schemas.openxmlformats.org/officeDocument/2006/relationships" xmlns:p="http://schemas.openxmlformats.org/presentationml/2006/main">
   <p:cSld>
     <p:spTree>
@@ -16442,148 +16891,7 @@
 </p:sld>
 </file>
 
-<file path=ppt/slides/slide5.xml><?xml version="1.0" encoding="utf-8"?>
-<p:sld xmlns:a="http://schemas.openxmlformats.org/drawingml/2006/main" xmlns:r="http://schemas.openxmlformats.org/officeDocument/2006/relationships" xmlns:p="http://schemas.openxmlformats.org/presentationml/2006/main">
-  <p:cSld>
-    <p:spTree>
-      <p:nvGrpSpPr>
-        <p:cNvPr id="1" name=""/>
-        <p:cNvGrpSpPr/>
-        <p:nvPr/>
-      </p:nvGrpSpPr>
-      <p:grpSpPr>
-        <a:xfrm>
-          <a:off x="0" y="0"/>
-          <a:ext cx="0" cy="0"/>
-          <a:chOff x="0" y="0"/>
-          <a:chExt cx="0" cy="0"/>
-        </a:xfrm>
-      </p:grpSpPr>
-      <p:sp>
-        <p:nvSpPr>
-          <p:cNvPr id="2" name="Titel 1"/>
-          <p:cNvSpPr>
-            <a:spLocks noGrp="1"/>
-          </p:cNvSpPr>
-          <p:nvPr>
-            <p:ph type="title"/>
-          </p:nvPr>
-        </p:nvSpPr>
-        <p:spPr>
-          <a:xfrm>
-            <a:off x="677334" y="609600"/>
-            <a:ext cx="8596668" cy="781538"/>
-          </a:xfrm>
-        </p:spPr>
-        <p:txBody>
-          <a:bodyPr/>
-          <a:lstStyle/>
-          <a:p>
-            <a:pPr algn="ctr"/>
-            <a:r>
-              <a:rPr lang="nl-NL" dirty="0"/>
-              <a:t>Doelen voor vanochtend</a:t>
-            </a:r>
-          </a:p>
-        </p:txBody>
-      </p:sp>
-      <p:sp>
-        <p:nvSpPr>
-          <p:cNvPr id="3" name="Tijdelijke aanduiding voor inhoud 2"/>
-          <p:cNvSpPr>
-            <a:spLocks noGrp="1"/>
-          </p:cNvSpPr>
-          <p:nvPr>
-            <p:ph idx="1"/>
-          </p:nvPr>
-        </p:nvSpPr>
-        <p:spPr>
-          <a:xfrm>
-            <a:off x="614811" y="1391138"/>
-            <a:ext cx="8820134" cy="3880773"/>
-          </a:xfrm>
-        </p:spPr>
-        <p:txBody>
-          <a:bodyPr>
-            <a:normAutofit/>
-          </a:bodyPr>
-          <a:lstStyle/>
-          <a:p>
-            <a:pPr marL="0" indent="0">
-              <a:buNone/>
-            </a:pPr>
-            <a:r>
-              <a:rPr lang="nl-NL" b="1" dirty="0"/>
-              <a:t>Overall doel: </a:t>
-            </a:r>
-          </a:p>
-          <a:p>
-            <a:pPr marL="0" indent="0">
-              <a:buNone/>
-            </a:pPr>
-            <a:r>
-              <a:rPr lang="en-US" altLang="nl-NL" dirty="0"/>
-              <a:t>D</a:t>
-            </a:r>
-            <a:r>
-              <a:rPr lang="nl-NL" dirty="0"/>
-              <a:t>e deelnemer verlaat enthousiast de kennismakingssessie en heeft voldoende kennis opgedaan om zelf verder te gaan met programmeren in Python, Pandas etc. </a:t>
-            </a:r>
-          </a:p>
-          <a:p>
-            <a:pPr marL="0" indent="0">
-              <a:buNone/>
-            </a:pPr>
-            <a:r>
-              <a:rPr lang="nl-NL" b="1" dirty="0"/>
-              <a:t>Na afloop van deze sessie: </a:t>
-            </a:r>
-          </a:p>
-          <a:p>
-            <a:r>
-              <a:rPr lang="nl-NL" dirty="0"/>
-              <a:t>De deelnemer kan verwoorden wat programmeren is.</a:t>
-            </a:r>
-          </a:p>
-          <a:p>
-            <a:r>
-              <a:rPr lang="nl-NL" dirty="0"/>
-              <a:t>De deelnemer heeft een 1</a:t>
-            </a:r>
-            <a:r>
-              <a:rPr lang="nl-NL" baseline="30000" dirty="0"/>
-              <a:t>e</a:t>
-            </a:r>
-            <a:r>
-              <a:rPr lang="nl-NL" dirty="0"/>
-              <a:t> indruk van de </a:t>
-            </a:r>
-            <a:r>
-              <a:rPr lang="nl-NL" dirty="0" err="1"/>
-              <a:t>programmeertal</a:t>
-            </a:r>
-            <a:r>
-              <a:rPr lang="nl-NL" dirty="0"/>
-              <a:t> Python.</a:t>
-            </a:r>
-          </a:p>
-          <a:p>
-            <a:r>
-              <a:rPr lang="nl-NL" dirty="0"/>
-              <a:t>Idem dito pandas.</a:t>
-            </a:r>
-          </a:p>
-        </p:txBody>
-      </p:sp>
-    </p:spTree>
-  </p:cSld>
-  <p:clrMapOvr>
-    <a:masterClrMapping/>
-  </p:clrMapOvr>
-</p:sld>
-</file>
-
-<file path=ppt/slides/slide50.xml><?xml version="1.0" encoding="utf-8"?>
+<file path=ppt/slides/slide48.xml><?xml version="1.0" encoding="utf-8"?>
 <p:sld xmlns:a="http://schemas.openxmlformats.org/drawingml/2006/main" xmlns:r="http://schemas.openxmlformats.org/officeDocument/2006/relationships" xmlns:p="http://schemas.openxmlformats.org/presentationml/2006/main">
   <p:cSld>
     <p:spTree>
@@ -19914,6 +20222,485 @@
         <p:spPr>
           <a:xfrm>
             <a:off x="4847747" y="2092965"/>
+            <a:ext cx="5108836" cy="584775"/>
+          </a:xfrm>
+          <a:prstGeom prst="rect">
+            <a:avLst/>
+          </a:prstGeom>
+          <a:noFill/>
+        </p:spPr>
+        <p:txBody>
+          <a:bodyPr wrap="square" lIns="91440" tIns="45720" rIns="91440" bIns="45720">
+            <a:spAutoFit/>
+          </a:bodyPr>
+          <a:lstStyle/>
+          <a:p>
+            <a:pPr algn="ctr"/>
+            <a:r>
+              <a:rPr lang="nl-NL" sz="3200" dirty="0">
+                <a:ln w="0"/>
+                <a:solidFill>
+                  <a:srgbClr val="FF0000"/>
+                </a:solidFill>
+              </a:rPr>
+              <a:t>Om thuis door te lezen</a:t>
+            </a:r>
+            <a:endParaRPr lang="nl-NL" sz="3200" b="0" cap="none" spc="0" dirty="0">
+              <a:ln w="0"/>
+              <a:solidFill>
+                <a:srgbClr val="FF0000"/>
+              </a:solidFill>
+              <a:effectLst/>
+            </a:endParaRPr>
+          </a:p>
+        </p:txBody>
+      </p:sp>
+    </p:spTree>
+  </p:cSld>
+  <p:clrMapOvr>
+    <a:masterClrMapping/>
+  </p:clrMapOvr>
+  <p:timing>
+    <p:tnLst>
+      <p:par>
+        <p:cTn id="1" dur="indefinite" restart="never" nodeType="tmRoot">
+          <p:childTnLst>
+            <p:seq concurrent="1" nextAc="seek">
+              <p:cTn id="2" dur="indefinite" nodeType="mainSeq">
+                <p:childTnLst>
+                  <p:par>
+                    <p:cTn id="3" fill="hold">
+                      <p:stCondLst>
+                        <p:cond delay="indefinite"/>
+                      </p:stCondLst>
+                      <p:childTnLst>
+                        <p:par>
+                          <p:cTn id="4" fill="hold">
+                            <p:stCondLst>
+                              <p:cond delay="0"/>
+                            </p:stCondLst>
+                            <p:childTnLst>
+                              <p:par>
+                                <p:cTn id="5" presetID="1" presetClass="entr" presetSubtype="0" fill="hold" grpId="0" nodeType="clickEffect">
+                                  <p:stCondLst>
+                                    <p:cond delay="0"/>
+                                  </p:stCondLst>
+                                  <p:childTnLst>
+                                    <p:set>
+                                      <p:cBhvr>
+                                        <p:cTn id="6" dur="1" fill="hold">
+                                          <p:stCondLst>
+                                            <p:cond delay="0"/>
+                                          </p:stCondLst>
+                                        </p:cTn>
+                                        <p:tgtEl>
+                                          <p:spTgt spid="3"/>
+                                        </p:tgtEl>
+                                        <p:attrNameLst>
+                                          <p:attrName>style.visibility</p:attrName>
+                                        </p:attrNameLst>
+                                      </p:cBhvr>
+                                      <p:to>
+                                        <p:strVal val="visible"/>
+                                      </p:to>
+                                    </p:set>
+                                  </p:childTnLst>
+                                </p:cTn>
+                              </p:par>
+                            </p:childTnLst>
+                          </p:cTn>
+                        </p:par>
+                      </p:childTnLst>
+                    </p:cTn>
+                  </p:par>
+                </p:childTnLst>
+              </p:cTn>
+              <p:prevCondLst>
+                <p:cond evt="onPrev" delay="0">
+                  <p:tgtEl>
+                    <p:sldTgt/>
+                  </p:tgtEl>
+                </p:cond>
+              </p:prevCondLst>
+              <p:nextCondLst>
+                <p:cond evt="onNext" delay="0">
+                  <p:tgtEl>
+                    <p:sldTgt/>
+                  </p:tgtEl>
+                </p:cond>
+              </p:nextCondLst>
+            </p:seq>
+          </p:childTnLst>
+        </p:cTn>
+      </p:par>
+    </p:tnLst>
+    <p:bldLst>
+      <p:bldP spid="3" grpId="0"/>
+    </p:bldLst>
+  </p:timing>
+</p:sld>
+</file>
+
+<file path=ppt/slides/slide49.xml><?xml version="1.0" encoding="utf-8"?>
+<p:sld xmlns:a="http://schemas.openxmlformats.org/drawingml/2006/main" xmlns:r="http://schemas.openxmlformats.org/officeDocument/2006/relationships" xmlns:p="http://schemas.openxmlformats.org/presentationml/2006/main">
+  <p:cSld>
+    <p:spTree>
+      <p:nvGrpSpPr>
+        <p:cNvPr id="1" name=""/>
+        <p:cNvGrpSpPr/>
+        <p:nvPr/>
+      </p:nvGrpSpPr>
+      <p:grpSpPr>
+        <a:xfrm>
+          <a:off x="0" y="0"/>
+          <a:ext cx="0" cy="0"/>
+          <a:chOff x="0" y="0"/>
+          <a:chExt cx="0" cy="0"/>
+        </a:xfrm>
+      </p:grpSpPr>
+      <p:pic>
+        <p:nvPicPr>
+          <p:cNvPr id="2" name="Afbeelding 1"/>
+          <p:cNvPicPr>
+            <a:picLocks noChangeAspect="1"/>
+          </p:cNvPicPr>
+          <p:nvPr/>
+        </p:nvPicPr>
+        <p:blipFill>
+          <a:blip r:embed="rId2"/>
+          <a:stretch>
+            <a:fillRect/>
+          </a:stretch>
+        </p:blipFill>
+        <p:spPr>
+          <a:xfrm>
+            <a:off x="469263" y="245745"/>
+            <a:ext cx="8067675" cy="6000750"/>
+          </a:xfrm>
+          <a:prstGeom prst="rect">
+            <a:avLst/>
+          </a:prstGeom>
+        </p:spPr>
+      </p:pic>
+      <p:sp>
+        <p:nvSpPr>
+          <p:cNvPr id="3" name="Rechthoek 2"/>
+          <p:cNvSpPr/>
+          <p:nvPr/>
+        </p:nvSpPr>
+        <p:spPr>
+          <a:xfrm>
+            <a:off x="5346511" y="2334034"/>
+            <a:ext cx="5108836" cy="584775"/>
+          </a:xfrm>
+          <a:prstGeom prst="rect">
+            <a:avLst/>
+          </a:prstGeom>
+          <a:noFill/>
+        </p:spPr>
+        <p:txBody>
+          <a:bodyPr wrap="square" lIns="91440" tIns="45720" rIns="91440" bIns="45720">
+            <a:spAutoFit/>
+          </a:bodyPr>
+          <a:lstStyle/>
+          <a:p>
+            <a:pPr algn="ctr"/>
+            <a:r>
+              <a:rPr lang="nl-NL" sz="3200" dirty="0">
+                <a:ln w="0"/>
+                <a:solidFill>
+                  <a:srgbClr val="FF0000"/>
+                </a:solidFill>
+              </a:rPr>
+              <a:t>Om thuis door te lezen</a:t>
+            </a:r>
+            <a:endParaRPr lang="nl-NL" sz="3200" b="0" cap="none" spc="0" dirty="0">
+              <a:ln w="0"/>
+              <a:solidFill>
+                <a:srgbClr val="FF0000"/>
+              </a:solidFill>
+              <a:effectLst/>
+            </a:endParaRPr>
+          </a:p>
+        </p:txBody>
+      </p:sp>
+    </p:spTree>
+  </p:cSld>
+  <p:clrMapOvr>
+    <a:masterClrMapping/>
+  </p:clrMapOvr>
+  <p:timing>
+    <p:tnLst>
+      <p:par>
+        <p:cTn id="1" dur="indefinite" restart="never" nodeType="tmRoot">
+          <p:childTnLst>
+            <p:seq concurrent="1" nextAc="seek">
+              <p:cTn id="2" dur="indefinite" nodeType="mainSeq">
+                <p:childTnLst>
+                  <p:par>
+                    <p:cTn id="3" fill="hold">
+                      <p:stCondLst>
+                        <p:cond delay="indefinite"/>
+                      </p:stCondLst>
+                      <p:childTnLst>
+                        <p:par>
+                          <p:cTn id="4" fill="hold">
+                            <p:stCondLst>
+                              <p:cond delay="0"/>
+                            </p:stCondLst>
+                            <p:childTnLst>
+                              <p:par>
+                                <p:cTn id="5" presetID="1" presetClass="entr" presetSubtype="0" fill="hold" grpId="0" nodeType="clickEffect">
+                                  <p:stCondLst>
+                                    <p:cond delay="0"/>
+                                  </p:stCondLst>
+                                  <p:childTnLst>
+                                    <p:set>
+                                      <p:cBhvr>
+                                        <p:cTn id="6" dur="1" fill="hold">
+                                          <p:stCondLst>
+                                            <p:cond delay="0"/>
+                                          </p:stCondLst>
+                                        </p:cTn>
+                                        <p:tgtEl>
+                                          <p:spTgt spid="3"/>
+                                        </p:tgtEl>
+                                        <p:attrNameLst>
+                                          <p:attrName>style.visibility</p:attrName>
+                                        </p:attrNameLst>
+                                      </p:cBhvr>
+                                      <p:to>
+                                        <p:strVal val="visible"/>
+                                      </p:to>
+                                    </p:set>
+                                  </p:childTnLst>
+                                </p:cTn>
+                              </p:par>
+                            </p:childTnLst>
+                          </p:cTn>
+                        </p:par>
+                      </p:childTnLst>
+                    </p:cTn>
+                  </p:par>
+                </p:childTnLst>
+              </p:cTn>
+              <p:prevCondLst>
+                <p:cond evt="onPrev" delay="0">
+                  <p:tgtEl>
+                    <p:sldTgt/>
+                  </p:tgtEl>
+                </p:cond>
+              </p:prevCondLst>
+              <p:nextCondLst>
+                <p:cond evt="onNext" delay="0">
+                  <p:tgtEl>
+                    <p:sldTgt/>
+                  </p:tgtEl>
+                </p:cond>
+              </p:nextCondLst>
+            </p:seq>
+          </p:childTnLst>
+        </p:cTn>
+      </p:par>
+    </p:tnLst>
+    <p:bldLst>
+      <p:bldP spid="3" grpId="0"/>
+    </p:bldLst>
+  </p:timing>
+</p:sld>
+</file>
+
+<file path=ppt/slides/slide5.xml><?xml version="1.0" encoding="utf-8"?>
+<p:sld xmlns:a="http://schemas.openxmlformats.org/drawingml/2006/main" xmlns:r="http://schemas.openxmlformats.org/officeDocument/2006/relationships" xmlns:p="http://schemas.openxmlformats.org/presentationml/2006/main">
+  <p:cSld>
+    <p:spTree>
+      <p:nvGrpSpPr>
+        <p:cNvPr id="1" name=""/>
+        <p:cNvGrpSpPr/>
+        <p:nvPr/>
+      </p:nvGrpSpPr>
+      <p:grpSpPr>
+        <a:xfrm>
+          <a:off x="0" y="0"/>
+          <a:ext cx="0" cy="0"/>
+          <a:chOff x="0" y="0"/>
+          <a:chExt cx="0" cy="0"/>
+        </a:xfrm>
+      </p:grpSpPr>
+      <p:sp>
+        <p:nvSpPr>
+          <p:cNvPr id="2" name="Titel 1"/>
+          <p:cNvSpPr>
+            <a:spLocks noGrp="1"/>
+          </p:cNvSpPr>
+          <p:nvPr>
+            <p:ph type="title"/>
+          </p:nvPr>
+        </p:nvSpPr>
+        <p:spPr>
+          <a:xfrm>
+            <a:off x="677334" y="609600"/>
+            <a:ext cx="8596668" cy="781538"/>
+          </a:xfrm>
+        </p:spPr>
+        <p:txBody>
+          <a:bodyPr/>
+          <a:lstStyle/>
+          <a:p>
+            <a:pPr algn="ctr"/>
+            <a:r>
+              <a:rPr lang="nl-NL" dirty="0"/>
+              <a:t>Doelen voor vanochtend</a:t>
+            </a:r>
+          </a:p>
+        </p:txBody>
+      </p:sp>
+      <p:sp>
+        <p:nvSpPr>
+          <p:cNvPr id="3" name="Tijdelijke aanduiding voor inhoud 2"/>
+          <p:cNvSpPr>
+            <a:spLocks noGrp="1"/>
+          </p:cNvSpPr>
+          <p:nvPr>
+            <p:ph idx="1"/>
+          </p:nvPr>
+        </p:nvSpPr>
+        <p:spPr>
+          <a:xfrm>
+            <a:off x="614811" y="1391138"/>
+            <a:ext cx="8820134" cy="3880773"/>
+          </a:xfrm>
+        </p:spPr>
+        <p:txBody>
+          <a:bodyPr>
+            <a:normAutofit/>
+          </a:bodyPr>
+          <a:lstStyle/>
+          <a:p>
+            <a:pPr marL="0" indent="0">
+              <a:buNone/>
+            </a:pPr>
+            <a:r>
+              <a:rPr lang="nl-NL" b="1" dirty="0"/>
+              <a:t>Overall doel: </a:t>
+            </a:r>
+          </a:p>
+          <a:p>
+            <a:pPr marL="0" indent="0">
+              <a:buNone/>
+            </a:pPr>
+            <a:r>
+              <a:rPr lang="en-US" altLang="nl-NL" dirty="0"/>
+              <a:t>D</a:t>
+            </a:r>
+            <a:r>
+              <a:rPr lang="nl-NL" dirty="0"/>
+              <a:t>e deelnemer verlaat enthousiast de kennismakingssessie en heeft voldoende kennis opgedaan om zelf verder te gaan met programmeren in Python, Pandas etc. </a:t>
+            </a:r>
+          </a:p>
+          <a:p>
+            <a:pPr marL="0" indent="0">
+              <a:buNone/>
+            </a:pPr>
+            <a:r>
+              <a:rPr lang="nl-NL" b="1" dirty="0"/>
+              <a:t>Na afloop van deze sessie: </a:t>
+            </a:r>
+          </a:p>
+          <a:p>
+            <a:r>
+              <a:rPr lang="nl-NL" dirty="0"/>
+              <a:t>De deelnemer kan verwoorden wat programmeren is.</a:t>
+            </a:r>
+          </a:p>
+          <a:p>
+            <a:r>
+              <a:rPr lang="nl-NL" dirty="0"/>
+              <a:t>De deelnemer heeft een 1</a:t>
+            </a:r>
+            <a:r>
+              <a:rPr lang="nl-NL" baseline="30000" dirty="0"/>
+              <a:t>e</a:t>
+            </a:r>
+            <a:r>
+              <a:rPr lang="nl-NL" dirty="0"/>
+              <a:t> indruk van de </a:t>
+            </a:r>
+            <a:r>
+              <a:rPr lang="nl-NL" dirty="0" err="1"/>
+              <a:t>programmeertal</a:t>
+            </a:r>
+            <a:r>
+              <a:rPr lang="nl-NL" dirty="0"/>
+              <a:t> Python.</a:t>
+            </a:r>
+          </a:p>
+          <a:p>
+            <a:r>
+              <a:rPr lang="nl-NL" dirty="0"/>
+              <a:t>Idem dito pandas.</a:t>
+            </a:r>
+          </a:p>
+        </p:txBody>
+      </p:sp>
+    </p:spTree>
+  </p:cSld>
+  <p:clrMapOvr>
+    <a:masterClrMapping/>
+  </p:clrMapOvr>
+</p:sld>
+</file>
+
+<file path=ppt/slides/slide50.xml><?xml version="1.0" encoding="utf-8"?>
+<p:sld xmlns:a="http://schemas.openxmlformats.org/drawingml/2006/main" xmlns:r="http://schemas.openxmlformats.org/officeDocument/2006/relationships" xmlns:p="http://schemas.openxmlformats.org/presentationml/2006/main">
+  <p:cSld>
+    <p:spTree>
+      <p:nvGrpSpPr>
+        <p:cNvPr id="1" name=""/>
+        <p:cNvGrpSpPr/>
+        <p:nvPr/>
+      </p:nvGrpSpPr>
+      <p:grpSpPr>
+        <a:xfrm>
+          <a:off x="0" y="0"/>
+          <a:ext cx="0" cy="0"/>
+          <a:chOff x="0" y="0"/>
+          <a:chExt cx="0" cy="0"/>
+        </a:xfrm>
+      </p:grpSpPr>
+      <p:pic>
+        <p:nvPicPr>
+          <p:cNvPr id="2" name="Afbeelding 1"/>
+          <p:cNvPicPr>
+            <a:picLocks noChangeAspect="1"/>
+          </p:cNvPicPr>
+          <p:nvPr/>
+        </p:nvPicPr>
+        <p:blipFill>
+          <a:blip r:embed="rId2"/>
+          <a:stretch>
+            <a:fillRect/>
+          </a:stretch>
+        </p:blipFill>
+        <p:spPr>
+          <a:xfrm>
+            <a:off x="860107" y="341688"/>
+            <a:ext cx="8277225" cy="6191250"/>
+          </a:xfrm>
+          <a:prstGeom prst="rect">
+            <a:avLst/>
+          </a:prstGeom>
+        </p:spPr>
+      </p:pic>
+      <p:sp>
+        <p:nvSpPr>
+          <p:cNvPr id="3" name="Rechthoek 2"/>
+          <p:cNvSpPr/>
+          <p:nvPr/>
+        </p:nvSpPr>
+        <p:spPr>
+          <a:xfrm>
+            <a:off x="5487827" y="2450412"/>
             <a:ext cx="5108836" cy="584775"/>
           </a:xfrm>
           <a:prstGeom prst="rect">
@@ -20034,344 +20821,6 @@
 </file>
 
 <file path=ppt/slides/slide51.xml><?xml version="1.0" encoding="utf-8"?>
-<p:sld xmlns:a="http://schemas.openxmlformats.org/drawingml/2006/main" xmlns:r="http://schemas.openxmlformats.org/officeDocument/2006/relationships" xmlns:p="http://schemas.openxmlformats.org/presentationml/2006/main">
-  <p:cSld>
-    <p:spTree>
-      <p:nvGrpSpPr>
-        <p:cNvPr id="1" name=""/>
-        <p:cNvGrpSpPr/>
-        <p:nvPr/>
-      </p:nvGrpSpPr>
-      <p:grpSpPr>
-        <a:xfrm>
-          <a:off x="0" y="0"/>
-          <a:ext cx="0" cy="0"/>
-          <a:chOff x="0" y="0"/>
-          <a:chExt cx="0" cy="0"/>
-        </a:xfrm>
-      </p:grpSpPr>
-      <p:pic>
-        <p:nvPicPr>
-          <p:cNvPr id="2" name="Afbeelding 1"/>
-          <p:cNvPicPr>
-            <a:picLocks noChangeAspect="1"/>
-          </p:cNvPicPr>
-          <p:nvPr/>
-        </p:nvPicPr>
-        <p:blipFill>
-          <a:blip r:embed="rId2"/>
-          <a:stretch>
-            <a:fillRect/>
-          </a:stretch>
-        </p:blipFill>
-        <p:spPr>
-          <a:xfrm>
-            <a:off x="469263" y="245745"/>
-            <a:ext cx="8067675" cy="6000750"/>
-          </a:xfrm>
-          <a:prstGeom prst="rect">
-            <a:avLst/>
-          </a:prstGeom>
-        </p:spPr>
-      </p:pic>
-      <p:sp>
-        <p:nvSpPr>
-          <p:cNvPr id="3" name="Rechthoek 2"/>
-          <p:cNvSpPr/>
-          <p:nvPr/>
-        </p:nvSpPr>
-        <p:spPr>
-          <a:xfrm>
-            <a:off x="5346511" y="2334034"/>
-            <a:ext cx="5108836" cy="584775"/>
-          </a:xfrm>
-          <a:prstGeom prst="rect">
-            <a:avLst/>
-          </a:prstGeom>
-          <a:noFill/>
-        </p:spPr>
-        <p:txBody>
-          <a:bodyPr wrap="square" lIns="91440" tIns="45720" rIns="91440" bIns="45720">
-            <a:spAutoFit/>
-          </a:bodyPr>
-          <a:lstStyle/>
-          <a:p>
-            <a:pPr algn="ctr"/>
-            <a:r>
-              <a:rPr lang="nl-NL" sz="3200" dirty="0">
-                <a:ln w="0"/>
-                <a:solidFill>
-                  <a:srgbClr val="FF0000"/>
-                </a:solidFill>
-              </a:rPr>
-              <a:t>Om thuis door te lezen</a:t>
-            </a:r>
-            <a:endParaRPr lang="nl-NL" sz="3200" b="0" cap="none" spc="0" dirty="0">
-              <a:ln w="0"/>
-              <a:solidFill>
-                <a:srgbClr val="FF0000"/>
-              </a:solidFill>
-              <a:effectLst/>
-            </a:endParaRPr>
-          </a:p>
-        </p:txBody>
-      </p:sp>
-    </p:spTree>
-  </p:cSld>
-  <p:clrMapOvr>
-    <a:masterClrMapping/>
-  </p:clrMapOvr>
-  <p:timing>
-    <p:tnLst>
-      <p:par>
-        <p:cTn id="1" dur="indefinite" restart="never" nodeType="tmRoot">
-          <p:childTnLst>
-            <p:seq concurrent="1" nextAc="seek">
-              <p:cTn id="2" dur="indefinite" nodeType="mainSeq">
-                <p:childTnLst>
-                  <p:par>
-                    <p:cTn id="3" fill="hold">
-                      <p:stCondLst>
-                        <p:cond delay="indefinite"/>
-                      </p:stCondLst>
-                      <p:childTnLst>
-                        <p:par>
-                          <p:cTn id="4" fill="hold">
-                            <p:stCondLst>
-                              <p:cond delay="0"/>
-                            </p:stCondLst>
-                            <p:childTnLst>
-                              <p:par>
-                                <p:cTn id="5" presetID="1" presetClass="entr" presetSubtype="0" fill="hold" grpId="0" nodeType="clickEffect">
-                                  <p:stCondLst>
-                                    <p:cond delay="0"/>
-                                  </p:stCondLst>
-                                  <p:childTnLst>
-                                    <p:set>
-                                      <p:cBhvr>
-                                        <p:cTn id="6" dur="1" fill="hold">
-                                          <p:stCondLst>
-                                            <p:cond delay="0"/>
-                                          </p:stCondLst>
-                                        </p:cTn>
-                                        <p:tgtEl>
-                                          <p:spTgt spid="3"/>
-                                        </p:tgtEl>
-                                        <p:attrNameLst>
-                                          <p:attrName>style.visibility</p:attrName>
-                                        </p:attrNameLst>
-                                      </p:cBhvr>
-                                      <p:to>
-                                        <p:strVal val="visible"/>
-                                      </p:to>
-                                    </p:set>
-                                  </p:childTnLst>
-                                </p:cTn>
-                              </p:par>
-                            </p:childTnLst>
-                          </p:cTn>
-                        </p:par>
-                      </p:childTnLst>
-                    </p:cTn>
-                  </p:par>
-                </p:childTnLst>
-              </p:cTn>
-              <p:prevCondLst>
-                <p:cond evt="onPrev" delay="0">
-                  <p:tgtEl>
-                    <p:sldTgt/>
-                  </p:tgtEl>
-                </p:cond>
-              </p:prevCondLst>
-              <p:nextCondLst>
-                <p:cond evt="onNext" delay="0">
-                  <p:tgtEl>
-                    <p:sldTgt/>
-                  </p:tgtEl>
-                </p:cond>
-              </p:nextCondLst>
-            </p:seq>
-          </p:childTnLst>
-        </p:cTn>
-      </p:par>
-    </p:tnLst>
-    <p:bldLst>
-      <p:bldP spid="3" grpId="0"/>
-    </p:bldLst>
-  </p:timing>
-</p:sld>
-</file>
-
-<file path=ppt/slides/slide52.xml><?xml version="1.0" encoding="utf-8"?>
-<p:sld xmlns:a="http://schemas.openxmlformats.org/drawingml/2006/main" xmlns:r="http://schemas.openxmlformats.org/officeDocument/2006/relationships" xmlns:p="http://schemas.openxmlformats.org/presentationml/2006/main">
-  <p:cSld>
-    <p:spTree>
-      <p:nvGrpSpPr>
-        <p:cNvPr id="1" name=""/>
-        <p:cNvGrpSpPr/>
-        <p:nvPr/>
-      </p:nvGrpSpPr>
-      <p:grpSpPr>
-        <a:xfrm>
-          <a:off x="0" y="0"/>
-          <a:ext cx="0" cy="0"/>
-          <a:chOff x="0" y="0"/>
-          <a:chExt cx="0" cy="0"/>
-        </a:xfrm>
-      </p:grpSpPr>
-      <p:pic>
-        <p:nvPicPr>
-          <p:cNvPr id="2" name="Afbeelding 1"/>
-          <p:cNvPicPr>
-            <a:picLocks noChangeAspect="1"/>
-          </p:cNvPicPr>
-          <p:nvPr/>
-        </p:nvPicPr>
-        <p:blipFill>
-          <a:blip r:embed="rId2"/>
-          <a:stretch>
-            <a:fillRect/>
-          </a:stretch>
-        </p:blipFill>
-        <p:spPr>
-          <a:xfrm>
-            <a:off x="860107" y="341688"/>
-            <a:ext cx="8277225" cy="6191250"/>
-          </a:xfrm>
-          <a:prstGeom prst="rect">
-            <a:avLst/>
-          </a:prstGeom>
-        </p:spPr>
-      </p:pic>
-      <p:sp>
-        <p:nvSpPr>
-          <p:cNvPr id="3" name="Rechthoek 2"/>
-          <p:cNvSpPr/>
-          <p:nvPr/>
-        </p:nvSpPr>
-        <p:spPr>
-          <a:xfrm>
-            <a:off x="5487827" y="2450412"/>
-            <a:ext cx="5108836" cy="584775"/>
-          </a:xfrm>
-          <a:prstGeom prst="rect">
-            <a:avLst/>
-          </a:prstGeom>
-          <a:noFill/>
-        </p:spPr>
-        <p:txBody>
-          <a:bodyPr wrap="square" lIns="91440" tIns="45720" rIns="91440" bIns="45720">
-            <a:spAutoFit/>
-          </a:bodyPr>
-          <a:lstStyle/>
-          <a:p>
-            <a:pPr algn="ctr"/>
-            <a:r>
-              <a:rPr lang="nl-NL" sz="3200" dirty="0">
-                <a:ln w="0"/>
-                <a:solidFill>
-                  <a:srgbClr val="FF0000"/>
-                </a:solidFill>
-              </a:rPr>
-              <a:t>Om thuis door te lezen</a:t>
-            </a:r>
-            <a:endParaRPr lang="nl-NL" sz="3200" b="0" cap="none" spc="0" dirty="0">
-              <a:ln w="0"/>
-              <a:solidFill>
-                <a:srgbClr val="FF0000"/>
-              </a:solidFill>
-              <a:effectLst/>
-            </a:endParaRPr>
-          </a:p>
-        </p:txBody>
-      </p:sp>
-    </p:spTree>
-  </p:cSld>
-  <p:clrMapOvr>
-    <a:masterClrMapping/>
-  </p:clrMapOvr>
-  <p:timing>
-    <p:tnLst>
-      <p:par>
-        <p:cTn id="1" dur="indefinite" restart="never" nodeType="tmRoot">
-          <p:childTnLst>
-            <p:seq concurrent="1" nextAc="seek">
-              <p:cTn id="2" dur="indefinite" nodeType="mainSeq">
-                <p:childTnLst>
-                  <p:par>
-                    <p:cTn id="3" fill="hold">
-                      <p:stCondLst>
-                        <p:cond delay="indefinite"/>
-                      </p:stCondLst>
-                      <p:childTnLst>
-                        <p:par>
-                          <p:cTn id="4" fill="hold">
-                            <p:stCondLst>
-                              <p:cond delay="0"/>
-                            </p:stCondLst>
-                            <p:childTnLst>
-                              <p:par>
-                                <p:cTn id="5" presetID="1" presetClass="entr" presetSubtype="0" fill="hold" grpId="0" nodeType="clickEffect">
-                                  <p:stCondLst>
-                                    <p:cond delay="0"/>
-                                  </p:stCondLst>
-                                  <p:childTnLst>
-                                    <p:set>
-                                      <p:cBhvr>
-                                        <p:cTn id="6" dur="1" fill="hold">
-                                          <p:stCondLst>
-                                            <p:cond delay="0"/>
-                                          </p:stCondLst>
-                                        </p:cTn>
-                                        <p:tgtEl>
-                                          <p:spTgt spid="3"/>
-                                        </p:tgtEl>
-                                        <p:attrNameLst>
-                                          <p:attrName>style.visibility</p:attrName>
-                                        </p:attrNameLst>
-                                      </p:cBhvr>
-                                      <p:to>
-                                        <p:strVal val="visible"/>
-                                      </p:to>
-                                    </p:set>
-                                  </p:childTnLst>
-                                </p:cTn>
-                              </p:par>
-                            </p:childTnLst>
-                          </p:cTn>
-                        </p:par>
-                      </p:childTnLst>
-                    </p:cTn>
-                  </p:par>
-                </p:childTnLst>
-              </p:cTn>
-              <p:prevCondLst>
-                <p:cond evt="onPrev" delay="0">
-                  <p:tgtEl>
-                    <p:sldTgt/>
-                  </p:tgtEl>
-                </p:cond>
-              </p:prevCondLst>
-              <p:nextCondLst>
-                <p:cond evt="onNext" delay="0">
-                  <p:tgtEl>
-                    <p:sldTgt/>
-                  </p:tgtEl>
-                </p:cond>
-              </p:nextCondLst>
-            </p:seq>
-          </p:childTnLst>
-        </p:cTn>
-      </p:par>
-    </p:tnLst>
-    <p:bldLst>
-      <p:bldP spid="3" grpId="0"/>
-    </p:bldLst>
-  </p:timing>
-</p:sld>
-</file>
-
-<file path=ppt/slides/slide53.xml><?xml version="1.0" encoding="utf-8"?>
 <p:sld xmlns:a="http://schemas.openxmlformats.org/drawingml/2006/main" xmlns:r="http://schemas.openxmlformats.org/officeDocument/2006/relationships" xmlns:p="http://schemas.openxmlformats.org/presentationml/2006/main">
   <p:cSld>
     <p:spTree>

--- a/Intro.pptx
+++ b/Intro.pptx
@@ -25,37 +25,38 @@
     <p:sldId id="371" r:id="rId19"/>
     <p:sldId id="415" r:id="rId20"/>
     <p:sldId id="423" r:id="rId21"/>
-    <p:sldId id="425" r:id="rId22"/>
-    <p:sldId id="301" r:id="rId23"/>
-    <p:sldId id="294" r:id="rId24"/>
-    <p:sldId id="289" r:id="rId25"/>
-    <p:sldId id="290" r:id="rId26"/>
-    <p:sldId id="295" r:id="rId27"/>
-    <p:sldId id="296" r:id="rId28"/>
-    <p:sldId id="372" r:id="rId29"/>
-    <p:sldId id="373" r:id="rId30"/>
-    <p:sldId id="426" r:id="rId31"/>
-    <p:sldId id="323" r:id="rId32"/>
-    <p:sldId id="324" r:id="rId33"/>
-    <p:sldId id="325" r:id="rId34"/>
-    <p:sldId id="326" r:id="rId35"/>
-    <p:sldId id="298" r:id="rId36"/>
-    <p:sldId id="318" r:id="rId37"/>
-    <p:sldId id="319" r:id="rId38"/>
-    <p:sldId id="315" r:id="rId39"/>
-    <p:sldId id="316" r:id="rId40"/>
-    <p:sldId id="421" r:id="rId41"/>
-    <p:sldId id="302" r:id="rId42"/>
-    <p:sldId id="312" r:id="rId43"/>
-    <p:sldId id="321" r:id="rId44"/>
-    <p:sldId id="422" r:id="rId45"/>
-    <p:sldId id="257" r:id="rId46"/>
-    <p:sldId id="258" r:id="rId47"/>
-    <p:sldId id="263" r:id="rId48"/>
-    <p:sldId id="265" r:id="rId49"/>
-    <p:sldId id="269" r:id="rId50"/>
-    <p:sldId id="270" r:id="rId51"/>
-    <p:sldId id="313" r:id="rId52"/>
+    <p:sldId id="427" r:id="rId22"/>
+    <p:sldId id="425" r:id="rId23"/>
+    <p:sldId id="301" r:id="rId24"/>
+    <p:sldId id="294" r:id="rId25"/>
+    <p:sldId id="289" r:id="rId26"/>
+    <p:sldId id="290" r:id="rId27"/>
+    <p:sldId id="295" r:id="rId28"/>
+    <p:sldId id="296" r:id="rId29"/>
+    <p:sldId id="372" r:id="rId30"/>
+    <p:sldId id="373" r:id="rId31"/>
+    <p:sldId id="426" r:id="rId32"/>
+    <p:sldId id="323" r:id="rId33"/>
+    <p:sldId id="324" r:id="rId34"/>
+    <p:sldId id="325" r:id="rId35"/>
+    <p:sldId id="326" r:id="rId36"/>
+    <p:sldId id="298" r:id="rId37"/>
+    <p:sldId id="318" r:id="rId38"/>
+    <p:sldId id="319" r:id="rId39"/>
+    <p:sldId id="315" r:id="rId40"/>
+    <p:sldId id="316" r:id="rId41"/>
+    <p:sldId id="421" r:id="rId42"/>
+    <p:sldId id="302" r:id="rId43"/>
+    <p:sldId id="312" r:id="rId44"/>
+    <p:sldId id="321" r:id="rId45"/>
+    <p:sldId id="422" r:id="rId46"/>
+    <p:sldId id="257" r:id="rId47"/>
+    <p:sldId id="258" r:id="rId48"/>
+    <p:sldId id="263" r:id="rId49"/>
+    <p:sldId id="265" r:id="rId50"/>
+    <p:sldId id="269" r:id="rId51"/>
+    <p:sldId id="270" r:id="rId52"/>
+    <p:sldId id="313" r:id="rId53"/>
   </p:sldIdLst>
   <p:sldSz cx="12192000" cy="6858000"/>
   <p:notesSz cx="6858000" cy="9144000"/>
@@ -167,6 +168,7 @@
   <p1510:revLst>
     <p1510:client id="{23D8B655-52C4-473C-BC09-E42846206E2D}" v="151" dt="2023-04-27T19:43:44.032"/>
     <p1510:client id="{283757E5-C4D9-4FBA-8AE3-B4E2FCA9AB31}" v="465" dt="2023-03-29T08:14:00.632"/>
+    <p1510:client id="{439F81E0-47B7-51A1-3ADA-5A1A3DC89784}" v="691" dt="2023-05-23T18:55:45.601"/>
   </p1510:revLst>
 </p1510:revInfo>
 </file>
@@ -893,7 +895,7 @@
           <a:p>
             <a:fld id="{6ACDB02D-298E-4694-859A-BF6474DEFEA3}" type="datetimeFigureOut">
               <a:rPr lang="nl-NL" smtClean="0"/>
-              <a:t>27-4-2023</a:t>
+              <a:t>23-5-2023</a:t>
             </a:fld>
             <a:endParaRPr lang="nl-NL"/>
           </a:p>
@@ -1139,7 +1141,7 @@
           <a:p>
             <a:fld id="{6ACDB02D-298E-4694-859A-BF6474DEFEA3}" type="datetimeFigureOut">
               <a:rPr lang="nl-NL" smtClean="0"/>
-              <a:t>27-4-2023</a:t>
+              <a:t>23-5-2023</a:t>
             </a:fld>
             <a:endParaRPr lang="nl-NL"/>
           </a:p>
@@ -1448,7 +1450,7 @@
           <a:p>
             <a:fld id="{6ACDB02D-298E-4694-859A-BF6474DEFEA3}" type="datetimeFigureOut">
               <a:rPr lang="nl-NL" smtClean="0"/>
-              <a:t>27-4-2023</a:t>
+              <a:t>23-5-2023</a:t>
             </a:fld>
             <a:endParaRPr lang="nl-NL"/>
           </a:p>
@@ -1784,7 +1786,7 @@
           <a:p>
             <a:fld id="{6ACDB02D-298E-4694-859A-BF6474DEFEA3}" type="datetimeFigureOut">
               <a:rPr lang="nl-NL" smtClean="0"/>
-              <a:t>27-4-2023</a:t>
+              <a:t>23-5-2023</a:t>
             </a:fld>
             <a:endParaRPr lang="nl-NL"/>
           </a:p>
@@ -2093,7 +2095,7 @@
           <a:p>
             <a:fld id="{6ACDB02D-298E-4694-859A-BF6474DEFEA3}" type="datetimeFigureOut">
               <a:rPr lang="nl-NL" smtClean="0"/>
-              <a:t>27-4-2023</a:t>
+              <a:t>23-5-2023</a:t>
             </a:fld>
             <a:endParaRPr lang="nl-NL"/>
           </a:p>
@@ -2481,7 +2483,7 @@
           <a:p>
             <a:fld id="{6ACDB02D-298E-4694-859A-BF6474DEFEA3}" type="datetimeFigureOut">
               <a:rPr lang="nl-NL" smtClean="0"/>
-              <a:t>27-4-2023</a:t>
+              <a:t>23-5-2023</a:t>
             </a:fld>
             <a:endParaRPr lang="nl-NL"/>
           </a:p>
@@ -2646,7 +2648,7 @@
           <a:p>
             <a:fld id="{6ACDB02D-298E-4694-859A-BF6474DEFEA3}" type="datetimeFigureOut">
               <a:rPr lang="nl-NL" smtClean="0"/>
-              <a:t>27-4-2023</a:t>
+              <a:t>23-5-2023</a:t>
             </a:fld>
             <a:endParaRPr lang="nl-NL"/>
           </a:p>
@@ -2821,7 +2823,7 @@
           <a:p>
             <a:fld id="{6ACDB02D-298E-4694-859A-BF6474DEFEA3}" type="datetimeFigureOut">
               <a:rPr lang="nl-NL" smtClean="0"/>
-              <a:t>27-4-2023</a:t>
+              <a:t>23-5-2023</a:t>
             </a:fld>
             <a:endParaRPr lang="nl-NL"/>
           </a:p>
@@ -2992,7 +2994,7 @@
           <a:p>
             <a:fld id="{6ACDB02D-298E-4694-859A-BF6474DEFEA3}" type="datetimeFigureOut">
               <a:rPr lang="nl-NL" smtClean="0"/>
-              <a:t>27-4-2023</a:t>
+              <a:t>23-5-2023</a:t>
             </a:fld>
             <a:endParaRPr lang="nl-NL"/>
           </a:p>
@@ -3234,7 +3236,7 @@
           <a:p>
             <a:fld id="{6ACDB02D-298E-4694-859A-BF6474DEFEA3}" type="datetimeFigureOut">
               <a:rPr lang="nl-NL" smtClean="0"/>
-              <a:t>27-4-2023</a:t>
+              <a:t>23-5-2023</a:t>
             </a:fld>
             <a:endParaRPr lang="nl-NL"/>
           </a:p>
@@ -3461,7 +3463,7 @@
           <a:p>
             <a:fld id="{6ACDB02D-298E-4694-859A-BF6474DEFEA3}" type="datetimeFigureOut">
               <a:rPr lang="nl-NL" smtClean="0"/>
-              <a:t>27-4-2023</a:t>
+              <a:t>23-5-2023</a:t>
             </a:fld>
             <a:endParaRPr lang="nl-NL"/>
           </a:p>
@@ -3830,7 +3832,7 @@
           <a:p>
             <a:fld id="{6ACDB02D-298E-4694-859A-BF6474DEFEA3}" type="datetimeFigureOut">
               <a:rPr lang="nl-NL" smtClean="0"/>
-              <a:t>27-4-2023</a:t>
+              <a:t>23-5-2023</a:t>
             </a:fld>
             <a:endParaRPr lang="nl-NL"/>
           </a:p>
@@ -3948,7 +3950,7 @@
           <a:p>
             <a:fld id="{6ACDB02D-298E-4694-859A-BF6474DEFEA3}" type="datetimeFigureOut">
               <a:rPr lang="nl-NL" smtClean="0"/>
-              <a:t>27-4-2023</a:t>
+              <a:t>23-5-2023</a:t>
             </a:fld>
             <a:endParaRPr lang="nl-NL"/>
           </a:p>
@@ -4038,7 +4040,7 @@
           <a:p>
             <a:fld id="{6ACDB02D-298E-4694-859A-BF6474DEFEA3}" type="datetimeFigureOut">
               <a:rPr lang="nl-NL" smtClean="0"/>
-              <a:t>27-4-2023</a:t>
+              <a:t>23-5-2023</a:t>
             </a:fld>
             <a:endParaRPr lang="nl-NL"/>
           </a:p>
@@ -4288,7 +4290,7 @@
           <a:p>
             <a:fld id="{6ACDB02D-298E-4694-859A-BF6474DEFEA3}" type="datetimeFigureOut">
               <a:rPr lang="nl-NL" smtClean="0"/>
-              <a:t>27-4-2023</a:t>
+              <a:t>23-5-2023</a:t>
             </a:fld>
             <a:endParaRPr lang="nl-NL"/>
           </a:p>
@@ -4546,7 +4548,7 @@
           <a:p>
             <a:fld id="{6ACDB02D-298E-4694-859A-BF6474DEFEA3}" type="datetimeFigureOut">
               <a:rPr lang="nl-NL" smtClean="0"/>
-              <a:t>27-4-2023</a:t>
+              <a:t>23-5-2023</a:t>
             </a:fld>
             <a:endParaRPr lang="nl-NL"/>
           </a:p>
@@ -5284,7 +5286,7 @@
           <a:p>
             <a:fld id="{6ACDB02D-298E-4694-859A-BF6474DEFEA3}" type="datetimeFigureOut">
               <a:rPr lang="nl-NL" smtClean="0"/>
-              <a:t>27-4-2023</a:t>
+              <a:t>23-5-2023</a:t>
             </a:fld>
             <a:endParaRPr lang="nl-NL"/>
           </a:p>
@@ -10932,212 +10934,20 @@
         </p:blipFill>
         <p:spPr>
           <a:xfrm>
-            <a:off x="723901" y="848863"/>
-            <a:ext cx="4096883" cy="3028788"/>
+            <a:off x="238126" y="877438"/>
+            <a:ext cx="5763758" cy="4257513"/>
           </a:xfrm>
           <a:prstGeom prst="rect">
             <a:avLst/>
           </a:prstGeom>
         </p:spPr>
       </p:pic>
-      <p:sp>
-        <p:nvSpPr>
-          <p:cNvPr id="5" name="Titel 1">
+      <p:cxnSp>
+        <p:nvCxnSpPr>
+          <p:cNvPr id="2" name="Straight Arrow Connector 1">
             <a:extLst>
               <a:ext uri="{FF2B5EF4-FFF2-40B4-BE49-F238E27FC236}">
-                <a16:creationId xmlns:a16="http://schemas.microsoft.com/office/drawing/2014/main" id="{C3EC70A2-E912-9E17-C391-9CDD4F7ED71E}"/>
-              </a:ext>
-            </a:extLst>
-          </p:cNvPr>
-          <p:cNvSpPr>
-            <a:spLocks noGrp="1"/>
-          </p:cNvSpPr>
-          <p:nvPr/>
-        </p:nvSpPr>
-        <p:spPr>
-          <a:xfrm>
-            <a:off x="5370652" y="5905500"/>
-            <a:ext cx="6007873" cy="768350"/>
-          </a:xfrm>
-          <a:prstGeom prst="rect">
-            <a:avLst/>
-          </a:prstGeom>
-        </p:spPr>
-        <p:txBody>
-          <a:bodyPr vert="horz" lIns="91440" tIns="45720" rIns="91440" bIns="45720" rtlCol="0" anchor="t">
-            <a:normAutofit/>
-          </a:bodyPr>
-          <a:lstStyle>
-            <a:lvl1pPr algn="l" defTabSz="457200" rtl="0" eaLnBrk="1" latinLnBrk="0" hangingPunct="1">
-              <a:spcBef>
-                <a:spcPct val="0"/>
-              </a:spcBef>
-              <a:buNone/>
-              <a:defRPr sz="3600" kern="1200">
-                <a:solidFill>
-                  <a:schemeClr val="accent1"/>
-                </a:solidFill>
-                <a:latin typeface="+mj-lt"/>
-                <a:ea typeface="+mj-ea"/>
-                <a:cs typeface="+mj-cs"/>
-              </a:defRPr>
-            </a:lvl1pPr>
-            <a:lvl2pPr eaLnBrk="1" hangingPunct="1">
-              <a:defRPr>
-                <a:solidFill>
-                  <a:schemeClr val="tx2"/>
-                </a:solidFill>
-              </a:defRPr>
-            </a:lvl2pPr>
-            <a:lvl3pPr eaLnBrk="1" hangingPunct="1">
-              <a:defRPr>
-                <a:solidFill>
-                  <a:schemeClr val="tx2"/>
-                </a:solidFill>
-              </a:defRPr>
-            </a:lvl3pPr>
-            <a:lvl4pPr eaLnBrk="1" hangingPunct="1">
-              <a:defRPr>
-                <a:solidFill>
-                  <a:schemeClr val="tx2"/>
-                </a:solidFill>
-              </a:defRPr>
-            </a:lvl4pPr>
-            <a:lvl5pPr eaLnBrk="1" hangingPunct="1">
-              <a:defRPr>
-                <a:solidFill>
-                  <a:schemeClr val="tx2"/>
-                </a:solidFill>
-              </a:defRPr>
-            </a:lvl5pPr>
-            <a:lvl6pPr eaLnBrk="1" hangingPunct="1">
-              <a:defRPr>
-                <a:solidFill>
-                  <a:schemeClr val="tx2"/>
-                </a:solidFill>
-              </a:defRPr>
-            </a:lvl6pPr>
-            <a:lvl7pPr eaLnBrk="1" hangingPunct="1">
-              <a:defRPr>
-                <a:solidFill>
-                  <a:schemeClr val="tx2"/>
-                </a:solidFill>
-              </a:defRPr>
-            </a:lvl7pPr>
-            <a:lvl8pPr eaLnBrk="1" hangingPunct="1">
-              <a:defRPr>
-                <a:solidFill>
-                  <a:schemeClr val="tx2"/>
-                </a:solidFill>
-              </a:defRPr>
-            </a:lvl8pPr>
-            <a:lvl9pPr eaLnBrk="1" hangingPunct="1">
-              <a:defRPr>
-                <a:solidFill>
-                  <a:schemeClr val="tx2"/>
-                </a:solidFill>
-              </a:defRPr>
-            </a:lvl9pPr>
-          </a:lstStyle>
-          <a:p>
-            <a:pPr algn="ctr"/>
-            <a:r>
-              <a:rPr lang="en-US" dirty="0">
-                <a:solidFill>
-                  <a:schemeClr val="tx1"/>
-                </a:solidFill>
-                <a:ea typeface="+mj-lt"/>
-                <a:cs typeface="+mj-lt"/>
-              </a:rPr>
-              <a:t>colab.research.google.com</a:t>
-            </a:r>
-            <a:endParaRPr lang="nl-NL" dirty="0">
-              <a:solidFill>
-                <a:schemeClr val="tx1"/>
-              </a:solidFill>
-              <a:ea typeface="+mj-lt"/>
-              <a:cs typeface="+mj-lt"/>
-            </a:endParaRPr>
-          </a:p>
-        </p:txBody>
-      </p:sp>
-      <p:pic>
-        <p:nvPicPr>
-          <p:cNvPr id="7" name="Afbeelding 4" descr="Afbeelding met tekst&#10;&#10;Automatisch gegenereerde beschrijving">
-            <a:extLst>
-              <a:ext uri="{FF2B5EF4-FFF2-40B4-BE49-F238E27FC236}">
-                <a16:creationId xmlns:a16="http://schemas.microsoft.com/office/drawing/2014/main" id="{30A5CE3E-F9E0-FC17-083B-F876B89A61B6}"/>
-              </a:ext>
-            </a:extLst>
-          </p:cNvPr>
-          <p:cNvPicPr>
-            <a:picLocks noChangeAspect="1"/>
-          </p:cNvPicPr>
-          <p:nvPr/>
-        </p:nvPicPr>
-        <p:blipFill rotWithShape="1">
-          <a:blip r:embed="rId3"/>
-          <a:srcRect l="4756" t="2241" r="2828" b="46379"/>
-          <a:stretch/>
-        </p:blipFill>
-        <p:spPr>
-          <a:xfrm>
-            <a:off x="5202656" y="3067050"/>
-            <a:ext cx="6853110" cy="2837609"/>
-          </a:xfrm>
-          <a:prstGeom prst="rect">
-            <a:avLst/>
-          </a:prstGeom>
-        </p:spPr>
-      </p:pic>
-      <p:sp>
-        <p:nvSpPr>
-          <p:cNvPr id="8" name="TextBox 7">
-            <a:extLst>
-              <a:ext uri="{FF2B5EF4-FFF2-40B4-BE49-F238E27FC236}">
-                <a16:creationId xmlns:a16="http://schemas.microsoft.com/office/drawing/2014/main" id="{B4C64D6A-E2D2-B149-0923-D3D56B70EDDA}"/>
-              </a:ext>
-            </a:extLst>
-          </p:cNvPr>
-          <p:cNvSpPr txBox="1"/>
-          <p:nvPr/>
-        </p:nvSpPr>
-        <p:spPr>
-          <a:xfrm>
-            <a:off x="5086349" y="1095375"/>
-            <a:ext cx="3286125" cy="646331"/>
-          </a:xfrm>
-          <a:prstGeom prst="rect">
-            <a:avLst/>
-          </a:prstGeom>
-          <a:noFill/>
-        </p:spPr>
-        <p:txBody>
-          <a:bodyPr rot="0" spcFirstLastPara="0" vertOverflow="overflow" horzOverflow="overflow" vert="horz" wrap="square" lIns="91440" tIns="45720" rIns="91440" bIns="45720" numCol="1" spcCol="0" rtlCol="0" fromWordArt="0" anchor="t" anchorCtr="0" forceAA="0" compatLnSpc="1">
-            <a:prstTxWarp prst="textNoShape">
-              <a:avLst/>
-            </a:prstTxWarp>
-            <a:spAutoFit/>
-          </a:bodyPr>
-          <a:lstStyle/>
-          <a:p>
-            <a:r>
-              <a:rPr lang="en-US" sz="3600" dirty="0">
-                <a:solidFill>
-                  <a:schemeClr val="accent4"/>
-                </a:solidFill>
-              </a:rPr>
-              <a:t>Stap 1</a:t>
-            </a:r>
-          </a:p>
-        </p:txBody>
-      </p:sp>
-      <p:cxnSp>
-        <p:nvCxnSpPr>
-          <p:cNvPr id="9" name="Straight Arrow Connector 8">
-            <a:extLst>
-              <a:ext uri="{FF2B5EF4-FFF2-40B4-BE49-F238E27FC236}">
-                <a16:creationId xmlns:a16="http://schemas.microsoft.com/office/drawing/2014/main" id="{DEFF8803-F790-89EA-EF95-4BF2616A1303}"/>
+                <a16:creationId xmlns:a16="http://schemas.microsoft.com/office/drawing/2014/main" id="{C008EF1D-1C41-C1F9-C3CE-45A4E3FFC9B7}"/>
               </a:ext>
             </a:extLst>
           </p:cNvPr>
@@ -11146,401 +10956,17 @@
         </p:nvCxnSpPr>
         <p:spPr>
           <a:xfrm>
-            <a:off x="4943475" y="952500"/>
-            <a:ext cx="0" cy="3143250"/>
+            <a:off x="5962650" y="1190625"/>
+            <a:ext cx="790575" cy="85725"/>
           </a:xfrm>
           <a:prstGeom prst="straightConnector1">
             <a:avLst/>
           </a:prstGeom>
           <a:ln w="57150">
             <a:solidFill>
-              <a:schemeClr val="accent4"/>
+              <a:schemeClr val="accent1"/>
             </a:solidFill>
-          </a:ln>
-        </p:spPr>
-        <p:style>
-          <a:lnRef idx="1">
-            <a:schemeClr val="accent1"/>
-          </a:lnRef>
-          <a:fillRef idx="0">
-            <a:schemeClr val="accent1"/>
-          </a:fillRef>
-          <a:effectRef idx="0">
-            <a:schemeClr val="accent1"/>
-          </a:effectRef>
-          <a:fontRef idx="minor">
-            <a:schemeClr val="tx1"/>
-          </a:fontRef>
-        </p:style>
-      </p:cxnSp>
-      <p:cxnSp>
-        <p:nvCxnSpPr>
-          <p:cNvPr id="10" name="Straight Arrow Connector 9">
-            <a:extLst>
-              <a:ext uri="{FF2B5EF4-FFF2-40B4-BE49-F238E27FC236}">
-                <a16:creationId xmlns:a16="http://schemas.microsoft.com/office/drawing/2014/main" id="{E30C63F4-21BC-B8A3-D78C-298E632B6CE6}"/>
-              </a:ext>
-            </a:extLst>
-          </p:cNvPr>
-          <p:cNvCxnSpPr/>
-          <p:nvPr/>
-        </p:nvCxnSpPr>
-        <p:spPr>
-          <a:xfrm flipV="1">
-            <a:off x="628650" y="4095750"/>
-            <a:ext cx="4314825" cy="9525"/>
-          </a:xfrm>
-          <a:prstGeom prst="straightConnector1">
-            <a:avLst/>
-          </a:prstGeom>
-          <a:ln w="57150">
-            <a:solidFill>
-              <a:schemeClr val="accent4"/>
-            </a:solidFill>
-          </a:ln>
-        </p:spPr>
-        <p:style>
-          <a:lnRef idx="1">
-            <a:schemeClr val="accent1"/>
-          </a:lnRef>
-          <a:fillRef idx="0">
-            <a:schemeClr val="accent1"/>
-          </a:fillRef>
-          <a:effectRef idx="0">
-            <a:schemeClr val="accent1"/>
-          </a:effectRef>
-          <a:fontRef idx="minor">
-            <a:schemeClr val="tx1"/>
-          </a:fontRef>
-        </p:style>
-      </p:cxnSp>
-      <p:cxnSp>
-        <p:nvCxnSpPr>
-          <p:cNvPr id="11" name="Straight Arrow Connector 10">
-            <a:extLst>
-              <a:ext uri="{FF2B5EF4-FFF2-40B4-BE49-F238E27FC236}">
-                <a16:creationId xmlns:a16="http://schemas.microsoft.com/office/drawing/2014/main" id="{E4265F6B-A439-60A2-5E69-C42C31EE2B8C}"/>
-              </a:ext>
-            </a:extLst>
-          </p:cNvPr>
-          <p:cNvCxnSpPr>
-            <a:cxnSpLocks/>
-          </p:cNvCxnSpPr>
-          <p:nvPr/>
-        </p:nvCxnSpPr>
-        <p:spPr>
-          <a:xfrm>
-            <a:off x="4943475" y="952499"/>
-            <a:ext cx="5753100" cy="0"/>
-          </a:xfrm>
-          <a:prstGeom prst="straightConnector1">
-            <a:avLst/>
-          </a:prstGeom>
-          <a:ln w="57150">
-            <a:solidFill>
-              <a:schemeClr val="accent4"/>
-            </a:solidFill>
-          </a:ln>
-        </p:spPr>
-        <p:style>
-          <a:lnRef idx="1">
-            <a:schemeClr val="accent1"/>
-          </a:lnRef>
-          <a:fillRef idx="0">
-            <a:schemeClr val="accent1"/>
-          </a:fillRef>
-          <a:effectRef idx="0">
-            <a:schemeClr val="accent1"/>
-          </a:effectRef>
-          <a:fontRef idx="minor">
-            <a:schemeClr val="tx1"/>
-          </a:fontRef>
-        </p:style>
-      </p:cxnSp>
-      <p:cxnSp>
-        <p:nvCxnSpPr>
-          <p:cNvPr id="12" name="Straight Arrow Connector 11">
-            <a:extLst>
-              <a:ext uri="{FF2B5EF4-FFF2-40B4-BE49-F238E27FC236}">
-                <a16:creationId xmlns:a16="http://schemas.microsoft.com/office/drawing/2014/main" id="{C1735D20-8D78-C5C7-302F-F6A69C2FC8C6}"/>
-              </a:ext>
-            </a:extLst>
-          </p:cNvPr>
-          <p:cNvCxnSpPr>
-            <a:cxnSpLocks/>
-          </p:cNvCxnSpPr>
-          <p:nvPr/>
-        </p:nvCxnSpPr>
-        <p:spPr>
-          <a:xfrm>
-            <a:off x="10687050" y="152399"/>
-            <a:ext cx="0" cy="800100"/>
-          </a:xfrm>
-          <a:prstGeom prst="straightConnector1">
-            <a:avLst/>
-          </a:prstGeom>
-          <a:ln w="57150">
-            <a:solidFill>
-              <a:schemeClr val="accent4"/>
-            </a:solidFill>
-          </a:ln>
-        </p:spPr>
-        <p:style>
-          <a:lnRef idx="1">
-            <a:schemeClr val="accent1"/>
-          </a:lnRef>
-          <a:fillRef idx="0">
-            <a:schemeClr val="accent1"/>
-          </a:fillRef>
-          <a:effectRef idx="0">
-            <a:schemeClr val="accent1"/>
-          </a:effectRef>
-          <a:fontRef idx="minor">
-            <a:schemeClr val="tx1"/>
-          </a:fontRef>
-        </p:style>
-      </p:cxnSp>
-      <p:cxnSp>
-        <p:nvCxnSpPr>
-          <p:cNvPr id="13" name="Straight Arrow Connector 12">
-            <a:extLst>
-              <a:ext uri="{FF2B5EF4-FFF2-40B4-BE49-F238E27FC236}">
-                <a16:creationId xmlns:a16="http://schemas.microsoft.com/office/drawing/2014/main" id="{AA5CA6A0-D4FA-713F-A2DB-30AE284E82B2}"/>
-              </a:ext>
-            </a:extLst>
-          </p:cNvPr>
-          <p:cNvCxnSpPr>
-            <a:cxnSpLocks/>
-          </p:cNvCxnSpPr>
-          <p:nvPr/>
-        </p:nvCxnSpPr>
-        <p:spPr>
-          <a:xfrm flipV="1">
-            <a:off x="533400" y="133349"/>
-            <a:ext cx="10163175" cy="38100"/>
-          </a:xfrm>
-          <a:prstGeom prst="straightConnector1">
-            <a:avLst/>
-          </a:prstGeom>
-          <a:ln w="57150">
-            <a:solidFill>
-              <a:schemeClr val="accent4"/>
-            </a:solidFill>
-          </a:ln>
-        </p:spPr>
-        <p:style>
-          <a:lnRef idx="1">
-            <a:schemeClr val="accent1"/>
-          </a:lnRef>
-          <a:fillRef idx="0">
-            <a:schemeClr val="accent1"/>
-          </a:fillRef>
-          <a:effectRef idx="0">
-            <a:schemeClr val="accent1"/>
-          </a:effectRef>
-          <a:fontRef idx="minor">
-            <a:schemeClr val="tx1"/>
-          </a:fontRef>
-        </p:style>
-      </p:cxnSp>
-      <p:cxnSp>
-        <p:nvCxnSpPr>
-          <p:cNvPr id="14" name="Straight Arrow Connector 13">
-            <a:extLst>
-              <a:ext uri="{FF2B5EF4-FFF2-40B4-BE49-F238E27FC236}">
-                <a16:creationId xmlns:a16="http://schemas.microsoft.com/office/drawing/2014/main" id="{5CEF7CEF-19D8-9070-7B05-0FF708D0BA53}"/>
-              </a:ext>
-            </a:extLst>
-          </p:cNvPr>
-          <p:cNvCxnSpPr>
-            <a:cxnSpLocks/>
-          </p:cNvCxnSpPr>
-          <p:nvPr/>
-        </p:nvCxnSpPr>
-        <p:spPr>
-          <a:xfrm flipH="1" flipV="1">
-            <a:off x="552450" y="171449"/>
-            <a:ext cx="66675" cy="3933825"/>
-          </a:xfrm>
-          <a:prstGeom prst="straightConnector1">
-            <a:avLst/>
-          </a:prstGeom>
-          <a:ln w="57150">
-            <a:solidFill>
-              <a:schemeClr val="accent4"/>
-            </a:solidFill>
-          </a:ln>
-        </p:spPr>
-        <p:style>
-          <a:lnRef idx="1">
-            <a:schemeClr val="accent1"/>
-          </a:lnRef>
-          <a:fillRef idx="0">
-            <a:schemeClr val="accent1"/>
-          </a:fillRef>
-          <a:effectRef idx="0">
-            <a:schemeClr val="accent1"/>
-          </a:effectRef>
-          <a:fontRef idx="minor">
-            <a:schemeClr val="tx1"/>
-          </a:fontRef>
-        </p:style>
-      </p:cxnSp>
-      <p:cxnSp>
-        <p:nvCxnSpPr>
-          <p:cNvPr id="15" name="Straight Arrow Connector 14">
-            <a:extLst>
-              <a:ext uri="{FF2B5EF4-FFF2-40B4-BE49-F238E27FC236}">
-                <a16:creationId xmlns:a16="http://schemas.microsoft.com/office/drawing/2014/main" id="{EAF909D2-05C4-9F0A-B3B0-602131D1FEC2}"/>
-              </a:ext>
-            </a:extLst>
-          </p:cNvPr>
-          <p:cNvCxnSpPr>
-            <a:cxnSpLocks/>
-          </p:cNvCxnSpPr>
-          <p:nvPr/>
-        </p:nvCxnSpPr>
-        <p:spPr>
-          <a:xfrm flipV="1">
-            <a:off x="5153025" y="3019424"/>
-            <a:ext cx="6905625" cy="0"/>
-          </a:xfrm>
-          <a:prstGeom prst="straightConnector1">
-            <a:avLst/>
-          </a:prstGeom>
-          <a:ln w="57150">
-            <a:solidFill>
-              <a:srgbClr val="0070C0"/>
-            </a:solidFill>
-          </a:ln>
-        </p:spPr>
-        <p:style>
-          <a:lnRef idx="1">
-            <a:schemeClr val="accent1"/>
-          </a:lnRef>
-          <a:fillRef idx="0">
-            <a:schemeClr val="accent1"/>
-          </a:fillRef>
-          <a:effectRef idx="0">
-            <a:schemeClr val="accent1"/>
-          </a:effectRef>
-          <a:fontRef idx="minor">
-            <a:schemeClr val="tx1"/>
-          </a:fontRef>
-        </p:style>
-      </p:cxnSp>
-      <p:cxnSp>
-        <p:nvCxnSpPr>
-          <p:cNvPr id="16" name="Straight Arrow Connector 15">
-            <a:extLst>
-              <a:ext uri="{FF2B5EF4-FFF2-40B4-BE49-F238E27FC236}">
-                <a16:creationId xmlns:a16="http://schemas.microsoft.com/office/drawing/2014/main" id="{54F04786-A7CF-9CD5-D6C8-B08EB8F28A3D}"/>
-              </a:ext>
-            </a:extLst>
-          </p:cNvPr>
-          <p:cNvCxnSpPr>
-            <a:cxnSpLocks/>
-          </p:cNvCxnSpPr>
-          <p:nvPr/>
-        </p:nvCxnSpPr>
-        <p:spPr>
-          <a:xfrm flipH="1" flipV="1">
-            <a:off x="12049124" y="3000374"/>
-            <a:ext cx="28575" cy="3476625"/>
-          </a:xfrm>
-          <a:prstGeom prst="straightConnector1">
-            <a:avLst/>
-          </a:prstGeom>
-          <a:ln w="57150">
-            <a:solidFill>
-              <a:srgbClr val="0070C0"/>
-            </a:solidFill>
-          </a:ln>
-        </p:spPr>
-        <p:style>
-          <a:lnRef idx="1">
-            <a:schemeClr val="accent1"/>
-          </a:lnRef>
-          <a:fillRef idx="0">
-            <a:schemeClr val="accent1"/>
-          </a:fillRef>
-          <a:effectRef idx="0">
-            <a:schemeClr val="accent1"/>
-          </a:effectRef>
-          <a:fontRef idx="minor">
-            <a:schemeClr val="tx1"/>
-          </a:fontRef>
-        </p:style>
-      </p:cxnSp>
-      <p:cxnSp>
-        <p:nvCxnSpPr>
-          <p:cNvPr id="17" name="Straight Arrow Connector 16">
-            <a:extLst>
-              <a:ext uri="{FF2B5EF4-FFF2-40B4-BE49-F238E27FC236}">
-                <a16:creationId xmlns:a16="http://schemas.microsoft.com/office/drawing/2014/main" id="{2A53B4F1-43C9-EDC1-DEBA-9962DA8FBDAC}"/>
-              </a:ext>
-            </a:extLst>
-          </p:cNvPr>
-          <p:cNvCxnSpPr>
-            <a:cxnSpLocks/>
-          </p:cNvCxnSpPr>
-          <p:nvPr/>
-        </p:nvCxnSpPr>
-        <p:spPr>
-          <a:xfrm flipH="1" flipV="1">
-            <a:off x="5191124" y="6429374"/>
-            <a:ext cx="6819900" cy="66675"/>
-          </a:xfrm>
-          <a:prstGeom prst="straightConnector1">
-            <a:avLst/>
-          </a:prstGeom>
-          <a:ln w="57150">
-            <a:solidFill>
-              <a:srgbClr val="0070C0"/>
-            </a:solidFill>
-          </a:ln>
-        </p:spPr>
-        <p:style>
-          <a:lnRef idx="1">
-            <a:schemeClr val="accent1"/>
-          </a:lnRef>
-          <a:fillRef idx="0">
-            <a:schemeClr val="accent1"/>
-          </a:fillRef>
-          <a:effectRef idx="0">
-            <a:schemeClr val="accent1"/>
-          </a:effectRef>
-          <a:fontRef idx="minor">
-            <a:schemeClr val="tx1"/>
-          </a:fontRef>
-        </p:style>
-      </p:cxnSp>
-      <p:cxnSp>
-        <p:nvCxnSpPr>
-          <p:cNvPr id="18" name="Straight Arrow Connector 17">
-            <a:extLst>
-              <a:ext uri="{FF2B5EF4-FFF2-40B4-BE49-F238E27FC236}">
-                <a16:creationId xmlns:a16="http://schemas.microsoft.com/office/drawing/2014/main" id="{6231B629-2299-F2FE-6ACA-469BFDAC8FD0}"/>
-              </a:ext>
-            </a:extLst>
-          </p:cNvPr>
-          <p:cNvCxnSpPr>
-            <a:cxnSpLocks/>
-          </p:cNvCxnSpPr>
-          <p:nvPr/>
-        </p:nvCxnSpPr>
-        <p:spPr>
-          <a:xfrm>
-            <a:off x="5133974" y="3019424"/>
-            <a:ext cx="0" cy="3400425"/>
-          </a:xfrm>
-          <a:prstGeom prst="straightConnector1">
-            <a:avLst/>
-          </a:prstGeom>
-          <a:ln w="57150">
-            <a:solidFill>
-              <a:srgbClr val="0070C0"/>
-            </a:solidFill>
+            <a:tailEnd type="triangle"/>
           </a:ln>
         </p:spPr>
         <p:style>
@@ -11560,10 +10986,10 @@
       </p:cxnSp>
       <p:sp>
         <p:nvSpPr>
-          <p:cNvPr id="19" name="TextBox 18">
+          <p:cNvPr id="6" name="TextBox 5">
             <a:extLst>
               <a:ext uri="{FF2B5EF4-FFF2-40B4-BE49-F238E27FC236}">
-                <a16:creationId xmlns:a16="http://schemas.microsoft.com/office/drawing/2014/main" id="{A408D0C9-61C4-01C9-E7FD-B3648CB6C0B0}"/>
+                <a16:creationId xmlns:a16="http://schemas.microsoft.com/office/drawing/2014/main" id="{AB4B407B-482B-5B5D-B2D6-BF119FBD435B}"/>
               </a:ext>
             </a:extLst>
           </p:cNvPr>
@@ -11572,18 +10998,13 @@
         </p:nvSpPr>
         <p:spPr>
           <a:xfrm>
-            <a:off x="3238499" y="5000624"/>
-            <a:ext cx="1581150" cy="646331"/>
+            <a:off x="6724649" y="1085850"/>
+            <a:ext cx="4848225" cy="2554545"/>
           </a:xfrm>
           <a:prstGeom prst="rect">
             <a:avLst/>
           </a:prstGeom>
           <a:noFill/>
-          <a:ln>
-            <a:solidFill>
-              <a:srgbClr val="0070C0"/>
-            </a:solidFill>
-          </a:ln>
         </p:spPr>
         <p:txBody>
           <a:bodyPr rot="0" spcFirstLastPara="0" vertOverflow="overflow" horzOverflow="overflow" vert="horz" wrap="square" lIns="91440" tIns="45720" rIns="91440" bIns="45720" numCol="1" spcCol="0" rtlCol="0" fromWordArt="0" anchor="t" anchorCtr="0" forceAA="0" compatLnSpc="1">
@@ -11594,17 +11015,155 @@
           </a:bodyPr>
           <a:lstStyle/>
           <a:p>
-            <a:r>
-              <a:rPr lang="en-US" sz="3600" dirty="0">
-                <a:solidFill>
-                  <a:srgbClr val="0070C0"/>
-                </a:solidFill>
-              </a:rPr>
-              <a:t>Stap 2</a:t>
-            </a:r>
+            <a:pPr marL="342900" indent="-342900">
+              <a:buAutoNum type="arabicPeriod"/>
+            </a:pPr>
+            <a:r>
+              <a:rPr lang="en-US" sz="2000" err="1"/>
+              <a:t>Klik</a:t>
+            </a:r>
+            <a:r>
+              <a:rPr lang="en-US" sz="2000" dirty="0"/>
+              <a:t> op </a:t>
+            </a:r>
+            <a:r>
+              <a:rPr lang="en-US" sz="2000" err="1"/>
+              <a:t>groene</a:t>
+            </a:r>
+            <a:r>
+              <a:rPr lang="en-US" sz="2000" dirty="0"/>
+              <a:t> knop met 'Code'</a:t>
+            </a:r>
+          </a:p>
+          <a:p>
+            <a:pPr marL="342900" indent="-342900">
+              <a:buAutoNum type="arabicPeriod"/>
+            </a:pPr>
+            <a:endParaRPr lang="en-US" sz="2000" dirty="0"/>
+          </a:p>
+          <a:p>
+            <a:pPr marL="342900" indent="-342900">
+              <a:buAutoNum type="arabicPeriod"/>
+            </a:pPr>
+            <a:r>
+              <a:rPr lang="en-US" sz="2000" dirty="0"/>
+              <a:t>Download ZIP (</a:t>
+            </a:r>
+            <a:r>
+              <a:rPr lang="en-US" sz="2000" dirty="0" err="1"/>
+              <a:t>onthoud</a:t>
+            </a:r>
+            <a:r>
+              <a:rPr lang="en-US" sz="2000" dirty="0"/>
+              <a:t> de </a:t>
+            </a:r>
+            <a:r>
+              <a:rPr lang="en-US" sz="2000" dirty="0" err="1"/>
+              <a:t>locatie</a:t>
+            </a:r>
+            <a:r>
+              <a:rPr lang="en-US" sz="2000" dirty="0"/>
+              <a:t>)</a:t>
+            </a:r>
+            <a:endParaRPr lang="en-US" dirty="0"/>
+          </a:p>
+          <a:p>
+            <a:endParaRPr lang="en-US" sz="2000" dirty="0"/>
+          </a:p>
+          <a:p>
+            <a:r>
+              <a:rPr lang="en-US" sz="2000" dirty="0"/>
+              <a:t>3. Pak ZIP </a:t>
+            </a:r>
+            <a:r>
+              <a:rPr lang="en-US" sz="2000" dirty="0" err="1"/>
+              <a:t>uit</a:t>
+            </a:r>
+            <a:r>
+              <a:rPr lang="en-US" sz="2000" dirty="0"/>
+              <a:t> (</a:t>
+            </a:r>
+            <a:r>
+              <a:rPr lang="en-US" sz="2000" dirty="0" err="1"/>
+              <a:t>onthoud</a:t>
+            </a:r>
+            <a:r>
+              <a:rPr lang="en-US" sz="2000" dirty="0"/>
+              <a:t> de </a:t>
+            </a:r>
+            <a:r>
+              <a:rPr lang="en-US" sz="2000" dirty="0" err="1"/>
+              <a:t>locatie</a:t>
+            </a:r>
+            <a:r>
+              <a:rPr lang="en-US" sz="2000" dirty="0"/>
+              <a:t>)</a:t>
+            </a:r>
+          </a:p>
+          <a:p>
+            <a:pPr marL="342900" indent="-342900">
+              <a:buAutoNum type="arabicPeriod"/>
+            </a:pPr>
+            <a:endParaRPr lang="en-US" sz="2000" dirty="0"/>
+          </a:p>
+          <a:p>
+            <a:pPr marL="342900" indent="-342900">
+              <a:buAutoNum type="arabicPeriod"/>
+            </a:pPr>
+            <a:endParaRPr lang="en-US" sz="2000" dirty="0"/>
+          </a:p>
+          <a:p>
+            <a:pPr marL="342900" indent="-342900">
+              <a:buAutoNum type="arabicPeriod"/>
+            </a:pPr>
+            <a:endParaRPr lang="en-US" sz="2000" dirty="0"/>
           </a:p>
         </p:txBody>
       </p:sp>
+      <p:cxnSp>
+        <p:nvCxnSpPr>
+          <p:cNvPr id="20" name="Straight Arrow Connector 19">
+            <a:extLst>
+              <a:ext uri="{FF2B5EF4-FFF2-40B4-BE49-F238E27FC236}">
+                <a16:creationId xmlns:a16="http://schemas.microsoft.com/office/drawing/2014/main" id="{5FD296EC-A245-470C-637F-0949B8F0CE58}"/>
+              </a:ext>
+            </a:extLst>
+          </p:cNvPr>
+          <p:cNvCxnSpPr>
+            <a:cxnSpLocks/>
+          </p:cNvCxnSpPr>
+          <p:nvPr/>
+        </p:nvCxnSpPr>
+        <p:spPr>
+          <a:xfrm flipV="1">
+            <a:off x="2266950" y="1933575"/>
+            <a:ext cx="4467225" cy="2914650"/>
+          </a:xfrm>
+          <a:prstGeom prst="straightConnector1">
+            <a:avLst/>
+          </a:prstGeom>
+          <a:ln w="57150">
+            <a:solidFill>
+              <a:schemeClr val="accent1"/>
+            </a:solidFill>
+            <a:tailEnd type="triangle"/>
+          </a:ln>
+        </p:spPr>
+        <p:style>
+          <a:lnRef idx="1">
+            <a:schemeClr val="accent1"/>
+          </a:lnRef>
+          <a:fillRef idx="0">
+            <a:schemeClr val="accent1"/>
+          </a:fillRef>
+          <a:effectRef idx="0">
+            <a:schemeClr val="accent1"/>
+          </a:effectRef>
+          <a:fontRef idx="minor">
+            <a:schemeClr val="tx1"/>
+          </a:fontRef>
+        </p:style>
+      </p:cxnSp>
     </p:spTree>
     <p:extLst>
       <p:ext uri="{BB962C8B-B14F-4D97-AF65-F5344CB8AC3E}">
@@ -11619,6 +11178,503 @@
 </file>
 
 <file path=ppt/slides/slide21.xml><?xml version="1.0" encoding="utf-8"?>
+<p:sld xmlns:a="http://schemas.openxmlformats.org/drawingml/2006/main" xmlns:r="http://schemas.openxmlformats.org/officeDocument/2006/relationships" xmlns:p="http://schemas.openxmlformats.org/presentationml/2006/main">
+  <p:cSld>
+    <p:spTree>
+      <p:nvGrpSpPr>
+        <p:cNvPr id="1" name=""/>
+        <p:cNvGrpSpPr/>
+        <p:nvPr/>
+      </p:nvGrpSpPr>
+      <p:grpSpPr>
+        <a:xfrm>
+          <a:off x="0" y="0"/>
+          <a:ext cx="0" cy="0"/>
+          <a:chOff x="0" y="0"/>
+          <a:chExt cx="0" cy="0"/>
+        </a:xfrm>
+      </p:grpSpPr>
+      <p:sp>
+        <p:nvSpPr>
+          <p:cNvPr id="5" name="Titel 1">
+            <a:extLst>
+              <a:ext uri="{FF2B5EF4-FFF2-40B4-BE49-F238E27FC236}">
+                <a16:creationId xmlns:a16="http://schemas.microsoft.com/office/drawing/2014/main" id="{C3EC70A2-E912-9E17-C391-9CDD4F7ED71E}"/>
+              </a:ext>
+            </a:extLst>
+          </p:cNvPr>
+          <p:cNvSpPr>
+            <a:spLocks noGrp="1"/>
+          </p:cNvSpPr>
+          <p:nvPr/>
+        </p:nvSpPr>
+        <p:spPr>
+          <a:xfrm>
+            <a:off x="2294077" y="76200"/>
+            <a:ext cx="6007873" cy="768350"/>
+          </a:xfrm>
+          <a:prstGeom prst="rect">
+            <a:avLst/>
+          </a:prstGeom>
+        </p:spPr>
+        <p:txBody>
+          <a:bodyPr vert="horz" lIns="91440" tIns="45720" rIns="91440" bIns="45720" rtlCol="0" anchor="t">
+            <a:normAutofit/>
+          </a:bodyPr>
+          <a:lstStyle>
+            <a:lvl1pPr algn="l" defTabSz="457200" rtl="0" eaLnBrk="1" latinLnBrk="0" hangingPunct="1">
+              <a:spcBef>
+                <a:spcPct val="0"/>
+              </a:spcBef>
+              <a:buNone/>
+              <a:defRPr sz="3600" kern="1200">
+                <a:solidFill>
+                  <a:schemeClr val="accent1"/>
+                </a:solidFill>
+                <a:latin typeface="+mj-lt"/>
+                <a:ea typeface="+mj-ea"/>
+                <a:cs typeface="+mj-cs"/>
+              </a:defRPr>
+            </a:lvl1pPr>
+            <a:lvl2pPr eaLnBrk="1" hangingPunct="1">
+              <a:defRPr>
+                <a:solidFill>
+                  <a:schemeClr val="tx2"/>
+                </a:solidFill>
+              </a:defRPr>
+            </a:lvl2pPr>
+            <a:lvl3pPr eaLnBrk="1" hangingPunct="1">
+              <a:defRPr>
+                <a:solidFill>
+                  <a:schemeClr val="tx2"/>
+                </a:solidFill>
+              </a:defRPr>
+            </a:lvl3pPr>
+            <a:lvl4pPr eaLnBrk="1" hangingPunct="1">
+              <a:defRPr>
+                <a:solidFill>
+                  <a:schemeClr val="tx2"/>
+                </a:solidFill>
+              </a:defRPr>
+            </a:lvl4pPr>
+            <a:lvl5pPr eaLnBrk="1" hangingPunct="1">
+              <a:defRPr>
+                <a:solidFill>
+                  <a:schemeClr val="tx2"/>
+                </a:solidFill>
+              </a:defRPr>
+            </a:lvl5pPr>
+            <a:lvl6pPr eaLnBrk="1" hangingPunct="1">
+              <a:defRPr>
+                <a:solidFill>
+                  <a:schemeClr val="tx2"/>
+                </a:solidFill>
+              </a:defRPr>
+            </a:lvl6pPr>
+            <a:lvl7pPr eaLnBrk="1" hangingPunct="1">
+              <a:defRPr>
+                <a:solidFill>
+                  <a:schemeClr val="tx2"/>
+                </a:solidFill>
+              </a:defRPr>
+            </a:lvl7pPr>
+            <a:lvl8pPr eaLnBrk="1" hangingPunct="1">
+              <a:defRPr>
+                <a:solidFill>
+                  <a:schemeClr val="tx2"/>
+                </a:solidFill>
+              </a:defRPr>
+            </a:lvl8pPr>
+            <a:lvl9pPr eaLnBrk="1" hangingPunct="1">
+              <a:defRPr>
+                <a:solidFill>
+                  <a:schemeClr val="tx2"/>
+                </a:solidFill>
+              </a:defRPr>
+            </a:lvl9pPr>
+          </a:lstStyle>
+          <a:p>
+            <a:pPr algn="ctr"/>
+            <a:r>
+              <a:rPr lang="en-US" dirty="0">
+                <a:solidFill>
+                  <a:schemeClr val="tx1"/>
+                </a:solidFill>
+                <a:ea typeface="+mj-lt"/>
+                <a:cs typeface="+mj-lt"/>
+              </a:rPr>
+              <a:t>colab.research.google.com</a:t>
+            </a:r>
+            <a:endParaRPr lang="nl-NL" dirty="0">
+              <a:solidFill>
+                <a:schemeClr val="tx1"/>
+              </a:solidFill>
+              <a:ea typeface="+mj-lt"/>
+              <a:cs typeface="+mj-lt"/>
+            </a:endParaRPr>
+          </a:p>
+        </p:txBody>
+      </p:sp>
+      <p:pic>
+        <p:nvPicPr>
+          <p:cNvPr id="7" name="Afbeelding 4" descr="Afbeelding met tekst&#10;&#10;Automatisch gegenereerde beschrijving">
+            <a:extLst>
+              <a:ext uri="{FF2B5EF4-FFF2-40B4-BE49-F238E27FC236}">
+                <a16:creationId xmlns:a16="http://schemas.microsoft.com/office/drawing/2014/main" id="{30A5CE3E-F9E0-FC17-083B-F876B89A61B6}"/>
+              </a:ext>
+            </a:extLst>
+          </p:cNvPr>
+          <p:cNvPicPr>
+            <a:picLocks noChangeAspect="1"/>
+          </p:cNvPicPr>
+          <p:nvPr/>
+        </p:nvPicPr>
+        <p:blipFill rotWithShape="1">
+          <a:blip r:embed="rId2"/>
+          <a:srcRect l="4756" t="2241" r="2828" b="46379"/>
+          <a:stretch/>
+        </p:blipFill>
+        <p:spPr>
+          <a:xfrm>
+            <a:off x="192506" y="657225"/>
+            <a:ext cx="6853110" cy="2837609"/>
+          </a:xfrm>
+          <a:prstGeom prst="rect">
+            <a:avLst/>
+          </a:prstGeom>
+        </p:spPr>
+      </p:pic>
+      <p:pic>
+        <p:nvPicPr>
+          <p:cNvPr id="6" name="Picture 19">
+            <a:extLst>
+              <a:ext uri="{FF2B5EF4-FFF2-40B4-BE49-F238E27FC236}">
+                <a16:creationId xmlns:a16="http://schemas.microsoft.com/office/drawing/2014/main" id="{677BFB20-C97B-820F-02BC-A16EC616D660}"/>
+              </a:ext>
+            </a:extLst>
+          </p:cNvPr>
+          <p:cNvPicPr>
+            <a:picLocks noChangeAspect="1"/>
+          </p:cNvPicPr>
+          <p:nvPr/>
+        </p:nvPicPr>
+        <p:blipFill>
+          <a:blip r:embed="rId3"/>
+          <a:stretch>
+            <a:fillRect/>
+          </a:stretch>
+        </p:blipFill>
+        <p:spPr>
+          <a:xfrm>
+            <a:off x="7943349" y="658955"/>
+            <a:ext cx="4217067" cy="4458248"/>
+          </a:xfrm>
+          <a:prstGeom prst="rect">
+            <a:avLst/>
+          </a:prstGeom>
+        </p:spPr>
+      </p:pic>
+      <p:sp>
+        <p:nvSpPr>
+          <p:cNvPr id="20" name="TextBox 19">
+            <a:extLst>
+              <a:ext uri="{FF2B5EF4-FFF2-40B4-BE49-F238E27FC236}">
+                <a16:creationId xmlns:a16="http://schemas.microsoft.com/office/drawing/2014/main" id="{6BE49B93-50BB-DC46-C64D-1E9B98DBAADB}"/>
+              </a:ext>
+            </a:extLst>
+          </p:cNvPr>
+          <p:cNvSpPr txBox="1"/>
+          <p:nvPr/>
+        </p:nvSpPr>
+        <p:spPr>
+          <a:xfrm>
+            <a:off x="591552" y="3368842"/>
+            <a:ext cx="6296525" cy="3477875"/>
+          </a:xfrm>
+          <a:prstGeom prst="rect">
+            <a:avLst/>
+          </a:prstGeom>
+          <a:noFill/>
+        </p:spPr>
+        <p:txBody>
+          <a:bodyPr rot="0" spcFirstLastPara="0" vertOverflow="overflow" horzOverflow="overflow" vert="horz" wrap="square" lIns="91440" tIns="45720" rIns="91440" bIns="45720" numCol="1" spcCol="0" rtlCol="0" fromWordArt="0" anchor="t" anchorCtr="0" forceAA="0" compatLnSpc="1">
+            <a:prstTxWarp prst="textNoShape">
+              <a:avLst/>
+            </a:prstTxWarp>
+            <a:spAutoFit/>
+          </a:bodyPr>
+          <a:lstStyle/>
+          <a:p>
+            <a:pPr marL="342900" indent="-342900">
+              <a:buAutoNum type="arabicPeriod"/>
+            </a:pPr>
+            <a:r>
+              <a:rPr lang="en-US" sz="2000" dirty="0"/>
+              <a:t>Ga </a:t>
+            </a:r>
+            <a:r>
+              <a:rPr lang="en-US" sz="2000" err="1"/>
+              <a:t>naar</a:t>
+            </a:r>
+            <a:r>
+              <a:rPr lang="en-US" sz="2000" dirty="0"/>
+              <a:t> colab.research.google.com</a:t>
+            </a:r>
+          </a:p>
+          <a:p>
+            <a:pPr marL="342900" indent="-342900">
+              <a:buAutoNum type="arabicPeriod"/>
+            </a:pPr>
+            <a:endParaRPr lang="en-US" sz="2000" dirty="0"/>
+          </a:p>
+          <a:p>
+            <a:pPr marL="342900" indent="-342900">
+              <a:buAutoNum type="arabicPeriod"/>
+            </a:pPr>
+            <a:r>
+              <a:rPr lang="en-US" sz="2000" dirty="0"/>
+              <a:t>Als je </a:t>
+            </a:r>
+            <a:r>
+              <a:rPr lang="en-US" sz="2000" err="1"/>
+              <a:t>niet</a:t>
+            </a:r>
+            <a:r>
+              <a:rPr lang="en-US" sz="2000" dirty="0"/>
+              <a:t> </a:t>
+            </a:r>
+            <a:r>
+              <a:rPr lang="en-US" sz="2000" err="1"/>
+              <a:t>linkerafbeelding</a:t>
+            </a:r>
+            <a:r>
+              <a:rPr lang="en-US" sz="2000" dirty="0"/>
+              <a:t> </a:t>
+            </a:r>
+            <a:r>
+              <a:rPr lang="en-US" sz="2000" err="1"/>
+              <a:t>hierboven</a:t>
+            </a:r>
+            <a:r>
+              <a:rPr lang="en-US" sz="2000" dirty="0"/>
+              <a:t> </a:t>
+            </a:r>
+            <a:r>
+              <a:rPr lang="en-US" sz="2000" err="1"/>
+              <a:t>ziet</a:t>
+            </a:r>
+            <a:r>
+              <a:rPr lang="en-US" sz="2000" dirty="0"/>
+              <a:t>, </a:t>
+            </a:r>
+            <a:r>
+              <a:rPr lang="en-US" sz="2000" err="1"/>
+              <a:t>volg</a:t>
+            </a:r>
+            <a:r>
+              <a:rPr lang="en-US" sz="2000" dirty="0"/>
+              <a:t> </a:t>
+            </a:r>
+            <a:r>
+              <a:rPr lang="en-US" sz="2000" err="1"/>
+              <a:t>rechterafbeelding</a:t>
+            </a:r>
+            <a:r>
+              <a:rPr lang="en-US" sz="2000" dirty="0"/>
+              <a:t> </a:t>
+            </a:r>
+          </a:p>
+          <a:p>
+            <a:r>
+              <a:rPr lang="en-US" sz="2000" dirty="0"/>
+              <a:t>    (</a:t>
+            </a:r>
+            <a:r>
+              <a:rPr lang="en-US" sz="2000" dirty="0" err="1"/>
+              <a:t>Bestand</a:t>
+            </a:r>
+            <a:r>
+              <a:rPr lang="en-US" sz="2000" dirty="0"/>
+              <a:t> -&gt; Notebook </a:t>
+            </a:r>
+            <a:r>
+              <a:rPr lang="en-US" sz="2000" dirty="0" err="1"/>
+              <a:t>uploaden</a:t>
+            </a:r>
+            <a:r>
+              <a:rPr lang="en-US" sz="2000" dirty="0"/>
+              <a:t>)</a:t>
+            </a:r>
+            <a:endParaRPr lang="en-US"/>
+          </a:p>
+          <a:p>
+            <a:pPr marL="342900" indent="-342900">
+              <a:buAutoNum type="arabicPeriod"/>
+            </a:pPr>
+            <a:endParaRPr lang="en-US" sz="2000" dirty="0"/>
+          </a:p>
+          <a:p>
+            <a:r>
+              <a:rPr lang="en-US" sz="2000" dirty="0"/>
+              <a:t>3.  Druk op 'Choose File' (</a:t>
+            </a:r>
+            <a:r>
+              <a:rPr lang="en-US" sz="2000" dirty="0" err="1"/>
+              <a:t>linkerafbeelding</a:t>
+            </a:r>
+            <a:r>
+              <a:rPr lang="en-US" sz="2000" dirty="0"/>
+              <a:t>) </a:t>
+            </a:r>
+          </a:p>
+          <a:p>
+            <a:r>
+              <a:rPr lang="en-US" sz="2000" dirty="0"/>
+              <a:t>     </a:t>
+            </a:r>
+            <a:r>
+              <a:rPr lang="en-US" sz="2000" err="1"/>
+              <a:t>en</a:t>
+            </a:r>
+            <a:r>
+              <a:rPr lang="en-US" sz="2000" dirty="0"/>
+              <a:t> </a:t>
+            </a:r>
+            <a:r>
+              <a:rPr lang="en-US" sz="2000" err="1"/>
+              <a:t>kies</a:t>
+            </a:r>
+            <a:r>
+              <a:rPr lang="en-US" sz="2000" dirty="0"/>
+              <a:t> '</a:t>
+            </a:r>
+            <a:r>
+              <a:rPr lang="en-US" sz="2000" dirty="0">
+                <a:ea typeface="+mn-lt"/>
+                <a:cs typeface="+mn-lt"/>
+              </a:rPr>
+              <a:t>Intro </a:t>
+            </a:r>
+            <a:r>
+              <a:rPr lang="en-US" sz="2000" err="1">
+                <a:ea typeface="+mn-lt"/>
+                <a:cs typeface="+mn-lt"/>
+              </a:rPr>
+              <a:t>Python.ipynb</a:t>
+            </a:r>
+            <a:r>
+              <a:rPr lang="en-US" sz="2000" dirty="0">
+                <a:ea typeface="+mn-lt"/>
+                <a:cs typeface="+mn-lt"/>
+              </a:rPr>
+              <a:t>'</a:t>
+            </a:r>
+            <a:endParaRPr lang="en-US" sz="2000" dirty="0"/>
+          </a:p>
+          <a:p>
+            <a:pPr marL="342900" indent="-342900">
+              <a:buAutoNum type="arabicPeriod"/>
+            </a:pPr>
+            <a:endParaRPr lang="en-US" sz="2000" dirty="0">
+              <a:ea typeface="+mn-lt"/>
+              <a:cs typeface="+mn-lt"/>
+            </a:endParaRPr>
+          </a:p>
+          <a:p>
+            <a:r>
+              <a:rPr lang="en-US" sz="2000" dirty="0">
+                <a:ea typeface="+mn-lt"/>
+                <a:cs typeface="+mn-lt"/>
+              </a:rPr>
+              <a:t>4.  Nu </a:t>
+            </a:r>
+            <a:r>
+              <a:rPr lang="en-US" sz="2000" dirty="0" err="1">
+                <a:ea typeface="+mn-lt"/>
+                <a:cs typeface="+mn-lt"/>
+              </a:rPr>
+              <a:t>heb</a:t>
+            </a:r>
+            <a:r>
+              <a:rPr lang="en-US" sz="2000" dirty="0">
+                <a:ea typeface="+mn-lt"/>
+                <a:cs typeface="+mn-lt"/>
+              </a:rPr>
+              <a:t> je de notebook </a:t>
+            </a:r>
+            <a:r>
+              <a:rPr lang="en-US" sz="2000" dirty="0" err="1">
+                <a:ea typeface="+mn-lt"/>
+                <a:cs typeface="+mn-lt"/>
+              </a:rPr>
+              <a:t>klaarstaan</a:t>
+            </a:r>
+            <a:r>
+              <a:rPr lang="en-US" sz="2000" dirty="0">
+                <a:ea typeface="+mn-lt"/>
+                <a:cs typeface="+mn-lt"/>
+              </a:rPr>
+              <a:t> </a:t>
+            </a:r>
+            <a:r>
+              <a:rPr lang="en-US" sz="2000" dirty="0" err="1">
+                <a:ea typeface="+mn-lt"/>
+                <a:cs typeface="+mn-lt"/>
+              </a:rPr>
+              <a:t>en</a:t>
+            </a:r>
+            <a:r>
+              <a:rPr lang="en-US" sz="2000" dirty="0">
+                <a:ea typeface="+mn-lt"/>
+                <a:cs typeface="+mn-lt"/>
+              </a:rPr>
+              <a:t> </a:t>
+            </a:r>
+            <a:r>
+              <a:rPr lang="en-US" sz="2000" dirty="0" err="1">
+                <a:ea typeface="+mn-lt"/>
+                <a:cs typeface="+mn-lt"/>
+              </a:rPr>
+              <a:t>kan</a:t>
+            </a:r>
+            <a:r>
+              <a:rPr lang="en-US" sz="2000" dirty="0">
+                <a:ea typeface="+mn-lt"/>
+                <a:cs typeface="+mn-lt"/>
+              </a:rPr>
+              <a:t> je </a:t>
+            </a:r>
+            <a:r>
+              <a:rPr lang="en-US" sz="2000" dirty="0" err="1">
+                <a:ea typeface="+mn-lt"/>
+                <a:cs typeface="+mn-lt"/>
+              </a:rPr>
+              <a:t>beginnen</a:t>
+            </a:r>
+            <a:r>
+              <a:rPr lang="en-US" sz="2000" dirty="0">
+                <a:ea typeface="+mn-lt"/>
+                <a:cs typeface="+mn-lt"/>
+              </a:rPr>
+              <a:t>!</a:t>
+            </a:r>
+          </a:p>
+        </p:txBody>
+      </p:sp>
+    </p:spTree>
+    <p:extLst>
+      <p:ext uri="{BB962C8B-B14F-4D97-AF65-F5344CB8AC3E}">
+        <p14:creationId xmlns:p14="http://schemas.microsoft.com/office/powerpoint/2010/main" val="607795465"/>
+      </p:ext>
+    </p:extLst>
+  </p:cSld>
+  <p:clrMapOvr>
+    <a:masterClrMapping/>
+  </p:clrMapOvr>
+</p:sld>
+</file>
+
+<file path=ppt/slides/slide22.xml><?xml version="1.0" encoding="utf-8"?>
 <p:sld xmlns:a="http://schemas.openxmlformats.org/drawingml/2006/main" xmlns:r="http://schemas.openxmlformats.org/officeDocument/2006/relationships" xmlns:p="http://schemas.openxmlformats.org/presentationml/2006/main">
   <p:cSld>
     <p:spTree>
@@ -11818,6 +11874,124 @@
           </a:prstGeom>
         </p:spPr>
       </p:pic>
+      <p:cxnSp>
+        <p:nvCxnSpPr>
+          <p:cNvPr id="5" name="Straight Arrow Connector 4">
+            <a:extLst>
+              <a:ext uri="{FF2B5EF4-FFF2-40B4-BE49-F238E27FC236}">
+                <a16:creationId xmlns:a16="http://schemas.microsoft.com/office/drawing/2014/main" id="{70112D33-7106-DE0A-86FE-0878BB4B5D57}"/>
+              </a:ext>
+            </a:extLst>
+          </p:cNvPr>
+          <p:cNvCxnSpPr/>
+          <p:nvPr/>
+        </p:nvCxnSpPr>
+        <p:spPr>
+          <a:xfrm flipH="1" flipV="1">
+            <a:off x="690312" y="4209550"/>
+            <a:ext cx="188495" cy="1231231"/>
+          </a:xfrm>
+          <a:prstGeom prst="straightConnector1">
+            <a:avLst/>
+          </a:prstGeom>
+          <a:ln w="57150">
+            <a:tailEnd type="triangle"/>
+          </a:ln>
+        </p:spPr>
+        <p:style>
+          <a:lnRef idx="1">
+            <a:schemeClr val="accent1"/>
+          </a:lnRef>
+          <a:fillRef idx="0">
+            <a:schemeClr val="accent1"/>
+          </a:fillRef>
+          <a:effectRef idx="0">
+            <a:schemeClr val="accent1"/>
+          </a:effectRef>
+          <a:fontRef idx="minor">
+            <a:schemeClr val="tx1"/>
+          </a:fontRef>
+        </p:style>
+      </p:cxnSp>
+      <p:sp>
+        <p:nvSpPr>
+          <p:cNvPr id="6" name="TextBox 5">
+            <a:extLst>
+              <a:ext uri="{FF2B5EF4-FFF2-40B4-BE49-F238E27FC236}">
+                <a16:creationId xmlns:a16="http://schemas.microsoft.com/office/drawing/2014/main" id="{CB2363D5-9831-E9D3-E383-2AC93E2C61FA}"/>
+              </a:ext>
+            </a:extLst>
+          </p:cNvPr>
+          <p:cNvSpPr txBox="1"/>
+          <p:nvPr/>
+        </p:nvSpPr>
+        <p:spPr>
+          <a:xfrm>
+            <a:off x="681789" y="5684920"/>
+            <a:ext cx="4441657" cy="707886"/>
+          </a:xfrm>
+          <a:prstGeom prst="rect">
+            <a:avLst/>
+          </a:prstGeom>
+          <a:noFill/>
+        </p:spPr>
+        <p:txBody>
+          <a:bodyPr rot="0" spcFirstLastPara="0" vertOverflow="overflow" horzOverflow="overflow" vert="horz" wrap="square" lIns="91440" tIns="45720" rIns="91440" bIns="45720" numCol="1" spcCol="0" rtlCol="0" fromWordArt="0" anchor="t" anchorCtr="0" forceAA="0" compatLnSpc="1">
+            <a:prstTxWarp prst="textNoShape">
+              <a:avLst/>
+            </a:prstTxWarp>
+            <a:spAutoFit/>
+          </a:bodyPr>
+          <a:lstStyle/>
+          <a:p>
+            <a:r>
+              <a:rPr lang="en-US" sz="2000" err="1"/>
+              <a:t>Voer</a:t>
+            </a:r>
+            <a:r>
+              <a:rPr lang="en-US" sz="2000" dirty="0"/>
+              <a:t> </a:t>
+            </a:r>
+            <a:r>
+              <a:rPr lang="en-US" sz="2000" err="1"/>
+              <a:t>stukjes</a:t>
+            </a:r>
+            <a:r>
+              <a:rPr lang="en-US" sz="2000" dirty="0"/>
+              <a:t> Python code </a:t>
+            </a:r>
+            <a:r>
+              <a:rPr lang="en-US" sz="2000" err="1"/>
+              <a:t>uit</a:t>
+            </a:r>
+            <a:r>
+              <a:rPr lang="en-US" sz="2000" dirty="0"/>
+              <a:t> door ronde, </a:t>
+            </a:r>
+            <a:r>
+              <a:rPr lang="en-US" sz="2000" err="1"/>
+              <a:t>zwarte</a:t>
+            </a:r>
+            <a:r>
+              <a:rPr lang="en-US" sz="2000" dirty="0"/>
+              <a:t> knop </a:t>
+            </a:r>
+            <a:r>
+              <a:rPr lang="en-US" sz="2000" err="1"/>
+              <a:t>te</a:t>
+            </a:r>
+            <a:r>
+              <a:rPr lang="en-US" sz="2000" dirty="0"/>
+              <a:t> </a:t>
+            </a:r>
+            <a:r>
+              <a:rPr lang="en-US" sz="2000" err="1"/>
+              <a:t>klikken</a:t>
+            </a:r>
+            <a:endParaRPr lang="en-US" sz="2000"/>
+          </a:p>
+        </p:txBody>
+      </p:sp>
     </p:spTree>
     <p:extLst>
       <p:ext uri="{BB962C8B-B14F-4D97-AF65-F5344CB8AC3E}">
@@ -11831,7 +12005,7 @@
 </p:sld>
 </file>
 
-<file path=ppt/slides/slide22.xml><?xml version="1.0" encoding="utf-8"?>
+<file path=ppt/slides/slide23.xml><?xml version="1.0" encoding="utf-8"?>
 <p:sld xmlns:a="http://schemas.openxmlformats.org/drawingml/2006/main" xmlns:r="http://schemas.openxmlformats.org/officeDocument/2006/relationships" xmlns:p="http://schemas.openxmlformats.org/presentationml/2006/main">
   <p:cSld>
     <p:spTree>
@@ -11896,7 +12070,7 @@
 </p:sld>
 </file>
 
-<file path=ppt/slides/slide23.xml><?xml version="1.0" encoding="utf-8"?>
+<file path=ppt/slides/slide24.xml><?xml version="1.0" encoding="utf-8"?>
 <p:sld xmlns:a="http://schemas.openxmlformats.org/drawingml/2006/main" xmlns:r="http://schemas.openxmlformats.org/officeDocument/2006/relationships" xmlns:p="http://schemas.openxmlformats.org/presentationml/2006/main">
   <p:cSld>
     <p:spTree>
@@ -11962,7 +12136,7 @@
 </p:sld>
 </file>
 
-<file path=ppt/slides/slide24.xml><?xml version="1.0" encoding="utf-8"?>
+<file path=ppt/slides/slide25.xml><?xml version="1.0" encoding="utf-8"?>
 <p:sld xmlns:a="http://schemas.openxmlformats.org/drawingml/2006/main" xmlns:r="http://schemas.openxmlformats.org/officeDocument/2006/relationships" xmlns:p="http://schemas.openxmlformats.org/presentationml/2006/main">
   <p:cSld>
     <p:spTree>
@@ -12130,7 +12304,7 @@
 </p:sld>
 </file>
 
-<file path=ppt/slides/slide25.xml><?xml version="1.0" encoding="utf-8"?>
+<file path=ppt/slides/slide26.xml><?xml version="1.0" encoding="utf-8"?>
 <p:sld xmlns:a="http://schemas.openxmlformats.org/drawingml/2006/main" xmlns:r="http://schemas.openxmlformats.org/officeDocument/2006/relationships" xmlns:p="http://schemas.openxmlformats.org/presentationml/2006/main">
   <p:cSld>
     <p:spTree>
@@ -12297,7 +12471,7 @@
 </p:sld>
 </file>
 
-<file path=ppt/slides/slide26.xml><?xml version="1.0" encoding="utf-8"?>
+<file path=ppt/slides/slide27.xml><?xml version="1.0" encoding="utf-8"?>
 <p:sld xmlns:a="http://schemas.openxmlformats.org/drawingml/2006/main" xmlns:r="http://schemas.openxmlformats.org/officeDocument/2006/relationships" xmlns:p="http://schemas.openxmlformats.org/presentationml/2006/main">
   <p:cSld>
     <p:spTree>
@@ -12386,7 +12560,7 @@
 </p:sld>
 </file>
 
-<file path=ppt/slides/slide27.xml><?xml version="1.0" encoding="utf-8"?>
+<file path=ppt/slides/slide28.xml><?xml version="1.0" encoding="utf-8"?>
 <p:sld xmlns:a="http://schemas.openxmlformats.org/drawingml/2006/main" xmlns:r="http://schemas.openxmlformats.org/officeDocument/2006/relationships" xmlns:p="http://schemas.openxmlformats.org/presentationml/2006/main">
   <p:cSld>
     <p:spTree>
@@ -12506,7 +12680,7 @@
 </p:sld>
 </file>
 
-<file path=ppt/slides/slide28.xml><?xml version="1.0" encoding="utf-8"?>
+<file path=ppt/slides/slide29.xml><?xml version="1.0" encoding="utf-8"?>
 <p:sld xmlns:a="http://schemas.openxmlformats.org/drawingml/2006/main" xmlns:r="http://schemas.openxmlformats.org/officeDocument/2006/relationships" xmlns:p="http://schemas.openxmlformats.org/presentationml/2006/main">
   <p:cSld>
     <p:spTree>
@@ -12913,7 +13087,196 @@
 </p:sld>
 </file>
 
-<file path=ppt/slides/slide29.xml><?xml version="1.0" encoding="utf-8"?>
+<file path=ppt/slides/slide3.xml><?xml version="1.0" encoding="utf-8"?>
+<p:sld xmlns:a="http://schemas.openxmlformats.org/drawingml/2006/main" xmlns:r="http://schemas.openxmlformats.org/officeDocument/2006/relationships" xmlns:p="http://schemas.openxmlformats.org/presentationml/2006/main">
+  <p:cSld>
+    <p:spTree>
+      <p:nvGrpSpPr>
+        <p:cNvPr id="1" name=""/>
+        <p:cNvGrpSpPr/>
+        <p:nvPr/>
+      </p:nvGrpSpPr>
+      <p:grpSpPr>
+        <a:xfrm>
+          <a:off x="0" y="0"/>
+          <a:ext cx="0" cy="0"/>
+          <a:chOff x="0" y="0"/>
+          <a:chExt cx="0" cy="0"/>
+        </a:xfrm>
+      </p:grpSpPr>
+      <p:pic>
+        <p:nvPicPr>
+          <p:cNvPr id="1028" name="Picture 4" descr="The Python Logo | Python Software Foundation"/>
+          <p:cNvPicPr>
+            <a:picLocks noChangeAspect="1" noChangeArrowheads="1"/>
+          </p:cNvPicPr>
+          <p:nvPr/>
+        </p:nvPicPr>
+        <p:blipFill>
+          <a:blip r:embed="rId2">
+            <a:extLst>
+              <a:ext uri="{28A0092B-C50C-407E-A947-70E740481C1C}">
+                <a14:useLocalDpi xmlns:a14="http://schemas.microsoft.com/office/drawing/2010/main" val="0"/>
+              </a:ext>
+            </a:extLst>
+          </a:blip>
+          <a:srcRect/>
+          <a:stretch>
+            <a:fillRect/>
+          </a:stretch>
+        </p:blipFill>
+        <p:spPr bwMode="auto">
+          <a:xfrm>
+            <a:off x="3173095" y="948026"/>
+            <a:ext cx="5724525" cy="1933576"/>
+          </a:xfrm>
+          <a:prstGeom prst="rect">
+            <a:avLst/>
+          </a:prstGeom>
+          <a:noFill/>
+          <a:extLst>
+            <a:ext uri="{909E8E84-426E-40DD-AFC4-6F175D3DCCD1}">
+              <a14:hiddenFill xmlns:a14="http://schemas.microsoft.com/office/drawing/2010/main">
+                <a:solidFill>
+                  <a:srgbClr val="FFFFFF"/>
+                </a:solidFill>
+              </a14:hiddenFill>
+            </a:ext>
+          </a:extLst>
+        </p:spPr>
+      </p:pic>
+      <p:pic>
+        <p:nvPicPr>
+          <p:cNvPr id="1036" name="Picture 12" descr="Posts tagged as &quot;Pandas&quot; | Ashish Thanki Blog"/>
+          <p:cNvPicPr>
+            <a:picLocks noChangeAspect="1" noChangeArrowheads="1"/>
+          </p:cNvPicPr>
+          <p:nvPr/>
+        </p:nvPicPr>
+        <p:blipFill>
+          <a:blip r:embed="rId3">
+            <a:extLst>
+              <a:ext uri="{28A0092B-C50C-407E-A947-70E740481C1C}">
+                <a14:useLocalDpi xmlns:a14="http://schemas.microsoft.com/office/drawing/2010/main" val="0"/>
+              </a:ext>
+            </a:extLst>
+          </a:blip>
+          <a:srcRect/>
+          <a:stretch>
+            <a:fillRect/>
+          </a:stretch>
+        </p:blipFill>
+        <p:spPr bwMode="auto">
+          <a:xfrm>
+            <a:off x="3420214" y="3097787"/>
+            <a:ext cx="2804864" cy="1172095"/>
+          </a:xfrm>
+          <a:prstGeom prst="rect">
+            <a:avLst/>
+          </a:prstGeom>
+          <a:noFill/>
+          <a:extLst>
+            <a:ext uri="{909E8E84-426E-40DD-AFC4-6F175D3DCCD1}">
+              <a14:hiddenFill xmlns:a14="http://schemas.microsoft.com/office/drawing/2010/main">
+                <a:solidFill>
+                  <a:srgbClr val="FFFFFF"/>
+                </a:solidFill>
+              </a14:hiddenFill>
+            </a:ext>
+          </a:extLst>
+        </p:spPr>
+      </p:pic>
+      <p:pic>
+        <p:nvPicPr>
+          <p:cNvPr id="1038" name="Picture 14" descr="The Data Science Trilogy. So you are new to Python. Or perhaps… | by Hair  Parra | Towards Data Science"/>
+          <p:cNvPicPr>
+            <a:picLocks noChangeAspect="1" noChangeArrowheads="1"/>
+          </p:cNvPicPr>
+          <p:nvPr/>
+        </p:nvPicPr>
+        <p:blipFill>
+          <a:blip r:embed="rId4" cstate="print">
+            <a:extLst>
+              <a:ext uri="{28A0092B-C50C-407E-A947-70E740481C1C}">
+                <a14:useLocalDpi xmlns:a14="http://schemas.microsoft.com/office/drawing/2010/main" val="0"/>
+              </a:ext>
+            </a:extLst>
+          </a:blip>
+          <a:srcRect/>
+          <a:stretch>
+            <a:fillRect/>
+          </a:stretch>
+        </p:blipFill>
+        <p:spPr bwMode="auto">
+          <a:xfrm>
+            <a:off x="7439572" y="3027714"/>
+            <a:ext cx="2916095" cy="1312243"/>
+          </a:xfrm>
+          <a:prstGeom prst="rect">
+            <a:avLst/>
+          </a:prstGeom>
+          <a:noFill/>
+          <a:extLst>
+            <a:ext uri="{909E8E84-426E-40DD-AFC4-6F175D3DCCD1}">
+              <a14:hiddenFill xmlns:a14="http://schemas.microsoft.com/office/drawing/2010/main">
+                <a:solidFill>
+                  <a:srgbClr val="FFFFFF"/>
+                </a:solidFill>
+              </a14:hiddenFill>
+            </a:ext>
+          </a:extLst>
+        </p:spPr>
+      </p:pic>
+      <p:pic>
+        <p:nvPicPr>
+          <p:cNvPr id="1040" name="Picture 16" descr="SKLearn | Scikit-Learn In Python | SciKit Learn Tutorial"/>
+          <p:cNvPicPr>
+            <a:picLocks noChangeAspect="1" noChangeArrowheads="1"/>
+          </p:cNvPicPr>
+          <p:nvPr/>
+        </p:nvPicPr>
+        <p:blipFill>
+          <a:blip r:embed="rId5">
+            <a:extLst>
+              <a:ext uri="{28A0092B-C50C-407E-A947-70E740481C1C}">
+                <a14:useLocalDpi xmlns:a14="http://schemas.microsoft.com/office/drawing/2010/main" val="0"/>
+              </a:ext>
+            </a:extLst>
+          </a:blip>
+          <a:srcRect/>
+          <a:stretch>
+            <a:fillRect/>
+          </a:stretch>
+        </p:blipFill>
+        <p:spPr bwMode="auto">
+          <a:xfrm>
+            <a:off x="4195559" y="4495596"/>
+            <a:ext cx="5391150" cy="1924051"/>
+          </a:xfrm>
+          <a:prstGeom prst="rect">
+            <a:avLst/>
+          </a:prstGeom>
+          <a:noFill/>
+          <a:extLst>
+            <a:ext uri="{909E8E84-426E-40DD-AFC4-6F175D3DCCD1}">
+              <a14:hiddenFill xmlns:a14="http://schemas.microsoft.com/office/drawing/2010/main">
+                <a:solidFill>
+                  <a:srgbClr val="FFFFFF"/>
+                </a:solidFill>
+              </a14:hiddenFill>
+            </a:ext>
+          </a:extLst>
+        </p:spPr>
+      </p:pic>
+    </p:spTree>
+  </p:cSld>
+  <p:clrMapOvr>
+    <a:masterClrMapping/>
+  </p:clrMapOvr>
+</p:sld>
+</file>
+
+<file path=ppt/slides/slide30.xml><?xml version="1.0" encoding="utf-8"?>
 <p:sld xmlns:a="http://schemas.openxmlformats.org/drawingml/2006/main" xmlns:r="http://schemas.openxmlformats.org/officeDocument/2006/relationships" xmlns:p="http://schemas.openxmlformats.org/presentationml/2006/main">
   <p:cSld>
     <p:spTree>
@@ -14078,196 +14441,7 @@
 </p:sld>
 </file>
 
-<file path=ppt/slides/slide3.xml><?xml version="1.0" encoding="utf-8"?>
-<p:sld xmlns:a="http://schemas.openxmlformats.org/drawingml/2006/main" xmlns:r="http://schemas.openxmlformats.org/officeDocument/2006/relationships" xmlns:p="http://schemas.openxmlformats.org/presentationml/2006/main">
-  <p:cSld>
-    <p:spTree>
-      <p:nvGrpSpPr>
-        <p:cNvPr id="1" name=""/>
-        <p:cNvGrpSpPr/>
-        <p:nvPr/>
-      </p:nvGrpSpPr>
-      <p:grpSpPr>
-        <a:xfrm>
-          <a:off x="0" y="0"/>
-          <a:ext cx="0" cy="0"/>
-          <a:chOff x="0" y="0"/>
-          <a:chExt cx="0" cy="0"/>
-        </a:xfrm>
-      </p:grpSpPr>
-      <p:pic>
-        <p:nvPicPr>
-          <p:cNvPr id="1028" name="Picture 4" descr="The Python Logo | Python Software Foundation"/>
-          <p:cNvPicPr>
-            <a:picLocks noChangeAspect="1" noChangeArrowheads="1"/>
-          </p:cNvPicPr>
-          <p:nvPr/>
-        </p:nvPicPr>
-        <p:blipFill>
-          <a:blip r:embed="rId2">
-            <a:extLst>
-              <a:ext uri="{28A0092B-C50C-407E-A947-70E740481C1C}">
-                <a14:useLocalDpi xmlns:a14="http://schemas.microsoft.com/office/drawing/2010/main" val="0"/>
-              </a:ext>
-            </a:extLst>
-          </a:blip>
-          <a:srcRect/>
-          <a:stretch>
-            <a:fillRect/>
-          </a:stretch>
-        </p:blipFill>
-        <p:spPr bwMode="auto">
-          <a:xfrm>
-            <a:off x="3173095" y="948026"/>
-            <a:ext cx="5724525" cy="1933576"/>
-          </a:xfrm>
-          <a:prstGeom prst="rect">
-            <a:avLst/>
-          </a:prstGeom>
-          <a:noFill/>
-          <a:extLst>
-            <a:ext uri="{909E8E84-426E-40DD-AFC4-6F175D3DCCD1}">
-              <a14:hiddenFill xmlns:a14="http://schemas.microsoft.com/office/drawing/2010/main">
-                <a:solidFill>
-                  <a:srgbClr val="FFFFFF"/>
-                </a:solidFill>
-              </a14:hiddenFill>
-            </a:ext>
-          </a:extLst>
-        </p:spPr>
-      </p:pic>
-      <p:pic>
-        <p:nvPicPr>
-          <p:cNvPr id="1036" name="Picture 12" descr="Posts tagged as &quot;Pandas&quot; | Ashish Thanki Blog"/>
-          <p:cNvPicPr>
-            <a:picLocks noChangeAspect="1" noChangeArrowheads="1"/>
-          </p:cNvPicPr>
-          <p:nvPr/>
-        </p:nvPicPr>
-        <p:blipFill>
-          <a:blip r:embed="rId3">
-            <a:extLst>
-              <a:ext uri="{28A0092B-C50C-407E-A947-70E740481C1C}">
-                <a14:useLocalDpi xmlns:a14="http://schemas.microsoft.com/office/drawing/2010/main" val="0"/>
-              </a:ext>
-            </a:extLst>
-          </a:blip>
-          <a:srcRect/>
-          <a:stretch>
-            <a:fillRect/>
-          </a:stretch>
-        </p:blipFill>
-        <p:spPr bwMode="auto">
-          <a:xfrm>
-            <a:off x="3420214" y="3097787"/>
-            <a:ext cx="2804864" cy="1172095"/>
-          </a:xfrm>
-          <a:prstGeom prst="rect">
-            <a:avLst/>
-          </a:prstGeom>
-          <a:noFill/>
-          <a:extLst>
-            <a:ext uri="{909E8E84-426E-40DD-AFC4-6F175D3DCCD1}">
-              <a14:hiddenFill xmlns:a14="http://schemas.microsoft.com/office/drawing/2010/main">
-                <a:solidFill>
-                  <a:srgbClr val="FFFFFF"/>
-                </a:solidFill>
-              </a14:hiddenFill>
-            </a:ext>
-          </a:extLst>
-        </p:spPr>
-      </p:pic>
-      <p:pic>
-        <p:nvPicPr>
-          <p:cNvPr id="1038" name="Picture 14" descr="The Data Science Trilogy. So you are new to Python. Or perhaps… | by Hair  Parra | Towards Data Science"/>
-          <p:cNvPicPr>
-            <a:picLocks noChangeAspect="1" noChangeArrowheads="1"/>
-          </p:cNvPicPr>
-          <p:nvPr/>
-        </p:nvPicPr>
-        <p:blipFill>
-          <a:blip r:embed="rId4" cstate="print">
-            <a:extLst>
-              <a:ext uri="{28A0092B-C50C-407E-A947-70E740481C1C}">
-                <a14:useLocalDpi xmlns:a14="http://schemas.microsoft.com/office/drawing/2010/main" val="0"/>
-              </a:ext>
-            </a:extLst>
-          </a:blip>
-          <a:srcRect/>
-          <a:stretch>
-            <a:fillRect/>
-          </a:stretch>
-        </p:blipFill>
-        <p:spPr bwMode="auto">
-          <a:xfrm>
-            <a:off x="7439572" y="3027714"/>
-            <a:ext cx="2916095" cy="1312243"/>
-          </a:xfrm>
-          <a:prstGeom prst="rect">
-            <a:avLst/>
-          </a:prstGeom>
-          <a:noFill/>
-          <a:extLst>
-            <a:ext uri="{909E8E84-426E-40DD-AFC4-6F175D3DCCD1}">
-              <a14:hiddenFill xmlns:a14="http://schemas.microsoft.com/office/drawing/2010/main">
-                <a:solidFill>
-                  <a:srgbClr val="FFFFFF"/>
-                </a:solidFill>
-              </a14:hiddenFill>
-            </a:ext>
-          </a:extLst>
-        </p:spPr>
-      </p:pic>
-      <p:pic>
-        <p:nvPicPr>
-          <p:cNvPr id="1040" name="Picture 16" descr="SKLearn | Scikit-Learn In Python | SciKit Learn Tutorial"/>
-          <p:cNvPicPr>
-            <a:picLocks noChangeAspect="1" noChangeArrowheads="1"/>
-          </p:cNvPicPr>
-          <p:nvPr/>
-        </p:nvPicPr>
-        <p:blipFill>
-          <a:blip r:embed="rId5">
-            <a:extLst>
-              <a:ext uri="{28A0092B-C50C-407E-A947-70E740481C1C}">
-                <a14:useLocalDpi xmlns:a14="http://schemas.microsoft.com/office/drawing/2010/main" val="0"/>
-              </a:ext>
-            </a:extLst>
-          </a:blip>
-          <a:srcRect/>
-          <a:stretch>
-            <a:fillRect/>
-          </a:stretch>
-        </p:blipFill>
-        <p:spPr bwMode="auto">
-          <a:xfrm>
-            <a:off x="4195559" y="4495596"/>
-            <a:ext cx="5391150" cy="1924051"/>
-          </a:xfrm>
-          <a:prstGeom prst="rect">
-            <a:avLst/>
-          </a:prstGeom>
-          <a:noFill/>
-          <a:extLst>
-            <a:ext uri="{909E8E84-426E-40DD-AFC4-6F175D3DCCD1}">
-              <a14:hiddenFill xmlns:a14="http://schemas.microsoft.com/office/drawing/2010/main">
-                <a:solidFill>
-                  <a:srgbClr val="FFFFFF"/>
-                </a:solidFill>
-              </a14:hiddenFill>
-            </a:ext>
-          </a:extLst>
-        </p:spPr>
-      </p:pic>
-    </p:spTree>
-  </p:cSld>
-  <p:clrMapOvr>
-    <a:masterClrMapping/>
-  </p:clrMapOvr>
-</p:sld>
-</file>
-
-<file path=ppt/slides/slide30.xml><?xml version="1.0" encoding="utf-8"?>
+<file path=ppt/slides/slide31.xml><?xml version="1.0" encoding="utf-8"?>
 <p:sld xmlns:a="http://schemas.openxmlformats.org/drawingml/2006/main" xmlns:r="http://schemas.openxmlformats.org/officeDocument/2006/relationships" xmlns:p="http://schemas.openxmlformats.org/presentationml/2006/main">
   <p:cSld>
     <p:spTree>
@@ -15072,7 +15246,7 @@
 </p:sld>
 </file>
 
-<file path=ppt/slides/slide31.xml><?xml version="1.0" encoding="utf-8"?>
+<file path=ppt/slides/slide32.xml><?xml version="1.0" encoding="utf-8"?>
 <p:sld xmlns:a="http://schemas.openxmlformats.org/drawingml/2006/main" xmlns:r="http://schemas.openxmlformats.org/officeDocument/2006/relationships" xmlns:p="http://schemas.openxmlformats.org/presentationml/2006/main">
   <p:cSld>
     <p:spTree>
@@ -15326,7 +15500,7 @@
 </p:sld>
 </file>
 
-<file path=ppt/slides/slide32.xml><?xml version="1.0" encoding="utf-8"?>
+<file path=ppt/slides/slide33.xml><?xml version="1.0" encoding="utf-8"?>
 <p:sld xmlns:a="http://schemas.openxmlformats.org/drawingml/2006/main" xmlns:r="http://schemas.openxmlformats.org/officeDocument/2006/relationships" xmlns:p="http://schemas.openxmlformats.org/presentationml/2006/main">
   <p:cSld>
     <p:spTree>
@@ -15409,7 +15583,7 @@
 </p:sld>
 </file>
 
-<file path=ppt/slides/slide33.xml><?xml version="1.0" encoding="utf-8"?>
+<file path=ppt/slides/slide34.xml><?xml version="1.0" encoding="utf-8"?>
 <p:sld xmlns:a="http://schemas.openxmlformats.org/drawingml/2006/main" xmlns:r="http://schemas.openxmlformats.org/officeDocument/2006/relationships" xmlns:p="http://schemas.openxmlformats.org/presentationml/2006/main">
   <p:cSld>
     <p:spTree>
@@ -15458,7 +15632,7 @@
 </p:sld>
 </file>
 
-<file path=ppt/slides/slide34.xml><?xml version="1.0" encoding="utf-8"?>
+<file path=ppt/slides/slide35.xml><?xml version="1.0" encoding="utf-8"?>
 <p:sld xmlns:a="http://schemas.openxmlformats.org/drawingml/2006/main" xmlns:r="http://schemas.openxmlformats.org/officeDocument/2006/relationships" xmlns:p="http://schemas.openxmlformats.org/presentationml/2006/main">
   <p:cSld>
     <p:spTree>
@@ -15507,7 +15681,7 @@
 </p:sld>
 </file>
 
-<file path=ppt/slides/slide35.xml><?xml version="1.0" encoding="utf-8"?>
+<file path=ppt/slides/slide36.xml><?xml version="1.0" encoding="utf-8"?>
 <p:sld xmlns:a="http://schemas.openxmlformats.org/drawingml/2006/main" xmlns:r="http://schemas.openxmlformats.org/officeDocument/2006/relationships" xmlns:p="http://schemas.openxmlformats.org/presentationml/2006/main">
   <p:cSld>
     <p:spTree>
@@ -15587,7 +15761,7 @@
 </p:sld>
 </file>
 
-<file path=ppt/slides/slide36.xml><?xml version="1.0" encoding="utf-8"?>
+<file path=ppt/slides/slide37.xml><?xml version="1.0" encoding="utf-8"?>
 <p:sld xmlns:a="http://schemas.openxmlformats.org/drawingml/2006/main" xmlns:r="http://schemas.openxmlformats.org/officeDocument/2006/relationships" xmlns:p="http://schemas.openxmlformats.org/presentationml/2006/main">
   <p:cSld>
     <p:spTree>
@@ -15742,7 +15916,7 @@
 </p:sld>
 </file>
 
-<file path=ppt/slides/slide37.xml><?xml version="1.0" encoding="utf-8"?>
+<file path=ppt/slides/slide38.xml><?xml version="1.0" encoding="utf-8"?>
 <p:sld xmlns:a="http://schemas.openxmlformats.org/drawingml/2006/main" xmlns:r="http://schemas.openxmlformats.org/officeDocument/2006/relationships" xmlns:p="http://schemas.openxmlformats.org/presentationml/2006/main">
   <p:cSld>
     <p:spTree>
@@ -15791,7 +15965,7 @@
 </p:sld>
 </file>
 
-<file path=ppt/slides/slide38.xml><?xml version="1.0" encoding="utf-8"?>
+<file path=ppt/slides/slide39.xml><?xml version="1.0" encoding="utf-8"?>
 <p:sld xmlns:a="http://schemas.openxmlformats.org/drawingml/2006/main" xmlns:r="http://schemas.openxmlformats.org/officeDocument/2006/relationships" xmlns:p="http://schemas.openxmlformats.org/presentationml/2006/main">
   <p:cSld>
     <p:spTree>
@@ -15857,79 +16031,6 @@
           <a:xfrm>
             <a:off x="486207" y="1202488"/>
             <a:ext cx="8670638" cy="4283912"/>
-          </a:xfrm>
-          <a:prstGeom prst="rect">
-            <a:avLst/>
-          </a:prstGeom>
-        </p:spPr>
-      </p:pic>
-    </p:spTree>
-  </p:cSld>
-  <p:clrMapOvr>
-    <a:masterClrMapping/>
-  </p:clrMapOvr>
-</p:sld>
-</file>
-
-<file path=ppt/slides/slide39.xml><?xml version="1.0" encoding="utf-8"?>
-<p:sld xmlns:a="http://schemas.openxmlformats.org/drawingml/2006/main" xmlns:r="http://schemas.openxmlformats.org/officeDocument/2006/relationships" xmlns:p="http://schemas.openxmlformats.org/presentationml/2006/main">
-  <p:cSld>
-    <p:spTree>
-      <p:nvGrpSpPr>
-        <p:cNvPr id="1" name=""/>
-        <p:cNvGrpSpPr/>
-        <p:nvPr/>
-      </p:nvGrpSpPr>
-      <p:grpSpPr>
-        <a:xfrm>
-          <a:off x="0" y="0"/>
-          <a:ext cx="0" cy="0"/>
-          <a:chOff x="0" y="0"/>
-          <a:chExt cx="0" cy="0"/>
-        </a:xfrm>
-      </p:grpSpPr>
-      <p:sp>
-        <p:nvSpPr>
-          <p:cNvPr id="2" name="Titel 1"/>
-          <p:cNvSpPr>
-            <a:spLocks noGrp="1"/>
-          </p:cNvSpPr>
-          <p:nvPr>
-            <p:ph type="title"/>
-          </p:nvPr>
-        </p:nvSpPr>
-        <p:spPr/>
-        <p:txBody>
-          <a:bodyPr/>
-          <a:lstStyle/>
-          <a:p>
-            <a:pPr algn="ctr"/>
-            <a:r>
-              <a:rPr lang="nl-NL" dirty="0" err="1"/>
-              <a:t>seaborn</a:t>
-            </a:r>
-            <a:endParaRPr lang="nl-NL" dirty="0"/>
-          </a:p>
-        </p:txBody>
-      </p:sp>
-      <p:pic>
-        <p:nvPicPr>
-          <p:cNvPr id="5" name="Afbeelding 4"/>
-          <p:cNvPicPr>
-            <a:picLocks noChangeAspect="1"/>
-          </p:cNvPicPr>
-          <p:nvPr/>
-        </p:nvPicPr>
-        <p:blipFill>
-          <a:blip r:embed="rId2"/>
-          <a:stretch>
-            <a:fillRect/>
-          </a:stretch>
-        </p:blipFill>
-        <p:spPr>
-          <a:xfrm>
-            <a:off x="1093037" y="1681162"/>
-            <a:ext cx="7229475" cy="4410075"/>
           </a:xfrm>
           <a:prstGeom prst="rect">
             <a:avLst/>
@@ -16093,6 +16194,79 @@
 </file>
 
 <file path=ppt/slides/slide40.xml><?xml version="1.0" encoding="utf-8"?>
+<p:sld xmlns:a="http://schemas.openxmlformats.org/drawingml/2006/main" xmlns:r="http://schemas.openxmlformats.org/officeDocument/2006/relationships" xmlns:p="http://schemas.openxmlformats.org/presentationml/2006/main">
+  <p:cSld>
+    <p:spTree>
+      <p:nvGrpSpPr>
+        <p:cNvPr id="1" name=""/>
+        <p:cNvGrpSpPr/>
+        <p:nvPr/>
+      </p:nvGrpSpPr>
+      <p:grpSpPr>
+        <a:xfrm>
+          <a:off x="0" y="0"/>
+          <a:ext cx="0" cy="0"/>
+          <a:chOff x="0" y="0"/>
+          <a:chExt cx="0" cy="0"/>
+        </a:xfrm>
+      </p:grpSpPr>
+      <p:sp>
+        <p:nvSpPr>
+          <p:cNvPr id="2" name="Titel 1"/>
+          <p:cNvSpPr>
+            <a:spLocks noGrp="1"/>
+          </p:cNvSpPr>
+          <p:nvPr>
+            <p:ph type="title"/>
+          </p:nvPr>
+        </p:nvSpPr>
+        <p:spPr/>
+        <p:txBody>
+          <a:bodyPr/>
+          <a:lstStyle/>
+          <a:p>
+            <a:pPr algn="ctr"/>
+            <a:r>
+              <a:rPr lang="nl-NL" dirty="0" err="1"/>
+              <a:t>seaborn</a:t>
+            </a:r>
+            <a:endParaRPr lang="nl-NL" dirty="0"/>
+          </a:p>
+        </p:txBody>
+      </p:sp>
+      <p:pic>
+        <p:nvPicPr>
+          <p:cNvPr id="5" name="Afbeelding 4"/>
+          <p:cNvPicPr>
+            <a:picLocks noChangeAspect="1"/>
+          </p:cNvPicPr>
+          <p:nvPr/>
+        </p:nvPicPr>
+        <p:blipFill>
+          <a:blip r:embed="rId2"/>
+          <a:stretch>
+            <a:fillRect/>
+          </a:stretch>
+        </p:blipFill>
+        <p:spPr>
+          <a:xfrm>
+            <a:off x="1093037" y="1681162"/>
+            <a:ext cx="7229475" cy="4410075"/>
+          </a:xfrm>
+          <a:prstGeom prst="rect">
+            <a:avLst/>
+          </a:prstGeom>
+        </p:spPr>
+      </p:pic>
+    </p:spTree>
+  </p:cSld>
+  <p:clrMapOvr>
+    <a:masterClrMapping/>
+  </p:clrMapOvr>
+</p:sld>
+</file>
+
+<file path=ppt/slides/slide41.xml><?xml version="1.0" encoding="utf-8"?>
 <p:sld xmlns:a="http://schemas.openxmlformats.org/drawingml/2006/main" xmlns:r="http://schemas.openxmlformats.org/officeDocument/2006/relationships" xmlns:p="http://schemas.openxmlformats.org/presentationml/2006/main">
   <p:cSld>
     <p:spTree>
@@ -16146,7 +16320,7 @@
 </p:sld>
 </file>
 
-<file path=ppt/slides/slide41.xml><?xml version="1.0" encoding="utf-8"?>
+<file path=ppt/slides/slide42.xml><?xml version="1.0" encoding="utf-8"?>
 <p:sld xmlns:a="http://schemas.openxmlformats.org/drawingml/2006/main" xmlns:r="http://schemas.openxmlformats.org/officeDocument/2006/relationships" xmlns:p="http://schemas.openxmlformats.org/presentationml/2006/main">
   <p:cSld>
     <p:spTree>
@@ -16211,7 +16385,7 @@
 </p:sld>
 </file>
 
-<file path=ppt/slides/slide42.xml><?xml version="1.0" encoding="utf-8"?>
+<file path=ppt/slides/slide43.xml><?xml version="1.0" encoding="utf-8"?>
 <p:sld xmlns:a="http://schemas.openxmlformats.org/drawingml/2006/main" xmlns:r="http://schemas.openxmlformats.org/officeDocument/2006/relationships" xmlns:p="http://schemas.openxmlformats.org/presentationml/2006/main">
   <p:cSld>
     <p:spTree>
@@ -16305,7 +16479,7 @@
 </p:sld>
 </file>
 
-<file path=ppt/slides/slide43.xml><?xml version="1.0" encoding="utf-8"?>
+<file path=ppt/slides/slide44.xml><?xml version="1.0" encoding="utf-8"?>
 <p:sld xmlns:a="http://schemas.openxmlformats.org/drawingml/2006/main" xmlns:r="http://schemas.openxmlformats.org/officeDocument/2006/relationships" xmlns:p="http://schemas.openxmlformats.org/presentationml/2006/main">
   <p:cSld>
     <p:spTree>
@@ -16470,7 +16644,7 @@
 </p:sld>
 </file>
 
-<file path=ppt/slides/slide44.xml><?xml version="1.0" encoding="utf-8"?>
+<file path=ppt/slides/slide45.xml><?xml version="1.0" encoding="utf-8"?>
 <p:sld xmlns:a="http://schemas.openxmlformats.org/drawingml/2006/main" xmlns:r="http://schemas.openxmlformats.org/officeDocument/2006/relationships" xmlns:p="http://schemas.openxmlformats.org/presentationml/2006/main">
   <p:cSld>
     <p:spTree>
@@ -16545,7 +16719,7 @@
 </p:sld>
 </file>
 
-<file path=ppt/slides/slide45.xml><?xml version="1.0" encoding="utf-8"?>
+<file path=ppt/slides/slide46.xml><?xml version="1.0" encoding="utf-8"?>
 <p:sld xmlns:a="http://schemas.openxmlformats.org/drawingml/2006/main" xmlns:r="http://schemas.openxmlformats.org/officeDocument/2006/relationships" xmlns:p="http://schemas.openxmlformats.org/presentationml/2006/main">
   <p:cSld>
     <p:spTree>
@@ -16685,7 +16859,7 @@
 </p:sld>
 </file>
 
-<file path=ppt/slides/slide46.xml><?xml version="1.0" encoding="utf-8"?>
+<file path=ppt/slides/slide47.xml><?xml version="1.0" encoding="utf-8"?>
 <p:sld xmlns:a="http://schemas.openxmlformats.org/drawingml/2006/main" xmlns:r="http://schemas.openxmlformats.org/officeDocument/2006/relationships" xmlns:p="http://schemas.openxmlformats.org/presentationml/2006/main">
   <p:cSld>
     <p:spTree>
@@ -16825,7 +16999,7 @@
 </p:sld>
 </file>
 
-<file path=ppt/slides/slide47.xml><?xml version="1.0" encoding="utf-8"?>
+<file path=ppt/slides/slide48.xml><?xml version="1.0" encoding="utf-8"?>
 <p:sld xmlns:a="http://schemas.openxmlformats.org/drawingml/2006/main" xmlns:r="http://schemas.openxmlformats.org/officeDocument/2006/relationships" xmlns:p="http://schemas.openxmlformats.org/presentationml/2006/main">
   <p:cSld>
     <p:spTree>
@@ -16891,7 +17065,7 @@
 </p:sld>
 </file>
 
-<file path=ppt/slides/slide48.xml><?xml version="1.0" encoding="utf-8"?>
+<file path=ppt/slides/slide49.xml><?xml version="1.0" encoding="utf-8"?>
 <p:sld xmlns:a="http://schemas.openxmlformats.org/drawingml/2006/main" xmlns:r="http://schemas.openxmlformats.org/officeDocument/2006/relationships" xmlns:p="http://schemas.openxmlformats.org/presentationml/2006/main">
   <p:cSld>
     <p:spTree>
@@ -20222,175 +20396,6 @@
         <p:spPr>
           <a:xfrm>
             <a:off x="4847747" y="2092965"/>
-            <a:ext cx="5108836" cy="584775"/>
-          </a:xfrm>
-          <a:prstGeom prst="rect">
-            <a:avLst/>
-          </a:prstGeom>
-          <a:noFill/>
-        </p:spPr>
-        <p:txBody>
-          <a:bodyPr wrap="square" lIns="91440" tIns="45720" rIns="91440" bIns="45720">
-            <a:spAutoFit/>
-          </a:bodyPr>
-          <a:lstStyle/>
-          <a:p>
-            <a:pPr algn="ctr"/>
-            <a:r>
-              <a:rPr lang="nl-NL" sz="3200" dirty="0">
-                <a:ln w="0"/>
-                <a:solidFill>
-                  <a:srgbClr val="FF0000"/>
-                </a:solidFill>
-              </a:rPr>
-              <a:t>Om thuis door te lezen</a:t>
-            </a:r>
-            <a:endParaRPr lang="nl-NL" sz="3200" b="0" cap="none" spc="0" dirty="0">
-              <a:ln w="0"/>
-              <a:solidFill>
-                <a:srgbClr val="FF0000"/>
-              </a:solidFill>
-              <a:effectLst/>
-            </a:endParaRPr>
-          </a:p>
-        </p:txBody>
-      </p:sp>
-    </p:spTree>
-  </p:cSld>
-  <p:clrMapOvr>
-    <a:masterClrMapping/>
-  </p:clrMapOvr>
-  <p:timing>
-    <p:tnLst>
-      <p:par>
-        <p:cTn id="1" dur="indefinite" restart="never" nodeType="tmRoot">
-          <p:childTnLst>
-            <p:seq concurrent="1" nextAc="seek">
-              <p:cTn id="2" dur="indefinite" nodeType="mainSeq">
-                <p:childTnLst>
-                  <p:par>
-                    <p:cTn id="3" fill="hold">
-                      <p:stCondLst>
-                        <p:cond delay="indefinite"/>
-                      </p:stCondLst>
-                      <p:childTnLst>
-                        <p:par>
-                          <p:cTn id="4" fill="hold">
-                            <p:stCondLst>
-                              <p:cond delay="0"/>
-                            </p:stCondLst>
-                            <p:childTnLst>
-                              <p:par>
-                                <p:cTn id="5" presetID="1" presetClass="entr" presetSubtype="0" fill="hold" grpId="0" nodeType="clickEffect">
-                                  <p:stCondLst>
-                                    <p:cond delay="0"/>
-                                  </p:stCondLst>
-                                  <p:childTnLst>
-                                    <p:set>
-                                      <p:cBhvr>
-                                        <p:cTn id="6" dur="1" fill="hold">
-                                          <p:stCondLst>
-                                            <p:cond delay="0"/>
-                                          </p:stCondLst>
-                                        </p:cTn>
-                                        <p:tgtEl>
-                                          <p:spTgt spid="3"/>
-                                        </p:tgtEl>
-                                        <p:attrNameLst>
-                                          <p:attrName>style.visibility</p:attrName>
-                                        </p:attrNameLst>
-                                      </p:cBhvr>
-                                      <p:to>
-                                        <p:strVal val="visible"/>
-                                      </p:to>
-                                    </p:set>
-                                  </p:childTnLst>
-                                </p:cTn>
-                              </p:par>
-                            </p:childTnLst>
-                          </p:cTn>
-                        </p:par>
-                      </p:childTnLst>
-                    </p:cTn>
-                  </p:par>
-                </p:childTnLst>
-              </p:cTn>
-              <p:prevCondLst>
-                <p:cond evt="onPrev" delay="0">
-                  <p:tgtEl>
-                    <p:sldTgt/>
-                  </p:tgtEl>
-                </p:cond>
-              </p:prevCondLst>
-              <p:nextCondLst>
-                <p:cond evt="onNext" delay="0">
-                  <p:tgtEl>
-                    <p:sldTgt/>
-                  </p:tgtEl>
-                </p:cond>
-              </p:nextCondLst>
-            </p:seq>
-          </p:childTnLst>
-        </p:cTn>
-      </p:par>
-    </p:tnLst>
-    <p:bldLst>
-      <p:bldP spid="3" grpId="0"/>
-    </p:bldLst>
-  </p:timing>
-</p:sld>
-</file>
-
-<file path=ppt/slides/slide49.xml><?xml version="1.0" encoding="utf-8"?>
-<p:sld xmlns:a="http://schemas.openxmlformats.org/drawingml/2006/main" xmlns:r="http://schemas.openxmlformats.org/officeDocument/2006/relationships" xmlns:p="http://schemas.openxmlformats.org/presentationml/2006/main">
-  <p:cSld>
-    <p:spTree>
-      <p:nvGrpSpPr>
-        <p:cNvPr id="1" name=""/>
-        <p:cNvGrpSpPr/>
-        <p:nvPr/>
-      </p:nvGrpSpPr>
-      <p:grpSpPr>
-        <a:xfrm>
-          <a:off x="0" y="0"/>
-          <a:ext cx="0" cy="0"/>
-          <a:chOff x="0" y="0"/>
-          <a:chExt cx="0" cy="0"/>
-        </a:xfrm>
-      </p:grpSpPr>
-      <p:pic>
-        <p:nvPicPr>
-          <p:cNvPr id="2" name="Afbeelding 1"/>
-          <p:cNvPicPr>
-            <a:picLocks noChangeAspect="1"/>
-          </p:cNvPicPr>
-          <p:nvPr/>
-        </p:nvPicPr>
-        <p:blipFill>
-          <a:blip r:embed="rId2"/>
-          <a:stretch>
-            <a:fillRect/>
-          </a:stretch>
-        </p:blipFill>
-        <p:spPr>
-          <a:xfrm>
-            <a:off x="469263" y="245745"/>
-            <a:ext cx="8067675" cy="6000750"/>
-          </a:xfrm>
-          <a:prstGeom prst="rect">
-            <a:avLst/>
-          </a:prstGeom>
-        </p:spPr>
-      </p:pic>
-      <p:sp>
-        <p:nvSpPr>
-          <p:cNvPr id="3" name="Rechthoek 2"/>
-          <p:cNvSpPr/>
-          <p:nvPr/>
-        </p:nvSpPr>
-        <p:spPr>
-          <a:xfrm>
-            <a:off x="5346511" y="2334034"/>
             <a:ext cx="5108836" cy="584775"/>
           </a:xfrm>
           <a:prstGeom prst="rect">
@@ -20684,8 +20689,8 @@
         </p:blipFill>
         <p:spPr>
           <a:xfrm>
-            <a:off x="860107" y="341688"/>
-            <a:ext cx="8277225" cy="6191250"/>
+            <a:off x="469263" y="245745"/>
+            <a:ext cx="8067675" cy="6000750"/>
           </a:xfrm>
           <a:prstGeom prst="rect">
             <a:avLst/>
@@ -20700,7 +20705,7 @@
         </p:nvSpPr>
         <p:spPr>
           <a:xfrm>
-            <a:off x="5487827" y="2450412"/>
+            <a:off x="5346511" y="2334034"/>
             <a:ext cx="5108836" cy="584775"/>
           </a:xfrm>
           <a:prstGeom prst="rect">
@@ -20821,6 +20826,175 @@
 </file>
 
 <file path=ppt/slides/slide51.xml><?xml version="1.0" encoding="utf-8"?>
+<p:sld xmlns:a="http://schemas.openxmlformats.org/drawingml/2006/main" xmlns:r="http://schemas.openxmlformats.org/officeDocument/2006/relationships" xmlns:p="http://schemas.openxmlformats.org/presentationml/2006/main">
+  <p:cSld>
+    <p:spTree>
+      <p:nvGrpSpPr>
+        <p:cNvPr id="1" name=""/>
+        <p:cNvGrpSpPr/>
+        <p:nvPr/>
+      </p:nvGrpSpPr>
+      <p:grpSpPr>
+        <a:xfrm>
+          <a:off x="0" y="0"/>
+          <a:ext cx="0" cy="0"/>
+          <a:chOff x="0" y="0"/>
+          <a:chExt cx="0" cy="0"/>
+        </a:xfrm>
+      </p:grpSpPr>
+      <p:pic>
+        <p:nvPicPr>
+          <p:cNvPr id="2" name="Afbeelding 1"/>
+          <p:cNvPicPr>
+            <a:picLocks noChangeAspect="1"/>
+          </p:cNvPicPr>
+          <p:nvPr/>
+        </p:nvPicPr>
+        <p:blipFill>
+          <a:blip r:embed="rId2"/>
+          <a:stretch>
+            <a:fillRect/>
+          </a:stretch>
+        </p:blipFill>
+        <p:spPr>
+          <a:xfrm>
+            <a:off x="860107" y="341688"/>
+            <a:ext cx="8277225" cy="6191250"/>
+          </a:xfrm>
+          <a:prstGeom prst="rect">
+            <a:avLst/>
+          </a:prstGeom>
+        </p:spPr>
+      </p:pic>
+      <p:sp>
+        <p:nvSpPr>
+          <p:cNvPr id="3" name="Rechthoek 2"/>
+          <p:cNvSpPr/>
+          <p:nvPr/>
+        </p:nvSpPr>
+        <p:spPr>
+          <a:xfrm>
+            <a:off x="5487827" y="2450412"/>
+            <a:ext cx="5108836" cy="584775"/>
+          </a:xfrm>
+          <a:prstGeom prst="rect">
+            <a:avLst/>
+          </a:prstGeom>
+          <a:noFill/>
+        </p:spPr>
+        <p:txBody>
+          <a:bodyPr wrap="square" lIns="91440" tIns="45720" rIns="91440" bIns="45720">
+            <a:spAutoFit/>
+          </a:bodyPr>
+          <a:lstStyle/>
+          <a:p>
+            <a:pPr algn="ctr"/>
+            <a:r>
+              <a:rPr lang="nl-NL" sz="3200" dirty="0">
+                <a:ln w="0"/>
+                <a:solidFill>
+                  <a:srgbClr val="FF0000"/>
+                </a:solidFill>
+              </a:rPr>
+              <a:t>Om thuis door te lezen</a:t>
+            </a:r>
+            <a:endParaRPr lang="nl-NL" sz="3200" b="0" cap="none" spc="0" dirty="0">
+              <a:ln w="0"/>
+              <a:solidFill>
+                <a:srgbClr val="FF0000"/>
+              </a:solidFill>
+              <a:effectLst/>
+            </a:endParaRPr>
+          </a:p>
+        </p:txBody>
+      </p:sp>
+    </p:spTree>
+  </p:cSld>
+  <p:clrMapOvr>
+    <a:masterClrMapping/>
+  </p:clrMapOvr>
+  <p:timing>
+    <p:tnLst>
+      <p:par>
+        <p:cTn id="1" dur="indefinite" restart="never" nodeType="tmRoot">
+          <p:childTnLst>
+            <p:seq concurrent="1" nextAc="seek">
+              <p:cTn id="2" dur="indefinite" nodeType="mainSeq">
+                <p:childTnLst>
+                  <p:par>
+                    <p:cTn id="3" fill="hold">
+                      <p:stCondLst>
+                        <p:cond delay="indefinite"/>
+                      </p:stCondLst>
+                      <p:childTnLst>
+                        <p:par>
+                          <p:cTn id="4" fill="hold">
+                            <p:stCondLst>
+                              <p:cond delay="0"/>
+                            </p:stCondLst>
+                            <p:childTnLst>
+                              <p:par>
+                                <p:cTn id="5" presetID="1" presetClass="entr" presetSubtype="0" fill="hold" grpId="0" nodeType="clickEffect">
+                                  <p:stCondLst>
+                                    <p:cond delay="0"/>
+                                  </p:stCondLst>
+                                  <p:childTnLst>
+                                    <p:set>
+                                      <p:cBhvr>
+                                        <p:cTn id="6" dur="1" fill="hold">
+                                          <p:stCondLst>
+                                            <p:cond delay="0"/>
+                                          </p:stCondLst>
+                                        </p:cTn>
+                                        <p:tgtEl>
+                                          <p:spTgt spid="3"/>
+                                        </p:tgtEl>
+                                        <p:attrNameLst>
+                                          <p:attrName>style.visibility</p:attrName>
+                                        </p:attrNameLst>
+                                      </p:cBhvr>
+                                      <p:to>
+                                        <p:strVal val="visible"/>
+                                      </p:to>
+                                    </p:set>
+                                  </p:childTnLst>
+                                </p:cTn>
+                              </p:par>
+                            </p:childTnLst>
+                          </p:cTn>
+                        </p:par>
+                      </p:childTnLst>
+                    </p:cTn>
+                  </p:par>
+                </p:childTnLst>
+              </p:cTn>
+              <p:prevCondLst>
+                <p:cond evt="onPrev" delay="0">
+                  <p:tgtEl>
+                    <p:sldTgt/>
+                  </p:tgtEl>
+                </p:cond>
+              </p:prevCondLst>
+              <p:nextCondLst>
+                <p:cond evt="onNext" delay="0">
+                  <p:tgtEl>
+                    <p:sldTgt/>
+                  </p:tgtEl>
+                </p:cond>
+              </p:nextCondLst>
+            </p:seq>
+          </p:childTnLst>
+        </p:cTn>
+      </p:par>
+    </p:tnLst>
+    <p:bldLst>
+      <p:bldP spid="3" grpId="0"/>
+    </p:bldLst>
+  </p:timing>
+</p:sld>
+</file>
+
+<file path=ppt/slides/slide52.xml><?xml version="1.0" encoding="utf-8"?>
 <p:sld xmlns:a="http://schemas.openxmlformats.org/drawingml/2006/main" xmlns:r="http://schemas.openxmlformats.org/officeDocument/2006/relationships" xmlns:p="http://schemas.openxmlformats.org/presentationml/2006/main">
   <p:cSld>
     <p:spTree>
